--- a/Le BeamForming.pptx
+++ b/Le BeamForming.pptx
@@ -21,8 +21,8 @@
     <p:sldId id="268" r:id="rId15"/>
     <p:sldId id="269" r:id="rId16"/>
     <p:sldId id="262" r:id="rId17"/>
-    <p:sldId id="275" r:id="rId18"/>
-    <p:sldId id="273" r:id="rId19"/>
+    <p:sldId id="273" r:id="rId18"/>
+    <p:sldId id="275" r:id="rId19"/>
     <p:sldId id="274" r:id="rId20"/>
     <p:sldId id="270" r:id="rId21"/>
     <p:sldId id="261" r:id="rId22"/>
@@ -783,14 +783,14 @@
               <a:defRPr/>
             </a:pPr>
             <a:r>
-              <a:rPr lang="fr-FR" sz="2400"/>
-              <a:t>Remplissage</a:t>
-            </a:r>
-            <a:r>
-              <a:rPr lang="fr-FR" sz="2400" baseline="0"/>
-              <a:t> du buffer</a:t>
-            </a:r>
-            <a:endParaRPr lang="fr-FR" sz="2400"/>
+              <a:rPr lang="fr-FR" sz="2000" dirty="0"/>
+              <a:t>Délai en</a:t>
+            </a:r>
+            <a:r>
+              <a:rPr lang="fr-FR" sz="2000" baseline="0" dirty="0"/>
+              <a:t> fonction de la charge</a:t>
+            </a:r>
+            <a:endParaRPr lang="fr-FR" dirty="0"/>
           </a:p>
         </c:rich>
       </c:tx>
@@ -807,11 +807,11 @@
           <c:order val="0"/>
           <c:tx>
             <c:strRef>
-              <c:f>Feuille1!$D$169</c:f>
+              <c:f>Feuille1!$B$169</c:f>
               <c:strCache>
                 <c:ptCount val="1"/>
                 <c:pt idx="0">
-                  <c:v>BufferBeam</c:v>
+                  <c:v>PingBeam</c:v>
                 </c:pt>
               </c:strCache>
             </c:strRef>
@@ -1015,159 +1015,309 @@
           </c:xVal>
           <c:yVal>
             <c:numRef>
-              <c:f>Feuille1!$D$170:$D$219</c:f>
+              <c:f>[Beam.xlsx]Feuille1!$B$170:$C$270</c:f>
               <c:numCache>
                 <c:formatCode>General</c:formatCode>
-                <c:ptCount val="50"/>
+                <c:ptCount val="202"/>
                 <c:pt idx="0">
-                  <c:v>14</c:v>
+                  <c:v>4</c:v>
                 </c:pt>
                 <c:pt idx="1">
-                  <c:v>29</c:v>
+                  <c:v>4</c:v>
                 </c:pt>
                 <c:pt idx="2">
-                  <c:v>33</c:v>
+                  <c:v>4</c:v>
                 </c:pt>
                 <c:pt idx="3">
-                  <c:v>43</c:v>
+                  <c:v>5</c:v>
                 </c:pt>
                 <c:pt idx="4">
-                  <c:v>56</c:v>
+                  <c:v>5</c:v>
                 </c:pt>
                 <c:pt idx="5">
-                  <c:v>65</c:v>
+                  <c:v>5</c:v>
                 </c:pt>
                 <c:pt idx="6">
-                  <c:v>74</c:v>
+                  <c:v>5</c:v>
                 </c:pt>
                 <c:pt idx="7">
-                  <c:v>84</c:v>
+                  <c:v>5</c:v>
                 </c:pt>
                 <c:pt idx="8">
-                  <c:v>87</c:v>
+                  <c:v>6</c:v>
                 </c:pt>
                 <c:pt idx="9">
-                  <c:v>98</c:v>
+                  <c:v>6</c:v>
                 </c:pt>
                 <c:pt idx="10">
-                  <c:v>116</c:v>
+                  <c:v>6</c:v>
                 </c:pt>
                 <c:pt idx="11">
-                  <c:v>126</c:v>
+                  <c:v>6</c:v>
                 </c:pt>
                 <c:pt idx="12">
-                  <c:v>125</c:v>
+                  <c:v>6</c:v>
                 </c:pt>
                 <c:pt idx="13">
-                  <c:v>142</c:v>
+                  <c:v>7</c:v>
                 </c:pt>
                 <c:pt idx="14">
-                  <c:v>140</c:v>
+                  <c:v>7</c:v>
                 </c:pt>
                 <c:pt idx="15">
-                  <c:v>158</c:v>
+                  <c:v>7</c:v>
                 </c:pt>
                 <c:pt idx="16">
-                  <c:v>170</c:v>
+                  <c:v>7</c:v>
                 </c:pt>
                 <c:pt idx="17">
-                  <c:v>171</c:v>
+                  <c:v>8</c:v>
                 </c:pt>
                 <c:pt idx="18">
-                  <c:v>178</c:v>
+                  <c:v>8</c:v>
                 </c:pt>
                 <c:pt idx="19">
-                  <c:v>195</c:v>
+                  <c:v>8</c:v>
                 </c:pt>
                 <c:pt idx="20">
-                  <c:v>201</c:v>
+                  <c:v>8</c:v>
                 </c:pt>
                 <c:pt idx="21">
-                  <c:v>208</c:v>
+                  <c:v>8</c:v>
                 </c:pt>
                 <c:pt idx="22">
-                  <c:v>224</c:v>
+                  <c:v>8</c:v>
                 </c:pt>
                 <c:pt idx="23">
-                  <c:v>217</c:v>
+                  <c:v>8</c:v>
                 </c:pt>
                 <c:pt idx="24">
-                  <c:v>228</c:v>
+                  <c:v>8</c:v>
                 </c:pt>
                 <c:pt idx="25">
-                  <c:v>244</c:v>
+                  <c:v>8</c:v>
                 </c:pt>
                 <c:pt idx="26">
-                  <c:v>253</c:v>
+                  <c:v>8</c:v>
                 </c:pt>
                 <c:pt idx="27">
-                  <c:v>264</c:v>
+                  <c:v>8</c:v>
                 </c:pt>
                 <c:pt idx="28">
-                  <c:v>275</c:v>
+                  <c:v>8</c:v>
                 </c:pt>
                 <c:pt idx="29">
-                  <c:v>282</c:v>
+                  <c:v>8</c:v>
                 </c:pt>
                 <c:pt idx="30">
-                  <c:v>286</c:v>
+                  <c:v>8</c:v>
                 </c:pt>
                 <c:pt idx="31">
-                  <c:v>300</c:v>
+                  <c:v>8</c:v>
                 </c:pt>
                 <c:pt idx="32">
-                  <c:v>305</c:v>
+                  <c:v>8</c:v>
                 </c:pt>
                 <c:pt idx="33">
-                  <c:v>318</c:v>
+                  <c:v>8</c:v>
                 </c:pt>
                 <c:pt idx="34">
-                  <c:v>321</c:v>
+                  <c:v>8</c:v>
                 </c:pt>
                 <c:pt idx="35">
-                  <c:v>330</c:v>
+                  <c:v>8</c:v>
                 </c:pt>
                 <c:pt idx="36">
-                  <c:v>344</c:v>
+                  <c:v>8</c:v>
                 </c:pt>
                 <c:pt idx="37">
-                  <c:v>352</c:v>
+                  <c:v>8</c:v>
                 </c:pt>
                 <c:pt idx="38">
-                  <c:v>357</c:v>
+                  <c:v>8</c:v>
                 </c:pt>
                 <c:pt idx="39">
-                  <c:v>360</c:v>
+                  <c:v>8</c:v>
                 </c:pt>
                 <c:pt idx="40">
-                  <c:v>376</c:v>
+                  <c:v>8</c:v>
                 </c:pt>
                 <c:pt idx="41">
-                  <c:v>396</c:v>
+                  <c:v>8</c:v>
                 </c:pt>
                 <c:pt idx="42">
-                  <c:v>399</c:v>
+                  <c:v>8</c:v>
                 </c:pt>
                 <c:pt idx="43">
-                  <c:v>401</c:v>
+                  <c:v>8</c:v>
                 </c:pt>
                 <c:pt idx="44">
-                  <c:v>410</c:v>
+                  <c:v>8</c:v>
                 </c:pt>
                 <c:pt idx="45">
-                  <c:v>425</c:v>
+                  <c:v>8</c:v>
                 </c:pt>
                 <c:pt idx="46">
-                  <c:v>616</c:v>
+                  <c:v>10</c:v>
                 </c:pt>
                 <c:pt idx="47">
-                  <c:v>973</c:v>
+                  <c:v>19</c:v>
                 </c:pt>
                 <c:pt idx="48">
-                  <c:v>976</c:v>
+                  <c:v>20</c:v>
                 </c:pt>
                 <c:pt idx="49">
-                  <c:v>973</c:v>
+                  <c:v>20</c:v>
+                </c:pt>
+                <c:pt idx="101">
+                  <c:v>4</c:v>
+                </c:pt>
+                <c:pt idx="102">
+                  <c:v>4</c:v>
+                </c:pt>
+                <c:pt idx="103">
+                  <c:v>4</c:v>
+                </c:pt>
+                <c:pt idx="104">
+                  <c:v>5</c:v>
+                </c:pt>
+                <c:pt idx="105">
+                  <c:v>5</c:v>
+                </c:pt>
+                <c:pt idx="106">
+                  <c:v>5</c:v>
+                </c:pt>
+                <c:pt idx="107">
+                  <c:v>5</c:v>
+                </c:pt>
+                <c:pt idx="108">
+                  <c:v>5</c:v>
+                </c:pt>
+                <c:pt idx="109">
+                  <c:v>6</c:v>
+                </c:pt>
+                <c:pt idx="110">
+                  <c:v>6</c:v>
+                </c:pt>
+                <c:pt idx="111">
+                  <c:v>6</c:v>
+                </c:pt>
+                <c:pt idx="112">
+                  <c:v>6</c:v>
+                </c:pt>
+                <c:pt idx="113">
+                  <c:v>6</c:v>
+                </c:pt>
+                <c:pt idx="114">
+                  <c:v>7</c:v>
+                </c:pt>
+                <c:pt idx="115">
+                  <c:v>7</c:v>
+                </c:pt>
+                <c:pt idx="116">
+                  <c:v>7</c:v>
+                </c:pt>
+                <c:pt idx="117">
+                  <c:v>7</c:v>
+                </c:pt>
+                <c:pt idx="118">
+                  <c:v>8</c:v>
+                </c:pt>
+                <c:pt idx="119">
+                  <c:v>8</c:v>
+                </c:pt>
+                <c:pt idx="120">
+                  <c:v>8</c:v>
+                </c:pt>
+                <c:pt idx="121">
+                  <c:v>8</c:v>
+                </c:pt>
+                <c:pt idx="122">
+                  <c:v>8</c:v>
+                </c:pt>
+                <c:pt idx="123">
+                  <c:v>16</c:v>
+                </c:pt>
+                <c:pt idx="124">
+                  <c:v>37</c:v>
+                </c:pt>
+                <c:pt idx="125">
+                  <c:v>42</c:v>
+                </c:pt>
+                <c:pt idx="126">
+                  <c:v>42</c:v>
+                </c:pt>
+                <c:pt idx="127">
+                  <c:v>42</c:v>
+                </c:pt>
+                <c:pt idx="128">
+                  <c:v>42</c:v>
+                </c:pt>
+                <c:pt idx="129">
+                  <c:v>42</c:v>
+                </c:pt>
+                <c:pt idx="130">
+                  <c:v>42</c:v>
+                </c:pt>
+                <c:pt idx="131">
+                  <c:v>42</c:v>
+                </c:pt>
+                <c:pt idx="132">
+                  <c:v>42</c:v>
+                </c:pt>
+                <c:pt idx="133">
+                  <c:v>42</c:v>
+                </c:pt>
+                <c:pt idx="134">
+                  <c:v>42</c:v>
+                </c:pt>
+                <c:pt idx="135">
+                  <c:v>42</c:v>
+                </c:pt>
+                <c:pt idx="136">
+                  <c:v>42</c:v>
+                </c:pt>
+                <c:pt idx="137">
+                  <c:v>42</c:v>
+                </c:pt>
+                <c:pt idx="138">
+                  <c:v>42</c:v>
+                </c:pt>
+                <c:pt idx="139">
+                  <c:v>42</c:v>
+                </c:pt>
+                <c:pt idx="140">
+                  <c:v>42</c:v>
+                </c:pt>
+                <c:pt idx="141">
+                  <c:v>42</c:v>
+                </c:pt>
+                <c:pt idx="142">
+                  <c:v>42</c:v>
+                </c:pt>
+                <c:pt idx="143">
+                  <c:v>42</c:v>
+                </c:pt>
+                <c:pt idx="144">
+                  <c:v>42</c:v>
+                </c:pt>
+                <c:pt idx="145">
+                  <c:v>42</c:v>
+                </c:pt>
+                <c:pt idx="146">
+                  <c:v>42</c:v>
+                </c:pt>
+                <c:pt idx="147">
+                  <c:v>42</c:v>
+                </c:pt>
+                <c:pt idx="148">
+                  <c:v>42</c:v>
+                </c:pt>
+                <c:pt idx="149">
+                  <c:v>42</c:v>
+                </c:pt>
+                <c:pt idx="150">
+                  <c:v>42</c:v>
                 </c:pt>
               </c:numCache>
             </c:numRef>
@@ -1175,7 +1325,7 @@
           <c:smooth val="0"/>
           <c:extLst>
             <c:ext xmlns:c16="http://schemas.microsoft.com/office/drawing/2014/chart" uri="{C3380CC4-5D6E-409C-BE32-E72D297353CC}">
-              <c16:uniqueId val="{00000000-CCA7-47D4-A6B8-5A95C8481A23}"/>
+              <c16:uniqueId val="{00000000-D599-426B-BDA1-0F508110F999}"/>
             </c:ext>
           </c:extLst>
         </c:ser>
@@ -1184,11 +1334,11 @@
           <c:order val="1"/>
           <c:tx>
             <c:strRef>
-              <c:f>Feuille1!$E$169</c:f>
+              <c:f>Feuille1!$C$169</c:f>
               <c:strCache>
                 <c:ptCount val="1"/>
                 <c:pt idx="0">
-                  <c:v>BufferNoBeam</c:v>
+                  <c:v>PingNoBeam</c:v>
                 </c:pt>
               </c:strCache>
             </c:strRef>
@@ -1392,159 +1542,159 @@
           </c:xVal>
           <c:yVal>
             <c:numRef>
-              <c:f>Feuille1!$E$170:$E$219</c:f>
+              <c:f>Feuille1!$C$170:$C$270</c:f>
               <c:numCache>
                 <c:formatCode>General</c:formatCode>
-                <c:ptCount val="50"/>
+                <c:ptCount val="101"/>
                 <c:pt idx="0">
-                  <c:v>13</c:v>
+                  <c:v>4</c:v>
                 </c:pt>
                 <c:pt idx="1">
-                  <c:v>26</c:v>
+                  <c:v>4</c:v>
                 </c:pt>
                 <c:pt idx="2">
-                  <c:v>34</c:v>
+                  <c:v>4</c:v>
                 </c:pt>
                 <c:pt idx="3">
-                  <c:v>53</c:v>
+                  <c:v>5</c:v>
                 </c:pt>
                 <c:pt idx="4">
-                  <c:v>49</c:v>
+                  <c:v>5</c:v>
                 </c:pt>
                 <c:pt idx="5">
-                  <c:v>64</c:v>
+                  <c:v>5</c:v>
                 </c:pt>
                 <c:pt idx="6">
-                  <c:v>72</c:v>
+                  <c:v>5</c:v>
                 </c:pt>
                 <c:pt idx="7">
-                  <c:v>82</c:v>
+                  <c:v>5</c:v>
                 </c:pt>
                 <c:pt idx="8">
-                  <c:v>91</c:v>
+                  <c:v>6</c:v>
                 </c:pt>
                 <c:pt idx="9">
-                  <c:v>98</c:v>
+                  <c:v>6</c:v>
                 </c:pt>
                 <c:pt idx="10">
-                  <c:v>123</c:v>
+                  <c:v>6</c:v>
                 </c:pt>
                 <c:pt idx="11">
-                  <c:v>116</c:v>
+                  <c:v>6</c:v>
                 </c:pt>
                 <c:pt idx="12">
-                  <c:v>123</c:v>
+                  <c:v>6</c:v>
                 </c:pt>
                 <c:pt idx="13">
-                  <c:v>132</c:v>
+                  <c:v>7</c:v>
                 </c:pt>
                 <c:pt idx="14">
-                  <c:v>143</c:v>
+                  <c:v>7</c:v>
                 </c:pt>
                 <c:pt idx="15">
-                  <c:v>147</c:v>
+                  <c:v>7</c:v>
                 </c:pt>
                 <c:pt idx="16">
-                  <c:v>159</c:v>
+                  <c:v>7</c:v>
                 </c:pt>
                 <c:pt idx="17">
-                  <c:v>166</c:v>
+                  <c:v>8</c:v>
                 </c:pt>
                 <c:pt idx="18">
-                  <c:v>179</c:v>
+                  <c:v>8</c:v>
                 </c:pt>
                 <c:pt idx="19">
-                  <c:v>188</c:v>
+                  <c:v>8</c:v>
                 </c:pt>
                 <c:pt idx="20">
-                  <c:v>193</c:v>
+                  <c:v>8</c:v>
                 </c:pt>
                 <c:pt idx="21">
-                  <c:v>213</c:v>
+                  <c:v>8</c:v>
                 </c:pt>
                 <c:pt idx="22">
-                  <c:v>541</c:v>
+                  <c:v>16</c:v>
                 </c:pt>
                 <c:pt idx="23">
-                  <c:v>999</c:v>
+                  <c:v>37</c:v>
                 </c:pt>
                 <c:pt idx="24">
-                  <c:v>999</c:v>
+                  <c:v>42</c:v>
                 </c:pt>
                 <c:pt idx="25">
-                  <c:v>999</c:v>
+                  <c:v>42</c:v>
                 </c:pt>
                 <c:pt idx="26">
-                  <c:v>1000</c:v>
+                  <c:v>42</c:v>
                 </c:pt>
                 <c:pt idx="27">
-                  <c:v>1001</c:v>
+                  <c:v>42</c:v>
                 </c:pt>
                 <c:pt idx="28">
-                  <c:v>1000</c:v>
+                  <c:v>42</c:v>
                 </c:pt>
                 <c:pt idx="29">
-                  <c:v>1000</c:v>
+                  <c:v>42</c:v>
                 </c:pt>
                 <c:pt idx="30">
-                  <c:v>1001</c:v>
+                  <c:v>42</c:v>
                 </c:pt>
                 <c:pt idx="31">
-                  <c:v>1000</c:v>
+                  <c:v>42</c:v>
                 </c:pt>
                 <c:pt idx="32">
-                  <c:v>1001</c:v>
+                  <c:v>42</c:v>
                 </c:pt>
                 <c:pt idx="33">
-                  <c:v>1001</c:v>
+                  <c:v>42</c:v>
                 </c:pt>
                 <c:pt idx="34">
-                  <c:v>1000</c:v>
+                  <c:v>42</c:v>
                 </c:pt>
                 <c:pt idx="35">
-                  <c:v>1001</c:v>
+                  <c:v>42</c:v>
                 </c:pt>
                 <c:pt idx="36">
-                  <c:v>1001</c:v>
+                  <c:v>42</c:v>
                 </c:pt>
                 <c:pt idx="37">
-                  <c:v>1001</c:v>
+                  <c:v>42</c:v>
                 </c:pt>
                 <c:pt idx="38">
-                  <c:v>1001</c:v>
+                  <c:v>42</c:v>
                 </c:pt>
                 <c:pt idx="39">
-                  <c:v>1000</c:v>
+                  <c:v>42</c:v>
                 </c:pt>
                 <c:pt idx="40">
-                  <c:v>999</c:v>
+                  <c:v>42</c:v>
                 </c:pt>
                 <c:pt idx="41">
-                  <c:v>1001</c:v>
+                  <c:v>42</c:v>
                 </c:pt>
                 <c:pt idx="42">
-                  <c:v>1000</c:v>
+                  <c:v>42</c:v>
                 </c:pt>
                 <c:pt idx="43">
-                  <c:v>999</c:v>
+                  <c:v>42</c:v>
                 </c:pt>
                 <c:pt idx="44">
-                  <c:v>999</c:v>
+                  <c:v>42</c:v>
                 </c:pt>
                 <c:pt idx="45">
-                  <c:v>1000</c:v>
+                  <c:v>42</c:v>
                 </c:pt>
                 <c:pt idx="46">
-                  <c:v>1001</c:v>
+                  <c:v>42</c:v>
                 </c:pt>
                 <c:pt idx="47">
-                  <c:v>1001</c:v>
+                  <c:v>42</c:v>
                 </c:pt>
                 <c:pt idx="48">
-                  <c:v>1001</c:v>
+                  <c:v>42</c:v>
                 </c:pt>
                 <c:pt idx="49">
-                  <c:v>1000</c:v>
+                  <c:v>42</c:v>
                 </c:pt>
               </c:numCache>
             </c:numRef>
@@ -1552,7 +1702,7 @@
           <c:smooth val="0"/>
           <c:extLst>
             <c:ext xmlns:c16="http://schemas.microsoft.com/office/drawing/2014/chart" uri="{C3380CC4-5D6E-409C-BE32-E72D297353CC}">
-              <c16:uniqueId val="{00000001-CCA7-47D4-A6B8-5A95C8481A23}"/>
+              <c16:uniqueId val="{00000001-D599-426B-BDA1-0F508110F999}"/>
             </c:ext>
           </c:extLst>
         </c:ser>
@@ -1564,16 +1714,34 @@
           <c:showPercent val="0"/>
           <c:showBubbleSize val="0"/>
         </c:dLbls>
-        <c:axId val="83107804"/>
-        <c:axId val="18620405"/>
+        <c:axId val="61357630"/>
+        <c:axId val="36929890"/>
       </c:scatterChart>
       <c:valAx>
-        <c:axId val="83107804"/>
+        <c:axId val="61357630"/>
         <c:scaling>
           <c:orientation val="minMax"/>
         </c:scaling>
         <c:delete val="0"/>
         <c:axPos val="b"/>
+        <c:title>
+          <c:tx>
+            <c:rich>
+              <a:bodyPr/>
+              <a:lstStyle/>
+              <a:p>
+                <a:pPr>
+                  <a:defRPr/>
+                </a:pPr>
+                <a:r>
+                  <a:rPr lang="fr-FR" dirty="0"/>
+                  <a:t>Charge aléatoire</a:t>
+                </a:r>
+              </a:p>
+            </c:rich>
+          </c:tx>
+          <c:overlay val="0"/>
+        </c:title>
         <c:numFmt formatCode="General" sourceLinked="1"/>
         <c:majorTickMark val="out"/>
         <c:minorTickMark val="none"/>
@@ -1605,12 +1773,12 @@
             <a:endParaRPr lang="fr-FR"/>
           </a:p>
         </c:txPr>
-        <c:crossAx val="18620405"/>
+        <c:crossAx val="36929890"/>
         <c:crosses val="autoZero"/>
         <c:crossBetween val="midCat"/>
       </c:valAx>
       <c:valAx>
-        <c:axId val="18620405"/>
+        <c:axId val="36929890"/>
         <c:scaling>
           <c:orientation val="minMax"/>
         </c:scaling>
@@ -1625,6 +1793,24 @@
             </a:ln>
           </c:spPr>
         </c:majorGridlines>
+        <c:title>
+          <c:tx>
+            <c:rich>
+              <a:bodyPr/>
+              <a:lstStyle/>
+              <a:p>
+                <a:pPr>
+                  <a:defRPr/>
+                </a:pPr>
+                <a:r>
+                  <a:rPr lang="fr-FR" dirty="0"/>
+                  <a:t>Délai</a:t>
+                </a:r>
+              </a:p>
+            </c:rich>
+          </c:tx>
+          <c:overlay val="0"/>
+        </c:title>
         <c:numFmt formatCode="General" sourceLinked="1"/>
         <c:majorTickMark val="out"/>
         <c:minorTickMark val="none"/>
@@ -1656,7 +1842,7 @@
             <a:endParaRPr lang="fr-FR"/>
           </a:p>
         </c:txPr>
-        <c:crossAx val="83107804"/>
+        <c:crossAx val="61357630"/>
         <c:crosses val="autoZero"/>
         <c:crossBetween val="midCat"/>
       </c:valAx>
@@ -7052,14 +7238,14 @@
               <a:defRPr/>
             </a:pPr>
             <a:r>
-              <a:rPr lang="fr-FR" sz="2000" dirty="0"/>
-              <a:t>Délai en</a:t>
-            </a:r>
-            <a:r>
-              <a:rPr lang="fr-FR" sz="2000" baseline="0" dirty="0"/>
-              <a:t> fonction de la charge</a:t>
-            </a:r>
-            <a:endParaRPr lang="fr-FR" dirty="0"/>
+              <a:rPr lang="fr-FR" sz="2400"/>
+              <a:t>Remplissage</a:t>
+            </a:r>
+            <a:r>
+              <a:rPr lang="fr-FR" sz="2400" baseline="0"/>
+              <a:t> du buffer</a:t>
+            </a:r>
+            <a:endParaRPr lang="fr-FR" sz="2400"/>
           </a:p>
         </c:rich>
       </c:tx>
@@ -7076,11 +7262,11 @@
           <c:order val="0"/>
           <c:tx>
             <c:strRef>
-              <c:f>Feuille1!$B$169</c:f>
+              <c:f>Feuille1!$D$169</c:f>
               <c:strCache>
                 <c:ptCount val="1"/>
                 <c:pt idx="0">
-                  <c:v>PingBeam</c:v>
+                  <c:v>BufferBeam</c:v>
                 </c:pt>
               </c:strCache>
             </c:strRef>
@@ -7284,309 +7470,159 @@
           </c:xVal>
           <c:yVal>
             <c:numRef>
-              <c:f>[Beam.xlsx]Feuille1!$B$170:$C$270</c:f>
+              <c:f>Feuille1!$D$170:$D$219</c:f>
               <c:numCache>
                 <c:formatCode>General</c:formatCode>
-                <c:ptCount val="202"/>
+                <c:ptCount val="50"/>
                 <c:pt idx="0">
-                  <c:v>4</c:v>
+                  <c:v>14</c:v>
                 </c:pt>
                 <c:pt idx="1">
-                  <c:v>4</c:v>
+                  <c:v>29</c:v>
                 </c:pt>
                 <c:pt idx="2">
-                  <c:v>4</c:v>
+                  <c:v>33</c:v>
                 </c:pt>
                 <c:pt idx="3">
-                  <c:v>5</c:v>
+                  <c:v>43</c:v>
                 </c:pt>
                 <c:pt idx="4">
-                  <c:v>5</c:v>
+                  <c:v>56</c:v>
                 </c:pt>
                 <c:pt idx="5">
-                  <c:v>5</c:v>
+                  <c:v>65</c:v>
                 </c:pt>
                 <c:pt idx="6">
-                  <c:v>5</c:v>
+                  <c:v>74</c:v>
                 </c:pt>
                 <c:pt idx="7">
-                  <c:v>5</c:v>
+                  <c:v>84</c:v>
                 </c:pt>
                 <c:pt idx="8">
-                  <c:v>6</c:v>
+                  <c:v>87</c:v>
                 </c:pt>
                 <c:pt idx="9">
-                  <c:v>6</c:v>
+                  <c:v>98</c:v>
                 </c:pt>
                 <c:pt idx="10">
-                  <c:v>6</c:v>
+                  <c:v>116</c:v>
                 </c:pt>
                 <c:pt idx="11">
-                  <c:v>6</c:v>
+                  <c:v>126</c:v>
                 </c:pt>
                 <c:pt idx="12">
-                  <c:v>6</c:v>
+                  <c:v>125</c:v>
                 </c:pt>
                 <c:pt idx="13">
-                  <c:v>7</c:v>
+                  <c:v>142</c:v>
                 </c:pt>
                 <c:pt idx="14">
-                  <c:v>7</c:v>
+                  <c:v>140</c:v>
                 </c:pt>
                 <c:pt idx="15">
-                  <c:v>7</c:v>
+                  <c:v>158</c:v>
                 </c:pt>
                 <c:pt idx="16">
-                  <c:v>7</c:v>
+                  <c:v>170</c:v>
                 </c:pt>
                 <c:pt idx="17">
-                  <c:v>8</c:v>
+                  <c:v>171</c:v>
                 </c:pt>
                 <c:pt idx="18">
-                  <c:v>8</c:v>
+                  <c:v>178</c:v>
                 </c:pt>
                 <c:pt idx="19">
-                  <c:v>8</c:v>
+                  <c:v>195</c:v>
                 </c:pt>
                 <c:pt idx="20">
-                  <c:v>8</c:v>
+                  <c:v>201</c:v>
                 </c:pt>
                 <c:pt idx="21">
-                  <c:v>8</c:v>
+                  <c:v>208</c:v>
                 </c:pt>
                 <c:pt idx="22">
-                  <c:v>8</c:v>
+                  <c:v>224</c:v>
                 </c:pt>
                 <c:pt idx="23">
-                  <c:v>8</c:v>
+                  <c:v>217</c:v>
                 </c:pt>
                 <c:pt idx="24">
-                  <c:v>8</c:v>
+                  <c:v>228</c:v>
                 </c:pt>
                 <c:pt idx="25">
-                  <c:v>8</c:v>
+                  <c:v>244</c:v>
                 </c:pt>
                 <c:pt idx="26">
-                  <c:v>8</c:v>
+                  <c:v>253</c:v>
                 </c:pt>
                 <c:pt idx="27">
-                  <c:v>8</c:v>
+                  <c:v>264</c:v>
                 </c:pt>
                 <c:pt idx="28">
-                  <c:v>8</c:v>
+                  <c:v>275</c:v>
                 </c:pt>
                 <c:pt idx="29">
-                  <c:v>8</c:v>
+                  <c:v>282</c:v>
                 </c:pt>
                 <c:pt idx="30">
-                  <c:v>8</c:v>
+                  <c:v>286</c:v>
                 </c:pt>
                 <c:pt idx="31">
-                  <c:v>8</c:v>
+                  <c:v>300</c:v>
                 </c:pt>
                 <c:pt idx="32">
-                  <c:v>8</c:v>
+                  <c:v>305</c:v>
                 </c:pt>
                 <c:pt idx="33">
-                  <c:v>8</c:v>
+                  <c:v>318</c:v>
                 </c:pt>
                 <c:pt idx="34">
-                  <c:v>8</c:v>
+                  <c:v>321</c:v>
                 </c:pt>
                 <c:pt idx="35">
-                  <c:v>8</c:v>
+                  <c:v>330</c:v>
                 </c:pt>
                 <c:pt idx="36">
-                  <c:v>8</c:v>
+                  <c:v>344</c:v>
                 </c:pt>
                 <c:pt idx="37">
-                  <c:v>8</c:v>
+                  <c:v>352</c:v>
                 </c:pt>
                 <c:pt idx="38">
-                  <c:v>8</c:v>
+                  <c:v>357</c:v>
                 </c:pt>
                 <c:pt idx="39">
-                  <c:v>8</c:v>
+                  <c:v>360</c:v>
                 </c:pt>
                 <c:pt idx="40">
-                  <c:v>8</c:v>
+                  <c:v>376</c:v>
                 </c:pt>
                 <c:pt idx="41">
-                  <c:v>8</c:v>
+                  <c:v>396</c:v>
                 </c:pt>
                 <c:pt idx="42">
-                  <c:v>8</c:v>
+                  <c:v>399</c:v>
                 </c:pt>
                 <c:pt idx="43">
-                  <c:v>8</c:v>
+                  <c:v>401</c:v>
                 </c:pt>
                 <c:pt idx="44">
-                  <c:v>8</c:v>
+                  <c:v>410</c:v>
                 </c:pt>
                 <c:pt idx="45">
-                  <c:v>8</c:v>
+                  <c:v>425</c:v>
                 </c:pt>
                 <c:pt idx="46">
-                  <c:v>10</c:v>
+                  <c:v>616</c:v>
                 </c:pt>
                 <c:pt idx="47">
-                  <c:v>19</c:v>
+                  <c:v>973</c:v>
                 </c:pt>
                 <c:pt idx="48">
-                  <c:v>20</c:v>
+                  <c:v>976</c:v>
                 </c:pt>
                 <c:pt idx="49">
-                  <c:v>20</c:v>
-                </c:pt>
-                <c:pt idx="101">
-                  <c:v>4</c:v>
-                </c:pt>
-                <c:pt idx="102">
-                  <c:v>4</c:v>
-                </c:pt>
-                <c:pt idx="103">
-                  <c:v>4</c:v>
-                </c:pt>
-                <c:pt idx="104">
-                  <c:v>5</c:v>
-                </c:pt>
-                <c:pt idx="105">
-                  <c:v>5</c:v>
-                </c:pt>
-                <c:pt idx="106">
-                  <c:v>5</c:v>
-                </c:pt>
-                <c:pt idx="107">
-                  <c:v>5</c:v>
-                </c:pt>
-                <c:pt idx="108">
-                  <c:v>5</c:v>
-                </c:pt>
-                <c:pt idx="109">
-                  <c:v>6</c:v>
-                </c:pt>
-                <c:pt idx="110">
-                  <c:v>6</c:v>
-                </c:pt>
-                <c:pt idx="111">
-                  <c:v>6</c:v>
-                </c:pt>
-                <c:pt idx="112">
-                  <c:v>6</c:v>
-                </c:pt>
-                <c:pt idx="113">
-                  <c:v>6</c:v>
-                </c:pt>
-                <c:pt idx="114">
-                  <c:v>7</c:v>
-                </c:pt>
-                <c:pt idx="115">
-                  <c:v>7</c:v>
-                </c:pt>
-                <c:pt idx="116">
-                  <c:v>7</c:v>
-                </c:pt>
-                <c:pt idx="117">
-                  <c:v>7</c:v>
-                </c:pt>
-                <c:pt idx="118">
-                  <c:v>8</c:v>
-                </c:pt>
-                <c:pt idx="119">
-                  <c:v>8</c:v>
-                </c:pt>
-                <c:pt idx="120">
-                  <c:v>8</c:v>
-                </c:pt>
-                <c:pt idx="121">
-                  <c:v>8</c:v>
-                </c:pt>
-                <c:pt idx="122">
-                  <c:v>8</c:v>
-                </c:pt>
-                <c:pt idx="123">
-                  <c:v>16</c:v>
-                </c:pt>
-                <c:pt idx="124">
-                  <c:v>37</c:v>
-                </c:pt>
-                <c:pt idx="125">
-                  <c:v>42</c:v>
-                </c:pt>
-                <c:pt idx="126">
-                  <c:v>42</c:v>
-                </c:pt>
-                <c:pt idx="127">
-                  <c:v>42</c:v>
-                </c:pt>
-                <c:pt idx="128">
-                  <c:v>42</c:v>
-                </c:pt>
-                <c:pt idx="129">
-                  <c:v>42</c:v>
-                </c:pt>
-                <c:pt idx="130">
-                  <c:v>42</c:v>
-                </c:pt>
-                <c:pt idx="131">
-                  <c:v>42</c:v>
-                </c:pt>
-                <c:pt idx="132">
-                  <c:v>42</c:v>
-                </c:pt>
-                <c:pt idx="133">
-                  <c:v>42</c:v>
-                </c:pt>
-                <c:pt idx="134">
-                  <c:v>42</c:v>
-                </c:pt>
-                <c:pt idx="135">
-                  <c:v>42</c:v>
-                </c:pt>
-                <c:pt idx="136">
-                  <c:v>42</c:v>
-                </c:pt>
-                <c:pt idx="137">
-                  <c:v>42</c:v>
-                </c:pt>
-                <c:pt idx="138">
-                  <c:v>42</c:v>
-                </c:pt>
-                <c:pt idx="139">
-                  <c:v>42</c:v>
-                </c:pt>
-                <c:pt idx="140">
-                  <c:v>42</c:v>
-                </c:pt>
-                <c:pt idx="141">
-                  <c:v>42</c:v>
-                </c:pt>
-                <c:pt idx="142">
-                  <c:v>42</c:v>
-                </c:pt>
-                <c:pt idx="143">
-                  <c:v>42</c:v>
-                </c:pt>
-                <c:pt idx="144">
-                  <c:v>42</c:v>
-                </c:pt>
-                <c:pt idx="145">
-                  <c:v>42</c:v>
-                </c:pt>
-                <c:pt idx="146">
-                  <c:v>42</c:v>
-                </c:pt>
-                <c:pt idx="147">
-                  <c:v>42</c:v>
-                </c:pt>
-                <c:pt idx="148">
-                  <c:v>42</c:v>
-                </c:pt>
-                <c:pt idx="149">
-                  <c:v>42</c:v>
-                </c:pt>
-                <c:pt idx="150">
-                  <c:v>42</c:v>
+                  <c:v>973</c:v>
                 </c:pt>
               </c:numCache>
             </c:numRef>
@@ -7594,7 +7630,7 @@
           <c:smooth val="0"/>
           <c:extLst>
             <c:ext xmlns:c16="http://schemas.microsoft.com/office/drawing/2014/chart" uri="{C3380CC4-5D6E-409C-BE32-E72D297353CC}">
-              <c16:uniqueId val="{00000000-D599-426B-BDA1-0F508110F999}"/>
+              <c16:uniqueId val="{00000000-CCA7-47D4-A6B8-5A95C8481A23}"/>
             </c:ext>
           </c:extLst>
         </c:ser>
@@ -7603,11 +7639,11 @@
           <c:order val="1"/>
           <c:tx>
             <c:strRef>
-              <c:f>Feuille1!$C$169</c:f>
+              <c:f>Feuille1!$E$169</c:f>
               <c:strCache>
                 <c:ptCount val="1"/>
                 <c:pt idx="0">
-                  <c:v>PingNoBeam</c:v>
+                  <c:v>BufferNoBeam</c:v>
                 </c:pt>
               </c:strCache>
             </c:strRef>
@@ -7811,159 +7847,159 @@
           </c:xVal>
           <c:yVal>
             <c:numRef>
-              <c:f>Feuille1!$C$170:$C$270</c:f>
+              <c:f>Feuille1!$E$170:$E$219</c:f>
               <c:numCache>
                 <c:formatCode>General</c:formatCode>
-                <c:ptCount val="101"/>
+                <c:ptCount val="50"/>
                 <c:pt idx="0">
-                  <c:v>4</c:v>
+                  <c:v>13</c:v>
                 </c:pt>
                 <c:pt idx="1">
-                  <c:v>4</c:v>
+                  <c:v>26</c:v>
                 </c:pt>
                 <c:pt idx="2">
-                  <c:v>4</c:v>
+                  <c:v>34</c:v>
                 </c:pt>
                 <c:pt idx="3">
-                  <c:v>5</c:v>
+                  <c:v>53</c:v>
                 </c:pt>
                 <c:pt idx="4">
-                  <c:v>5</c:v>
+                  <c:v>49</c:v>
                 </c:pt>
                 <c:pt idx="5">
-                  <c:v>5</c:v>
+                  <c:v>64</c:v>
                 </c:pt>
                 <c:pt idx="6">
-                  <c:v>5</c:v>
+                  <c:v>72</c:v>
                 </c:pt>
                 <c:pt idx="7">
-                  <c:v>5</c:v>
+                  <c:v>82</c:v>
                 </c:pt>
                 <c:pt idx="8">
-                  <c:v>6</c:v>
+                  <c:v>91</c:v>
                 </c:pt>
                 <c:pt idx="9">
-                  <c:v>6</c:v>
+                  <c:v>98</c:v>
                 </c:pt>
                 <c:pt idx="10">
-                  <c:v>6</c:v>
+                  <c:v>123</c:v>
                 </c:pt>
                 <c:pt idx="11">
-                  <c:v>6</c:v>
+                  <c:v>116</c:v>
                 </c:pt>
                 <c:pt idx="12">
-                  <c:v>6</c:v>
+                  <c:v>123</c:v>
                 </c:pt>
                 <c:pt idx="13">
-                  <c:v>7</c:v>
+                  <c:v>132</c:v>
                 </c:pt>
                 <c:pt idx="14">
-                  <c:v>7</c:v>
+                  <c:v>143</c:v>
                 </c:pt>
                 <c:pt idx="15">
-                  <c:v>7</c:v>
+                  <c:v>147</c:v>
                 </c:pt>
                 <c:pt idx="16">
-                  <c:v>7</c:v>
+                  <c:v>159</c:v>
                 </c:pt>
                 <c:pt idx="17">
-                  <c:v>8</c:v>
+                  <c:v>166</c:v>
                 </c:pt>
                 <c:pt idx="18">
-                  <c:v>8</c:v>
+                  <c:v>179</c:v>
                 </c:pt>
                 <c:pt idx="19">
-                  <c:v>8</c:v>
+                  <c:v>188</c:v>
                 </c:pt>
                 <c:pt idx="20">
-                  <c:v>8</c:v>
+                  <c:v>193</c:v>
                 </c:pt>
                 <c:pt idx="21">
-                  <c:v>8</c:v>
+                  <c:v>213</c:v>
                 </c:pt>
                 <c:pt idx="22">
-                  <c:v>16</c:v>
+                  <c:v>541</c:v>
                 </c:pt>
                 <c:pt idx="23">
-                  <c:v>37</c:v>
+                  <c:v>999</c:v>
                 </c:pt>
                 <c:pt idx="24">
-                  <c:v>42</c:v>
+                  <c:v>999</c:v>
                 </c:pt>
                 <c:pt idx="25">
-                  <c:v>42</c:v>
+                  <c:v>999</c:v>
                 </c:pt>
                 <c:pt idx="26">
-                  <c:v>42</c:v>
+                  <c:v>1000</c:v>
                 </c:pt>
                 <c:pt idx="27">
-                  <c:v>42</c:v>
+                  <c:v>1001</c:v>
                 </c:pt>
                 <c:pt idx="28">
-                  <c:v>42</c:v>
+                  <c:v>1000</c:v>
                 </c:pt>
                 <c:pt idx="29">
-                  <c:v>42</c:v>
+                  <c:v>1000</c:v>
                 </c:pt>
                 <c:pt idx="30">
-                  <c:v>42</c:v>
+                  <c:v>1001</c:v>
                 </c:pt>
                 <c:pt idx="31">
-                  <c:v>42</c:v>
+                  <c:v>1000</c:v>
                 </c:pt>
                 <c:pt idx="32">
-                  <c:v>42</c:v>
+                  <c:v>1001</c:v>
                 </c:pt>
                 <c:pt idx="33">
-                  <c:v>42</c:v>
+                  <c:v>1001</c:v>
                 </c:pt>
                 <c:pt idx="34">
-                  <c:v>42</c:v>
+                  <c:v>1000</c:v>
                 </c:pt>
                 <c:pt idx="35">
-                  <c:v>42</c:v>
+                  <c:v>1001</c:v>
                 </c:pt>
                 <c:pt idx="36">
-                  <c:v>42</c:v>
+                  <c:v>1001</c:v>
                 </c:pt>
                 <c:pt idx="37">
-                  <c:v>42</c:v>
+                  <c:v>1001</c:v>
                 </c:pt>
                 <c:pt idx="38">
-                  <c:v>42</c:v>
+                  <c:v>1001</c:v>
                 </c:pt>
                 <c:pt idx="39">
-                  <c:v>42</c:v>
+                  <c:v>1000</c:v>
                 </c:pt>
                 <c:pt idx="40">
-                  <c:v>42</c:v>
+                  <c:v>999</c:v>
                 </c:pt>
                 <c:pt idx="41">
-                  <c:v>42</c:v>
+                  <c:v>1001</c:v>
                 </c:pt>
                 <c:pt idx="42">
-                  <c:v>42</c:v>
+                  <c:v>1000</c:v>
                 </c:pt>
                 <c:pt idx="43">
-                  <c:v>42</c:v>
+                  <c:v>999</c:v>
                 </c:pt>
                 <c:pt idx="44">
-                  <c:v>42</c:v>
+                  <c:v>999</c:v>
                 </c:pt>
                 <c:pt idx="45">
-                  <c:v>42</c:v>
+                  <c:v>1000</c:v>
                 </c:pt>
                 <c:pt idx="46">
-                  <c:v>42</c:v>
+                  <c:v>1001</c:v>
                 </c:pt>
                 <c:pt idx="47">
-                  <c:v>42</c:v>
+                  <c:v>1001</c:v>
                 </c:pt>
                 <c:pt idx="48">
-                  <c:v>42</c:v>
+                  <c:v>1001</c:v>
                 </c:pt>
                 <c:pt idx="49">
-                  <c:v>42</c:v>
+                  <c:v>1000</c:v>
                 </c:pt>
               </c:numCache>
             </c:numRef>
@@ -7971,7 +8007,7 @@
           <c:smooth val="0"/>
           <c:extLst>
             <c:ext xmlns:c16="http://schemas.microsoft.com/office/drawing/2014/chart" uri="{C3380CC4-5D6E-409C-BE32-E72D297353CC}">
-              <c16:uniqueId val="{00000001-D599-426B-BDA1-0F508110F999}"/>
+              <c16:uniqueId val="{00000001-CCA7-47D4-A6B8-5A95C8481A23}"/>
             </c:ext>
           </c:extLst>
         </c:ser>
@@ -7983,34 +8019,16 @@
           <c:showPercent val="0"/>
           <c:showBubbleSize val="0"/>
         </c:dLbls>
-        <c:axId val="61357630"/>
-        <c:axId val="36929890"/>
+        <c:axId val="83107804"/>
+        <c:axId val="18620405"/>
       </c:scatterChart>
       <c:valAx>
-        <c:axId val="61357630"/>
+        <c:axId val="83107804"/>
         <c:scaling>
           <c:orientation val="minMax"/>
         </c:scaling>
         <c:delete val="0"/>
         <c:axPos val="b"/>
-        <c:title>
-          <c:tx>
-            <c:rich>
-              <a:bodyPr/>
-              <a:lstStyle/>
-              <a:p>
-                <a:pPr>
-                  <a:defRPr/>
-                </a:pPr>
-                <a:r>
-                  <a:rPr lang="fr-FR" dirty="0"/>
-                  <a:t>Charge aléatoire</a:t>
-                </a:r>
-              </a:p>
-            </c:rich>
-          </c:tx>
-          <c:overlay val="0"/>
-        </c:title>
         <c:numFmt formatCode="General" sourceLinked="1"/>
         <c:majorTickMark val="out"/>
         <c:minorTickMark val="none"/>
@@ -8042,12 +8060,12 @@
             <a:endParaRPr lang="fr-FR"/>
           </a:p>
         </c:txPr>
-        <c:crossAx val="36929890"/>
+        <c:crossAx val="18620405"/>
         <c:crosses val="autoZero"/>
         <c:crossBetween val="midCat"/>
       </c:valAx>
       <c:valAx>
-        <c:axId val="36929890"/>
+        <c:axId val="18620405"/>
         <c:scaling>
           <c:orientation val="minMax"/>
         </c:scaling>
@@ -8062,24 +8080,6 @@
             </a:ln>
           </c:spPr>
         </c:majorGridlines>
-        <c:title>
-          <c:tx>
-            <c:rich>
-              <a:bodyPr/>
-              <a:lstStyle/>
-              <a:p>
-                <a:pPr>
-                  <a:defRPr/>
-                </a:pPr>
-                <a:r>
-                  <a:rPr lang="fr-FR" dirty="0"/>
-                  <a:t>Délai</a:t>
-                </a:r>
-              </a:p>
-            </c:rich>
-          </c:tx>
-          <c:overlay val="0"/>
-        </c:title>
         <c:numFmt formatCode="General" sourceLinked="1"/>
         <c:majorTickMark val="out"/>
         <c:minorTickMark val="none"/>
@@ -8111,7 +8111,7 @@
             <a:endParaRPr lang="fr-FR"/>
           </a:p>
         </c:txPr>
-        <c:crossAx val="61357630"/>
+        <c:crossAx val="83107804"/>
         <c:crosses val="autoZero"/>
         <c:crossBetween val="midCat"/>
       </c:valAx>
@@ -8186,10 +8186,10 @@
   <inkml:trace contextRef="#ctx0" brushRef="#br0">5362 11877 32 0,'-7'6'13'0,"7"-6"-6"0,4 0-11 15,-4 0 0 1,0 0 1-16,0 0-9 0,0 0 7 0,0-6-7 16,3 6 7-16</inkml:trace>
   <inkml:trace contextRef="#ctx0" brushRef="#br0" timeOffset="2631.4449">5306 12084 72 0,'0'6'27'0,"0"-6"-14"0,-4 6 7 0,1-6 33 15,6 6-28-15,-6 1 22 16,3-1-28-16,-4 0 16 15,8-3-20-15,-8 4 12 16,4-7-16-16,-3 0 8 16,3 0-11-16,-4-7 4 15,8 7-7-15,-4-9 9 16,0-4-8-16,0 1 3 16,3-1-5-16,1-15 7 15,-1 3-7-15,1-10 8 16,3 7-8-16,-4-9 3 15,4 15-4-15,-3-10 3 0,3 4-4 16,4-19 1-16,-4 0-1 16,0-6 3-16,3 6-3 0,1-13 1 15,-1 7-1-15,5-7-2 32,-1 7 1-32,0-10-1 15,0 10 0-15,-4 0 0 0,1 12 0 16,-4-19 0-16,4 13 0 15,6-31 0-15,5 3 0 16,-8 2 0-16,0 23 0 0,0-16 0 16,3 13 0-16,1-54-3 15,7 13 2-15,-4 0 1 16,0 10 0-16,0 2 0 16,0 23 0-16,-3-17 0 15,3 10 0-15,4-28 2 16,0 13-1-16,-8-4 2 15,4 10-2-15,11-57-3 16,0 10 1-16,0-4-1 16,-4 26 0-16,-3-22 4 15,-1 21-1-15,1-11-3 0,0 24 1 16,-4-6 1-16,0 28 0 16,-3-16 0-1,3 16 0-15,11-56 0 16,3 9 0-16,-14 13 2 15,4 25-1-15,-4-16-1 16,0 22 1-16,0-22-1 16,4 16 0-16,10-67 0 15,4 11 0-15,-11 15 0 16,0 37 0-16,-6-2 2 16,2 9-1-16,12-57 4 0,2 10-3 15,-9 12-1-15,-1 32 0 16,-3-13-1-16,-1 16 0 0,15-56 0 15,3 8 0-15,-6-2 0 32,-1 25 0-32,0-32 0 15,1 20 0-15,-1-17 2 16,0 26-1-16,-3-7-3 16,-4 19 1-16,0-12 1 15,0 15 0-15,1-12 2 16,-1 19-1-16,0-16 2 0,-3 22-2 15,0-23-1-15,-1 14 1 0,1-13-4 16,0 15 2-16,3-8 1 16,-3 11 0-16,3-15 0 15,-7 16 0-15,0-13 0 16,0 10 0-16,0-4 0 16,-3 17 0-16,0-11 0 15,3 11 0-15,0-11 0 16,0 10 0-16,-3-9 2 15,-1 16-1-15,-2-14-1 16,2 20 1-16,-3-13-1 16,0 16 0-16,1-16 0 15,-1 19 0-15,-4-12 2 0,4 12-1 16,-3-7-1-16,0 14 1 0,-1-7-1 31,1 15 0-31,-4 4 2 0,3 6-1 0,-6 3 2 31,3 7-2-31,-4-1 4 16,5 7-3-16,-1-10 8 16,0 10-6-16,0 0 8 0,0 6-8 15,-4 0 3-15,1 6-4 16,-1 0-2-16,1 4 0 0,-1 2 1 16,4 7-1-16,0 3-1 15,1-3 1-15,2 9-4 16,1-3 2-16,-1 6 1 15,4-2 0-15,-3 11 0 16,0-5 0-16,-1 9 2 16,1-10-1-16,-1 7-1 15,1 0 1-15,-1-1-1 16,5 4 0-16,-5 3 0 0,4 0 0 16,-3 7 0-16,-1-4 0 0,1 10 0 15,0-7 0-15,-1 6 2 31,4-5-1-31,0 5-1 16,1-2 1-16,-5 9-1 16,1-7 0-16,-1 13 2 15,1-9-1-15,-4-16-1 16,0-3 1-16,0-3-4 16,0-1 2-16,7 42 3 15,0 6-1-15,-3-10 2 16,3-3-2-16,-3-9-1 0,3 0 1 15,-4 0 1-15,4-10-1 16,-3 17-1-16,7-4 1 0,-8 9 1 16,4-9-1-16,-3 3-3 15,-1-6 1-15,1 3 1 16,0-9 0-16,3 12 2 31,3-3-1-31,-2 3-1 16,2-3 1-16,-3-3 1 0,0-1-1 15,-3 1-3-15,3-3 1 0,-3 9 3 16,3-6-1-16,0 3-1 16,0-3 1-16,-3 3-4 15,3-3 2-15,-4 6 1 16,1-9 0-16,-1 15 2 16,5-9-1-16,-1 3-1 15,0 0 1-15,0 3-4 16,0-2 2-16,-3 2 1 0,-1 0 0 15,-3-15 0-15,0-7 0 16,0-6 0 0,0-3 0-16,4 37 0 0,3 7 0 0,-3 0 2 15,3-10-1-15,0 4-1 16,0-7 1-16,-3-3-1 16,3-12 0-16,-4 12-3 15,4-16 2-15,-3 17 1 31,3-1 0-31,-3-3 2 16,3-3-1-16,-4-10-3 16,1-18 1-16,-4 2 1 15,4 7 0-15,3 19 0 16,0-3 0-16,-4-10 2 16,1 1-1-16,0-1-1 15,3 0 1-15,7 48-1 16,0-7 0-16,-3 0 0 0,-4-16 0 0,0 4 0 15,3-4 0 1,-2-3 0-16,2-3 0 0,1 16 0 31,0-6 0-31,-4 2-3 16,3-8 2-16,-3-1 3 0,0-9-1 16,1 6-1-16,-1-3 1 0,0 16-1 15,3-10 0-15,1 6 0 16,0-9 0-16,-4 7 0 15,3-16 0-15,-6-4 0 16,3-12 0-16,-3 7 2 16,-1-14-1-16,8 51-1 15,0-9 1-15,-1-7-1 0,1-15 0 16,0 5-3-16,-1-11 2 16,-3 8 1-16,0-2 0 0,-3-7 2 15,3-6-1-15,-7-9-3 31,4-10 1-31,-4-3-1 16,0-3 0-16,0 19-18 16,0-6 11-16,-7-10-80 15,3-3 49-15,-6-16-130 16,3 6 95-16</inkml:trace>
   <inkml:trace contextRef="#ctx0" brushRef="#br0" timeOffset="3810.3409">7108 5291 232 0,'-10'7'88'0,"10"-7"-48"0,3 0-34 0,1 0 42 31,-1 0-28-31,8 0 32 0,3 0-30 16,11 0 29-16,7 0-29 0,21-3 26 31,-1-1-27-31,8-5 18 16,0 9-23-16,11 0 12 15,0-6-17-15,38-1 8 16,-7 1-11-16,-7 0 0 16,-13 6-5-16,-1-6 3 15,-11 6-4-15,-3 0-1 0,-7 0 0 16,-7 0-34-16,-7 0 18 16,-11 6-82-16,-3-6 54 0,-7 0-164 15,-4 0 116-15</inkml:trace>
-  <inkml:trace contextRef="#ctx0" brushRef="#br0" timeOffset="4967.7017">6735 6668 232 0,'3'-6'88'0,"-3"6"-48"0,11 12-27 0,-8-12 38 15,4 0-30-15,0 7 21 16,7-7-25-16,4 0 18 16,0 6-20-16,6-6 10 15,5 0-15-15,2 0 10 16,5 0-11-16,-1 0 4 15,-3 0-8-15,3 0 2 16,0 0-4-16,4 0 0 16,-4 0-1-16,8 0 1 15,-5 0-2-15,5 0 2 16,-4 0-2-16,3-6 2 31,0 6-2-31,-6 0 2 16,-5 0-2-16,1 0 4 0,0 0-3 0,14-7 4 15,3 7-4-15,-3 0 4 16,-7 0-4-16,3 0 4 16,0 7-4-16,1-7 1 15,-5 12-1-15,-2-9-2 16,-4 10 1-16,-1-7-1 16,-3 0 0-16,1 1 0 15,-1 5 0-15,0-6 0 0,-3-2 0 16,3 2 0-16,-3 0 0 0,3 0 2 15,0-6-1-15,4 7 2 16,-4-7-2-16,4 0 4 16,0 0-3-16,-1 0 6 15,-2 0-5-15,-1 0 1 16,0 6-2-16,-7 0-2 16,0 0 1-16,-3-2-15 15,0 8 8-15,-8-6-57 16,1 1 35-16,-8-7-177 15,1 0 113-15</inkml:trace>
+  <inkml:trace contextRef="#ctx0" brushRef="#br0" timeOffset="4967.7016">6735 6668 232 0,'3'-6'88'0,"-3"6"-48"0,11 12-27 0,-8-12 38 15,4 0-30-15,0 7 21 16,7-7-25-16,4 0 18 16,0 6-20-16,6-6 10 15,5 0-15-15,2 0 10 16,5 0-11-16,-1 0 4 15,-3 0-8-15,3 0 2 16,0 0-4-16,4 0 0 16,-4 0-1-16,8 0 1 15,-5 0-2-15,5 0 2 16,-4 0-2-16,3-6 2 31,0 6-2-31,-6 0 2 16,-5 0-2-16,1 0 4 0,0 0-3 0,14-7 4 15,3 7-4-15,-3 0 4 16,-7 0-4-16,3 0 4 16,0 7-4-16,1-7 1 15,-5 12-1-15,-2-9-2 16,-4 10 1-16,-1-7-1 16,-3 0 0-16,1 1 0 15,-1 5 0-15,0-6 0 0,-3-2 0 16,3 2 0-16,-3 0 0 0,3 0 2 15,0-6-1-15,4 7 2 16,-4-7-2-16,4 0 4 16,0 0-3-16,-1 0 6 15,-2 0-5-15,-1 0 1 16,0 6-2-16,-7 0-2 16,0 0 1-16,-3-2-15 15,0 8 8-15,-8-6-57 16,1 1 35-16,-8-7-177 15,1 0 113-15</inkml:trace>
   <inkml:trace contextRef="#ctx0" brushRef="#br0" timeOffset="6076.7626">6332 8167 212 0,'0'0'79'0,"0"0"-42"0,11 0-19 0,-8 0 43 15,1 0-35-15,3 0 22 16,4 0-29-16,-1 0 14 16,4 0-19-16,4 0 12 31,3 0-15-31,7 0 8 15,-3 0-11-15,0 0 4 16,3 0-7-16,0 0 2 0,4 6-4 0,3-6 0 16,-3 0-1-1,3 0 1 1,1 0-2-16,-1-6-1 0,-3 6 1 0,-1 0 1 31,5 0-1-31,13 0 4 16,0 0-3-16,4-6-1 15,-7 6 0-15,7 0-1 16,-7 0 0-16,7 0-3 16,-7 0 2-16,3 0 1 0,-3 0 0 15,7 0 2-15,-7 6-1 16,3-6 2-16,-7 6-2 0,4-6-3 16,0 10 1-16,0-4 3 15,-4 0-1-15,4 0-1 16,0 1 1-16,-4-1-1 15,1 0 0-15,-1 4 0 16,0-4 0-16,1 0 2 16,-4 0-1-16,3 1 2 0,0 5-2 0,4-5 2 15,0 2-2-15,0-6 2 16,3 0-2-16,-3 3 2 16,-7-6-2-16,3 0 2 15,-3 0-2-15,0 0 2 16,0 7-2-16,-4-7 4 15,0 6-3-15,0 0-1 32,-3 1 0-32,3-7 1 15,-3 6-1-15,-4-6 2 16,1 3-2-16,-8 0-7 16,-4 0 3-16,-6 0-41 15,0 1 25-15,-11-4-122 0,3 6 78 16,-13-12-124-16,3 6 106 15</inkml:trace>
   <inkml:trace contextRef="#ctx0" brushRef="#br0" timeOffset="7190.7606">5786 9895 236 0,'-4'12'88'0,"4"-12"-48"0,-14 7-27 16,14-7 35-1,7 0-27-15,-3 0 16 16,6 0-22-16,1 0 16 15,3 0-17-15,0 0 10 16,0 0-14-16,4 0 6 16,-1 0-9-16,8-7 0 0,3 7-4 0,0-6 3 15,1 6-4-15,2-6-1 16,5 6 0-16,2-7-1 16,-2 1 0-16,-1 3 0 31,0 3 0-31,1-6 0 15,-1 0 0-15,18-1 0 16,3 1 0-16,1 0 2 16,-4 6-1-16,3-7-1 15,-7 7 1-15,-3 0-1 16,-3 0 0-16,-1 0 2 16,-3 0-1-16,21 0-3 15,-4 0 1-15,1-6 1 0,-8 12 0 16,4-6 2-16,-4 0-1 0,4-6-1 15,-3 6 1-15,3 0-1 16,-4 0 0-16,4-3 0 16,-4 3 0-16,1-3 2 15,-8 6-1-15,4-3-1 16,0 0 1-16,3 0-4 16,0 3 2-16,-3-3 3 15,-7 0-1-15,3 0 2 16,-3 6-2-16,18-6-3 15,-1 0 1-15,1 0 1 16,-4 0 0-16,3 0 0 16,-7 0 0-1,8-6-3-15,-4 6 2 16,7 0 7-16,-11 0-3 0,0 0 3 16,-3 0-3-16,4 0 0 15,-8 0-1-15,4 0 1 16,0 0-2-16,0 0 4 15,-1 0-3-15,1 0 4 16,-3 0-4-16,3 0 4 0,-4 0-4 16,0 0 4-16,1 6-4 15,-5-6-1-15,-6 0 0 0,-4 0-37 16,1 0 20-16,-8 0-125 16,0 0 78-16,-14 0-125 15,-4 0 107-15</inkml:trace>
-  <inkml:trace contextRef="#ctx0" brushRef="#br0" timeOffset="8911.3062">7860 1917 224 0,'3'0'85'0,"-3"0"-46"0,15-9-26 0,-12 3 42 16,1 6-32-16,-4-13 30 16,3 7-32-16,-6 0 30 15,3-1-30-15,-7 1 19 16,3 3-24-16,-7-3 7 16,1 6-13-16,-15 0 1 15,4 6-7-15,0-3 2 16,3 3-3-16,-3 1-2 15,3 5 0-15,-6 7-1 16,3-3 0-16,-1-4 0 16,8 10 0-16,-3-3 0 0,6 0 0 15,-3 3 0-15,3 9 0 16,-3-3-3-16,4 7 2 0,3 2 1 16,3-8 0-16,1-1 0 15,3-3 0-15,-4 0-3 16,8-3 2-16,-4 9 1 31,7-9 0-31,0 3 0 16,3-3 0-16,-3 3 0 15,4-3 0-15,-1 13 0 0,1-4 0 16,-4-9 0-16,4 3 0 16,-1-9-3-16,1 3 2 0,3-1 3 15,4 4-1-15,-1-3 2 16,1 3-2-16,-1-9 2 15,5-1-2-15,-8 1 2 16,3-1-2-16,1-5 2 16,0-4-2-16,6 3 4 15,5 0-3-15,-5-6 1 16,1 7-1-16,0-7-2 16,-1 0 1-16,1 0 1 15,0 0-1-15,-4 0-1 0,0 0 1 0,-3-7-1 16,-4 7 0-16,0 0 2 15,4 0-1-15,-1-6 4 16,4 6-3-16,1 0 4 16,-1 0-4-16,-4-6 4 15,1 3-4-15,-4-7-1 16,4 1 0-16,-1-4 1 31,8 7-1-31,-11-7 2 0,0 4-2 0,4-16 4 16,0 12-3-16,-4-9 4 31,3 4-4-31,-3-4 1 16,1 3-1-16,-5 0 1 0,4-3-2 15,-3-3 2-15,-1 9-2 16,-3-9-1-16,1 3 1 0,-5-3 1 16,4 13-1-16,-3-17-1 15,3 11 1-15,-4-4 1 16,1 3-1-16,-4 0 4 15,3 3-3-15,-3-9 1 0,0 3-1 16,-3-3 1-16,3 10-2 16,-7-10 2-1,3 6-2-15,-3-10 4 16,4 17-3-16,-4-10-1 16,-1 9 0-16,-6-9-1 15,7 4 0-15,-3-1 2 16,3 6-1-16,-7-15 2 15,3 16-2-15,-7-7 2 16,8 3-2-16,-11-3-1 16,6 7 1-16,-6-10-1 0,4 9 0 15,-8-2 2-15,7 2-1 0,-3-6 2 16,4 13-2-16,-5-7-1 16,5 4 1-16,-1 3 1 15,4-1-1-15,-7 7 2 16,7 0-2-16,-22 0-3 15,5 7 1-15,-12-1 1 16,12 6 0-16,-15 4-22 16,7-3 12-16,-7 6-67 15,7-4 43-15,-3 10-128 16,7-9 91-16,-4 9-129 16,11 3 114-16</inkml:trace>
+  <inkml:trace contextRef="#ctx0" brushRef="#br0" timeOffset="8911.3061">7860 1917 224 0,'3'0'85'0,"-3"0"-46"0,15-9-26 0,-12 3 42 16,1 6-32-16,-4-13 30 16,3 7-32-16,-6 0 30 15,3-1-30-15,-7 1 19 16,3 3-24-16,-7-3 7 16,1 6-13-16,-15 0 1 15,4 6-7-15,0-3 2 16,3 3-3-16,-3 1-2 15,3 5 0-15,-6 7-1 16,3-3 0-16,-1-4 0 16,8 10 0-16,-3-3 0 0,6 0 0 15,-3 3 0-15,3 9 0 16,-3-3-3-16,4 7 2 0,3 2 1 16,3-8 0-16,1-1 0 15,3-3 0-15,-4 0-3 16,8-3 2-16,-4 9 1 31,7-9 0-31,0 3 0 16,3-3 0-16,-3 3 0 15,4-3 0-15,-1 13 0 0,1-4 0 16,-4-9 0-16,4 3 0 16,-1-9-3-16,1 3 2 0,3-1 3 15,4 4-1-15,-1-3 2 16,1 3-2-16,-1-9 2 15,5-1-2-15,-8 1 2 16,3-1-2-16,1-5 2 16,0-4-2-16,6 3 4 15,5 0-3-15,-5-6 1 16,1 7-1-16,0-7-2 16,-1 0 1-16,1 0 1 15,0 0-1-15,-4 0-1 0,0 0 1 0,-3-7-1 16,-4 7 0-16,0 0 2 15,4 0-1-15,-1-6 4 16,4 6-3-16,1 0 4 16,-1 0-4-16,-4-6 4 15,1 3-4-15,-4-7-1 16,4 1 0-16,-1-4 1 31,8 7-1-31,-11-7 2 0,0 4-2 0,4-16 4 16,0 12-3-16,-4-9 4 31,3 4-4-31,-3-4 1 16,1 3-1-16,-5 0 1 0,4-3-2 15,-3-3 2-15,-1 9-2 16,-3-9-1-16,1 3 1 0,-5-3 1 16,4 13-1-16,-3-17-1 15,3 11 1-15,-4-4 1 16,1 3-1-16,-4 0 4 15,3 3-3-15,-3-9 1 0,0 3-1 16,-3-3 1-16,3 10-2 16,-7-10 2-1,3 6-2-15,-3-10 4 16,4 17-3-16,-4-10-1 16,-1 9 0-16,-6-9-1 15,7 4 0-15,-3-1 2 16,3 6-1-16,-7-15 2 15,3 16-2-15,-7-7 2 16,8 3-2-16,-11-3-1 16,6 7 1-16,-6-10-1 0,4 9 0 15,-8-2 2-15,7 2-1 0,-3-6 2 16,4 13-2-16,-5-7-1 16,5 4 1-16,-1 3 1 15,4-1-1-15,-7 7 2 16,7 0-2-16,-22 0-3 15,5 7 1-15,-12-1 1 16,12 6 0-16,-15 4-22 16,7-3 12-16,-7 6-67 15,7-4 43-15,-3 10-128 16,7-9 91-16,-4 9-129 16,11 3 114-16</inkml:trace>
   <inkml:trace contextRef="#ctx0" brushRef="#br0" timeOffset="11799.4498">22200 12209 212 0,'-7'-6'79'0,"7"6"-42"0,-3-7-30 0,-1 7 20 16,8 0-16-16,-4-6 1 15,3 0-8-15,1-10 9 16,3 4-7-16,0-13 5 0,0-4-6 16,7-2 7-16,0-3-8 0,4-7 8 15,3 6-8-15,7-12 3 16,0 3-4-16,8-25-2 15,-1 3 0-15,-3 1-1 16,-1 8 0-16,1-15 0 16,4 9 0-16,6-34 0 15,0 16 0-15,-3-7 2 32,-4 16-1-32,11-29 2 15,-4 14-2-15,8-20 2 16,-4 19-2-16,3-25 4 0,0 19-3 15,4-25 1-15,-3 19-1 0,6-23-2 16,-3 17 1-16,11-13 3 16,-11 15-2-16,10-21 4 15,-6 12-4-15,6-22 6 16,-3 16-5-16,7-16 6 16,-7 19-6-16,11-28 1 15,-8 28-2-15,8-25-2 16,-4 21 1-16,3-27 3 0,-3 28-2 15,11-22 6-15,-11 25-5 0,7-29 1 32,-4 23-2-32,1-16 3 15,-4 16-3-15,7-10 4 16,-3 10-4-16,6-13-1 16,-6 22 0-16,3-22-1 15,-3 16 0-15,3-16 0 16,-4 29 0-16,1-23 0 15,-4 16 0-15,3-12 2 16,-3 18-1-16,4-15-1 16,-8 15 1-16,1-9 1 15,-4 19-1-15,0-13-1 16,-7 16 1-16,3-12 1 0,-6 15-1 16,2-13-1-16,-6 19 1 0,4-15 3 15,-4 19-2-15,-4-13 6 16,-3 15-5-16,0-15-1 15,-1 13-1-15,-2-1-1 16,-5 10 0-16,1-10 2 16,0 16-1-16,-7-9 2 15,-1 9-2-15,-3-6-1 0,1 19 1 16,-5-13-1-16,4 10 0 0,-3-4 2 31,0 13-1-31,-4-6-1 16,3 12 1-16,-2 3 3 15,-1 4-2-15,-4 6 8 16,1 3-6-16,-1 3 8 0,1 9-8 16,-4 0 8-16,4 7-8 15,-4 6 5-15,3 0-5 0,1 13 2 16,-1-1-3-16,1 7 3 16,0 3-4-16,-1 6 1 15,4 4-1-15,0 2-2 16,1 7 1-16,-1 6-1 15,3-3 0-15,-3 9 2 16,4-3-1-16,-4 16 2 31,4-6-2-31,-1 15 2 16,5-9-2-16,-5 15 4 16,4-8-3-16,-3 8 4 15,3-3-4-15,0 17-1 16,-3-14 0-16,-4 13 3 0,4-3-2 15,-1 6 4-15,1-6-4 0,0 10-1 16,3-7 0-16,-4 12-4 16,5-12 2-16,-5 13 1 15,1-13 0-15,0 19 2 16,-1-10-1-16,-3 4 4 16,4-13-3-16,-4 19-3 15,0-19 0-15,0 19 1 16,0-13 0-16,0 13 0 0,4-19 0 15,-4 19 0-15,0-16 0 0,0 10 0 16,1-7 0-16,-5 7 0 16,4-13 0-16,-3 13 0 15,3-7 0-15,-3 7 0 16,-1-13 0-16,1 12 0 31,3-12 0-31,-4 13 0 0,5-13 0 0,-1 13 0 31,0-20 0-31,-4 14 0 0,4-7 0 0,-3 6 0 32,3-9 0-32,0 6 0 15,4-12 0-15,0 15 0 16,-1-18 0-16,1 18 0 16,3-18 0-16,-3 9-3 15,-1-16 2-15,4 13 1 0,1-10 0 0,-5 10 0 16,4-6 0-16,1 2 2 15,-1-9-1-15,-4 16-1 16,5-15 1-16,-1 18-1 0,0-13 0 16,-4 13 2-16,5-15-1 0,-5 15 4 15,4-13-3-15,-3 10 1 32,3-3-1-32,-3 6 3 15,0-12-3-15,-1 12 4 16,1-3-4-16,-1 3 4 15,5 0-4-15,-5 0 6 16,1-6-5-16,0 0 1 16,-1 6-4-16,1-16-1 15,-1 10 1-15,-2-16 2 0,-1 3-1 16,-4-9-25-16,-3 0-11 0,-3-16-235 16,-1-3 146-1,-3-9-90-15</inkml:trace>
   <inkml:trace contextRef="#ctx0" brushRef="#br0" timeOffset="13099.7764">25876 5276 192 0,'0'0'74'0,"0"0"-40"0,4 6-22 0,-4-6 21 16,3 0-2-16,1 0 4 15,6 6-6-15,-3-3-1 16,4 1-15-16,0-1 3 0,3 0 4 16,0 0-5-16,7-3 2 15,-3 6-1-15,10-6 2 16,-3 6-4-16,3-6 0 16,-3 0-2-16,6 0 0 15,-3 0 0-15,4 0 0 0,-4 0-4 16,4 0 0-16,-4 0-3 0,4 0 2 15,-4 0 0-15,1 7 1 16,-5-7-2-16,5 0-1 16,-5 0 1-16,4 6 1 15,-3-6-3-15,3 6-1 16,-3-6 5-16,3 7 3 16,-7-4-4-16,4 0-2 15,-4 0-2-15,8 3 0 0,-5-6-2 16,1 7-1-16,-4-7 1 31,4 6 1-31,-4-6-1 16,4 6-1-16,-4-6 1 15,7 0-1-15,-7 0-3 16,7 0 2-16,-6 6 1 16,6-6 0-16,-7 0 0 0,0 7 2 15,-3-4-1-15,3 0 2 0,-3 0-9 16,-4-3-1-16,-4 0-38 15,-6 6-15-15,-1-6-137 16</inkml:trace>
   <inkml:trace contextRef="#ctx0" brushRef="#br0" timeOffset="14412.491">24733 7198 212 0,'0'-6'82'0,"0"6"-44"0,7 3-29 16,-3 0 22-16,3-3-8 16,-4 6 1-16,4-6-2 15,1 7 1-15,6-14-13 16,-4 7 5-16,8 0 5 0,0 0 17 31,-1 0-19-31,4 0 4 0,4 0-13 16,0 0 1-16,-1 0-6 15,5 0 5-15,-1 0-6 0,4 0 3 16,-4 0-3 0,4 0 3-16,3 0-4 0,0 0 1 15,0 0-1-15,1 0 3 16,-5 0-3-16,1 0-1 15,0 7 0-15,0-7-1 16,-1 0 0-16,1 0 0 16,0 6 0-16,0-6 2 15,-1 0-1-15,1 6-1 16,0-6 1-16,0 6-4 16,-4-6 2-16,4 7 3 15,-4-4-1-15,4 0 2 16,-4 0-2-16,0 3-3 15,0 1 1-15,1-1 1 0,-5 0 0 16,1 0 0-16,0 1 0 0,3-4 0 31,0 3 0-31,0-6 0 16,4 6 0-16,-4-6 0 16,0 0 0-16,4 0 2 15,-4 7-1-15,1-7-1 16,-1 6 1-16,0-6-1 15,-3 6 0-15,3-6 0 0,0 6 0 16,0 1 0-16,1-1 0 0,-1-3-3 16,-3 0 2-16,-1 0 3 15,1-3-1-15,3 7-1 16,0-7 1-16,1 6-1 16,-5-6 0-16,5 6 0 15,-1-6 0-15,4 6 0 16,-4-6 0-16,0 7 0 31,-3-7 0-31,3 6 0 16,-3-3 0-16,3 0 0 15,0 7 0-15,0-10 0 0,0 6 0 16,-3 0 2-16,3 0-1 0,-3-6 2 16,0 7-2-16,3-7-1 15,0 6 1-15,0-3-1 16,-3 0 0-16,3 0 0 15,1 1 0-15,-1-1 2 16,-3-3-1-16,-4 6-1 0,0-6 1 16,-4 0-10-16,1 0 5 15,-7 0-65-15,-1 0 39 0,-10 0-162 16,4 0 107-16</inkml:trace>
@@ -8199,7 +8199,7 @@
   <inkml:trace contextRef="#ctx0" brushRef="#br0" timeOffset="20116.8828">16140 9393 264 0,'-4'-13'101'0,"4"13"-54"0,0-9-20 0,0 9 56 16,0 9-46-16,0-2 24 15,4 5-37-15,-4 7 23 16,3 9-27-16,1 10 16 15,3 3-21-15,-4 40 10 16,4 7-15-16,-3 6 8 31,3-9-10-31,0 15 4 16,0-6-7-16,0 16 4 16,0-13-5-16,0-15 0 0,0-10-2 15,0-9-2-15,0-4 1 16,0 29-19-16,0 0 10 0,-3-29-52 15,-1-15 34-15,-3-9-84 16,0-7 62-16,-7 6-158 16,0-8 115-16</inkml:trace>
   <inkml:trace contextRef="#ctx0" brushRef="#br0" timeOffset="22012.2494">16143 8816 200 0,'7'-25'77'0,"-7"25"-42"0,4 6-19 0,-4-6 41 16,0 0-32-16,-4-6 22 15,4 0-28-15,-7-1 12 16,4 7-18-16,-12 0 4 16,5 7-10-16,-11-1 2 15,3 6-5-15,-7 7 0 0,4 3-2 0,-7 3-6 31,7 4 2-31,0 5 3 16,7-3 0-16,-1 4 6 16,5 6-4-16,-1-1 6 15,8 4-6-15,-1 3 3 16,8 0-3-16,3-6 7 16,3-13-6-16,5 4 10 15,6-4-8-15,3-3 8 16,5-3-8-16,-1-9 3 15,4-1-5-15,3-12 5 16,0 6-6-16,-3-18 6 0,0-1-6 0,-1-15 3 16,5 9-3-1,-1-22 0-15,0 13-1 16,-14-9 3-16,-3 2-3 0,-7-6 4 16,-1 7-4-16,-13-16 1 0,-1 15-1 15,-14-12 3-15,1 22-3 16,-15-3-10-1,4 12 5-15,-14 4-33 16,3 5 21-16,-11 14-60 16,12 8 42-16,-5 4-109 15,8 9 80-15,3 4-94 16,11 8 88-16</inkml:trace>
   <inkml:trace contextRef="#ctx0" brushRef="#br0" timeOffset="22549.6521">15907 10077 304 0,'-7'3'115'0,"7"-3"-62"0,10-7-40 16,-3 1 43-1,0 6-33-15,11 0 16 16,3-6-24-16,22 0 12 15,2-7-16-15,-2 4 8 16,-1 2-11-16,0-5 2 16,4 6-6-16,18-1 0 0,-4 1-2 0,-14 6-26 31,-11 0 13-31,-7 0-118 16,-7 6 70-16,-3-6-144 15,-4 7 115-15</inkml:trace>
-  <inkml:trace contextRef="#ctx0" brushRef="#br0" timeOffset="23074.5394">16164 11011 212 0,'4'-12'79'0,"-4"12"-42"0,3-13-19 16,1 13 41 0,-1 0-34-16,-3-6 26 15,4 6-30-15,-4-3 27 16,0 6-28-16,-4-3 30 15,4 6-29-15,-10 13 32 16,3 3-31-16,-14 9 18 0,-1 4-23 16,-6 12 4-16,0 0-12 0,-28 37 3 31,6-2-7-31,-3-7-7 0,11-3 1 0,3-18-42 16,14-7 24-16,-3-7-107 15,14-5 70-15,0-4-160 16,10-3 122-16</inkml:trace>
+  <inkml:trace contextRef="#ctx0" brushRef="#br0" timeOffset="23074.5393">16164 11011 212 0,'4'-12'79'0,"-4"12"-42"0,3-13-19 16,1 13 41 0,-1 0-34-16,-3-6 26 15,4 6-30-15,-4-3 27 16,0 6-28-16,-4-3 30 15,4 6-29-15,-10 13 32 16,3 3-31-16,-14 9 18 0,-1 4-23 16,-6 12 4-16,0 0-12 0,-28 37 3 31,6-2-7-31,-3-7-7 0,11-3 1 0,3-18-42 16,14-7 24-16,-3-7-107 15,14-5 70-15,0-4-160 16,10-3 122-16</inkml:trace>
   <inkml:trace contextRef="#ctx0" brushRef="#br0" timeOffset="23490.2674">16372 10873 260 0,'-7'0'96'0,"7"0"-52"0,0 6-16 0,0-6 67 15,4 13-52-15,-1-1 46 16,8 4-52-16,7 16 27 16,3 2-37-16,7 10 10 15,0-3-22-15,8 6 0 32,-1 0-9-32,4 9-3 15,-1-6-2-15,5-3-1 16,-1-6 0-16,0-6-9 0,-3-1 5 0,-3-15-56 15,-8 3 33-15,-4-10-107 0,1-5 75 16,3-7-154-16,1-7 120 16</inkml:trace>
   <inkml:trace contextRef="#ctx0" brushRef="#br0" timeOffset="24338.4841">16616 9584 304 0,'-4'-6'112'0,"4"6"-60"0,0 9-32 0,0-2 50 16,0-1-41-16,0 13 20 16,0 3-29-16,0 3 6 15,4 9-15-15,-1 7 1 16,1 6-8-16,-1 0-2 16,1 6-1-16,-1 1-23 15,1-7 12-15,-4-6-73 16,0-10 46-16,0-3-158 15,0-3 109-15</inkml:trace>
   <inkml:trace contextRef="#ctx0" brushRef="#br0" timeOffset="25081.7091">16623 9606 308 0,'0'0'115'0,"0"0"-62"0,7 7-44 0,-4-7 36 16,5 0-27-16,6 6 2 0,3-6-12 16,1 0-1-16,7 0-4 0,-4 0 0 15,3 0-1-15,5 0 1 31,-1 0-2-31,-7 0 4 16,0 0-3-16,0 0 12 16,4 0-7-16,-11 0 12 15,0 9-11-15,-3-3 3 16,0 7-7-16,-4 6 0 16,3 3-2-16,1 19-2 0,-1-4 1 15,1-2-1-15,-1 5 0 16,1-5 2-16,0-4-1 0,-1 4-3 15,4-10 1-15,-3 3 1 16,0-3 0-16,-4-9 2 16,0 3-1-16,-4-7 2 15,1 4-2-15,-8-10 2 16,4 7-2-16,-7-13-1 16,4 12 1-16,-8-12 3 15,4 7-2-15,-11-4 6 16,4 3-5-16,-7-6 6 31,3 0-6-31,-6 0 6 16,3 0-6-16,-22 0 8 0,8 0-7 15,0 0 10-15,10 0-8 0,0 0 1 16,8 3-4-16,-12-3-4 16,5 3 0-16,-1-3-41 15,14 0 23-15,1 0-103 16,3 0 69-16,0-6-149 15,7 0 114-15</inkml:trace>
@@ -8208,15 +8208,15 @@
   <inkml:trace contextRef="#ctx0" brushRef="#br1" timeOffset="40252.3368">8724 3535 256 0,'-3'22'96'0,"6"-44"-52"0,1 44-29 0,-4-22 24 16,7 7-8-16,7-1-1 16,7-12 1-16,7-1 0 15,8-21-16-15,9-6 2 0,12-13 3 0,3-19-5 16,3-6 0-16,1-16-7 15,-1-6 0-15,4-13-5 0,-7-3 0 16,4-15-1-16,-8-1-2 16,-3 4 3-16,-7 3 0 15,-4 6-4-15,-6 13 1 16,-1 3 0-16,-7 12 2 16,-7 25 1-16,1-2 1 15,-5 18-5-15,-3 3 1 16,-3 13 0-16,-1 3 0 15,-3 9 2-15,1-3 1 16,-5 13-23-16,1 0-12 16,-8 6-41-16,-7 18-16 0,1 11-68 15</inkml:trace>
   <inkml:trace contextRef="#ctx0" brushRef="#br1" timeOffset="41273.3653">8858 4526 228 0,'-3'0'85'0,"3"0"-46"0,10-6-21 0,-3 6 36 15,0 0-30-15,11-13 12 16,7 7-21-16,10-22 9 15,4 9-14-15,10-28 6 16,4 0-9-16,18-22 11 16,-4-3-10-16,21-35 3 15,-7 13-7-15,7-28 2 16,-10 9-3-16,7-28 3 16,-8 22-4-16,1-16 1 15,-8 16-1-15,-6-16 3 16,-8 22-3-16,-6-6 4 15,-12 25-4-15,-6-3 1 0,-7 18-1 16,-7 10 1-16,3 13-2 0,-14 2-9 16,0 20 4-16,-7 6-58 31,3 9 34-31,-6 13-36 16,3 12-83-16,0 28-36 15</inkml:trace>
   <inkml:trace contextRef="#ctx0" brushRef="#br1" timeOffset="41874.6186">9267 5304 232 0,'-7'6'88'0,"11"-6"-48"0,-1 0-27 0,5 0 24 15,2-6-4-15,11 0 1 16,11-16-11-16,3 3-1 16,15-22-13-16,6-12 3 0,4-10 4 15,0-3-4-15,7-12 1 16,11-10 1-16,3-12 1 0,-4-7-2 15,5-3 2 1,-5-9-6-16,-6-9-1 0,-1 2-4 31,1-6-1-31,-8-2-1 16,1-7 1-16,-8 18-2 0,-3-8 2 16,-7 18 0-16,-4 3 3 15,-13 10-5-15,-1 12-1 16,-7 9 2-16,-3 20 3 15,-8 5-2-15,-3 14-2 0,-3 5-14 16,-4 10-56 0,-4 19-15-16,4 18-85 15</inkml:trace>
-  <inkml:trace contextRef="#ctx0" brushRef="#br1" timeOffset="42457.5926">10089 6188 240 0,'0'13'90'0,"0"-13"-48"0,15 0-38 0,-5-3 36 31,4 0-24-31,11-13 26 0,7 3-24 0,3-12 13 16,4-3-18-16,10-13 12 0,1 0-14 15,17-18 12-15,0-1-13 16,7-28 8-16,-4 7-10 0,11-32 6 31,-7 13-7-31,15-32 4 16,-12 10-6-16,4-32 4 15,-3 29-5-15,-11-23 5 16,-7 20-6-16,-4-13 3 16,-10 21-3-16,-3-2 0 0,-5 22-1 15,-6-7 3-15,-4 26-3 16,-6-4 1-16,-5 22-1 0,-6-3-35 16,-1 19 19-16,-10 10-90 15,4 8 58-15,-4 17-145 16,0 12 108-16</inkml:trace>
-  <inkml:trace contextRef="#ctx0" brushRef="#br1" timeOffset="43006.3954">11240 7129 248 0,'14'0'93'0,"-14"0"-50"0,31-31-28 15,-20 24 35 1,3 1-29-16,4-10 16 16,6 4-22-16,12-16 21 15,2 3-21-15,8-22 15 16,4 6-17-16,34-53 8 0,1 6-12 15,7-31 8-15,-11 18-9 16,14-33 4 0,-7 14-7-16,1-27 7 0,-15 25-8 0,3-29 8 15,-10 23-8-15,7-26 1 16,-10 25-3-16,-1-12 5 16,-10 16-4-16,-3-4 3 15,-4 23-3-15,-11-1 3 16,-3 19-4-16,-11 4 4 15,0 21-4-15,-11 3-25 16,-2 19 12-16,-12 7-77 31,4 9 49-31,-14 25-166 0,0 6 115 16</inkml:trace>
+  <inkml:trace contextRef="#ctx0" brushRef="#br1" timeOffset="42457.5925">10089 6188 240 0,'0'13'90'0,"0"-13"-48"0,15 0-38 0,-5-3 36 31,4 0-24-31,11-13 26 0,7 3-24 0,3-12 13 16,4-3-18-16,10-13 12 0,1 0-14 15,17-18 12-15,0-1-13 16,7-28 8-16,-4 7-10 0,11-32 6 31,-7 13-7-31,15-32 4 16,-12 10-6-16,4-32 4 15,-3 29-5-15,-11-23 5 16,-7 20-6-16,-4-13 3 16,-10 21-3-16,-3-2 0 0,-5 22-1 15,-6-7 3-15,-4 26-3 16,-6-4 1-16,-5 22-1 0,-6-3-35 16,-1 19 19-16,-10 10-90 15,4 8 58-15,-4 17-145 16,0 12 108-16</inkml:trace>
+  <inkml:trace contextRef="#ctx0" brushRef="#br1" timeOffset="43006.3953">11240 7129 248 0,'14'0'93'0,"-14"0"-50"0,31-31-28 15,-20 24 35 1,3 1-29-16,4-10 16 16,6 4-22-16,12-16 21 15,2 3-21-15,8-22 15 16,4 6-17-16,34-53 8 0,1 6-12 15,7-31 8-15,-11 18-9 16,14-33 4 0,-7 14-7-16,1-27 7 0,-15 25-8 0,3-29 8 15,-10 23-8-15,7-26 1 16,-10 25-3-16,-1-12 5 16,-10 16-4-16,-3-4 3 15,-4 23-3-15,-11-1 3 16,-3 19-4-16,-11 4 4 15,0 21-4-15,-11 3-25 16,-2 19 12-16,-12 7-77 31,4 9 49-31,-14 25-166 0,0 6 115 16</inkml:trace>
   <inkml:trace contextRef="#ctx0" brushRef="#br1" timeOffset="43546.3918">12414 7847 228 0,'4'-6'85'0,"-4"6"-46"0,17-10-26 16,-10 4 38-1,4 6-30-15,3-19 19 16,4 7-24-16,10-16 23 0,7-4-23 15,11-15 24-15,0 6-24 0,3-12 17 16,-3 6-19-16,4-13 10 16,3 4-14-16,38-63 8 15,5 12-10-15,-1-15 0 16,-11 9-5-16,8-19 5 16,-14 16-5-16,3-19 8 0,-7 16-7 15,0-16 1-15,-7 16-3 16,-7-16 1-16,-10 23-2 0,-8-4 2 31,-7 18-2-31,-7-2 4 16,-6 25-3-16,-8-1-3 15,-4 17 0-15,-10 6-32 16,4 15 18-16,-8 10-78 16,1 9 52-16,-4 19-160 15,7 12 112-15</inkml:trace>
   <inkml:trace contextRef="#ctx0" brushRef="#br1" timeOffset="44089.9466">13427 9057 280 0,'10'-6'104'0,"-10"6"-56"0,29-12-41 0,-15 5 34 16,0-2-24-16,14-16 11 16,7 3-17-16,18-31 15 15,4 6-16-15,17-32 18 16,-4 4-16-16,18-38 7 16,1 19-11-16,9-38 6 15,-9 16-7-15,2-25 9 16,-10 22-9-16,1-22 7 15,-12 22-7-15,1-10 0 16,-8 23-4-16,-3-17-2 16,-10 23 0-16,-5-13 1 31,-2 25-1-31,-1-12 2 16,-10 15-2-16,-7 4-3 15,-1 15 1-15,-6 6-28 0,-4 13 16 16,-3 13-76-16,-4 12 49 15,-7 9-151-15,3 13 106 0</inkml:trace>
   <inkml:trace contextRef="#ctx0" brushRef="#br1" timeOffset="44491.5142">14199 9613 260 0,'11'0'96'0,"-11"0"-52"0,35-13-36 16,-17 0 28-1,3 4-22-15,11-29 7 16,3 10-13-16,14-31 9 16,1-1-10-16,17-28 16 0,0 7-13 0,14-38 16 15,-7 12-16-15,7-40 11 16,-3 18-12-16,-8-31 11 16,-10 13-12-16,-3-13 5 15,-11 31-8-15,-11-6 4 16,-7 22-5-16,-10 7-4 15,-8 24-1-15,-10 4-92 32,-3 18 51-32,-11 13-163 15,3 13 114-15</inkml:trace>
   <inkml:trace contextRef="#ctx0" brushRef="#br1" timeOffset="45393.7169">25146 2861 264 0,'4'-22'99'0,"-4"22"-54"0,3-19-26 0,-3 13 26 16,-3 6-3-16,-1 0 1 15,-3 6-10-15,3 1-3 16,-6 11-17-16,-1-2 5 0,-3 28 5 0,-3-9-3 31,6 30-2-31,0-8-8 16,11 28-4-16,0-17 10 0,18 27 4 16,0-17-4-16,13 29-1 15,-2-13-5-15,13 19-1 16,0-19-1-1,1 0-4-15,2 0-12 16,1-13 5-16,-3-9-41 16,-1-6 24-16,-3-16-82 15,-7-12 57-15,-8-16-164 16,-6-9 117-16</inkml:trace>
   <inkml:trace contextRef="#ctx0" brushRef="#br1" timeOffset="45868.9842">24366 3009 252 0,'0'-22'96'0,"0"22"-52"0,0 0-25 15,0 0 46 1,0 6-37-16,-3-6 34 16,-1 12-37-16,-6 4 25 15,3 9-29-15,-7 3 18 16,-1 7-23-16,-6 15 16 0,4 0-18 15,-12 57 10-15,5-7-14 0,6 32 10 16,11-10-11 0,7 16 4-16,7-16-8 0,11 26 4 31,6-20-5-31,1-8 0 0,3-26-2 0,4-7-2 31,3-8 1-31,4 2-8 16,0-9 4-16,-4-3-43 15,1-9 26-15,-8-7-87 16,0-12 60-16,-10-10-150 16,-4-9 110-16,-14-15-96 15,0-7 105-15</inkml:trace>
-  <inkml:trace contextRef="#ctx0" brushRef="#br1" timeOffset="46358.1944">23290 2993 220 0,'4'-38'85'0,"-4"38"-46"0,0-9-13 0,0 9 31 16,0 9-8-16,0-3-1 0,-7 20-5 15,3-8-3-15,-6 33-21 16,-1-14 4-16,-6 38 1 0,-12 60-1 16,5-3-2-16,2 22-3 15,5 21 1-15,6-9-4 0,8 23 1 16,10 5-5-16,7 0-1 15,7 13 2-15,4-18 3 16,14 5-2-16,10 7 0 31,4-23-5-31,7-2-3 16,0 3-5-16,0-26 0 0,0-5 0 16,-7-13 0-16,-7-16-3 15,-4-16 2-15,-3-12-28 16,-8-16-10-16,-2-15-36 0,-8-19-13 15,-11-16-74 1,-3-9-69-16,-31-16 87 16</inkml:trace>
-  <inkml:trace contextRef="#ctx0" brushRef="#br1" timeOffset="46856.2354">22006 3353 252 0,'-7'-31'93'0,"4"25"-50"0,-4 0-22 0,7 6 45 16,-14 12-19-1,-8 23-2-15,1 15-2 16,-3 12-24-16,-5 11 3 0,1 21 1 16,0 12-6-16,3 29 1 15,4 6-2-15,3 32-1 0,4-4 12 47,7 4-14-47,7 43 6 16,11-22-11-16,10 38 4 15,4-12-7-15,10 15 2 16,0-28-4-16,8 16 0 0,-1-29-1 0,4 13-2 16,-4-31 1-16,4 2 1 15,-4-18-1-15,1 7-7 16,-1-26 3-16,-3 9-41 15,0-24 25-15,-4 2-109 16,-3-21 71-16,-11-16-164 16,0-16 124-16</inkml:trace>
+  <inkml:trace contextRef="#ctx0" brushRef="#br1" timeOffset="46358.1943">23290 2993 220 0,'4'-38'85'0,"-4"38"-46"0,0-9-13 0,0 9 31 16,0 9-8-16,0-3-1 0,-7 20-5 15,3-8-3-15,-6 33-21 16,-1-14 4-16,-6 38 1 0,-12 60-1 16,5-3-2-16,2 22-3 15,5 21 1-15,6-9-4 0,8 23 1 16,10 5-5-16,7 0-1 15,7 13 2-15,4-18 3 16,14 5-2-16,10 7 0 31,4-23-5-31,7-2-3 16,0 3-5-16,0-26 0 0,0-5 0 16,-7-13 0-16,-7-16-3 15,-4-16 2-15,-3-12-28 16,-8-16-10-16,-2-15-36 0,-8-19-13 15,-11-16-74 1,-3-9-69-16,-31-16 87 16</inkml:trace>
+  <inkml:trace contextRef="#ctx0" brushRef="#br1" timeOffset="46856.2353">22006 3353 252 0,'-7'-31'93'0,"4"25"-50"0,-4 0-22 0,7 6 45 16,-14 12-19-1,-8 23-2-15,1 15-2 16,-3 12-24-16,-5 11 3 0,1 21 1 16,0 12-6-16,3 29 1 15,4 6-2-15,3 32-1 0,4-4 12 47,7 4-14-47,7 43 6 16,11-22-11-16,10 38 4 15,4-12-7-15,10 15 2 16,0-28-4-16,8 16 0 0,-1-29-1 0,4 13-2 16,-4-31 1-16,4 2 1 15,-4-18-1-15,1 7-7 16,-1-26 3-16,-3 9-41 15,0-24 25-15,-4 2-109 16,-3-21 71-16,-11-16-164 16,0-16 124-16</inkml:trace>
   <inkml:trace contextRef="#ctx0" brushRef="#br1" timeOffset="47378.841">20422 3771 340 0,'-28'18'129'0,"10"1"-70"0,-13 9-38 0,17 7 35 16,-8 24-17-16,-2 23-5 15,-8 12-4-15,-3 38-2 16,-1 15-15-16,1 22-3 0,7 32 0 15,0 12-2-15,7 23 1 16,3 11-1-16,11 7 0 16,7 7 0-16,3-7 0 15,8 6 0-15,7-6 0 16,3 0-2-16,3-13-1 0,5-12-1 16,-1 0 2-16,-3-9-3 15,-1-7-2-15,-3-12 0 16,8-13-1-16,-5-22-9 15,5-19-2-15,-1-12-21 16,-3-28-9-16,-4-19-36 16,-4-29-13-16,-10-18-98 15</inkml:trace>
   <inkml:trace contextRef="#ctx0" brushRef="#br1" timeOffset="47856.0968">18270 4987 316 0,'-45'22'121'0,"27"-3"-66"0,-28 9-36 0,32 4 34 16,-7 15-11-16,-4 15-3 15,0 23-6-15,-3 9 8 31,7 13-23-31,-7 46 8 16,10 4-16-16,0 47 10 16,8-13-11-16,6 48 8 15,11-17-9-15,8 38 6 16,6-24-7-16,3 36 0 16,5-43-4-16,2 19-2 15,5-35 0-15,-1 1-15 16,0-33 8-16,-3-8-46 15,0-32 29-15,-1-6-89 0,-2-29 63 16,-5-24-165-16,-2-22 120 16</inkml:trace>
   <inkml:trace contextRef="#ctx0" brushRef="#br1" timeOffset="48328.3113">16895 6339 316 0,'-18'6'118'0,"18"-6"-64"0,-18 28-34 16,11-6 52 0,4-3-41-16,-8 28 25 0,4 6-34 15,-4 29 22-15,8 3-25 0,-1 43 14 31,4-2-19-31,7 30 6 16,4-11-12-16,7 30 4 16,6-15-7-16,8 22 0 15,0-22-3-15,3 12-4 16,0-24 1-16,1-7-10 16,-1-13 6-16,-3-15-45 15,-4-19 28-15,-3-12-94 16,-1-22 65-16,-6-7-164 0,0-12 121 15</inkml:trace>
@@ -11504,8 +11504,8 @@
           </a:p>
         </p:txBody>
       </p:sp>
-      <mc:AlternateContent xmlns:mc="http://schemas.openxmlformats.org/markup-compatibility/2006">
-        <mc:Choice xmlns:p14="http://schemas.microsoft.com/office/powerpoint/2010/main" Requires="p14">
+      <mc:AlternateContent xmlns:mc="http://schemas.openxmlformats.org/markup-compatibility/2006" xmlns:p14="http://schemas.microsoft.com/office/powerpoint/2010/main">
+        <mc:Choice Requires="p14">
           <p:contentPart p14:bwMode="auto" r:id="rId2">
             <p14:nvContentPartPr>
               <p14:cNvPr id="63" name="Encre 62"/>
@@ -11518,7 +11518,7 @@
             </p14:xfrm>
           </p:contentPart>
         </mc:Choice>
-        <mc:Fallback>
+        <mc:Fallback xmlns="">
           <p:pic>
             <p:nvPicPr>
               <p:cNvPr id="63" name="Encre 62"/>
@@ -12213,7 +12213,7 @@
           <a:p>
             <a:r>
               <a:rPr lang="fr-FR" dirty="0"/>
-              <a:t>Nombre d’utilisateurs fixe</a:t>
+              <a:t>Un seul utilisateur</a:t>
             </a:r>
           </a:p>
           <a:p>
@@ -12225,7 +12225,7 @@
           <a:p>
             <a:r>
               <a:rPr lang="fr-FR" dirty="0"/>
-              <a:t>Même distance de l’antenne pour chaque mobile</a:t>
+              <a:t>Même distance d’une antenne à l’autre</a:t>
             </a:r>
           </a:p>
           <a:p>
@@ -12293,10 +12293,10 @@
       </p:sp>
       <p:graphicFrame>
         <p:nvGraphicFramePr>
-          <p:cNvPr id="6" name="Espace réservé du contenu 5">
+          <p:cNvPr id="5" name="Espace réservé du contenu 4">
             <a:extLst>
               <a:ext uri="{FF2B5EF4-FFF2-40B4-BE49-F238E27FC236}">
-                <a16:creationId xmlns:a16="http://schemas.microsoft.com/office/drawing/2014/main" id="{00000000-0008-0000-0000-00000A000000}"/>
+                <a16:creationId xmlns:a16="http://schemas.microsoft.com/office/drawing/2014/main" id="{00000000-0008-0000-0000-00000B000000}"/>
               </a:ext>
             </a:extLst>
           </p:cNvPr>
@@ -12305,6 +12305,11 @@
           </p:cNvGraphicFramePr>
           <p:nvPr>
             <p:ph idx="1"/>
+            <p:extLst>
+              <p:ext uri="{D42A27DB-BD31-4B8C-83A1-F6EECF244321}">
+                <p14:modId xmlns:p14="http://schemas.microsoft.com/office/powerpoint/2010/main" val="3949581361"/>
+              </p:ext>
+            </p:extLst>
           </p:nvPr>
         </p:nvGraphicFramePr>
         <p:xfrm>
@@ -12320,7 +12325,7 @@
     </p:spTree>
     <p:extLst>
       <p:ext uri="{BB962C8B-B14F-4D97-AF65-F5344CB8AC3E}">
-        <p14:creationId xmlns:p14="http://schemas.microsoft.com/office/powerpoint/2010/main" val="2472541608"/>
+        <p14:creationId xmlns:p14="http://schemas.microsoft.com/office/powerpoint/2010/main" val="106992083"/>
       </p:ext>
     </p:extLst>
   </p:cSld>
@@ -12371,10 +12376,10 @@
       </p:sp>
       <p:graphicFrame>
         <p:nvGraphicFramePr>
-          <p:cNvPr id="5" name="Espace réservé du contenu 4">
+          <p:cNvPr id="6" name="Espace réservé du contenu 5">
             <a:extLst>
               <a:ext uri="{FF2B5EF4-FFF2-40B4-BE49-F238E27FC236}">
-                <a16:creationId xmlns:a16="http://schemas.microsoft.com/office/drawing/2014/main" id="{00000000-0008-0000-0000-00000B000000}"/>
+                <a16:creationId xmlns:a16="http://schemas.microsoft.com/office/drawing/2014/main" id="{00000000-0008-0000-0000-00000A000000}"/>
               </a:ext>
             </a:extLst>
           </p:cNvPr>
@@ -12383,11 +12388,6 @@
           </p:cNvGraphicFramePr>
           <p:nvPr>
             <p:ph idx="1"/>
-            <p:extLst>
-              <p:ext uri="{D42A27DB-BD31-4B8C-83A1-F6EECF244321}">
-                <p14:modId xmlns:p14="http://schemas.microsoft.com/office/powerpoint/2010/main" val="3949581361"/>
-              </p:ext>
-            </p:extLst>
           </p:nvPr>
         </p:nvGraphicFramePr>
         <p:xfrm>
@@ -12403,7 +12403,7 @@
     </p:spTree>
     <p:extLst>
       <p:ext uri="{BB962C8B-B14F-4D97-AF65-F5344CB8AC3E}">
-        <p14:creationId xmlns:p14="http://schemas.microsoft.com/office/powerpoint/2010/main" val="106992083"/>
+        <p14:creationId xmlns:p14="http://schemas.microsoft.com/office/powerpoint/2010/main" val="2472541608"/>
       </p:ext>
     </p:extLst>
   </p:cSld>

--- a/Le BeamForming.pptx
+++ b/Le BeamForming.pptx
@@ -4,6 +4,9 @@
   <p:sldMasterIdLst>
     <p:sldMasterId id="2147483648" r:id="rId1"/>
   </p:sldMasterIdLst>
+  <p:notesMasterIdLst>
+    <p:notesMasterId r:id="rId23"/>
+  </p:notesMasterIdLst>
   <p:sldIdLst>
     <p:sldId id="256" r:id="rId2"/>
     <p:sldId id="257" r:id="rId3"/>
@@ -8226,6 +8229,356 @@
 </inkml:ink>
 </file>
 
+<file path=ppt/notesMasters/notesMaster1.xml><?xml version="1.0" encoding="utf-8"?>
+<p:notesMaster xmlns:a="http://schemas.openxmlformats.org/drawingml/2006/main" xmlns:r="http://schemas.openxmlformats.org/officeDocument/2006/relationships" xmlns:p="http://schemas.openxmlformats.org/presentationml/2006/main">
+  <p:cSld>
+    <p:bg>
+      <p:bgRef idx="1001">
+        <a:schemeClr val="bg1"/>
+      </p:bgRef>
+    </p:bg>
+    <p:spTree>
+      <p:nvGrpSpPr>
+        <p:cNvPr id="1" name=""/>
+        <p:cNvGrpSpPr/>
+        <p:nvPr/>
+      </p:nvGrpSpPr>
+      <p:grpSpPr>
+        <a:xfrm>
+          <a:off x="0" y="0"/>
+          <a:ext cx="0" cy="0"/>
+          <a:chOff x="0" y="0"/>
+          <a:chExt cx="0" cy="0"/>
+        </a:xfrm>
+      </p:grpSpPr>
+      <p:sp>
+        <p:nvSpPr>
+          <p:cNvPr id="2" name="Espace réservé de l'en-tête 1"/>
+          <p:cNvSpPr>
+            <a:spLocks noGrp="1"/>
+          </p:cNvSpPr>
+          <p:nvPr>
+            <p:ph type="hdr" sz="quarter"/>
+          </p:nvPr>
+        </p:nvSpPr>
+        <p:spPr>
+          <a:xfrm>
+            <a:off x="0" y="0"/>
+            <a:ext cx="2971800" cy="458788"/>
+          </a:xfrm>
+          <a:prstGeom prst="rect">
+            <a:avLst/>
+          </a:prstGeom>
+        </p:spPr>
+        <p:txBody>
+          <a:bodyPr vert="horz" lIns="91440" tIns="45720" rIns="91440" bIns="45720" rtlCol="0"/>
+          <a:lstStyle>
+            <a:lvl1pPr algn="l">
+              <a:defRPr sz="1200"/>
+            </a:lvl1pPr>
+          </a:lstStyle>
+          <a:p>
+            <a:endParaRPr lang="fr-FR"/>
+          </a:p>
+        </p:txBody>
+      </p:sp>
+      <p:sp>
+        <p:nvSpPr>
+          <p:cNvPr id="3" name="Espace réservé de la date 2"/>
+          <p:cNvSpPr>
+            <a:spLocks noGrp="1"/>
+          </p:cNvSpPr>
+          <p:nvPr>
+            <p:ph type="dt" idx="1"/>
+          </p:nvPr>
+        </p:nvSpPr>
+        <p:spPr>
+          <a:xfrm>
+            <a:off x="3884613" y="0"/>
+            <a:ext cx="2971800" cy="458788"/>
+          </a:xfrm>
+          <a:prstGeom prst="rect">
+            <a:avLst/>
+          </a:prstGeom>
+        </p:spPr>
+        <p:txBody>
+          <a:bodyPr vert="horz" lIns="91440" tIns="45720" rIns="91440" bIns="45720" rtlCol="0"/>
+          <a:lstStyle>
+            <a:lvl1pPr algn="r">
+              <a:defRPr sz="1200"/>
+            </a:lvl1pPr>
+          </a:lstStyle>
+          <a:p>
+            <a:fld id="{DACF7E4D-A24C-44CD-B9B3-A16D63688124}" type="datetimeFigureOut">
+              <a:rPr lang="fr-FR" smtClean="0"/>
+              <a:t>03/04/2017</a:t>
+            </a:fld>
+            <a:endParaRPr lang="fr-FR"/>
+          </a:p>
+        </p:txBody>
+      </p:sp>
+      <p:sp>
+        <p:nvSpPr>
+          <p:cNvPr id="4" name="Espace réservé de l'image des diapositives 3"/>
+          <p:cNvSpPr>
+            <a:spLocks noGrp="1" noRot="1" noChangeAspect="1"/>
+          </p:cNvSpPr>
+          <p:nvPr>
+            <p:ph type="sldImg" idx="2"/>
+          </p:nvPr>
+        </p:nvSpPr>
+        <p:spPr>
+          <a:xfrm>
+            <a:off x="685800" y="1143000"/>
+            <a:ext cx="5486400" cy="3086100"/>
+          </a:xfrm>
+          <a:prstGeom prst="rect">
+            <a:avLst/>
+          </a:prstGeom>
+          <a:noFill/>
+          <a:ln w="12700">
+            <a:solidFill>
+              <a:prstClr val="black"/>
+            </a:solidFill>
+          </a:ln>
+        </p:spPr>
+        <p:txBody>
+          <a:bodyPr vert="horz" lIns="91440" tIns="45720" rIns="91440" bIns="45720" rtlCol="0" anchor="ctr"/>
+          <a:lstStyle/>
+          <a:p>
+            <a:endParaRPr lang="fr-FR"/>
+          </a:p>
+        </p:txBody>
+      </p:sp>
+      <p:sp>
+        <p:nvSpPr>
+          <p:cNvPr id="5" name="Espace réservé des notes 4"/>
+          <p:cNvSpPr>
+            <a:spLocks noGrp="1"/>
+          </p:cNvSpPr>
+          <p:nvPr>
+            <p:ph type="body" sz="quarter" idx="3"/>
+          </p:nvPr>
+        </p:nvSpPr>
+        <p:spPr>
+          <a:xfrm>
+            <a:off x="685800" y="4400550"/>
+            <a:ext cx="5486400" cy="3600450"/>
+          </a:xfrm>
+          <a:prstGeom prst="rect">
+            <a:avLst/>
+          </a:prstGeom>
+        </p:spPr>
+        <p:txBody>
+          <a:bodyPr vert="horz" lIns="91440" tIns="45720" rIns="91440" bIns="45720" rtlCol="0"/>
+          <a:lstStyle/>
+          <a:p>
+            <a:pPr lvl="0"/>
+            <a:r>
+              <a:rPr lang="fr-FR"/>
+              <a:t>Modifier les styles du texte du masque</a:t>
+            </a:r>
+          </a:p>
+          <a:p>
+            <a:pPr lvl="1"/>
+            <a:r>
+              <a:rPr lang="fr-FR"/>
+              <a:t>Deuxième niveau</a:t>
+            </a:r>
+          </a:p>
+          <a:p>
+            <a:pPr lvl="2"/>
+            <a:r>
+              <a:rPr lang="fr-FR"/>
+              <a:t>Troisième niveau</a:t>
+            </a:r>
+          </a:p>
+          <a:p>
+            <a:pPr lvl="3"/>
+            <a:r>
+              <a:rPr lang="fr-FR"/>
+              <a:t>Quatrième niveau</a:t>
+            </a:r>
+          </a:p>
+          <a:p>
+            <a:pPr lvl="4"/>
+            <a:r>
+              <a:rPr lang="fr-FR"/>
+              <a:t>Cinquième niveau</a:t>
+            </a:r>
+            <a:endParaRPr lang="fr-FR"/>
+          </a:p>
+        </p:txBody>
+      </p:sp>
+      <p:sp>
+        <p:nvSpPr>
+          <p:cNvPr id="6" name="Espace réservé du pied de page 5"/>
+          <p:cNvSpPr>
+            <a:spLocks noGrp="1"/>
+          </p:cNvSpPr>
+          <p:nvPr>
+            <p:ph type="ftr" sz="quarter" idx="4"/>
+          </p:nvPr>
+        </p:nvSpPr>
+        <p:spPr>
+          <a:xfrm>
+            <a:off x="0" y="8685213"/>
+            <a:ext cx="2971800" cy="458787"/>
+          </a:xfrm>
+          <a:prstGeom prst="rect">
+            <a:avLst/>
+          </a:prstGeom>
+        </p:spPr>
+        <p:txBody>
+          <a:bodyPr vert="horz" lIns="91440" tIns="45720" rIns="91440" bIns="45720" rtlCol="0" anchor="b"/>
+          <a:lstStyle>
+            <a:lvl1pPr algn="l">
+              <a:defRPr sz="1200"/>
+            </a:lvl1pPr>
+          </a:lstStyle>
+          <a:p>
+            <a:endParaRPr lang="fr-FR"/>
+          </a:p>
+        </p:txBody>
+      </p:sp>
+      <p:sp>
+        <p:nvSpPr>
+          <p:cNvPr id="7" name="Espace réservé du numéro de diapositive 6"/>
+          <p:cNvSpPr>
+            <a:spLocks noGrp="1"/>
+          </p:cNvSpPr>
+          <p:nvPr>
+            <p:ph type="sldNum" sz="quarter" idx="5"/>
+          </p:nvPr>
+        </p:nvSpPr>
+        <p:spPr>
+          <a:xfrm>
+            <a:off x="3884613" y="8685213"/>
+            <a:ext cx="2971800" cy="458787"/>
+          </a:xfrm>
+          <a:prstGeom prst="rect">
+            <a:avLst/>
+          </a:prstGeom>
+        </p:spPr>
+        <p:txBody>
+          <a:bodyPr vert="horz" lIns="91440" tIns="45720" rIns="91440" bIns="45720" rtlCol="0" anchor="b"/>
+          <a:lstStyle>
+            <a:lvl1pPr algn="r">
+              <a:defRPr sz="1200"/>
+            </a:lvl1pPr>
+          </a:lstStyle>
+          <a:p>
+            <a:fld id="{EBB58E1A-9703-43E4-B4A9-8CFF49DE63B7}" type="slidenum">
+              <a:rPr lang="fr-FR" smtClean="0"/>
+              <a:t>‹N°›</a:t>
+            </a:fld>
+            <a:endParaRPr lang="fr-FR"/>
+          </a:p>
+        </p:txBody>
+      </p:sp>
+    </p:spTree>
+    <p:extLst>
+      <p:ext uri="{BB962C8B-B14F-4D97-AF65-F5344CB8AC3E}">
+        <p14:creationId xmlns:p14="http://schemas.microsoft.com/office/powerpoint/2010/main" val="1814475"/>
+      </p:ext>
+    </p:extLst>
+  </p:cSld>
+  <p:clrMap bg1="lt1" tx1="dk1" bg2="lt2" tx2="dk2" accent1="accent1" accent2="accent2" accent3="accent3" accent4="accent4" accent5="accent5" accent6="accent6" hlink="hlink" folHlink="folHlink"/>
+  <p:notesStyle>
+    <a:lvl1pPr marL="0" algn="l" defTabSz="914400" rtl="0" eaLnBrk="1" latinLnBrk="0" hangingPunct="1">
+      <a:defRPr sz="1200" kern="1200">
+        <a:solidFill>
+          <a:schemeClr val="tx1"/>
+        </a:solidFill>
+        <a:latin typeface="+mn-lt"/>
+        <a:ea typeface="+mn-ea"/>
+        <a:cs typeface="+mn-cs"/>
+      </a:defRPr>
+    </a:lvl1pPr>
+    <a:lvl2pPr marL="457200" algn="l" defTabSz="914400" rtl="0" eaLnBrk="1" latinLnBrk="0" hangingPunct="1">
+      <a:defRPr sz="1200" kern="1200">
+        <a:solidFill>
+          <a:schemeClr val="tx1"/>
+        </a:solidFill>
+        <a:latin typeface="+mn-lt"/>
+        <a:ea typeface="+mn-ea"/>
+        <a:cs typeface="+mn-cs"/>
+      </a:defRPr>
+    </a:lvl2pPr>
+    <a:lvl3pPr marL="914400" algn="l" defTabSz="914400" rtl="0" eaLnBrk="1" latinLnBrk="0" hangingPunct="1">
+      <a:defRPr sz="1200" kern="1200">
+        <a:solidFill>
+          <a:schemeClr val="tx1"/>
+        </a:solidFill>
+        <a:latin typeface="+mn-lt"/>
+        <a:ea typeface="+mn-ea"/>
+        <a:cs typeface="+mn-cs"/>
+      </a:defRPr>
+    </a:lvl3pPr>
+    <a:lvl4pPr marL="1371600" algn="l" defTabSz="914400" rtl="0" eaLnBrk="1" latinLnBrk="0" hangingPunct="1">
+      <a:defRPr sz="1200" kern="1200">
+        <a:solidFill>
+          <a:schemeClr val="tx1"/>
+        </a:solidFill>
+        <a:latin typeface="+mn-lt"/>
+        <a:ea typeface="+mn-ea"/>
+        <a:cs typeface="+mn-cs"/>
+      </a:defRPr>
+    </a:lvl4pPr>
+    <a:lvl5pPr marL="1828800" algn="l" defTabSz="914400" rtl="0" eaLnBrk="1" latinLnBrk="0" hangingPunct="1">
+      <a:defRPr sz="1200" kern="1200">
+        <a:solidFill>
+          <a:schemeClr val="tx1"/>
+        </a:solidFill>
+        <a:latin typeface="+mn-lt"/>
+        <a:ea typeface="+mn-ea"/>
+        <a:cs typeface="+mn-cs"/>
+      </a:defRPr>
+    </a:lvl5pPr>
+    <a:lvl6pPr marL="2286000" algn="l" defTabSz="914400" rtl="0" eaLnBrk="1" latinLnBrk="0" hangingPunct="1">
+      <a:defRPr sz="1200" kern="1200">
+        <a:solidFill>
+          <a:schemeClr val="tx1"/>
+        </a:solidFill>
+        <a:latin typeface="+mn-lt"/>
+        <a:ea typeface="+mn-ea"/>
+        <a:cs typeface="+mn-cs"/>
+      </a:defRPr>
+    </a:lvl6pPr>
+    <a:lvl7pPr marL="2743200" algn="l" defTabSz="914400" rtl="0" eaLnBrk="1" latinLnBrk="0" hangingPunct="1">
+      <a:defRPr sz="1200" kern="1200">
+        <a:solidFill>
+          <a:schemeClr val="tx1"/>
+        </a:solidFill>
+        <a:latin typeface="+mn-lt"/>
+        <a:ea typeface="+mn-ea"/>
+        <a:cs typeface="+mn-cs"/>
+      </a:defRPr>
+    </a:lvl7pPr>
+    <a:lvl8pPr marL="3200400" algn="l" defTabSz="914400" rtl="0" eaLnBrk="1" latinLnBrk="0" hangingPunct="1">
+      <a:defRPr sz="1200" kern="1200">
+        <a:solidFill>
+          <a:schemeClr val="tx1"/>
+        </a:solidFill>
+        <a:latin typeface="+mn-lt"/>
+        <a:ea typeface="+mn-ea"/>
+        <a:cs typeface="+mn-cs"/>
+      </a:defRPr>
+    </a:lvl8pPr>
+    <a:lvl9pPr marL="3657600" algn="l" defTabSz="914400" rtl="0" eaLnBrk="1" latinLnBrk="0" hangingPunct="1">
+      <a:defRPr sz="1200" kern="1200">
+        <a:solidFill>
+          <a:schemeClr val="tx1"/>
+        </a:solidFill>
+        <a:latin typeface="+mn-lt"/>
+        <a:ea typeface="+mn-ea"/>
+        <a:cs typeface="+mn-cs"/>
+      </a:defRPr>
+    </a:lvl9pPr>
+  </p:notesStyle>
+</p:notesMaster>
+</file>
+
 <file path=ppt/slideLayouts/slideLayout1.xml><?xml version="1.0" encoding="utf-8"?>
 <p:sldLayout xmlns:a="http://schemas.openxmlformats.org/drawingml/2006/main" xmlns:r="http://schemas.openxmlformats.org/officeDocument/2006/relationships" xmlns:p="http://schemas.openxmlformats.org/presentationml/2006/main" showMasterSp="0" type="title" preserve="1">
   <p:cSld name="Diapositive de titre">
@@ -8414,9 +8767,8 @@
             </a:lvl1pPr>
           </a:lstStyle>
           <a:p>
-            <a:fld id="{96DFF08F-DC6B-4601-B491-B0F83F6DD2DA}" type="datetimeFigureOut">
-              <a:rPr lang="en-US" dirty="0"/>
-              <a:pPr/>
+            <a:fld id="{571C3B26-2427-492A-98F8-38DFD8DCF3B8}" type="datetime1">
+              <a:rPr lang="en-US" smtClean="0"/>
               <a:t>4/3/2017</a:t>
             </a:fld>
             <a:endParaRPr lang="en-US" dirty="0"/>
@@ -8615,8 +8967,8 @@
           <a:bodyPr/>
           <a:lstStyle/>
           <a:p>
-            <a:fld id="{96DFF08F-DC6B-4601-B491-B0F83F6DD2DA}" type="datetimeFigureOut">
-              <a:rPr lang="en-US" dirty="0"/>
+            <a:fld id="{CBB561C0-BC50-4305-B9DE-673C370C1BB1}" type="datetime1">
+              <a:rPr lang="en-US" smtClean="0"/>
               <a:t>4/3/2017</a:t>
             </a:fld>
             <a:endParaRPr lang="en-US" dirty="0"/>
@@ -8790,8 +9142,8 @@
           <a:bodyPr/>
           <a:lstStyle/>
           <a:p>
-            <a:fld id="{96DFF08F-DC6B-4601-B491-B0F83F6DD2DA}" type="datetimeFigureOut">
-              <a:rPr lang="en-US" dirty="0"/>
+            <a:fld id="{1A77D6C8-EBDD-4D81-AF99-E8D3CE733B15}" type="datetime1">
+              <a:rPr lang="en-US" smtClean="0"/>
               <a:t>4/3/2017</a:t>
             </a:fld>
             <a:endParaRPr lang="en-US" dirty="0"/>
@@ -8990,8 +9342,8 @@
           <a:bodyPr/>
           <a:lstStyle/>
           <a:p>
-            <a:fld id="{96DFF08F-DC6B-4601-B491-B0F83F6DD2DA}" type="datetimeFigureOut">
-              <a:rPr lang="en-US" dirty="0"/>
+            <a:fld id="{7CC64812-B4FF-4181-B340-F87CD745E099}" type="datetime1">
+              <a:rPr lang="en-US" smtClean="0"/>
               <a:t>4/3/2017</a:t>
             </a:fld>
             <a:endParaRPr lang="en-US" dirty="0"/>
@@ -9280,8 +9632,8 @@
           <a:bodyPr/>
           <a:lstStyle/>
           <a:p>
-            <a:fld id="{96DFF08F-DC6B-4601-B491-B0F83F6DD2DA}" type="datetimeFigureOut">
-              <a:rPr lang="en-US" dirty="0"/>
+            <a:fld id="{C55DA89B-7299-4826-98EF-2DF14A80A70A}" type="datetime1">
+              <a:rPr lang="en-US" smtClean="0"/>
               <a:t>4/3/2017</a:t>
             </a:fld>
             <a:endParaRPr lang="en-US" dirty="0"/>
@@ -9547,8 +9899,8 @@
           <a:bodyPr/>
           <a:lstStyle/>
           <a:p>
-            <a:fld id="{96DFF08F-DC6B-4601-B491-B0F83F6DD2DA}" type="datetimeFigureOut">
-              <a:rPr lang="en-US" dirty="0"/>
+            <a:fld id="{19FEFE94-67EF-4506-A9B4-DF82AA7C0726}" type="datetime1">
+              <a:rPr lang="en-US" smtClean="0"/>
               <a:t>4/3/2017</a:t>
             </a:fld>
             <a:endParaRPr lang="en-US" dirty="0"/>
@@ -9949,8 +10301,8 @@
           <a:bodyPr/>
           <a:lstStyle/>
           <a:p>
-            <a:fld id="{96DFF08F-DC6B-4601-B491-B0F83F6DD2DA}" type="datetimeFigureOut">
-              <a:rPr lang="en-US" dirty="0"/>
+            <a:fld id="{B38146D5-2378-4E7E-801C-C768635D3885}" type="datetime1">
+              <a:rPr lang="en-US" smtClean="0"/>
               <a:t>4/3/2017</a:t>
             </a:fld>
             <a:endParaRPr lang="en-US" dirty="0"/>
@@ -10062,8 +10414,8 @@
           <a:bodyPr/>
           <a:lstStyle/>
           <a:p>
-            <a:fld id="{96DFF08F-DC6B-4601-B491-B0F83F6DD2DA}" type="datetimeFigureOut">
-              <a:rPr lang="en-US" dirty="0"/>
+            <a:fld id="{887FFC00-9F6C-4E49-8F8D-A07750933D05}" type="datetime1">
+              <a:rPr lang="en-US" smtClean="0"/>
               <a:t>4/3/2017</a:t>
             </a:fld>
             <a:endParaRPr lang="en-US" dirty="0"/>
@@ -10152,8 +10504,8 @@
           <a:bodyPr/>
           <a:lstStyle/>
           <a:p>
-            <a:fld id="{96DFF08F-DC6B-4601-B491-B0F83F6DD2DA}" type="datetimeFigureOut">
-              <a:rPr lang="en-US" dirty="0"/>
+            <a:fld id="{6F7A0DA0-4D95-45BD-8137-4E944EAE04A0}" type="datetime1">
+              <a:rPr lang="en-US" smtClean="0"/>
               <a:t>4/3/2017</a:t>
             </a:fld>
             <a:endParaRPr lang="en-US" dirty="0"/>
@@ -10437,8 +10789,8 @@
           <a:bodyPr/>
           <a:lstStyle/>
           <a:p>
-            <a:fld id="{96DFF08F-DC6B-4601-B491-B0F83F6DD2DA}" type="datetimeFigureOut">
-              <a:rPr lang="en-US" dirty="0"/>
+            <a:fld id="{6DBAAF79-E4B7-4655-98EE-61A4817738DD}" type="datetime1">
+              <a:rPr lang="en-US" smtClean="0"/>
               <a:t>4/3/2017</a:t>
             </a:fld>
             <a:endParaRPr lang="en-US" dirty="0"/>
@@ -10712,8 +11064,8 @@
           <a:bodyPr/>
           <a:lstStyle/>
           <a:p>
-            <a:fld id="{C7616CA0-919D-4A49-9C8A-62FDFB3A5183}" type="datetimeFigureOut">
-              <a:rPr lang="en-US" dirty="0"/>
+            <a:fld id="{672739CD-94D3-4A15-A289-7E6AA78639E2}" type="datetime1">
+              <a:rPr lang="en-US" smtClean="0"/>
               <a:t>4/3/2017</a:t>
             </a:fld>
             <a:endParaRPr lang="en-US" dirty="0"/>
@@ -10957,9 +11309,8 @@
             </a:lvl1pPr>
           </a:lstStyle>
           <a:p>
-            <a:fld id="{96DFF08F-DC6B-4601-B491-B0F83F6DD2DA}" type="datetimeFigureOut">
-              <a:rPr lang="en-US" dirty="0"/>
-              <a:pPr/>
+            <a:fld id="{646EB8FD-9EDF-43E2-9C8B-CECF6E81EC9E}" type="datetime1">
+              <a:rPr lang="en-US" smtClean="0"/>
               <a:t>4/3/2017</a:t>
             </a:fld>
             <a:endParaRPr lang="en-US" dirty="0"/>
@@ -11100,6 +11451,7 @@
     <p:sldLayoutId id="2147483658" r:id="rId10"/>
     <p:sldLayoutId id="2147483659" r:id="rId11"/>
   </p:sldLayoutIdLst>
+  <p:hf hdr="0" ftr="0" dt="0"/>
   <p:txStyles>
     <p:titleStyle>
       <a:lvl1pPr algn="l" defTabSz="914400" rtl="0" eaLnBrk="1" latinLnBrk="0" hangingPunct="1">
@@ -11543,6 +11895,29 @@
           </p:pic>
         </mc:Fallback>
       </mc:AlternateContent>
+      <p:sp>
+        <p:nvSpPr>
+          <p:cNvPr id="4" name="Espace réservé du numéro de diapositive 3"/>
+          <p:cNvSpPr>
+            <a:spLocks noGrp="1"/>
+          </p:cNvSpPr>
+          <p:nvPr>
+            <p:ph type="sldNum" sz="quarter" idx="12"/>
+          </p:nvPr>
+        </p:nvSpPr>
+        <p:spPr/>
+        <p:txBody>
+          <a:bodyPr/>
+          <a:lstStyle/>
+          <a:p>
+            <a:fld id="{4FAB73BC-B049-4115-A692-8D63A059BFB8}" type="slidenum">
+              <a:rPr lang="en-US" smtClean="0"/>
+              <a:t>1</a:t>
+            </a:fld>
+            <a:endParaRPr lang="en-US" dirty="0"/>
+          </a:p>
+        </p:txBody>
+      </p:sp>
     </p:spTree>
     <p:extLst>
       <p:ext uri="{BB962C8B-B14F-4D97-AF65-F5344CB8AC3E}">
@@ -11641,6 +12016,29 @@
           </a:graphicData>
         </a:graphic>
       </p:graphicFrame>
+      <p:sp>
+        <p:nvSpPr>
+          <p:cNvPr id="3" name="Espace réservé du numéro de diapositive 2"/>
+          <p:cNvSpPr>
+            <a:spLocks noGrp="1"/>
+          </p:cNvSpPr>
+          <p:nvPr>
+            <p:ph type="sldNum" sz="quarter" idx="12"/>
+          </p:nvPr>
+        </p:nvSpPr>
+        <p:spPr/>
+        <p:txBody>
+          <a:bodyPr/>
+          <a:lstStyle/>
+          <a:p>
+            <a:fld id="{4FAB73BC-B049-4115-A692-8D63A059BFB8}" type="slidenum">
+              <a:rPr lang="en-US" smtClean="0"/>
+              <a:t>10</a:t>
+            </a:fld>
+            <a:endParaRPr lang="en-US" dirty="0"/>
+          </a:p>
+        </p:txBody>
+      </p:sp>
     </p:spTree>
     <p:extLst>
       <p:ext uri="{BB962C8B-B14F-4D97-AF65-F5344CB8AC3E}">
@@ -11739,6 +12137,29 @@
           </a:graphicData>
         </a:graphic>
       </p:graphicFrame>
+      <p:sp>
+        <p:nvSpPr>
+          <p:cNvPr id="3" name="Espace réservé du numéro de diapositive 2"/>
+          <p:cNvSpPr>
+            <a:spLocks noGrp="1"/>
+          </p:cNvSpPr>
+          <p:nvPr>
+            <p:ph type="sldNum" sz="quarter" idx="12"/>
+          </p:nvPr>
+        </p:nvSpPr>
+        <p:spPr/>
+        <p:txBody>
+          <a:bodyPr/>
+          <a:lstStyle/>
+          <a:p>
+            <a:fld id="{4FAB73BC-B049-4115-A692-8D63A059BFB8}" type="slidenum">
+              <a:rPr lang="en-US" smtClean="0"/>
+              <a:t>11</a:t>
+            </a:fld>
+            <a:endParaRPr lang="en-US" dirty="0"/>
+          </a:p>
+        </p:txBody>
+      </p:sp>
     </p:spTree>
     <p:extLst>
       <p:ext uri="{BB962C8B-B14F-4D97-AF65-F5344CB8AC3E}">
@@ -11837,6 +12258,29 @@
           </a:graphicData>
         </a:graphic>
       </p:graphicFrame>
+      <p:sp>
+        <p:nvSpPr>
+          <p:cNvPr id="3" name="Espace réservé du numéro de diapositive 2"/>
+          <p:cNvSpPr>
+            <a:spLocks noGrp="1"/>
+          </p:cNvSpPr>
+          <p:nvPr>
+            <p:ph type="sldNum" sz="quarter" idx="12"/>
+          </p:nvPr>
+        </p:nvSpPr>
+        <p:spPr/>
+        <p:txBody>
+          <a:bodyPr/>
+          <a:lstStyle/>
+          <a:p>
+            <a:fld id="{4FAB73BC-B049-4115-A692-8D63A059BFB8}" type="slidenum">
+              <a:rPr lang="en-US" smtClean="0"/>
+              <a:t>12</a:t>
+            </a:fld>
+            <a:endParaRPr lang="en-US" dirty="0"/>
+          </a:p>
+        </p:txBody>
+      </p:sp>
     </p:spTree>
     <p:extLst>
       <p:ext uri="{BB962C8B-B14F-4D97-AF65-F5344CB8AC3E}">
@@ -11935,6 +12379,29 @@
           </a:graphicData>
         </a:graphic>
       </p:graphicFrame>
+      <p:sp>
+        <p:nvSpPr>
+          <p:cNvPr id="3" name="Espace réservé du numéro de diapositive 2"/>
+          <p:cNvSpPr>
+            <a:spLocks noGrp="1"/>
+          </p:cNvSpPr>
+          <p:nvPr>
+            <p:ph type="sldNum" sz="quarter" idx="12"/>
+          </p:nvPr>
+        </p:nvSpPr>
+        <p:spPr/>
+        <p:txBody>
+          <a:bodyPr/>
+          <a:lstStyle/>
+          <a:p>
+            <a:fld id="{4FAB73BC-B049-4115-A692-8D63A059BFB8}" type="slidenum">
+              <a:rPr lang="en-US" smtClean="0"/>
+              <a:t>13</a:t>
+            </a:fld>
+            <a:endParaRPr lang="en-US" dirty="0"/>
+          </a:p>
+        </p:txBody>
+      </p:sp>
     </p:spTree>
     <p:extLst>
       <p:ext uri="{BB962C8B-B14F-4D97-AF65-F5344CB8AC3E}">
@@ -12033,6 +12500,29 @@
           </a:graphicData>
         </a:graphic>
       </p:graphicFrame>
+      <p:sp>
+        <p:nvSpPr>
+          <p:cNvPr id="3" name="Espace réservé du numéro de diapositive 2"/>
+          <p:cNvSpPr>
+            <a:spLocks noGrp="1"/>
+          </p:cNvSpPr>
+          <p:nvPr>
+            <p:ph type="sldNum" sz="quarter" idx="12"/>
+          </p:nvPr>
+        </p:nvSpPr>
+        <p:spPr/>
+        <p:txBody>
+          <a:bodyPr/>
+          <a:lstStyle/>
+          <a:p>
+            <a:fld id="{4FAB73BC-B049-4115-A692-8D63A059BFB8}" type="slidenum">
+              <a:rPr lang="en-US" smtClean="0"/>
+              <a:t>14</a:t>
+            </a:fld>
+            <a:endParaRPr lang="en-US" dirty="0"/>
+          </a:p>
+        </p:txBody>
+      </p:sp>
     </p:spTree>
     <p:extLst>
       <p:ext uri="{BB962C8B-B14F-4D97-AF65-F5344CB8AC3E}">
@@ -12131,6 +12621,29 @@
           </a:graphicData>
         </a:graphic>
       </p:graphicFrame>
+      <p:sp>
+        <p:nvSpPr>
+          <p:cNvPr id="3" name="Espace réservé du numéro de diapositive 2"/>
+          <p:cNvSpPr>
+            <a:spLocks noGrp="1"/>
+          </p:cNvSpPr>
+          <p:nvPr>
+            <p:ph type="sldNum" sz="quarter" idx="12"/>
+          </p:nvPr>
+        </p:nvSpPr>
+        <p:spPr/>
+        <p:txBody>
+          <a:bodyPr/>
+          <a:lstStyle/>
+          <a:p>
+            <a:fld id="{4FAB73BC-B049-4115-A692-8D63A059BFB8}" type="slidenum">
+              <a:rPr lang="en-US" smtClean="0"/>
+              <a:t>15</a:t>
+            </a:fld>
+            <a:endParaRPr lang="en-US" dirty="0"/>
+          </a:p>
+        </p:txBody>
+      </p:sp>
     </p:spTree>
     <p:extLst>
       <p:ext uri="{BB962C8B-B14F-4D97-AF65-F5344CB8AC3E}">
@@ -12236,6 +12749,29 @@
           </a:p>
           <a:p>
             <a:endParaRPr lang="fr-FR" dirty="0"/>
+          </a:p>
+        </p:txBody>
+      </p:sp>
+      <p:sp>
+        <p:nvSpPr>
+          <p:cNvPr id="4" name="Espace réservé du numéro de diapositive 3"/>
+          <p:cNvSpPr>
+            <a:spLocks noGrp="1"/>
+          </p:cNvSpPr>
+          <p:nvPr>
+            <p:ph type="sldNum" sz="quarter" idx="12"/>
+          </p:nvPr>
+        </p:nvSpPr>
+        <p:spPr/>
+        <p:txBody>
+          <a:bodyPr/>
+          <a:lstStyle/>
+          <a:p>
+            <a:fld id="{4FAB73BC-B049-4115-A692-8D63A059BFB8}" type="slidenum">
+              <a:rPr lang="en-US" smtClean="0"/>
+              <a:t>16</a:t>
+            </a:fld>
+            <a:endParaRPr lang="en-US" dirty="0"/>
           </a:p>
         </p:txBody>
       </p:sp>
@@ -12322,6 +12858,29 @@
           </a:graphicData>
         </a:graphic>
       </p:graphicFrame>
+      <p:sp>
+        <p:nvSpPr>
+          <p:cNvPr id="3" name="Espace réservé du numéro de diapositive 2"/>
+          <p:cNvSpPr>
+            <a:spLocks noGrp="1"/>
+          </p:cNvSpPr>
+          <p:nvPr>
+            <p:ph type="sldNum" sz="quarter" idx="12"/>
+          </p:nvPr>
+        </p:nvSpPr>
+        <p:spPr/>
+        <p:txBody>
+          <a:bodyPr/>
+          <a:lstStyle/>
+          <a:p>
+            <a:fld id="{4FAB73BC-B049-4115-A692-8D63A059BFB8}" type="slidenum">
+              <a:rPr lang="en-US" smtClean="0"/>
+              <a:t>17</a:t>
+            </a:fld>
+            <a:endParaRPr lang="en-US" dirty="0"/>
+          </a:p>
+        </p:txBody>
+      </p:sp>
     </p:spTree>
     <p:extLst>
       <p:ext uri="{BB962C8B-B14F-4D97-AF65-F5344CB8AC3E}">
@@ -12400,6 +12959,29 @@
           </a:graphicData>
         </a:graphic>
       </p:graphicFrame>
+      <p:sp>
+        <p:nvSpPr>
+          <p:cNvPr id="3" name="Espace réservé du numéro de diapositive 2"/>
+          <p:cNvSpPr>
+            <a:spLocks noGrp="1"/>
+          </p:cNvSpPr>
+          <p:nvPr>
+            <p:ph type="sldNum" sz="quarter" idx="12"/>
+          </p:nvPr>
+        </p:nvSpPr>
+        <p:spPr/>
+        <p:txBody>
+          <a:bodyPr/>
+          <a:lstStyle/>
+          <a:p>
+            <a:fld id="{4FAB73BC-B049-4115-A692-8D63A059BFB8}" type="slidenum">
+              <a:rPr lang="en-US" smtClean="0"/>
+              <a:t>18</a:t>
+            </a:fld>
+            <a:endParaRPr lang="en-US" dirty="0"/>
+          </a:p>
+        </p:txBody>
+      </p:sp>
     </p:spTree>
     <p:extLst>
       <p:ext uri="{BB962C8B-B14F-4D97-AF65-F5344CB8AC3E}">
@@ -12483,6 +13065,29 @@
           </a:graphicData>
         </a:graphic>
       </p:graphicFrame>
+      <p:sp>
+        <p:nvSpPr>
+          <p:cNvPr id="3" name="Espace réservé du numéro de diapositive 2"/>
+          <p:cNvSpPr>
+            <a:spLocks noGrp="1"/>
+          </p:cNvSpPr>
+          <p:nvPr>
+            <p:ph type="sldNum" sz="quarter" idx="12"/>
+          </p:nvPr>
+        </p:nvSpPr>
+        <p:spPr/>
+        <p:txBody>
+          <a:bodyPr/>
+          <a:lstStyle/>
+          <a:p>
+            <a:fld id="{4FAB73BC-B049-4115-A692-8D63A059BFB8}" type="slidenum">
+              <a:rPr lang="en-US" smtClean="0"/>
+              <a:t>19</a:t>
+            </a:fld>
+            <a:endParaRPr lang="en-US" dirty="0"/>
+          </a:p>
+        </p:txBody>
+      </p:sp>
     </p:spTree>
     <p:extLst>
       <p:ext uri="{BB962C8B-B14F-4D97-AF65-F5344CB8AC3E}">
@@ -12566,6 +13171,29 @@
               <a:rPr lang="fr-FR" dirty="0"/>
               <a:t>Meilleure équité</a:t>
             </a:r>
+          </a:p>
+        </p:txBody>
+      </p:sp>
+      <p:sp>
+        <p:nvSpPr>
+          <p:cNvPr id="4" name="Espace réservé du numéro de diapositive 3"/>
+          <p:cNvSpPr>
+            <a:spLocks noGrp="1"/>
+          </p:cNvSpPr>
+          <p:nvPr>
+            <p:ph type="sldNum" sz="quarter" idx="12"/>
+          </p:nvPr>
+        </p:nvSpPr>
+        <p:spPr/>
+        <p:txBody>
+          <a:bodyPr/>
+          <a:lstStyle/>
+          <a:p>
+            <a:fld id="{4FAB73BC-B049-4115-A692-8D63A059BFB8}" type="slidenum">
+              <a:rPr lang="en-US" smtClean="0"/>
+              <a:t>2</a:t>
+            </a:fld>
+            <a:endParaRPr lang="en-US" dirty="0"/>
           </a:p>
         </p:txBody>
       </p:sp>
@@ -12644,6 +13272,29 @@
           </a:xfrm>
         </p:spPr>
       </p:pic>
+      <p:sp>
+        <p:nvSpPr>
+          <p:cNvPr id="3" name="Espace réservé du numéro de diapositive 2"/>
+          <p:cNvSpPr>
+            <a:spLocks noGrp="1"/>
+          </p:cNvSpPr>
+          <p:nvPr>
+            <p:ph type="sldNum" sz="quarter" idx="12"/>
+          </p:nvPr>
+        </p:nvSpPr>
+        <p:spPr/>
+        <p:txBody>
+          <a:bodyPr/>
+          <a:lstStyle/>
+          <a:p>
+            <a:fld id="{4FAB73BC-B049-4115-A692-8D63A059BFB8}" type="slidenum">
+              <a:rPr lang="en-US" smtClean="0"/>
+              <a:t>20</a:t>
+            </a:fld>
+            <a:endParaRPr lang="en-US" dirty="0"/>
+          </a:p>
+        </p:txBody>
+      </p:sp>
     </p:spTree>
     <p:extLst>
       <p:ext uri="{BB962C8B-B14F-4D97-AF65-F5344CB8AC3E}">
@@ -12739,6 +13390,29 @@
               <a:rPr lang="fr-FR" dirty="0"/>
               <a:t> Meilleure partage des fréquences entre les antennes</a:t>
             </a:r>
+          </a:p>
+        </p:txBody>
+      </p:sp>
+      <p:sp>
+        <p:nvSpPr>
+          <p:cNvPr id="4" name="Espace réservé du numéro de diapositive 3"/>
+          <p:cNvSpPr>
+            <a:spLocks noGrp="1"/>
+          </p:cNvSpPr>
+          <p:nvPr>
+            <p:ph type="sldNum" sz="quarter" idx="12"/>
+          </p:nvPr>
+        </p:nvSpPr>
+        <p:spPr/>
+        <p:txBody>
+          <a:bodyPr/>
+          <a:lstStyle/>
+          <a:p>
+            <a:fld id="{4FAB73BC-B049-4115-A692-8D63A059BFB8}" type="slidenum">
+              <a:rPr lang="en-US" smtClean="0"/>
+              <a:t>21</a:t>
+            </a:fld>
+            <a:endParaRPr lang="en-US" dirty="0"/>
           </a:p>
         </p:txBody>
       </p:sp>
@@ -12822,6 +13496,29 @@
           </a:p>
         </p:txBody>
       </p:sp>
+      <p:sp>
+        <p:nvSpPr>
+          <p:cNvPr id="4" name="Espace réservé du numéro de diapositive 3"/>
+          <p:cNvSpPr>
+            <a:spLocks noGrp="1"/>
+          </p:cNvSpPr>
+          <p:nvPr>
+            <p:ph type="sldNum" sz="quarter" idx="12"/>
+          </p:nvPr>
+        </p:nvSpPr>
+        <p:spPr/>
+        <p:txBody>
+          <a:bodyPr/>
+          <a:lstStyle/>
+          <a:p>
+            <a:fld id="{4FAB73BC-B049-4115-A692-8D63A059BFB8}" type="slidenum">
+              <a:rPr lang="en-US" smtClean="0"/>
+              <a:t>3</a:t>
+            </a:fld>
+            <a:endParaRPr lang="en-US" dirty="0"/>
+          </a:p>
+        </p:txBody>
+      </p:sp>
     </p:spTree>
     <p:extLst>
       <p:ext uri="{BB962C8B-B14F-4D97-AF65-F5344CB8AC3E}">
@@ -12910,6 +13607,29 @@
               <a:t>mkn</a:t>
             </a:r>
             <a:endParaRPr lang="fr-FR" dirty="0"/>
+          </a:p>
+        </p:txBody>
+      </p:sp>
+      <p:sp>
+        <p:nvSpPr>
+          <p:cNvPr id="4" name="Espace réservé du numéro de diapositive 3"/>
+          <p:cNvSpPr>
+            <a:spLocks noGrp="1"/>
+          </p:cNvSpPr>
+          <p:nvPr>
+            <p:ph type="sldNum" sz="quarter" idx="12"/>
+          </p:nvPr>
+        </p:nvSpPr>
+        <p:spPr/>
+        <p:txBody>
+          <a:bodyPr/>
+          <a:lstStyle/>
+          <a:p>
+            <a:fld id="{4FAB73BC-B049-4115-A692-8D63A059BFB8}" type="slidenum">
+              <a:rPr lang="en-US" smtClean="0"/>
+              <a:t>4</a:t>
+            </a:fld>
+            <a:endParaRPr lang="en-US" dirty="0"/>
           </a:p>
         </p:txBody>
       </p:sp>
@@ -13052,6 +13772,29 @@
           </a:p>
         </p:txBody>
       </p:sp>
+      <p:sp>
+        <p:nvSpPr>
+          <p:cNvPr id="4" name="Espace réservé du numéro de diapositive 3"/>
+          <p:cNvSpPr>
+            <a:spLocks noGrp="1"/>
+          </p:cNvSpPr>
+          <p:nvPr>
+            <p:ph type="sldNum" sz="quarter" idx="12"/>
+          </p:nvPr>
+        </p:nvSpPr>
+        <p:spPr/>
+        <p:txBody>
+          <a:bodyPr/>
+          <a:lstStyle/>
+          <a:p>
+            <a:fld id="{4FAB73BC-B049-4115-A692-8D63A059BFB8}" type="slidenum">
+              <a:rPr lang="en-US" smtClean="0"/>
+              <a:t>5</a:t>
+            </a:fld>
+            <a:endParaRPr lang="en-US" dirty="0"/>
+          </a:p>
+        </p:txBody>
+      </p:sp>
     </p:spTree>
     <p:extLst>
       <p:ext uri="{BB962C8B-B14F-4D97-AF65-F5344CB8AC3E}">
@@ -13127,6 +13870,29 @@
           </a:xfrm>
         </p:spPr>
       </p:pic>
+      <p:sp>
+        <p:nvSpPr>
+          <p:cNvPr id="3" name="Espace réservé du numéro de diapositive 2"/>
+          <p:cNvSpPr>
+            <a:spLocks noGrp="1"/>
+          </p:cNvSpPr>
+          <p:nvPr>
+            <p:ph type="sldNum" sz="quarter" idx="12"/>
+          </p:nvPr>
+        </p:nvSpPr>
+        <p:spPr/>
+        <p:txBody>
+          <a:bodyPr/>
+          <a:lstStyle/>
+          <a:p>
+            <a:fld id="{4FAB73BC-B049-4115-A692-8D63A059BFB8}" type="slidenum">
+              <a:rPr lang="en-US" smtClean="0"/>
+              <a:t>6</a:t>
+            </a:fld>
+            <a:endParaRPr lang="en-US" dirty="0"/>
+          </a:p>
+        </p:txBody>
+      </p:sp>
     </p:spTree>
     <p:extLst>
       <p:ext uri="{BB962C8B-B14F-4D97-AF65-F5344CB8AC3E}">
@@ -13246,6 +14012,29 @@
           </a:p>
           <a:p>
             <a:endParaRPr lang="fr-FR" dirty="0"/>
+          </a:p>
+        </p:txBody>
+      </p:sp>
+      <p:sp>
+        <p:nvSpPr>
+          <p:cNvPr id="4" name="Espace réservé du numéro de diapositive 3"/>
+          <p:cNvSpPr>
+            <a:spLocks noGrp="1"/>
+          </p:cNvSpPr>
+          <p:nvPr>
+            <p:ph type="sldNum" sz="quarter" idx="12"/>
+          </p:nvPr>
+        </p:nvSpPr>
+        <p:spPr/>
+        <p:txBody>
+          <a:bodyPr/>
+          <a:lstStyle/>
+          <a:p>
+            <a:fld id="{4FAB73BC-B049-4115-A692-8D63A059BFB8}" type="slidenum">
+              <a:rPr lang="en-US" smtClean="0"/>
+              <a:t>7</a:t>
+            </a:fld>
+            <a:endParaRPr lang="en-US" dirty="0"/>
           </a:p>
         </p:txBody>
       </p:sp>
@@ -13345,6 +14134,29 @@
           </a:graphicData>
         </a:graphic>
       </p:graphicFrame>
+      <p:sp>
+        <p:nvSpPr>
+          <p:cNvPr id="3" name="Espace réservé du numéro de diapositive 2"/>
+          <p:cNvSpPr>
+            <a:spLocks noGrp="1"/>
+          </p:cNvSpPr>
+          <p:nvPr>
+            <p:ph type="sldNum" sz="quarter" idx="12"/>
+          </p:nvPr>
+        </p:nvSpPr>
+        <p:spPr/>
+        <p:txBody>
+          <a:bodyPr/>
+          <a:lstStyle/>
+          <a:p>
+            <a:fld id="{4FAB73BC-B049-4115-A692-8D63A059BFB8}" type="slidenum">
+              <a:rPr lang="en-US" smtClean="0"/>
+              <a:t>8</a:t>
+            </a:fld>
+            <a:endParaRPr lang="en-US" dirty="0"/>
+          </a:p>
+        </p:txBody>
+      </p:sp>
     </p:spTree>
     <p:extLst>
       <p:ext uri="{BB962C8B-B14F-4D97-AF65-F5344CB8AC3E}">
@@ -13443,6 +14255,29 @@
           </a:graphicData>
         </a:graphic>
       </p:graphicFrame>
+      <p:sp>
+        <p:nvSpPr>
+          <p:cNvPr id="3" name="Espace réservé du numéro de diapositive 2"/>
+          <p:cNvSpPr>
+            <a:spLocks noGrp="1"/>
+          </p:cNvSpPr>
+          <p:nvPr>
+            <p:ph type="sldNum" sz="quarter" idx="12"/>
+          </p:nvPr>
+        </p:nvSpPr>
+        <p:spPr/>
+        <p:txBody>
+          <a:bodyPr/>
+          <a:lstStyle/>
+          <a:p>
+            <a:fld id="{4FAB73BC-B049-4115-A692-8D63A059BFB8}" type="slidenum">
+              <a:rPr lang="en-US" smtClean="0"/>
+              <a:t>9</a:t>
+            </a:fld>
+            <a:endParaRPr lang="en-US" dirty="0"/>
+          </a:p>
+        </p:txBody>
+      </p:sp>
     </p:spTree>
     <p:extLst>
       <p:ext uri="{BB962C8B-B14F-4D97-AF65-F5344CB8AC3E}">
@@ -13725,4 +14560,299 @@
     </a:ext>
   </a:extLst>
 </a:theme>
+</file>
+
+<file path=ppt/theme/theme2.xml><?xml version="1.0" encoding="utf-8"?>
+<a:theme xmlns:a="http://schemas.openxmlformats.org/drawingml/2006/main" name="Thème Office">
+  <a:themeElements>
+    <a:clrScheme name="Office">
+      <a:dk1>
+        <a:sysClr val="windowText" lastClr="000000"/>
+      </a:dk1>
+      <a:lt1>
+        <a:sysClr val="window" lastClr="FFFFFF"/>
+      </a:lt1>
+      <a:dk2>
+        <a:srgbClr val="44546A"/>
+      </a:dk2>
+      <a:lt2>
+        <a:srgbClr val="E7E6E6"/>
+      </a:lt2>
+      <a:accent1>
+        <a:srgbClr val="4472C4"/>
+      </a:accent1>
+      <a:accent2>
+        <a:srgbClr val="ED7D31"/>
+      </a:accent2>
+      <a:accent3>
+        <a:srgbClr val="A5A5A5"/>
+      </a:accent3>
+      <a:accent4>
+        <a:srgbClr val="FFC000"/>
+      </a:accent4>
+      <a:accent5>
+        <a:srgbClr val="5B9BD5"/>
+      </a:accent5>
+      <a:accent6>
+        <a:srgbClr val="70AD47"/>
+      </a:accent6>
+      <a:hlink>
+        <a:srgbClr val="0563C1"/>
+      </a:hlink>
+      <a:folHlink>
+        <a:srgbClr val="954F72"/>
+      </a:folHlink>
+    </a:clrScheme>
+    <a:fontScheme name="Office">
+      <a:majorFont>
+        <a:latin typeface="Calibri Light" panose="020F0302020204030204"/>
+        <a:ea typeface=""/>
+        <a:cs typeface=""/>
+        <a:font script="Jpan" typeface="游ゴシック Light"/>
+        <a:font script="Hang" typeface="맑은 고딕"/>
+        <a:font script="Hans" typeface="等线 Light"/>
+        <a:font script="Hant" typeface="新細明體"/>
+        <a:font script="Arab" typeface="Times New Roman"/>
+        <a:font script="Hebr" typeface="Times New Roman"/>
+        <a:font script="Thai" typeface="Angsana New"/>
+        <a:font script="Ethi" typeface="Nyala"/>
+        <a:font script="Beng" typeface="Vrinda"/>
+        <a:font script="Gujr" typeface="Shruti"/>
+        <a:font script="Khmr" typeface="MoolBoran"/>
+        <a:font script="Knda" typeface="Tunga"/>
+        <a:font script="Guru" typeface="Raavi"/>
+        <a:font script="Cans" typeface="Euphemia"/>
+        <a:font script="Cher" typeface="Plantagenet Cherokee"/>
+        <a:font script="Yiii" typeface="Microsoft Yi Baiti"/>
+        <a:font script="Tibt" typeface="Microsoft Himalaya"/>
+        <a:font script="Thaa" typeface="MV Boli"/>
+        <a:font script="Deva" typeface="Mangal"/>
+        <a:font script="Telu" typeface="Gautami"/>
+        <a:font script="Taml" typeface="Latha"/>
+        <a:font script="Syrc" typeface="Estrangelo Edessa"/>
+        <a:font script="Orya" typeface="Kalinga"/>
+        <a:font script="Mlym" typeface="Kartika"/>
+        <a:font script="Laoo" typeface="DokChampa"/>
+        <a:font script="Sinh" typeface="Iskoola Pota"/>
+        <a:font script="Mong" typeface="Mongolian Baiti"/>
+        <a:font script="Viet" typeface="Times New Roman"/>
+        <a:font script="Uigh" typeface="Microsoft Uighur"/>
+        <a:font script="Geor" typeface="Sylfaen"/>
+        <a:font script="Armn" typeface="Arial"/>
+        <a:font script="Bugi" typeface="Leelawadee UI"/>
+        <a:font script="Bopo" typeface="Microsoft JhengHei"/>
+        <a:font script="Java" typeface="Javanese Text"/>
+        <a:font script="Lisu" typeface="Segoe UI"/>
+        <a:font script="Mymr" typeface="Myanmar Text"/>
+        <a:font script="Nkoo" typeface="Ebrima"/>
+        <a:font script="Olck" typeface="Nirmala UI"/>
+        <a:font script="Osma" typeface="Ebrima"/>
+        <a:font script="Phag" typeface="Phagspa"/>
+        <a:font script="Syrn" typeface="Estrangelo Edessa"/>
+        <a:font script="Syrj" typeface="Estrangelo Edessa"/>
+        <a:font script="Syre" typeface="Estrangelo Edessa"/>
+        <a:font script="Sora" typeface="Nirmala UI"/>
+        <a:font script="Tale" typeface="Microsoft Tai Le"/>
+        <a:font script="Talu" typeface="Microsoft New Tai Lue"/>
+        <a:font script="Tfng" typeface="Ebrima"/>
+      </a:majorFont>
+      <a:minorFont>
+        <a:latin typeface="Calibri" panose="020F0502020204030204"/>
+        <a:ea typeface=""/>
+        <a:cs typeface=""/>
+        <a:font script="Jpan" typeface="游ゴシック"/>
+        <a:font script="Hang" typeface="맑은 고딕"/>
+        <a:font script="Hans" typeface="等线"/>
+        <a:font script="Hant" typeface="新細明體"/>
+        <a:font script="Arab" typeface="Arial"/>
+        <a:font script="Hebr" typeface="Arial"/>
+        <a:font script="Thai" typeface="Cordia New"/>
+        <a:font script="Ethi" typeface="Nyala"/>
+        <a:font script="Beng" typeface="Vrinda"/>
+        <a:font script="Gujr" typeface="Shruti"/>
+        <a:font script="Khmr" typeface="DaunPenh"/>
+        <a:font script="Knda" typeface="Tunga"/>
+        <a:font script="Guru" typeface="Raavi"/>
+        <a:font script="Cans" typeface="Euphemia"/>
+        <a:font script="Cher" typeface="Plantagenet Cherokee"/>
+        <a:font script="Yiii" typeface="Microsoft Yi Baiti"/>
+        <a:font script="Tibt" typeface="Microsoft Himalaya"/>
+        <a:font script="Thaa" typeface="MV Boli"/>
+        <a:font script="Deva" typeface="Mangal"/>
+        <a:font script="Telu" typeface="Gautami"/>
+        <a:font script="Taml" typeface="Latha"/>
+        <a:font script="Syrc" typeface="Estrangelo Edessa"/>
+        <a:font script="Orya" typeface="Kalinga"/>
+        <a:font script="Mlym" typeface="Kartika"/>
+        <a:font script="Laoo" typeface="DokChampa"/>
+        <a:font script="Sinh" typeface="Iskoola Pota"/>
+        <a:font script="Mong" typeface="Mongolian Baiti"/>
+        <a:font script="Viet" typeface="Arial"/>
+        <a:font script="Uigh" typeface="Microsoft Uighur"/>
+        <a:font script="Geor" typeface="Sylfaen"/>
+        <a:font script="Armn" typeface="Arial"/>
+        <a:font script="Bugi" typeface="Leelawadee UI"/>
+        <a:font script="Bopo" typeface="Microsoft JhengHei"/>
+        <a:font script="Java" typeface="Javanese Text"/>
+        <a:font script="Lisu" typeface="Segoe UI"/>
+        <a:font script="Mymr" typeface="Myanmar Text"/>
+        <a:font script="Nkoo" typeface="Ebrima"/>
+        <a:font script="Olck" typeface="Nirmala UI"/>
+        <a:font script="Osma" typeface="Ebrima"/>
+        <a:font script="Phag" typeface="Phagspa"/>
+        <a:font script="Syrn" typeface="Estrangelo Edessa"/>
+        <a:font script="Syrj" typeface="Estrangelo Edessa"/>
+        <a:font script="Syre" typeface="Estrangelo Edessa"/>
+        <a:font script="Sora" typeface="Nirmala UI"/>
+        <a:font script="Tale" typeface="Microsoft Tai Le"/>
+        <a:font script="Talu" typeface="Microsoft New Tai Lue"/>
+        <a:font script="Tfng" typeface="Ebrima"/>
+      </a:minorFont>
+    </a:fontScheme>
+    <a:fmtScheme name="Office">
+      <a:fillStyleLst>
+        <a:solidFill>
+          <a:schemeClr val="phClr"/>
+        </a:solidFill>
+        <a:gradFill rotWithShape="1">
+          <a:gsLst>
+            <a:gs pos="0">
+              <a:schemeClr val="phClr">
+                <a:lumMod val="110000"/>
+                <a:satMod val="105000"/>
+                <a:tint val="67000"/>
+              </a:schemeClr>
+            </a:gs>
+            <a:gs pos="50000">
+              <a:schemeClr val="phClr">
+                <a:lumMod val="105000"/>
+                <a:satMod val="103000"/>
+                <a:tint val="73000"/>
+              </a:schemeClr>
+            </a:gs>
+            <a:gs pos="100000">
+              <a:schemeClr val="phClr">
+                <a:lumMod val="105000"/>
+                <a:satMod val="109000"/>
+                <a:tint val="81000"/>
+              </a:schemeClr>
+            </a:gs>
+          </a:gsLst>
+          <a:lin ang="5400000" scaled="0"/>
+        </a:gradFill>
+        <a:gradFill rotWithShape="1">
+          <a:gsLst>
+            <a:gs pos="0">
+              <a:schemeClr val="phClr">
+                <a:satMod val="103000"/>
+                <a:lumMod val="102000"/>
+                <a:tint val="94000"/>
+              </a:schemeClr>
+            </a:gs>
+            <a:gs pos="50000">
+              <a:schemeClr val="phClr">
+                <a:satMod val="110000"/>
+                <a:lumMod val="100000"/>
+                <a:shade val="100000"/>
+              </a:schemeClr>
+            </a:gs>
+            <a:gs pos="100000">
+              <a:schemeClr val="phClr">
+                <a:lumMod val="99000"/>
+                <a:satMod val="120000"/>
+                <a:shade val="78000"/>
+              </a:schemeClr>
+            </a:gs>
+          </a:gsLst>
+          <a:lin ang="5400000" scaled="0"/>
+        </a:gradFill>
+      </a:fillStyleLst>
+      <a:lnStyleLst>
+        <a:ln w="6350" cap="flat" cmpd="sng" algn="ctr">
+          <a:solidFill>
+            <a:schemeClr val="phClr"/>
+          </a:solidFill>
+          <a:prstDash val="solid"/>
+          <a:miter lim="800000"/>
+        </a:ln>
+        <a:ln w="12700" cap="flat" cmpd="sng" algn="ctr">
+          <a:solidFill>
+            <a:schemeClr val="phClr"/>
+          </a:solidFill>
+          <a:prstDash val="solid"/>
+          <a:miter lim="800000"/>
+        </a:ln>
+        <a:ln w="19050" cap="flat" cmpd="sng" algn="ctr">
+          <a:solidFill>
+            <a:schemeClr val="phClr"/>
+          </a:solidFill>
+          <a:prstDash val="solid"/>
+          <a:miter lim="800000"/>
+        </a:ln>
+      </a:lnStyleLst>
+      <a:effectStyleLst>
+        <a:effectStyle>
+          <a:effectLst/>
+        </a:effectStyle>
+        <a:effectStyle>
+          <a:effectLst/>
+        </a:effectStyle>
+        <a:effectStyle>
+          <a:effectLst>
+            <a:outerShdw blurRad="57150" dist="19050" dir="5400000" algn="ctr" rotWithShape="0">
+              <a:srgbClr val="000000">
+                <a:alpha val="63000"/>
+              </a:srgbClr>
+            </a:outerShdw>
+          </a:effectLst>
+        </a:effectStyle>
+      </a:effectStyleLst>
+      <a:bgFillStyleLst>
+        <a:solidFill>
+          <a:schemeClr val="phClr"/>
+        </a:solidFill>
+        <a:solidFill>
+          <a:schemeClr val="phClr">
+            <a:tint val="95000"/>
+            <a:satMod val="170000"/>
+          </a:schemeClr>
+        </a:solidFill>
+        <a:gradFill rotWithShape="1">
+          <a:gsLst>
+            <a:gs pos="0">
+              <a:schemeClr val="phClr">
+                <a:tint val="93000"/>
+                <a:satMod val="150000"/>
+                <a:shade val="98000"/>
+                <a:lumMod val="102000"/>
+              </a:schemeClr>
+            </a:gs>
+            <a:gs pos="50000">
+              <a:schemeClr val="phClr">
+                <a:tint val="98000"/>
+                <a:satMod val="130000"/>
+                <a:shade val="90000"/>
+                <a:lumMod val="103000"/>
+              </a:schemeClr>
+            </a:gs>
+            <a:gs pos="100000">
+              <a:schemeClr val="phClr">
+                <a:shade val="63000"/>
+                <a:satMod val="120000"/>
+              </a:schemeClr>
+            </a:gs>
+          </a:gsLst>
+          <a:lin ang="5400000" scaled="0"/>
+        </a:gradFill>
+      </a:bgFillStyleLst>
+    </a:fmtScheme>
+  </a:themeElements>
+  <a:objectDefaults/>
+  <a:extraClrSchemeLst/>
+  <a:extLst>
+    <a:ext uri="{05A4C25C-085E-4340-85A3-A5531E510DB2}">
+      <thm15:themeFamily xmlns:thm15="http://schemas.microsoft.com/office/thememl/2012/main" name="Office Theme" id="{62F939B6-93AF-4DB8-9C6B-D6C7DFDC589F}" vid="{4A3C46E8-61CC-4603-A589-7422A47A8E4A}"/>
+    </a:ext>
+  </a:extLst>
+</a:theme>
 </file>
--- a/Le BeamForming.pptx
+++ b/Le BeamForming.pptx
@@ -3486,6 +3486,48 @@
               </a:defRPr>
             </a:pPr>
             <a:r>
+              <a:rPr lang="fr-FR" sz="1300" b="0" strike="noStrike" spc="-1" dirty="0">
+                <a:solidFill>
+                  <a:srgbClr val="000000"/>
+                </a:solidFill>
+                <a:uFill>
+                  <a:solidFill>
+                    <a:srgbClr val="FFFFFF"/>
+                  </a:solidFill>
+                </a:uFill>
+                <a:latin typeface="Arial"/>
+              </a:rPr>
+              <a:t>Nombre</a:t>
+            </a:r>
+            <a:r>
+              <a:rPr lang="fr-FR" sz="1300" b="0" strike="noStrike" spc="-1" baseline="0" dirty="0">
+                <a:solidFill>
+                  <a:srgbClr val="000000"/>
+                </a:solidFill>
+                <a:uFill>
+                  <a:solidFill>
+                    <a:srgbClr val="FFFFFF"/>
+                  </a:solidFill>
+                </a:uFill>
+                <a:latin typeface="Arial"/>
+              </a:rPr>
+              <a:t> </a:t>
+            </a:r>
+            <a:r>
+              <a:rPr lang="fr-FR" sz="1300" b="0" strike="noStrike" spc="-1" baseline="0">
+                <a:solidFill>
+                  <a:srgbClr val="000000"/>
+                </a:solidFill>
+                <a:uFill>
+                  <a:solidFill>
+                    <a:srgbClr val="FFFFFF"/>
+                  </a:solidFill>
+                </a:uFill>
+                <a:latin typeface="Arial"/>
+              </a:rPr>
+              <a:t>d’</a:t>
+            </a:r>
+            <a:r>
               <a:rPr lang="fr-FR" sz="1300" b="0" strike="noStrike" spc="-1">
                 <a:solidFill>
                   <a:srgbClr val="000000"/>
@@ -3497,8 +3539,47 @@
                 </a:uFill>
                 <a:latin typeface="Arial"/>
               </a:rPr>
-              <a:t>UR par NbUtilisateur/Charge</a:t>
-            </a:r>
+              <a:t>UR utilisées selon</a:t>
+            </a:r>
+            <a:r>
+              <a:rPr lang="fr-FR" sz="1300" b="0" strike="noStrike" spc="-1" baseline="0">
+                <a:solidFill>
+                  <a:srgbClr val="000000"/>
+                </a:solidFill>
+                <a:uFill>
+                  <a:solidFill>
+                    <a:srgbClr val="FFFFFF"/>
+                  </a:solidFill>
+                </a:uFill>
+                <a:latin typeface="Arial"/>
+              </a:rPr>
+              <a:t> la c</a:t>
+            </a:r>
+            <a:r>
+              <a:rPr lang="fr-FR" sz="1300" b="0" strike="noStrike" spc="-1">
+                <a:solidFill>
+                  <a:srgbClr val="000000"/>
+                </a:solidFill>
+                <a:uFill>
+                  <a:solidFill>
+                    <a:srgbClr val="FFFFFF"/>
+                  </a:solidFill>
+                </a:uFill>
+                <a:latin typeface="Arial"/>
+              </a:rPr>
+              <a:t>harge</a:t>
+            </a:r>
+            <a:endParaRPr lang="fr-FR" sz="1300" b="0" strike="noStrike" spc="-1" dirty="0">
+              <a:solidFill>
+                <a:srgbClr val="000000"/>
+              </a:solidFill>
+              <a:uFill>
+                <a:solidFill>
+                  <a:srgbClr val="FFFFFF"/>
+                </a:solidFill>
+              </a:uFill>
+              <a:latin typeface="Arial"/>
+            </a:endParaRPr>
           </a:p>
         </c:rich>
       </c:tx>
@@ -12001,7 +12082,7 @@
             <p:ph idx="1"/>
             <p:extLst>
               <p:ext uri="{D42A27DB-BD31-4B8C-83A1-F6EECF244321}">
-                <p14:modId xmlns:p14="http://schemas.microsoft.com/office/powerpoint/2010/main" val="3625681901"/>
+                <p14:modId xmlns:p14="http://schemas.microsoft.com/office/powerpoint/2010/main" val="729968679"/>
               </p:ext>
             </p:extLst>
           </p:nvPr>

--- a/Le BeamForming.pptx
+++ b/Le BeamForming.pptx
@@ -3511,24 +3511,10 @@
                 </a:uFill>
                 <a:latin typeface="Arial"/>
               </a:rPr>
-              <a:t> </a:t>
-            </a:r>
-            <a:r>
-              <a:rPr lang="fr-FR" sz="1300" b="0" strike="noStrike" spc="-1" baseline="0">
-                <a:solidFill>
-                  <a:srgbClr val="000000"/>
-                </a:solidFill>
-                <a:uFill>
-                  <a:solidFill>
-                    <a:srgbClr val="FFFFFF"/>
-                  </a:solidFill>
-                </a:uFill>
-                <a:latin typeface="Arial"/>
-              </a:rPr>
-              <a:t>d’</a:t>
-            </a:r>
-            <a:r>
-              <a:rPr lang="fr-FR" sz="1300" b="0" strike="noStrike" spc="-1">
+              <a:t> d’</a:t>
+            </a:r>
+            <a:r>
+              <a:rPr lang="fr-FR" sz="1300" b="0" strike="noStrike" spc="-1" dirty="0">
                 <a:solidFill>
                   <a:srgbClr val="000000"/>
                 </a:solidFill>
@@ -3542,7 +3528,7 @@
               <a:t>UR utilisées selon</a:t>
             </a:r>
             <a:r>
-              <a:rPr lang="fr-FR" sz="1300" b="0" strike="noStrike" spc="-1" baseline="0">
+              <a:rPr lang="fr-FR" sz="1300" b="0" strike="noStrike" spc="-1" baseline="0" dirty="0">
                 <a:solidFill>
                   <a:srgbClr val="000000"/>
                 </a:solidFill>
@@ -3556,7 +3542,7 @@
               <a:t> la c</a:t>
             </a:r>
             <a:r>
-              <a:rPr lang="fr-FR" sz="1300" b="0" strike="noStrike" spc="-1">
+              <a:rPr lang="fr-FR" sz="1300" b="0" strike="noStrike" spc="-1" dirty="0">
                 <a:solidFill>
                   <a:srgbClr val="000000"/>
                 </a:solidFill>
@@ -3569,17 +3555,6 @@
               </a:rPr>
               <a:t>harge</a:t>
             </a:r>
-            <a:endParaRPr lang="fr-FR" sz="1300" b="0" strike="noStrike" spc="-1" dirty="0">
-              <a:solidFill>
-                <a:srgbClr val="000000"/>
-              </a:solidFill>
-              <a:uFill>
-                <a:solidFill>
-                  <a:srgbClr val="FFFFFF"/>
-                </a:solidFill>
-              </a:uFill>
-              <a:latin typeface="Arial"/>
-            </a:endParaRPr>
           </a:p>
         </c:rich>
       </c:tx>
@@ -13544,8 +13519,13 @@
           <a:p>
             <a:r>
               <a:rPr lang="fr-FR" dirty="0"/>
-              <a:t>Hypothèses</a:t>
-            </a:r>
+              <a:t>Hypothèses </a:t>
+            </a:r>
+            <a:r>
+              <a:rPr lang="fr-FR"/>
+              <a:t>- Enjeux</a:t>
+            </a:r>
+            <a:endParaRPr lang="fr-FR" dirty="0"/>
           </a:p>
         </p:txBody>
       </p:sp>

--- a/Le BeamForming.pptx
+++ b/Le BeamForming.pptx
@@ -5,30 +5,31 @@
     <p:sldMasterId id="2147483648" r:id="rId1"/>
   </p:sldMasterIdLst>
   <p:notesMasterIdLst>
-    <p:notesMasterId r:id="rId23"/>
+    <p:notesMasterId r:id="rId24"/>
   </p:notesMasterIdLst>
   <p:sldIdLst>
     <p:sldId id="256" r:id="rId2"/>
     <p:sldId id="257" r:id="rId3"/>
     <p:sldId id="258" r:id="rId4"/>
-    <p:sldId id="271" r:id="rId5"/>
-    <p:sldId id="276" r:id="rId6"/>
-    <p:sldId id="277" r:id="rId7"/>
-    <p:sldId id="259" r:id="rId8"/>
-    <p:sldId id="260" r:id="rId9"/>
-    <p:sldId id="263" r:id="rId10"/>
-    <p:sldId id="264" r:id="rId11"/>
-    <p:sldId id="265" r:id="rId12"/>
-    <p:sldId id="266" r:id="rId13"/>
-    <p:sldId id="267" r:id="rId14"/>
-    <p:sldId id="268" r:id="rId15"/>
-    <p:sldId id="269" r:id="rId16"/>
-    <p:sldId id="262" r:id="rId17"/>
-    <p:sldId id="273" r:id="rId18"/>
-    <p:sldId id="275" r:id="rId19"/>
-    <p:sldId id="274" r:id="rId20"/>
-    <p:sldId id="270" r:id="rId21"/>
-    <p:sldId id="261" r:id="rId22"/>
+    <p:sldId id="278" r:id="rId5"/>
+    <p:sldId id="271" r:id="rId6"/>
+    <p:sldId id="276" r:id="rId7"/>
+    <p:sldId id="277" r:id="rId8"/>
+    <p:sldId id="259" r:id="rId9"/>
+    <p:sldId id="260" r:id="rId10"/>
+    <p:sldId id="263" r:id="rId11"/>
+    <p:sldId id="264" r:id="rId12"/>
+    <p:sldId id="265" r:id="rId13"/>
+    <p:sldId id="266" r:id="rId14"/>
+    <p:sldId id="267" r:id="rId15"/>
+    <p:sldId id="268" r:id="rId16"/>
+    <p:sldId id="269" r:id="rId17"/>
+    <p:sldId id="262" r:id="rId18"/>
+    <p:sldId id="273" r:id="rId19"/>
+    <p:sldId id="275" r:id="rId20"/>
+    <p:sldId id="274" r:id="rId21"/>
+    <p:sldId id="270" r:id="rId22"/>
+    <p:sldId id="261" r:id="rId23"/>
   </p:sldIdLst>
   <p:sldSz cx="12192000" cy="6858000"/>
   <p:notesSz cx="6858000" cy="9144000"/>
@@ -12043,6 +12044,127 @@
       </p:sp>
       <p:graphicFrame>
         <p:nvGraphicFramePr>
+          <p:cNvPr id="7" name="Espace réservé du contenu 6">
+            <a:extLst>
+              <a:ext uri="{FF2B5EF4-FFF2-40B4-BE49-F238E27FC236}">
+                <a16:creationId xmlns:a16="http://schemas.microsoft.com/office/drawing/2014/main" id="{00000000-0008-0000-0000-000002000000}"/>
+              </a:ext>
+            </a:extLst>
+          </p:cNvPr>
+          <p:cNvGraphicFramePr>
+            <a:graphicFrameLocks noGrp="1"/>
+          </p:cNvGraphicFramePr>
+          <p:nvPr>
+            <p:ph idx="1"/>
+            <p:extLst>
+              <p:ext uri="{D42A27DB-BD31-4B8C-83A1-F6EECF244321}">
+                <p14:modId xmlns:p14="http://schemas.microsoft.com/office/powerpoint/2010/main" val="1411067735"/>
+              </p:ext>
+            </p:extLst>
+          </p:nvPr>
+        </p:nvGraphicFramePr>
+        <p:xfrm>
+          <a:off x="1023938" y="2286000"/>
+          <a:ext cx="9720262" cy="4022725"/>
+        </p:xfrm>
+        <a:graphic>
+          <a:graphicData uri="http://schemas.openxmlformats.org/drawingml/2006/chart">
+            <c:chart xmlns:c="http://schemas.openxmlformats.org/drawingml/2006/chart" xmlns:r="http://schemas.openxmlformats.org/officeDocument/2006/relationships" r:id="rId2"/>
+          </a:graphicData>
+        </a:graphic>
+      </p:graphicFrame>
+      <p:sp>
+        <p:nvSpPr>
+          <p:cNvPr id="3" name="Espace réservé du numéro de diapositive 2"/>
+          <p:cNvSpPr>
+            <a:spLocks noGrp="1"/>
+          </p:cNvSpPr>
+          <p:nvPr>
+            <p:ph type="sldNum" sz="quarter" idx="12"/>
+          </p:nvPr>
+        </p:nvSpPr>
+        <p:spPr/>
+        <p:txBody>
+          <a:bodyPr/>
+          <a:lstStyle/>
+          <a:p>
+            <a:fld id="{4FAB73BC-B049-4115-A692-8D63A059BFB8}" type="slidenum">
+              <a:rPr lang="en-US" smtClean="0"/>
+              <a:t>10</a:t>
+            </a:fld>
+            <a:endParaRPr lang="en-US" dirty="0"/>
+          </a:p>
+        </p:txBody>
+      </p:sp>
+    </p:spTree>
+    <p:extLst>
+      <p:ext uri="{BB962C8B-B14F-4D97-AF65-F5344CB8AC3E}">
+        <p14:creationId xmlns:p14="http://schemas.microsoft.com/office/powerpoint/2010/main" val="977091393"/>
+      </p:ext>
+    </p:extLst>
+  </p:cSld>
+  <p:clrMapOvr>
+    <a:masterClrMapping/>
+  </p:clrMapOvr>
+</p:sld>
+</file>
+
+<file path=ppt/slides/slide11.xml><?xml version="1.0" encoding="utf-8"?>
+<p:sld xmlns:a="http://schemas.openxmlformats.org/drawingml/2006/main" xmlns:r="http://schemas.openxmlformats.org/officeDocument/2006/relationships" xmlns:p="http://schemas.openxmlformats.org/presentationml/2006/main">
+  <p:cSld>
+    <p:spTree>
+      <p:nvGrpSpPr>
+        <p:cNvPr id="1" name=""/>
+        <p:cNvGrpSpPr/>
+        <p:nvPr/>
+      </p:nvGrpSpPr>
+      <p:grpSpPr>
+        <a:xfrm>
+          <a:off x="0" y="0"/>
+          <a:ext cx="0" cy="0"/>
+          <a:chOff x="0" y="0"/>
+          <a:chExt cx="0" cy="0"/>
+        </a:xfrm>
+      </p:grpSpPr>
+      <p:sp>
+        <p:nvSpPr>
+          <p:cNvPr id="2" name="Titre 1"/>
+          <p:cNvSpPr>
+            <a:spLocks noGrp="1"/>
+          </p:cNvSpPr>
+          <p:nvPr>
+            <p:ph type="title"/>
+          </p:nvPr>
+        </p:nvSpPr>
+        <p:spPr/>
+        <p:txBody>
+          <a:bodyPr/>
+          <a:lstStyle/>
+          <a:p>
+            <a:r>
+              <a:rPr lang="fr-FR" dirty="0"/>
+              <a:t>Résultats Scénario 1</a:t>
+            </a:r>
+            <a:br>
+              <a:rPr lang="fr-FR" dirty="0"/>
+            </a:br>
+            <a:r>
+              <a:rPr lang="fr-FR" sz="3600" dirty="0">
+                <a:solidFill>
+                  <a:srgbClr val="2E2B21">
+                    <a:lumMod val="90000"/>
+                    <a:lumOff val="10000"/>
+                  </a:srgbClr>
+                </a:solidFill>
+              </a:rPr>
+              <a:t>Demande fixe</a:t>
+            </a:r>
+            <a:endParaRPr lang="fr-FR" dirty="0"/>
+          </a:p>
+        </p:txBody>
+      </p:sp>
+      <p:graphicFrame>
+        <p:nvGraphicFramePr>
           <p:cNvPr id="6" name="Espace réservé du contenu 5">
             <a:extLst>
               <a:ext uri="{FF2B5EF4-FFF2-40B4-BE49-F238E27FC236}">
@@ -12089,7 +12211,7 @@
           <a:p>
             <a:fld id="{4FAB73BC-B049-4115-A692-8D63A059BFB8}" type="slidenum">
               <a:rPr lang="en-US" smtClean="0"/>
-              <a:t>10</a:t>
+              <a:t>11</a:t>
             </a:fld>
             <a:endParaRPr lang="en-US" dirty="0"/>
           </a:p>
@@ -12108,7 +12230,7 @@
 </p:sld>
 </file>
 
-<file path=ppt/slides/slide11.xml><?xml version="1.0" encoding="utf-8"?>
+<file path=ppt/slides/slide12.xml><?xml version="1.0" encoding="utf-8"?>
 <p:sld xmlns:a="http://schemas.openxmlformats.org/drawingml/2006/main" xmlns:r="http://schemas.openxmlformats.org/officeDocument/2006/relationships" xmlns:p="http://schemas.openxmlformats.org/presentationml/2006/main">
   <p:cSld>
     <p:spTree>
@@ -12210,7 +12332,7 @@
           <a:p>
             <a:fld id="{4FAB73BC-B049-4115-A692-8D63A059BFB8}" type="slidenum">
               <a:rPr lang="en-US" smtClean="0"/>
-              <a:t>11</a:t>
+              <a:t>12</a:t>
             </a:fld>
             <a:endParaRPr lang="en-US" dirty="0"/>
           </a:p>
@@ -12229,7 +12351,7 @@
 </p:sld>
 </file>
 
-<file path=ppt/slides/slide12.xml><?xml version="1.0" encoding="utf-8"?>
+<file path=ppt/slides/slide13.xml><?xml version="1.0" encoding="utf-8"?>
 <p:sld xmlns:a="http://schemas.openxmlformats.org/drawingml/2006/main" xmlns:r="http://schemas.openxmlformats.org/officeDocument/2006/relationships" xmlns:p="http://schemas.openxmlformats.org/presentationml/2006/main">
   <p:cSld>
     <p:spTree>
@@ -12331,7 +12453,7 @@
           <a:p>
             <a:fld id="{4FAB73BC-B049-4115-A692-8D63A059BFB8}" type="slidenum">
               <a:rPr lang="en-US" smtClean="0"/>
-              <a:t>12</a:t>
+              <a:t>13</a:t>
             </a:fld>
             <a:endParaRPr lang="en-US" dirty="0"/>
           </a:p>
@@ -12350,7 +12472,7 @@
 </p:sld>
 </file>
 
-<file path=ppt/slides/slide13.xml><?xml version="1.0" encoding="utf-8"?>
+<file path=ppt/slides/slide14.xml><?xml version="1.0" encoding="utf-8"?>
 <p:sld xmlns:a="http://schemas.openxmlformats.org/drawingml/2006/main" xmlns:r="http://schemas.openxmlformats.org/officeDocument/2006/relationships" xmlns:p="http://schemas.openxmlformats.org/presentationml/2006/main">
   <p:cSld>
     <p:spTree>
@@ -12452,7 +12574,7 @@
           <a:p>
             <a:fld id="{4FAB73BC-B049-4115-A692-8D63A059BFB8}" type="slidenum">
               <a:rPr lang="en-US" smtClean="0"/>
-              <a:t>13</a:t>
+              <a:t>14</a:t>
             </a:fld>
             <a:endParaRPr lang="en-US" dirty="0"/>
           </a:p>
@@ -12471,7 +12593,7 @@
 </p:sld>
 </file>
 
-<file path=ppt/slides/slide14.xml><?xml version="1.0" encoding="utf-8"?>
+<file path=ppt/slides/slide15.xml><?xml version="1.0" encoding="utf-8"?>
 <p:sld xmlns:a="http://schemas.openxmlformats.org/drawingml/2006/main" xmlns:r="http://schemas.openxmlformats.org/officeDocument/2006/relationships" xmlns:p="http://schemas.openxmlformats.org/presentationml/2006/main">
   <p:cSld>
     <p:spTree>
@@ -12573,7 +12695,7 @@
           <a:p>
             <a:fld id="{4FAB73BC-B049-4115-A692-8D63A059BFB8}" type="slidenum">
               <a:rPr lang="en-US" smtClean="0"/>
-              <a:t>14</a:t>
+              <a:t>15</a:t>
             </a:fld>
             <a:endParaRPr lang="en-US" dirty="0"/>
           </a:p>
@@ -12592,7 +12714,7 @@
 </p:sld>
 </file>
 
-<file path=ppt/slides/slide15.xml><?xml version="1.0" encoding="utf-8"?>
+<file path=ppt/slides/slide16.xml><?xml version="1.0" encoding="utf-8"?>
 <p:sld xmlns:a="http://schemas.openxmlformats.org/drawingml/2006/main" xmlns:r="http://schemas.openxmlformats.org/officeDocument/2006/relationships" xmlns:p="http://schemas.openxmlformats.org/presentationml/2006/main">
   <p:cSld>
     <p:spTree>
@@ -12694,7 +12816,7 @@
           <a:p>
             <a:fld id="{4FAB73BC-B049-4115-A692-8D63A059BFB8}" type="slidenum">
               <a:rPr lang="en-US" smtClean="0"/>
-              <a:t>15</a:t>
+              <a:t>16</a:t>
             </a:fld>
             <a:endParaRPr lang="en-US" dirty="0"/>
           </a:p>
@@ -12713,7 +12835,7 @@
 </p:sld>
 </file>
 
-<file path=ppt/slides/slide16.xml><?xml version="1.0" encoding="utf-8"?>
+<file path=ppt/slides/slide17.xml><?xml version="1.0" encoding="utf-8"?>
 <p:sld xmlns:a="http://schemas.openxmlformats.org/drawingml/2006/main" xmlns:r="http://schemas.openxmlformats.org/officeDocument/2006/relationships" xmlns:p="http://schemas.openxmlformats.org/presentationml/2006/main">
   <p:cSld>
     <p:spTree>
@@ -12825,7 +12947,7 @@
           <a:p>
             <a:fld id="{4FAB73BC-B049-4115-A692-8D63A059BFB8}" type="slidenum">
               <a:rPr lang="en-US" smtClean="0"/>
-              <a:t>16</a:t>
+              <a:t>17</a:t>
             </a:fld>
             <a:endParaRPr lang="en-US" dirty="0"/>
           </a:p>
@@ -12844,7 +12966,7 @@
 </p:sld>
 </file>
 
-<file path=ppt/slides/slide17.xml><?xml version="1.0" encoding="utf-8"?>
+<file path=ppt/slides/slide18.xml><?xml version="1.0" encoding="utf-8"?>
 <p:sld xmlns:a="http://schemas.openxmlformats.org/drawingml/2006/main" xmlns:r="http://schemas.openxmlformats.org/officeDocument/2006/relationships" xmlns:p="http://schemas.openxmlformats.org/presentationml/2006/main">
   <p:cSld>
     <p:spTree>
@@ -12931,7 +13053,7 @@
           <a:p>
             <a:fld id="{4FAB73BC-B049-4115-A692-8D63A059BFB8}" type="slidenum">
               <a:rPr lang="en-US" smtClean="0"/>
-              <a:t>17</a:t>
+              <a:t>18</a:t>
             </a:fld>
             <a:endParaRPr lang="en-US" dirty="0"/>
           </a:p>
@@ -12950,7 +13072,7 @@
 </p:sld>
 </file>
 
-<file path=ppt/slides/slide18.xml><?xml version="1.0" encoding="utf-8"?>
+<file path=ppt/slides/slide19.xml><?xml version="1.0" encoding="utf-8"?>
 <p:sld xmlns:a="http://schemas.openxmlformats.org/drawingml/2006/main" xmlns:r="http://schemas.openxmlformats.org/officeDocument/2006/relationships" xmlns:p="http://schemas.openxmlformats.org/presentationml/2006/main">
   <p:cSld>
     <p:spTree>
@@ -13032,7 +13154,7 @@
           <a:p>
             <a:fld id="{4FAB73BC-B049-4115-A692-8D63A059BFB8}" type="slidenum">
               <a:rPr lang="en-US" smtClean="0"/>
-              <a:t>18</a:t>
+              <a:t>19</a:t>
             </a:fld>
             <a:endParaRPr lang="en-US" dirty="0"/>
           </a:p>
@@ -13051,7 +13173,116 @@
 </p:sld>
 </file>
 
-<file path=ppt/slides/slide19.xml><?xml version="1.0" encoding="utf-8"?>
+<file path=ppt/slides/slide2.xml><?xml version="1.0" encoding="utf-8"?>
+<p:sld xmlns:a="http://schemas.openxmlformats.org/drawingml/2006/main" xmlns:r="http://schemas.openxmlformats.org/officeDocument/2006/relationships" xmlns:p="http://schemas.openxmlformats.org/presentationml/2006/main">
+  <p:cSld>
+    <p:spTree>
+      <p:nvGrpSpPr>
+        <p:cNvPr id="1" name=""/>
+        <p:cNvGrpSpPr/>
+        <p:nvPr/>
+      </p:nvGrpSpPr>
+      <p:grpSpPr>
+        <a:xfrm>
+          <a:off x="0" y="0"/>
+          <a:ext cx="0" cy="0"/>
+          <a:chOff x="0" y="0"/>
+          <a:chExt cx="0" cy="0"/>
+        </a:xfrm>
+      </p:grpSpPr>
+      <p:sp>
+        <p:nvSpPr>
+          <p:cNvPr id="2" name="Titre 1"/>
+          <p:cNvSpPr>
+            <a:spLocks noGrp="1"/>
+          </p:cNvSpPr>
+          <p:nvPr>
+            <p:ph type="title"/>
+          </p:nvPr>
+        </p:nvSpPr>
+        <p:spPr/>
+        <p:txBody>
+          <a:bodyPr/>
+          <a:lstStyle/>
+          <a:p>
+            <a:r>
+              <a:rPr lang="fr-FR" dirty="0"/>
+              <a:t>Contexte</a:t>
+            </a:r>
+          </a:p>
+        </p:txBody>
+      </p:sp>
+      <p:sp>
+        <p:nvSpPr>
+          <p:cNvPr id="3" name="Espace réservé du contenu 2"/>
+          <p:cNvSpPr>
+            <a:spLocks noGrp="1"/>
+          </p:cNvSpPr>
+          <p:nvPr>
+            <p:ph idx="1"/>
+          </p:nvPr>
+        </p:nvSpPr>
+        <p:spPr/>
+        <p:txBody>
+          <a:bodyPr/>
+          <a:lstStyle/>
+          <a:p>
+            <a:r>
+              <a:rPr lang="fr-FR" dirty="0"/>
+              <a:t>Amélioration du débit par une meilleure résistance aux conditions réseaux</a:t>
+            </a:r>
+          </a:p>
+          <a:p>
+            <a:r>
+              <a:rPr lang="fr-FR" dirty="0"/>
+              <a:t>Meilleure sécurité</a:t>
+            </a:r>
+          </a:p>
+          <a:p>
+            <a:r>
+              <a:rPr lang="fr-FR" dirty="0"/>
+              <a:t>Meilleure équité</a:t>
+            </a:r>
+          </a:p>
+        </p:txBody>
+      </p:sp>
+      <p:sp>
+        <p:nvSpPr>
+          <p:cNvPr id="4" name="Espace réservé du numéro de diapositive 3"/>
+          <p:cNvSpPr>
+            <a:spLocks noGrp="1"/>
+          </p:cNvSpPr>
+          <p:nvPr>
+            <p:ph type="sldNum" sz="quarter" idx="12"/>
+          </p:nvPr>
+        </p:nvSpPr>
+        <p:spPr/>
+        <p:txBody>
+          <a:bodyPr/>
+          <a:lstStyle/>
+          <a:p>
+            <a:fld id="{4FAB73BC-B049-4115-A692-8D63A059BFB8}" type="slidenum">
+              <a:rPr lang="en-US" smtClean="0"/>
+              <a:t>2</a:t>
+            </a:fld>
+            <a:endParaRPr lang="en-US" dirty="0"/>
+          </a:p>
+        </p:txBody>
+      </p:sp>
+    </p:spTree>
+    <p:extLst>
+      <p:ext uri="{BB962C8B-B14F-4D97-AF65-F5344CB8AC3E}">
+        <p14:creationId xmlns:p14="http://schemas.microsoft.com/office/powerpoint/2010/main" val="3970792187"/>
+      </p:ext>
+    </p:extLst>
+  </p:cSld>
+  <p:clrMapOvr>
+    <a:masterClrMapping/>
+  </p:clrMapOvr>
+</p:sld>
+</file>
+
+<file path=ppt/slides/slide20.xml><?xml version="1.0" encoding="utf-8"?>
 <p:sld xmlns:a="http://schemas.openxmlformats.org/drawingml/2006/main" xmlns:r="http://schemas.openxmlformats.org/officeDocument/2006/relationships" xmlns:p="http://schemas.openxmlformats.org/presentationml/2006/main">
   <p:cSld>
     <p:spTree>
@@ -13138,7 +13369,7 @@
           <a:p>
             <a:fld id="{4FAB73BC-B049-4115-A692-8D63A059BFB8}" type="slidenum">
               <a:rPr lang="en-US" smtClean="0"/>
-              <a:t>19</a:t>
+              <a:t>20</a:t>
             </a:fld>
             <a:endParaRPr lang="en-US" dirty="0"/>
           </a:p>
@@ -13148,213 +13379,6 @@
     <p:extLst>
       <p:ext uri="{BB962C8B-B14F-4D97-AF65-F5344CB8AC3E}">
         <p14:creationId xmlns:p14="http://schemas.microsoft.com/office/powerpoint/2010/main" val="3720207602"/>
-      </p:ext>
-    </p:extLst>
-  </p:cSld>
-  <p:clrMapOvr>
-    <a:masterClrMapping/>
-  </p:clrMapOvr>
-</p:sld>
-</file>
-
-<file path=ppt/slides/slide2.xml><?xml version="1.0" encoding="utf-8"?>
-<p:sld xmlns:a="http://schemas.openxmlformats.org/drawingml/2006/main" xmlns:r="http://schemas.openxmlformats.org/officeDocument/2006/relationships" xmlns:p="http://schemas.openxmlformats.org/presentationml/2006/main">
-  <p:cSld>
-    <p:spTree>
-      <p:nvGrpSpPr>
-        <p:cNvPr id="1" name=""/>
-        <p:cNvGrpSpPr/>
-        <p:nvPr/>
-      </p:nvGrpSpPr>
-      <p:grpSpPr>
-        <a:xfrm>
-          <a:off x="0" y="0"/>
-          <a:ext cx="0" cy="0"/>
-          <a:chOff x="0" y="0"/>
-          <a:chExt cx="0" cy="0"/>
-        </a:xfrm>
-      </p:grpSpPr>
-      <p:sp>
-        <p:nvSpPr>
-          <p:cNvPr id="2" name="Titre 1"/>
-          <p:cNvSpPr>
-            <a:spLocks noGrp="1"/>
-          </p:cNvSpPr>
-          <p:nvPr>
-            <p:ph type="title"/>
-          </p:nvPr>
-        </p:nvSpPr>
-        <p:spPr/>
-        <p:txBody>
-          <a:bodyPr/>
-          <a:lstStyle/>
-          <a:p>
-            <a:r>
-              <a:rPr lang="fr-FR" dirty="0"/>
-              <a:t>Contexte</a:t>
-            </a:r>
-          </a:p>
-        </p:txBody>
-      </p:sp>
-      <p:sp>
-        <p:nvSpPr>
-          <p:cNvPr id="3" name="Espace réservé du contenu 2"/>
-          <p:cNvSpPr>
-            <a:spLocks noGrp="1"/>
-          </p:cNvSpPr>
-          <p:nvPr>
-            <p:ph idx="1"/>
-          </p:nvPr>
-        </p:nvSpPr>
-        <p:spPr/>
-        <p:txBody>
-          <a:bodyPr/>
-          <a:lstStyle/>
-          <a:p>
-            <a:r>
-              <a:rPr lang="fr-FR" dirty="0"/>
-              <a:t>Amélioration du débit par une meilleure résistance aux conditions réseaux</a:t>
-            </a:r>
-          </a:p>
-          <a:p>
-            <a:r>
-              <a:rPr lang="fr-FR" dirty="0"/>
-              <a:t>Meilleure sécurité</a:t>
-            </a:r>
-          </a:p>
-          <a:p>
-            <a:r>
-              <a:rPr lang="fr-FR" dirty="0"/>
-              <a:t>Meilleure équité</a:t>
-            </a:r>
-          </a:p>
-        </p:txBody>
-      </p:sp>
-      <p:sp>
-        <p:nvSpPr>
-          <p:cNvPr id="4" name="Espace réservé du numéro de diapositive 3"/>
-          <p:cNvSpPr>
-            <a:spLocks noGrp="1"/>
-          </p:cNvSpPr>
-          <p:nvPr>
-            <p:ph type="sldNum" sz="quarter" idx="12"/>
-          </p:nvPr>
-        </p:nvSpPr>
-        <p:spPr/>
-        <p:txBody>
-          <a:bodyPr/>
-          <a:lstStyle/>
-          <a:p>
-            <a:fld id="{4FAB73BC-B049-4115-A692-8D63A059BFB8}" type="slidenum">
-              <a:rPr lang="en-US" smtClean="0"/>
-              <a:t>2</a:t>
-            </a:fld>
-            <a:endParaRPr lang="en-US" dirty="0"/>
-          </a:p>
-        </p:txBody>
-      </p:sp>
-    </p:spTree>
-    <p:extLst>
-      <p:ext uri="{BB962C8B-B14F-4D97-AF65-F5344CB8AC3E}">
-        <p14:creationId xmlns:p14="http://schemas.microsoft.com/office/powerpoint/2010/main" val="3970792187"/>
-      </p:ext>
-    </p:extLst>
-  </p:cSld>
-  <p:clrMapOvr>
-    <a:masterClrMapping/>
-  </p:clrMapOvr>
-</p:sld>
-</file>
-
-<file path=ppt/slides/slide20.xml><?xml version="1.0" encoding="utf-8"?>
-<p:sld xmlns:a="http://schemas.openxmlformats.org/drawingml/2006/main" xmlns:r="http://schemas.openxmlformats.org/officeDocument/2006/relationships" xmlns:p="http://schemas.openxmlformats.org/presentationml/2006/main">
-  <p:cSld>
-    <p:spTree>
-      <p:nvGrpSpPr>
-        <p:cNvPr id="1" name=""/>
-        <p:cNvGrpSpPr/>
-        <p:nvPr/>
-      </p:nvGrpSpPr>
-      <p:grpSpPr>
-        <a:xfrm>
-          <a:off x="0" y="0"/>
-          <a:ext cx="0" cy="0"/>
-          <a:chOff x="0" y="0"/>
-          <a:chExt cx="0" cy="0"/>
-        </a:xfrm>
-      </p:grpSpPr>
-      <p:sp>
-        <p:nvSpPr>
-          <p:cNvPr id="2" name="Titre 1"/>
-          <p:cNvSpPr>
-            <a:spLocks noGrp="1"/>
-          </p:cNvSpPr>
-          <p:nvPr>
-            <p:ph type="title"/>
-          </p:nvPr>
-        </p:nvSpPr>
-        <p:spPr/>
-        <p:txBody>
-          <a:bodyPr/>
-          <a:lstStyle/>
-          <a:p>
-            <a:r>
-              <a:rPr lang="fr-FR" dirty="0"/>
-              <a:t>Fonctionnement de l’OFDM</a:t>
-            </a:r>
-          </a:p>
-        </p:txBody>
-      </p:sp>
-      <p:pic>
-        <p:nvPicPr>
-          <p:cNvPr id="14" name="Espace réservé du contenu 13"/>
-          <p:cNvPicPr>
-            <a:picLocks noGrp="1" noChangeAspect="1"/>
-          </p:cNvPicPr>
-          <p:nvPr>
-            <p:ph idx="1"/>
-          </p:nvPr>
-        </p:nvPicPr>
-        <p:blipFill>
-          <a:blip r:embed="rId2"/>
-          <a:stretch>
-            <a:fillRect/>
-          </a:stretch>
-        </p:blipFill>
-        <p:spPr>
-          <a:xfrm>
-            <a:off x="1223236" y="1758535"/>
-            <a:ext cx="8901775" cy="4848935"/>
-          </a:xfrm>
-        </p:spPr>
-      </p:pic>
-      <p:sp>
-        <p:nvSpPr>
-          <p:cNvPr id="3" name="Espace réservé du numéro de diapositive 2"/>
-          <p:cNvSpPr>
-            <a:spLocks noGrp="1"/>
-          </p:cNvSpPr>
-          <p:nvPr>
-            <p:ph type="sldNum" sz="quarter" idx="12"/>
-          </p:nvPr>
-        </p:nvSpPr>
-        <p:spPr/>
-        <p:txBody>
-          <a:bodyPr/>
-          <a:lstStyle/>
-          <a:p>
-            <a:fld id="{4FAB73BC-B049-4115-A692-8D63A059BFB8}" type="slidenum">
-              <a:rPr lang="en-US" smtClean="0"/>
-              <a:t>20</a:t>
-            </a:fld>
-            <a:endParaRPr lang="en-US" dirty="0"/>
-          </a:p>
-        </p:txBody>
-      </p:sp>
-    </p:spTree>
-    <p:extLst>
-      <p:ext uri="{BB962C8B-B14F-4D97-AF65-F5344CB8AC3E}">
-        <p14:creationId xmlns:p14="http://schemas.microsoft.com/office/powerpoint/2010/main" val="3663838964"/>
       </p:ext>
     </p:extLst>
   </p:cSld>
@@ -13398,6 +13422,104 @@
           <a:p>
             <a:r>
               <a:rPr lang="fr-FR" dirty="0"/>
+              <a:t>Fonctionnement de l’OFDM</a:t>
+            </a:r>
+          </a:p>
+        </p:txBody>
+      </p:sp>
+      <p:pic>
+        <p:nvPicPr>
+          <p:cNvPr id="14" name="Espace réservé du contenu 13"/>
+          <p:cNvPicPr>
+            <a:picLocks noGrp="1" noChangeAspect="1"/>
+          </p:cNvPicPr>
+          <p:nvPr>
+            <p:ph idx="1"/>
+          </p:nvPr>
+        </p:nvPicPr>
+        <p:blipFill>
+          <a:blip r:embed="rId2"/>
+          <a:stretch>
+            <a:fillRect/>
+          </a:stretch>
+        </p:blipFill>
+        <p:spPr>
+          <a:xfrm>
+            <a:off x="1223236" y="1758535"/>
+            <a:ext cx="8901775" cy="4848935"/>
+          </a:xfrm>
+        </p:spPr>
+      </p:pic>
+      <p:sp>
+        <p:nvSpPr>
+          <p:cNvPr id="3" name="Espace réservé du numéro de diapositive 2"/>
+          <p:cNvSpPr>
+            <a:spLocks noGrp="1"/>
+          </p:cNvSpPr>
+          <p:nvPr>
+            <p:ph type="sldNum" sz="quarter" idx="12"/>
+          </p:nvPr>
+        </p:nvSpPr>
+        <p:spPr/>
+        <p:txBody>
+          <a:bodyPr/>
+          <a:lstStyle/>
+          <a:p>
+            <a:fld id="{4FAB73BC-B049-4115-A692-8D63A059BFB8}" type="slidenum">
+              <a:rPr lang="en-US" smtClean="0"/>
+              <a:t>21</a:t>
+            </a:fld>
+            <a:endParaRPr lang="en-US" dirty="0"/>
+          </a:p>
+        </p:txBody>
+      </p:sp>
+    </p:spTree>
+    <p:extLst>
+      <p:ext uri="{BB962C8B-B14F-4D97-AF65-F5344CB8AC3E}">
+        <p14:creationId xmlns:p14="http://schemas.microsoft.com/office/powerpoint/2010/main" val="3663838964"/>
+      </p:ext>
+    </p:extLst>
+  </p:cSld>
+  <p:clrMapOvr>
+    <a:masterClrMapping/>
+  </p:clrMapOvr>
+</p:sld>
+</file>
+
+<file path=ppt/slides/slide22.xml><?xml version="1.0" encoding="utf-8"?>
+<p:sld xmlns:a="http://schemas.openxmlformats.org/drawingml/2006/main" xmlns:r="http://schemas.openxmlformats.org/officeDocument/2006/relationships" xmlns:p="http://schemas.openxmlformats.org/presentationml/2006/main">
+  <p:cSld>
+    <p:spTree>
+      <p:nvGrpSpPr>
+        <p:cNvPr id="1" name=""/>
+        <p:cNvGrpSpPr/>
+        <p:nvPr/>
+      </p:nvGrpSpPr>
+      <p:grpSpPr>
+        <a:xfrm>
+          <a:off x="0" y="0"/>
+          <a:ext cx="0" cy="0"/>
+          <a:chOff x="0" y="0"/>
+          <a:chExt cx="0" cy="0"/>
+        </a:xfrm>
+      </p:grpSpPr>
+      <p:sp>
+        <p:nvSpPr>
+          <p:cNvPr id="2" name="Titre 1"/>
+          <p:cNvSpPr>
+            <a:spLocks noGrp="1"/>
+          </p:cNvSpPr>
+          <p:nvPr>
+            <p:ph type="title"/>
+          </p:nvPr>
+        </p:nvSpPr>
+        <p:spPr/>
+        <p:txBody>
+          <a:bodyPr/>
+          <a:lstStyle/>
+          <a:p>
+            <a:r>
+              <a:rPr lang="fr-FR" dirty="0"/>
               <a:t>Conclusion</a:t>
             </a:r>
           </a:p>
@@ -13466,7 +13588,7 @@
           <a:p>
             <a:fld id="{4FAB73BC-B049-4115-A692-8D63A059BFB8}" type="slidenum">
               <a:rPr lang="en-US" smtClean="0"/>
-              <a:t>21</a:t>
+              <a:t>22</a:t>
             </a:fld>
             <a:endParaRPr lang="en-US" dirty="0"/>
           </a:p>
@@ -13519,13 +13641,8 @@
           <a:p>
             <a:r>
               <a:rPr lang="fr-FR" dirty="0"/>
-              <a:t>Hypothèses </a:t>
-            </a:r>
-            <a:r>
-              <a:rPr lang="fr-FR"/>
-              <a:t>- Enjeux</a:t>
-            </a:r>
-            <a:endParaRPr lang="fr-FR" dirty="0"/>
+              <a:t>Enjeux</a:t>
+            </a:r>
           </a:p>
         </p:txBody>
       </p:sp>
@@ -13627,7 +13744,7 @@
           <a:p>
             <a:r>
               <a:rPr lang="fr-FR" dirty="0"/>
-              <a:t>Choix techniques</a:t>
+              <a:t>Hypothèses</a:t>
             </a:r>
           </a:p>
         </p:txBody>
@@ -13649,25 +13766,19 @@
           <a:p>
             <a:r>
               <a:rPr lang="fr-FR" dirty="0"/>
-              <a:t>Langage JAVA</a:t>
+              <a:t>Paquet de taille fixe</a:t>
             </a:r>
           </a:p>
           <a:p>
             <a:r>
               <a:rPr lang="fr-FR" dirty="0"/>
-              <a:t>Interface graphique pour visualiser la simulation en direct</a:t>
-            </a:r>
-          </a:p>
-          <a:p>
-            <a:r>
-              <a:rPr lang="fr-FR" dirty="0"/>
-              <a:t>Modulation et altération intégrées directement dans le </a:t>
-            </a:r>
-            <a:r>
-              <a:rPr lang="fr-FR" dirty="0" err="1"/>
-              <a:t>mkn</a:t>
-            </a:r>
-            <a:endParaRPr lang="fr-FR" dirty="0"/>
+              <a:t>Paquet toujours </a:t>
+            </a:r>
+            <a:r>
+              <a:rPr lang="fr-FR"/>
+              <a:t>correctement transmis</a:t>
+            </a:r>
+            <a:endParaRPr lang="fr-FR"/>
           </a:p>
         </p:txBody>
       </p:sp>
@@ -13697,7 +13808,7 @@
     </p:spTree>
     <p:extLst>
       <p:ext uri="{BB962C8B-B14F-4D97-AF65-F5344CB8AC3E}">
-        <p14:creationId xmlns:p14="http://schemas.microsoft.com/office/powerpoint/2010/main" val="1245358596"/>
+        <p14:creationId xmlns:p14="http://schemas.microsoft.com/office/powerpoint/2010/main" val="2295330701"/>
       </p:ext>
     </p:extLst>
   </p:cSld>
@@ -13741,7 +13852,7 @@
           <a:p>
             <a:r>
               <a:rPr lang="fr-FR" dirty="0"/>
-              <a:t>Choix techniques suite</a:t>
+              <a:t>Choix techniques</a:t>
             </a:r>
           </a:p>
         </p:txBody>
@@ -13763,71 +13874,23 @@
           <a:p>
             <a:r>
               <a:rPr lang="fr-FR" dirty="0"/>
-              <a:t>Générateur </a:t>
-            </a:r>
-            <a:r>
-              <a:rPr lang="fr-FR" dirty="0">
-                <a:sym typeface="Wingdings" panose="05000000000000000000" pitchFamily="2" charset="2"/>
-              </a:rPr>
-              <a:t> </a:t>
-            </a:r>
+              <a:t>Langage JAVA</a:t>
+            </a:r>
+          </a:p>
+          <a:p>
             <a:r>
               <a:rPr lang="fr-FR" dirty="0"/>
-              <a:t>paquet</a:t>
+              <a:t>Interface graphique pour visualiser la simulation en direct</a:t>
             </a:r>
           </a:p>
           <a:p>
             <a:r>
               <a:rPr lang="fr-FR" dirty="0"/>
-              <a:t>Paquet </a:t>
-            </a:r>
-            <a:r>
-              <a:rPr lang="fr-FR" dirty="0">
-                <a:sym typeface="Wingdings" panose="05000000000000000000" pitchFamily="2" charset="2"/>
-              </a:rPr>
-              <a:t></a:t>
-            </a:r>
-            <a:r>
-              <a:rPr lang="fr-FR" dirty="0"/>
-              <a:t> ordonnanceur</a:t>
-            </a:r>
-          </a:p>
-          <a:p>
-            <a:r>
-              <a:rPr lang="fr-FR" dirty="0"/>
-              <a:t>Ordonnanceur </a:t>
-            </a:r>
-            <a:r>
-              <a:rPr lang="fr-FR" dirty="0">
-                <a:sym typeface="Wingdings" panose="05000000000000000000" pitchFamily="2" charset="2"/>
-              </a:rPr>
-              <a:t></a:t>
-            </a:r>
-            <a:r>
-              <a:rPr lang="fr-FR" dirty="0"/>
-              <a:t> fragment de paquet </a:t>
-            </a:r>
-            <a:r>
-              <a:rPr lang="fr-FR" dirty="0">
-                <a:sym typeface="Wingdings" panose="05000000000000000000" pitchFamily="2" charset="2"/>
-              </a:rPr>
-              <a:t></a:t>
-            </a:r>
-            <a:r>
-              <a:rPr lang="fr-FR" dirty="0"/>
-              <a:t> OFDM</a:t>
-            </a:r>
-          </a:p>
-          <a:p>
-            <a:r>
-              <a:rPr lang="fr-FR" dirty="0"/>
-              <a:t>OFDM </a:t>
-            </a:r>
-            <a:r>
-              <a:rPr lang="fr-FR" dirty="0">
-                <a:sym typeface="Wingdings" panose="05000000000000000000" pitchFamily="2" charset="2"/>
-              </a:rPr>
-              <a:t> Environnement</a:t>
+              <a:t>Modulation et altération intégrées directement dans le </a:t>
+            </a:r>
+            <a:r>
+              <a:rPr lang="fr-FR" dirty="0" err="1"/>
+              <a:t>mkn</a:t>
             </a:r>
             <a:endParaRPr lang="fr-FR" dirty="0"/>
           </a:p>
@@ -13859,7 +13922,7 @@
     </p:spTree>
     <p:extLst>
       <p:ext uri="{BB962C8B-B14F-4D97-AF65-F5344CB8AC3E}">
-        <p14:creationId xmlns:p14="http://schemas.microsoft.com/office/powerpoint/2010/main" val="348713173"/>
+        <p14:creationId xmlns:p14="http://schemas.microsoft.com/office/powerpoint/2010/main" val="1245358596"/>
       </p:ext>
     </p:extLst>
   </p:cSld>
@@ -13908,32 +13971,96 @@
           </a:p>
         </p:txBody>
       </p:sp>
-      <p:pic>
-        <p:nvPicPr>
-          <p:cNvPr id="5" name="Espace réservé du contenu 4"/>
-          <p:cNvPicPr>
-            <a:picLocks noGrp="1" noChangeAspect="1"/>
-          </p:cNvPicPr>
+      <p:sp>
+        <p:nvSpPr>
+          <p:cNvPr id="3" name="Espace réservé du contenu 2"/>
+          <p:cNvSpPr>
+            <a:spLocks noGrp="1"/>
+          </p:cNvSpPr>
           <p:nvPr>
             <p:ph idx="1"/>
           </p:nvPr>
-        </p:nvPicPr>
-        <p:blipFill>
-          <a:blip r:embed="rId2"/>
-          <a:stretch>
-            <a:fillRect/>
-          </a:stretch>
-        </p:blipFill>
-        <p:spPr>
-          <a:xfrm>
-            <a:off x="1024128" y="2084832"/>
-            <a:ext cx="10554546" cy="4187165"/>
-          </a:xfrm>
-        </p:spPr>
-      </p:pic>
+        </p:nvSpPr>
+        <p:spPr/>
+        <p:txBody>
+          <a:bodyPr/>
+          <a:lstStyle/>
+          <a:p>
+            <a:r>
+              <a:rPr lang="fr-FR" dirty="0"/>
+              <a:t>Générateur </a:t>
+            </a:r>
+            <a:r>
+              <a:rPr lang="fr-FR" dirty="0">
+                <a:sym typeface="Wingdings" panose="05000000000000000000" pitchFamily="2" charset="2"/>
+              </a:rPr>
+              <a:t> </a:t>
+            </a:r>
+            <a:r>
+              <a:rPr lang="fr-FR" dirty="0"/>
+              <a:t>paquet</a:t>
+            </a:r>
+          </a:p>
+          <a:p>
+            <a:r>
+              <a:rPr lang="fr-FR" dirty="0"/>
+              <a:t>Paquet </a:t>
+            </a:r>
+            <a:r>
+              <a:rPr lang="fr-FR" dirty="0">
+                <a:sym typeface="Wingdings" panose="05000000000000000000" pitchFamily="2" charset="2"/>
+              </a:rPr>
+              <a:t></a:t>
+            </a:r>
+            <a:r>
+              <a:rPr lang="fr-FR" dirty="0"/>
+              <a:t> ordonnanceur</a:t>
+            </a:r>
+          </a:p>
+          <a:p>
+            <a:r>
+              <a:rPr lang="fr-FR" dirty="0"/>
+              <a:t>Ordonnanceur </a:t>
+            </a:r>
+            <a:r>
+              <a:rPr lang="fr-FR" dirty="0">
+                <a:sym typeface="Wingdings" panose="05000000000000000000" pitchFamily="2" charset="2"/>
+              </a:rPr>
+              <a:t></a:t>
+            </a:r>
+            <a:r>
+              <a:rPr lang="fr-FR" dirty="0"/>
+              <a:t> fragment de paquet </a:t>
+            </a:r>
+            <a:r>
+              <a:rPr lang="fr-FR" dirty="0">
+                <a:sym typeface="Wingdings" panose="05000000000000000000" pitchFamily="2" charset="2"/>
+              </a:rPr>
+              <a:t></a:t>
+            </a:r>
+            <a:r>
+              <a:rPr lang="fr-FR" dirty="0"/>
+              <a:t> OFDM</a:t>
+            </a:r>
+          </a:p>
+          <a:p>
+            <a:r>
+              <a:rPr lang="fr-FR" dirty="0"/>
+              <a:t>OFDM </a:t>
+            </a:r>
+            <a:r>
+              <a:rPr lang="fr-FR" dirty="0">
+                <a:sym typeface="Wingdings" panose="05000000000000000000" pitchFamily="2" charset="2"/>
+              </a:rPr>
+              <a:t> Environnement</a:t>
+            </a:r>
+            <a:endParaRPr lang="fr-FR" dirty="0"/>
+          </a:p>
+        </p:txBody>
+      </p:sp>
       <p:sp>
         <p:nvSpPr>
-          <p:cNvPr id="3" name="Espace réservé du numéro de diapositive 2"/>
+          <p:cNvPr id="4" name="Espace réservé du numéro de diapositive 3"/>
           <p:cNvSpPr>
             <a:spLocks noGrp="1"/>
           </p:cNvSpPr>
@@ -13957,7 +14084,7 @@
     </p:spTree>
     <p:extLst>
       <p:ext uri="{BB962C8B-B14F-4D97-AF65-F5344CB8AC3E}">
-        <p14:creationId xmlns:p14="http://schemas.microsoft.com/office/powerpoint/2010/main" val="2064801569"/>
+        <p14:creationId xmlns:p14="http://schemas.microsoft.com/office/powerpoint/2010/main" val="348713173"/>
       </p:ext>
     </p:extLst>
   </p:cSld>
@@ -14001,6 +14128,104 @@
           <a:p>
             <a:r>
               <a:rPr lang="fr-FR" dirty="0"/>
+              <a:t>Choix techniques suite</a:t>
+            </a:r>
+          </a:p>
+        </p:txBody>
+      </p:sp>
+      <p:pic>
+        <p:nvPicPr>
+          <p:cNvPr id="5" name="Espace réservé du contenu 4"/>
+          <p:cNvPicPr>
+            <a:picLocks noGrp="1" noChangeAspect="1"/>
+          </p:cNvPicPr>
+          <p:nvPr>
+            <p:ph idx="1"/>
+          </p:nvPr>
+        </p:nvPicPr>
+        <p:blipFill>
+          <a:blip r:embed="rId2"/>
+          <a:stretch>
+            <a:fillRect/>
+          </a:stretch>
+        </p:blipFill>
+        <p:spPr>
+          <a:xfrm>
+            <a:off x="1024128" y="2084832"/>
+            <a:ext cx="10554546" cy="4187165"/>
+          </a:xfrm>
+        </p:spPr>
+      </p:pic>
+      <p:sp>
+        <p:nvSpPr>
+          <p:cNvPr id="3" name="Espace réservé du numéro de diapositive 2"/>
+          <p:cNvSpPr>
+            <a:spLocks noGrp="1"/>
+          </p:cNvSpPr>
+          <p:nvPr>
+            <p:ph type="sldNum" sz="quarter" idx="12"/>
+          </p:nvPr>
+        </p:nvSpPr>
+        <p:spPr/>
+        <p:txBody>
+          <a:bodyPr/>
+          <a:lstStyle/>
+          <a:p>
+            <a:fld id="{4FAB73BC-B049-4115-A692-8D63A059BFB8}" type="slidenum">
+              <a:rPr lang="en-US" smtClean="0"/>
+              <a:t>7</a:t>
+            </a:fld>
+            <a:endParaRPr lang="en-US" dirty="0"/>
+          </a:p>
+        </p:txBody>
+      </p:sp>
+    </p:spTree>
+    <p:extLst>
+      <p:ext uri="{BB962C8B-B14F-4D97-AF65-F5344CB8AC3E}">
+        <p14:creationId xmlns:p14="http://schemas.microsoft.com/office/powerpoint/2010/main" val="2064801569"/>
+      </p:ext>
+    </p:extLst>
+  </p:cSld>
+  <p:clrMapOvr>
+    <a:masterClrMapping/>
+  </p:clrMapOvr>
+</p:sld>
+</file>
+
+<file path=ppt/slides/slide8.xml><?xml version="1.0" encoding="utf-8"?>
+<p:sld xmlns:a="http://schemas.openxmlformats.org/drawingml/2006/main" xmlns:r="http://schemas.openxmlformats.org/officeDocument/2006/relationships" xmlns:p="http://schemas.openxmlformats.org/presentationml/2006/main">
+  <p:cSld>
+    <p:spTree>
+      <p:nvGrpSpPr>
+        <p:cNvPr id="1" name=""/>
+        <p:cNvGrpSpPr/>
+        <p:nvPr/>
+      </p:nvGrpSpPr>
+      <p:grpSpPr>
+        <a:xfrm>
+          <a:off x="0" y="0"/>
+          <a:ext cx="0" cy="0"/>
+          <a:chOff x="0" y="0"/>
+          <a:chExt cx="0" cy="0"/>
+        </a:xfrm>
+      </p:grpSpPr>
+      <p:sp>
+        <p:nvSpPr>
+          <p:cNvPr id="2" name="Titre 1"/>
+          <p:cNvSpPr>
+            <a:spLocks noGrp="1"/>
+          </p:cNvSpPr>
+          <p:nvPr>
+            <p:ph type="title"/>
+          </p:nvPr>
+        </p:nvSpPr>
+        <p:spPr/>
+        <p:txBody>
+          <a:bodyPr/>
+          <a:lstStyle/>
+          <a:p>
+            <a:r>
+              <a:rPr lang="fr-FR" dirty="0"/>
               <a:t>Scénarii</a:t>
             </a:r>
           </a:p>
@@ -14093,7 +14318,7 @@
           <a:p>
             <a:fld id="{4FAB73BC-B049-4115-A692-8D63A059BFB8}" type="slidenum">
               <a:rPr lang="en-US" smtClean="0"/>
-              <a:t>7</a:t>
+              <a:t>8</a:t>
             </a:fld>
             <a:endParaRPr lang="en-US" dirty="0"/>
           </a:p>
@@ -14112,7 +14337,7 @@
 </p:sld>
 </file>
 
-<file path=ppt/slides/slide8.xml><?xml version="1.0" encoding="utf-8"?>
+<file path=ppt/slides/slide9.xml><?xml version="1.0" encoding="utf-8"?>
 <p:sld xmlns:a="http://schemas.openxmlformats.org/drawingml/2006/main" xmlns:r="http://schemas.openxmlformats.org/officeDocument/2006/relationships" xmlns:p="http://schemas.openxmlformats.org/presentationml/2006/main">
   <p:cSld>
     <p:spTree>
@@ -14212,7 +14437,7 @@
           <a:p>
             <a:fld id="{4FAB73BC-B049-4115-A692-8D63A059BFB8}" type="slidenum">
               <a:rPr lang="en-US" smtClean="0"/>
-              <a:t>8</a:t>
+              <a:t>9</a:t>
             </a:fld>
             <a:endParaRPr lang="en-US" dirty="0"/>
           </a:p>
@@ -14222,127 +14447,6 @@
     <p:extLst>
       <p:ext uri="{BB962C8B-B14F-4D97-AF65-F5344CB8AC3E}">
         <p14:creationId xmlns:p14="http://schemas.microsoft.com/office/powerpoint/2010/main" val="4077070557"/>
-      </p:ext>
-    </p:extLst>
-  </p:cSld>
-  <p:clrMapOvr>
-    <a:masterClrMapping/>
-  </p:clrMapOvr>
-</p:sld>
-</file>
-
-<file path=ppt/slides/slide9.xml><?xml version="1.0" encoding="utf-8"?>
-<p:sld xmlns:a="http://schemas.openxmlformats.org/drawingml/2006/main" xmlns:r="http://schemas.openxmlformats.org/officeDocument/2006/relationships" xmlns:p="http://schemas.openxmlformats.org/presentationml/2006/main">
-  <p:cSld>
-    <p:spTree>
-      <p:nvGrpSpPr>
-        <p:cNvPr id="1" name=""/>
-        <p:cNvGrpSpPr/>
-        <p:nvPr/>
-      </p:nvGrpSpPr>
-      <p:grpSpPr>
-        <a:xfrm>
-          <a:off x="0" y="0"/>
-          <a:ext cx="0" cy="0"/>
-          <a:chOff x="0" y="0"/>
-          <a:chExt cx="0" cy="0"/>
-        </a:xfrm>
-      </p:grpSpPr>
-      <p:sp>
-        <p:nvSpPr>
-          <p:cNvPr id="2" name="Titre 1"/>
-          <p:cNvSpPr>
-            <a:spLocks noGrp="1"/>
-          </p:cNvSpPr>
-          <p:nvPr>
-            <p:ph type="title"/>
-          </p:nvPr>
-        </p:nvSpPr>
-        <p:spPr/>
-        <p:txBody>
-          <a:bodyPr/>
-          <a:lstStyle/>
-          <a:p>
-            <a:r>
-              <a:rPr lang="fr-FR" dirty="0"/>
-              <a:t>Résultats Scénario 1</a:t>
-            </a:r>
-            <a:br>
-              <a:rPr lang="fr-FR" dirty="0"/>
-            </a:br>
-            <a:r>
-              <a:rPr lang="fr-FR" sz="3600" dirty="0">
-                <a:solidFill>
-                  <a:srgbClr val="2E2B21">
-                    <a:lumMod val="90000"/>
-                    <a:lumOff val="10000"/>
-                  </a:srgbClr>
-                </a:solidFill>
-              </a:rPr>
-              <a:t>Demande fixe</a:t>
-            </a:r>
-            <a:endParaRPr lang="fr-FR" dirty="0"/>
-          </a:p>
-        </p:txBody>
-      </p:sp>
-      <p:graphicFrame>
-        <p:nvGraphicFramePr>
-          <p:cNvPr id="7" name="Espace réservé du contenu 6">
-            <a:extLst>
-              <a:ext uri="{FF2B5EF4-FFF2-40B4-BE49-F238E27FC236}">
-                <a16:creationId xmlns:a16="http://schemas.microsoft.com/office/drawing/2014/main" id="{00000000-0008-0000-0000-000002000000}"/>
-              </a:ext>
-            </a:extLst>
-          </p:cNvPr>
-          <p:cNvGraphicFramePr>
-            <a:graphicFrameLocks noGrp="1"/>
-          </p:cNvGraphicFramePr>
-          <p:nvPr>
-            <p:ph idx="1"/>
-            <p:extLst>
-              <p:ext uri="{D42A27DB-BD31-4B8C-83A1-F6EECF244321}">
-                <p14:modId xmlns:p14="http://schemas.microsoft.com/office/powerpoint/2010/main" val="1411067735"/>
-              </p:ext>
-            </p:extLst>
-          </p:nvPr>
-        </p:nvGraphicFramePr>
-        <p:xfrm>
-          <a:off x="1023938" y="2286000"/>
-          <a:ext cx="9720262" cy="4022725"/>
-        </p:xfrm>
-        <a:graphic>
-          <a:graphicData uri="http://schemas.openxmlformats.org/drawingml/2006/chart">
-            <c:chart xmlns:c="http://schemas.openxmlformats.org/drawingml/2006/chart" xmlns:r="http://schemas.openxmlformats.org/officeDocument/2006/relationships" r:id="rId2"/>
-          </a:graphicData>
-        </a:graphic>
-      </p:graphicFrame>
-      <p:sp>
-        <p:nvSpPr>
-          <p:cNvPr id="3" name="Espace réservé du numéro de diapositive 2"/>
-          <p:cNvSpPr>
-            <a:spLocks noGrp="1"/>
-          </p:cNvSpPr>
-          <p:nvPr>
-            <p:ph type="sldNum" sz="quarter" idx="12"/>
-          </p:nvPr>
-        </p:nvSpPr>
-        <p:spPr/>
-        <p:txBody>
-          <a:bodyPr/>
-          <a:lstStyle/>
-          <a:p>
-            <a:fld id="{4FAB73BC-B049-4115-A692-8D63A059BFB8}" type="slidenum">
-              <a:rPr lang="en-US" smtClean="0"/>
-              <a:t>9</a:t>
-            </a:fld>
-            <a:endParaRPr lang="en-US" dirty="0"/>
-          </a:p>
-        </p:txBody>
-      </p:sp>
-    </p:spTree>
-    <p:extLst>
-      <p:ext uri="{BB962C8B-B14F-4D97-AF65-F5344CB8AC3E}">
-        <p14:creationId xmlns:p14="http://schemas.microsoft.com/office/powerpoint/2010/main" val="977091393"/>
       </p:ext>
     </p:extLst>
   </p:cSld>

--- a/Le BeamForming.pptx
+++ b/Le BeamForming.pptx
@@ -5,31 +5,27 @@
     <p:sldMasterId id="2147483648" r:id="rId1"/>
   </p:sldMasterIdLst>
   <p:notesMasterIdLst>
-    <p:notesMasterId r:id="rId24"/>
+    <p:notesMasterId r:id="rId20"/>
   </p:notesMasterIdLst>
   <p:sldIdLst>
     <p:sldId id="256" r:id="rId2"/>
     <p:sldId id="257" r:id="rId3"/>
-    <p:sldId id="258" r:id="rId4"/>
-    <p:sldId id="278" r:id="rId5"/>
+    <p:sldId id="278" r:id="rId4"/>
+    <p:sldId id="258" r:id="rId5"/>
     <p:sldId id="271" r:id="rId6"/>
     <p:sldId id="276" r:id="rId7"/>
     <p:sldId id="277" r:id="rId8"/>
     <p:sldId id="259" r:id="rId9"/>
-    <p:sldId id="260" r:id="rId10"/>
-    <p:sldId id="263" r:id="rId11"/>
-    <p:sldId id="264" r:id="rId12"/>
-    <p:sldId id="265" r:id="rId13"/>
-    <p:sldId id="266" r:id="rId14"/>
-    <p:sldId id="267" r:id="rId15"/>
-    <p:sldId id="268" r:id="rId16"/>
-    <p:sldId id="269" r:id="rId17"/>
-    <p:sldId id="262" r:id="rId18"/>
-    <p:sldId id="273" r:id="rId19"/>
-    <p:sldId id="275" r:id="rId20"/>
-    <p:sldId id="274" r:id="rId21"/>
-    <p:sldId id="270" r:id="rId22"/>
-    <p:sldId id="261" r:id="rId23"/>
+    <p:sldId id="266" r:id="rId10"/>
+    <p:sldId id="267" r:id="rId11"/>
+    <p:sldId id="268" r:id="rId12"/>
+    <p:sldId id="269" r:id="rId13"/>
+    <p:sldId id="262" r:id="rId14"/>
+    <p:sldId id="273" r:id="rId15"/>
+    <p:sldId id="275" r:id="rId16"/>
+    <p:sldId id="274" r:id="rId17"/>
+    <p:sldId id="270" r:id="rId18"/>
+    <p:sldId id="261" r:id="rId19"/>
   </p:sldIdLst>
   <p:sldSz cx="12192000" cy="6858000"/>
   <p:notesSz cx="6858000" cy="9144000"/>
@@ -308,4612 +304,6 @@
           </c:xVal>
           <c:yVal>
             <c:numRef>
-              <c:f>Feuille1!$H$4:$H$20</c:f>
-              <c:numCache>
-                <c:formatCode>0.00</c:formatCode>
-                <c:ptCount val="17"/>
-                <c:pt idx="1">
-                  <c:v>1.32493368700265</c:v>
-                </c:pt>
-                <c:pt idx="2">
-                  <c:v>1.4906785980611501</c:v>
-                </c:pt>
-                <c:pt idx="3">
-                  <c:v>1.5742782152231001</c:v>
-                </c:pt>
-                <c:pt idx="4">
-                  <c:v>1.61510500807754</c:v>
-                </c:pt>
-                <c:pt idx="5">
-                  <c:v>1.63206007182501</c:v>
-                </c:pt>
-                <c:pt idx="6">
-                  <c:v>1.64266155531216</c:v>
-                </c:pt>
-                <c:pt idx="7">
-                  <c:v>1.6468235294117599</c:v>
-                </c:pt>
-                <c:pt idx="8">
-                  <c:v>1.6499587458745899</c:v>
-                </c:pt>
-                <c:pt idx="9">
-                  <c:v>1.6653330666133199</c:v>
-                </c:pt>
-                <c:pt idx="10">
-                  <c:v>1.6664000000000001</c:v>
-                </c:pt>
-                <c:pt idx="11">
-                  <c:v>1.6666000000000001</c:v>
-                </c:pt>
-                <c:pt idx="12">
-                  <c:v>1.6666000000000001</c:v>
-                </c:pt>
-                <c:pt idx="13">
-                  <c:v>1.6666000000000001</c:v>
-                </c:pt>
-                <c:pt idx="14">
-                  <c:v>1.6666000000000001</c:v>
-                </c:pt>
-                <c:pt idx="15">
-                  <c:v>1.6666000000000001</c:v>
-                </c:pt>
-                <c:pt idx="16">
-                  <c:v>1.6666000000000001</c:v>
-                </c:pt>
-              </c:numCache>
-            </c:numRef>
-          </c:yVal>
-          <c:smooth val="0"/>
-          <c:extLst>
-            <c:ext xmlns:c16="http://schemas.microsoft.com/office/drawing/2014/chart" uri="{C3380CC4-5D6E-409C-BE32-E72D297353CC}">
-              <c16:uniqueId val="{00000000-63F3-4D39-84B8-6540C1BC9C4B}"/>
-            </c:ext>
-          </c:extLst>
-        </c:ser>
-        <c:ser>
-          <c:idx val="1"/>
-          <c:order val="1"/>
-          <c:tx>
-            <c:strRef>
-              <c:f>Feuille1!$C$2</c:f>
-              <c:strCache>
-                <c:ptCount val="1"/>
-                <c:pt idx="0">
-                  <c:v>RR</c:v>
-                </c:pt>
-              </c:strCache>
-            </c:strRef>
-          </c:tx>
-          <c:spPr>
-            <a:ln w="28800">
-              <a:solidFill>
-                <a:srgbClr val="FF420E"/>
-              </a:solidFill>
-              <a:round/>
-            </a:ln>
-          </c:spPr>
-          <c:marker>
-            <c:symbol val="diamond"/>
-            <c:size val="8"/>
-            <c:spPr>
-              <a:solidFill>
-                <a:srgbClr val="FF420E"/>
-              </a:solidFill>
-            </c:spPr>
-          </c:marker>
-          <c:dLbls>
-            <c:spPr>
-              <a:noFill/>
-              <a:ln>
-                <a:noFill/>
-              </a:ln>
-              <a:effectLst/>
-            </c:spPr>
-            <c:showLegendKey val="0"/>
-            <c:showVal val="0"/>
-            <c:showCatName val="0"/>
-            <c:showSerName val="0"/>
-            <c:showPercent val="0"/>
-            <c:showBubbleSize val="1"/>
-            <c:showLeaderLines val="0"/>
-            <c:extLst>
-              <c:ext xmlns:c15="http://schemas.microsoft.com/office/drawing/2012/chart" uri="{CE6537A1-D6FC-4f65-9D91-7224C49458BB}">
-                <c15:showLeaderLines val="0"/>
-              </c:ext>
-            </c:extLst>
-          </c:dLbls>
-          <c:xVal>
-            <c:numRef>
-              <c:f>Feuille1!$A$4:$A$20</c:f>
-              <c:numCache>
-                <c:formatCode>General</c:formatCode>
-                <c:ptCount val="17"/>
-                <c:pt idx="0">
-                  <c:v>0</c:v>
-                </c:pt>
-                <c:pt idx="1">
-                  <c:v>1</c:v>
-                </c:pt>
-                <c:pt idx="2">
-                  <c:v>2</c:v>
-                </c:pt>
-                <c:pt idx="3">
-                  <c:v>3</c:v>
-                </c:pt>
-                <c:pt idx="4">
-                  <c:v>4</c:v>
-                </c:pt>
-                <c:pt idx="5">
-                  <c:v>5</c:v>
-                </c:pt>
-                <c:pt idx="6">
-                  <c:v>6</c:v>
-                </c:pt>
-                <c:pt idx="7">
-                  <c:v>7</c:v>
-                </c:pt>
-                <c:pt idx="8">
-                  <c:v>8</c:v>
-                </c:pt>
-                <c:pt idx="9">
-                  <c:v>9</c:v>
-                </c:pt>
-                <c:pt idx="10">
-                  <c:v>10</c:v>
-                </c:pt>
-                <c:pt idx="11">
-                  <c:v>11</c:v>
-                </c:pt>
-                <c:pt idx="12">
-                  <c:v>12</c:v>
-                </c:pt>
-                <c:pt idx="13">
-                  <c:v>13</c:v>
-                </c:pt>
-                <c:pt idx="14">
-                  <c:v>14</c:v>
-                </c:pt>
-                <c:pt idx="15">
-                  <c:v>15</c:v>
-                </c:pt>
-                <c:pt idx="16">
-                  <c:v>16</c:v>
-                </c:pt>
-              </c:numCache>
-            </c:numRef>
-          </c:xVal>
-          <c:yVal>
-            <c:numRef>
-              <c:f>Feuille1!$I$4:$I$20</c:f>
-              <c:numCache>
-                <c:formatCode>0.00</c:formatCode>
-                <c:ptCount val="17"/>
-                <c:pt idx="1">
-                  <c:v>1.32493368700265</c:v>
-                </c:pt>
-                <c:pt idx="2">
-                  <c:v>1.3255968169761301</c:v>
-                </c:pt>
-                <c:pt idx="3">
-                  <c:v>1.3246466431095401</c:v>
-                </c:pt>
-                <c:pt idx="4">
-                  <c:v>1.32417218543046</c:v>
-                </c:pt>
-                <c:pt idx="5">
-                  <c:v>1.32458929517753</c:v>
-                </c:pt>
-                <c:pt idx="6">
-                  <c:v>1.32194799471133</c:v>
-                </c:pt>
-                <c:pt idx="7">
-                  <c:v>1.32366473294659</c:v>
-                </c:pt>
-                <c:pt idx="8">
-                  <c:v>1.3228</c:v>
-                </c:pt>
-                <c:pt idx="9">
-                  <c:v>1.323</c:v>
-                </c:pt>
-                <c:pt idx="10">
-                  <c:v>1.3240000000000001</c:v>
-                </c:pt>
-                <c:pt idx="11">
-                  <c:v>1.323</c:v>
-                </c:pt>
-                <c:pt idx="12">
-                  <c:v>1.3244</c:v>
-                </c:pt>
-                <c:pt idx="13">
-                  <c:v>1.323</c:v>
-                </c:pt>
-                <c:pt idx="14">
-                  <c:v>1.3238000000000001</c:v>
-                </c:pt>
-                <c:pt idx="15">
-                  <c:v>1.3236000000000001</c:v>
-                </c:pt>
-                <c:pt idx="16">
-                  <c:v>1.3233999999999999</c:v>
-                </c:pt>
-              </c:numCache>
-            </c:numRef>
-          </c:yVal>
-          <c:smooth val="0"/>
-          <c:extLst>
-            <c:ext xmlns:c16="http://schemas.microsoft.com/office/drawing/2014/chart" uri="{C3380CC4-5D6E-409C-BE32-E72D297353CC}">
-              <c16:uniqueId val="{00000001-63F3-4D39-84B8-6540C1BC9C4B}"/>
-            </c:ext>
-          </c:extLst>
-        </c:ser>
-        <c:dLbls>
-          <c:showLegendKey val="0"/>
-          <c:showVal val="0"/>
-          <c:showCatName val="0"/>
-          <c:showSerName val="0"/>
-          <c:showPercent val="0"/>
-          <c:showBubbleSize val="0"/>
-        </c:dLbls>
-        <c:axId val="24101356"/>
-        <c:axId val="33736754"/>
-      </c:scatterChart>
-      <c:valAx>
-        <c:axId val="24101356"/>
-        <c:scaling>
-          <c:orientation val="minMax"/>
-        </c:scaling>
-        <c:delete val="0"/>
-        <c:axPos val="b"/>
-        <c:title>
-          <c:tx>
-            <c:rich>
-              <a:bodyPr/>
-              <a:lstStyle/>
-              <a:p>
-                <a:pPr>
-                  <a:defRPr sz="900" b="0" strike="noStrike" spc="-1">
-                    <a:solidFill>
-                      <a:srgbClr val="000000"/>
-                    </a:solidFill>
-                    <a:uFill>
-                      <a:solidFill>
-                        <a:srgbClr val="FFFFFF"/>
-                      </a:solidFill>
-                    </a:uFill>
-                    <a:latin typeface="Arial"/>
-                  </a:defRPr>
-                </a:pPr>
-                <a:r>
-                  <a:rPr lang="fr-FR" sz="900" b="0" strike="noStrike" spc="-1">
-                    <a:solidFill>
-                      <a:srgbClr val="000000"/>
-                    </a:solidFill>
-                    <a:uFill>
-                      <a:solidFill>
-                        <a:srgbClr val="FFFFFF"/>
-                      </a:solidFill>
-                    </a:uFill>
-                    <a:latin typeface="Arial"/>
-                  </a:rPr>
-                  <a:t>Nombre Utilisateur/Charge</a:t>
-                </a:r>
-              </a:p>
-            </c:rich>
-          </c:tx>
-          <c:overlay val="0"/>
-        </c:title>
-        <c:numFmt formatCode="General" sourceLinked="1"/>
-        <c:majorTickMark val="out"/>
-        <c:minorTickMark val="none"/>
-        <c:tickLblPos val="nextTo"/>
-        <c:spPr>
-          <a:ln>
-            <a:solidFill>
-              <a:srgbClr val="B3B3B3"/>
-            </a:solidFill>
-          </a:ln>
-        </c:spPr>
-        <c:txPr>
-          <a:bodyPr/>
-          <a:lstStyle/>
-          <a:p>
-            <a:pPr>
-              <a:defRPr sz="1000" b="0" strike="noStrike" spc="-1">
-                <a:solidFill>
-                  <a:srgbClr val="000000"/>
-                </a:solidFill>
-                <a:uFill>
-                  <a:solidFill>
-                    <a:srgbClr val="FFFFFF"/>
-                  </a:solidFill>
-                </a:uFill>
-                <a:latin typeface="Arial"/>
-              </a:defRPr>
-            </a:pPr>
-            <a:endParaRPr lang="fr-FR"/>
-          </a:p>
-        </c:txPr>
-        <c:crossAx val="33736754"/>
-        <c:crosses val="autoZero"/>
-        <c:crossBetween val="midCat"/>
-      </c:valAx>
-      <c:valAx>
-        <c:axId val="33736754"/>
-        <c:scaling>
-          <c:orientation val="minMax"/>
-        </c:scaling>
-        <c:delete val="0"/>
-        <c:axPos val="l"/>
-        <c:majorGridlines>
-          <c:spPr>
-            <a:ln>
-              <a:solidFill>
-                <a:srgbClr val="B3B3B3"/>
-              </a:solidFill>
-            </a:ln>
-          </c:spPr>
-        </c:majorGridlines>
-        <c:title>
-          <c:tx>
-            <c:rich>
-              <a:bodyPr rot="-5400000"/>
-              <a:lstStyle/>
-              <a:p>
-                <a:pPr>
-                  <a:defRPr sz="900" b="0" strike="noStrike" spc="-1">
-                    <a:solidFill>
-                      <a:srgbClr val="000000"/>
-                    </a:solidFill>
-                    <a:uFill>
-                      <a:solidFill>
-                        <a:srgbClr val="FFFFFF"/>
-                      </a:solidFill>
-                    </a:uFill>
-                    <a:latin typeface="Arial"/>
-                  </a:defRPr>
-                </a:pPr>
-                <a:r>
-                  <a:rPr lang="fr-FR" sz="900" b="0" strike="noStrike" spc="-1">
-                    <a:solidFill>
-                      <a:srgbClr val="000000"/>
-                    </a:solidFill>
-                    <a:uFill>
-                      <a:solidFill>
-                        <a:srgbClr val="FFFFFF"/>
-                      </a:solidFill>
-                    </a:uFill>
-                    <a:latin typeface="Arial"/>
-                  </a:rPr>
-                  <a:t>Bit Moyen par UR</a:t>
-                </a:r>
-              </a:p>
-            </c:rich>
-          </c:tx>
-          <c:overlay val="0"/>
-        </c:title>
-        <c:numFmt formatCode="0.00" sourceLinked="1"/>
-        <c:majorTickMark val="out"/>
-        <c:minorTickMark val="none"/>
-        <c:tickLblPos val="nextTo"/>
-        <c:spPr>
-          <a:ln>
-            <a:solidFill>
-              <a:srgbClr val="B3B3B3"/>
-            </a:solidFill>
-          </a:ln>
-        </c:spPr>
-        <c:txPr>
-          <a:bodyPr/>
-          <a:lstStyle/>
-          <a:p>
-            <a:pPr>
-              <a:defRPr sz="1000" b="0" strike="noStrike" spc="-1">
-                <a:solidFill>
-                  <a:srgbClr val="000000"/>
-                </a:solidFill>
-                <a:uFill>
-                  <a:solidFill>
-                    <a:srgbClr val="FFFFFF"/>
-                  </a:solidFill>
-                </a:uFill>
-                <a:latin typeface="Arial"/>
-              </a:defRPr>
-            </a:pPr>
-            <a:endParaRPr lang="fr-FR"/>
-          </a:p>
-        </c:txPr>
-        <c:crossAx val="24101356"/>
-        <c:crosses val="autoZero"/>
-        <c:crossBetween val="midCat"/>
-      </c:valAx>
-      <c:spPr>
-        <a:noFill/>
-        <a:ln>
-          <a:solidFill>
-            <a:srgbClr val="B3B3B3"/>
-          </a:solidFill>
-        </a:ln>
-      </c:spPr>
-    </c:plotArea>
-    <c:legend>
-      <c:legendPos val="r"/>
-      <c:overlay val="0"/>
-      <c:spPr>
-        <a:noFill/>
-        <a:ln>
-          <a:noFill/>
-        </a:ln>
-      </c:spPr>
-    </c:legend>
-    <c:plotVisOnly val="1"/>
-    <c:dispBlanksAs val="span"/>
-    <c:showDLblsOverMax val="1"/>
-  </c:chart>
-  <c:spPr>
-    <a:solidFill>
-      <a:srgbClr val="FFFFFF"/>
-    </a:solidFill>
-    <a:ln>
-      <a:noFill/>
-    </a:ln>
-  </c:spPr>
-  <c:externalData r:id="rId1">
-    <c:autoUpdate val="0"/>
-  </c:externalData>
-</c:chartSpace>
-</file>
-
-<file path=ppt/charts/chart10.xml><?xml version="1.0" encoding="utf-8"?>
-<c:chartSpace xmlns:c="http://schemas.openxmlformats.org/drawingml/2006/chart" xmlns:a="http://schemas.openxmlformats.org/drawingml/2006/main" xmlns:r="http://schemas.openxmlformats.org/officeDocument/2006/relationships" xmlns:c16r2="http://schemas.microsoft.com/office/drawing/2015/06/chart">
-  <c:date1904 val="0"/>
-  <c:lang val="fr-FR"/>
-  <c:roundedCorners val="0"/>
-  <mc:AlternateContent xmlns:mc="http://schemas.openxmlformats.org/markup-compatibility/2006">
-    <mc:Choice xmlns:c14="http://schemas.microsoft.com/office/drawing/2007/8/2/chart" Requires="c14">
-      <c14:style val="102"/>
-    </mc:Choice>
-    <mc:Fallback>
-      <c:style val="2"/>
-    </mc:Fallback>
-  </mc:AlternateContent>
-  <c:chart>
-    <c:title>
-      <c:tx>
-        <c:rich>
-          <a:bodyPr/>
-          <a:lstStyle/>
-          <a:p>
-            <a:pPr>
-              <a:defRPr/>
-            </a:pPr>
-            <a:r>
-              <a:rPr lang="fr-FR" sz="2000" dirty="0"/>
-              <a:t>Délai en</a:t>
-            </a:r>
-            <a:r>
-              <a:rPr lang="fr-FR" sz="2000" baseline="0" dirty="0"/>
-              <a:t> fonction de la charge</a:t>
-            </a:r>
-            <a:endParaRPr lang="fr-FR" dirty="0"/>
-          </a:p>
-        </c:rich>
-      </c:tx>
-      <c:overlay val="0"/>
-    </c:title>
-    <c:autoTitleDeleted val="0"/>
-    <c:plotArea>
-      <c:layout/>
-      <c:scatterChart>
-        <c:scatterStyle val="lineMarker"/>
-        <c:varyColors val="0"/>
-        <c:ser>
-          <c:idx val="0"/>
-          <c:order val="0"/>
-          <c:tx>
-            <c:strRef>
-              <c:f>Feuille1!$B$169</c:f>
-              <c:strCache>
-                <c:ptCount val="1"/>
-                <c:pt idx="0">
-                  <c:v>PingBeam</c:v>
-                </c:pt>
-              </c:strCache>
-            </c:strRef>
-          </c:tx>
-          <c:spPr>
-            <a:ln w="28800">
-              <a:solidFill>
-                <a:srgbClr val="004586"/>
-              </a:solidFill>
-              <a:round/>
-            </a:ln>
-          </c:spPr>
-          <c:marker>
-            <c:symbol val="square"/>
-            <c:size val="8"/>
-            <c:spPr>
-              <a:solidFill>
-                <a:srgbClr val="004586"/>
-              </a:solidFill>
-            </c:spPr>
-          </c:marker>
-          <c:dLbls>
-            <c:spPr>
-              <a:noFill/>
-              <a:ln>
-                <a:noFill/>
-              </a:ln>
-              <a:effectLst/>
-            </c:spPr>
-            <c:showLegendKey val="0"/>
-            <c:showVal val="0"/>
-            <c:showCatName val="0"/>
-            <c:showSerName val="0"/>
-            <c:showPercent val="0"/>
-            <c:showBubbleSize val="1"/>
-            <c:showLeaderLines val="0"/>
-            <c:extLst>
-              <c:ext xmlns:c15="http://schemas.microsoft.com/office/drawing/2012/chart" uri="{CE6537A1-D6FC-4f65-9D91-7224C49458BB}">
-                <c15:showLeaderLines val="0"/>
-              </c:ext>
-            </c:extLst>
-          </c:dLbls>
-          <c:xVal>
-            <c:numRef>
-              <c:f>Feuille1!$A$170:$A$270</c:f>
-              <c:numCache>
-                <c:formatCode>General</c:formatCode>
-                <c:ptCount val="101"/>
-                <c:pt idx="0">
-                  <c:v>0</c:v>
-                </c:pt>
-                <c:pt idx="1">
-                  <c:v>1</c:v>
-                </c:pt>
-                <c:pt idx="2">
-                  <c:v>2</c:v>
-                </c:pt>
-                <c:pt idx="3">
-                  <c:v>3</c:v>
-                </c:pt>
-                <c:pt idx="4">
-                  <c:v>4</c:v>
-                </c:pt>
-                <c:pt idx="5">
-                  <c:v>5</c:v>
-                </c:pt>
-                <c:pt idx="6">
-                  <c:v>6</c:v>
-                </c:pt>
-                <c:pt idx="7">
-                  <c:v>7</c:v>
-                </c:pt>
-                <c:pt idx="8">
-                  <c:v>8</c:v>
-                </c:pt>
-                <c:pt idx="9">
-                  <c:v>9</c:v>
-                </c:pt>
-                <c:pt idx="10">
-                  <c:v>10</c:v>
-                </c:pt>
-                <c:pt idx="11">
-                  <c:v>11</c:v>
-                </c:pt>
-                <c:pt idx="12">
-                  <c:v>12</c:v>
-                </c:pt>
-                <c:pt idx="13">
-                  <c:v>13</c:v>
-                </c:pt>
-                <c:pt idx="14">
-                  <c:v>14</c:v>
-                </c:pt>
-                <c:pt idx="15">
-                  <c:v>15</c:v>
-                </c:pt>
-                <c:pt idx="16">
-                  <c:v>16</c:v>
-                </c:pt>
-                <c:pt idx="17">
-                  <c:v>17</c:v>
-                </c:pt>
-                <c:pt idx="18">
-                  <c:v>18</c:v>
-                </c:pt>
-                <c:pt idx="19">
-                  <c:v>19</c:v>
-                </c:pt>
-                <c:pt idx="20">
-                  <c:v>20</c:v>
-                </c:pt>
-                <c:pt idx="21">
-                  <c:v>21</c:v>
-                </c:pt>
-                <c:pt idx="22">
-                  <c:v>22</c:v>
-                </c:pt>
-                <c:pt idx="23">
-                  <c:v>23</c:v>
-                </c:pt>
-                <c:pt idx="24">
-                  <c:v>24</c:v>
-                </c:pt>
-                <c:pt idx="25">
-                  <c:v>25</c:v>
-                </c:pt>
-                <c:pt idx="26">
-                  <c:v>26</c:v>
-                </c:pt>
-                <c:pt idx="27">
-                  <c:v>27</c:v>
-                </c:pt>
-                <c:pt idx="28">
-                  <c:v>28</c:v>
-                </c:pt>
-                <c:pt idx="29">
-                  <c:v>29</c:v>
-                </c:pt>
-                <c:pt idx="30">
-                  <c:v>30</c:v>
-                </c:pt>
-                <c:pt idx="31">
-                  <c:v>31</c:v>
-                </c:pt>
-                <c:pt idx="32">
-                  <c:v>32</c:v>
-                </c:pt>
-                <c:pt idx="33">
-                  <c:v>33</c:v>
-                </c:pt>
-                <c:pt idx="34">
-                  <c:v>34</c:v>
-                </c:pt>
-                <c:pt idx="35">
-                  <c:v>35</c:v>
-                </c:pt>
-                <c:pt idx="36">
-                  <c:v>36</c:v>
-                </c:pt>
-                <c:pt idx="37">
-                  <c:v>37</c:v>
-                </c:pt>
-                <c:pt idx="38">
-                  <c:v>38</c:v>
-                </c:pt>
-                <c:pt idx="39">
-                  <c:v>39</c:v>
-                </c:pt>
-                <c:pt idx="40">
-                  <c:v>40</c:v>
-                </c:pt>
-                <c:pt idx="41">
-                  <c:v>41</c:v>
-                </c:pt>
-                <c:pt idx="42">
-                  <c:v>42</c:v>
-                </c:pt>
-                <c:pt idx="43">
-                  <c:v>43</c:v>
-                </c:pt>
-                <c:pt idx="44">
-                  <c:v>44</c:v>
-                </c:pt>
-                <c:pt idx="45">
-                  <c:v>45</c:v>
-                </c:pt>
-                <c:pt idx="46">
-                  <c:v>46</c:v>
-                </c:pt>
-                <c:pt idx="47">
-                  <c:v>47</c:v>
-                </c:pt>
-                <c:pt idx="48">
-                  <c:v>48</c:v>
-                </c:pt>
-                <c:pt idx="49">
-                  <c:v>49</c:v>
-                </c:pt>
-              </c:numCache>
-            </c:numRef>
-          </c:xVal>
-          <c:yVal>
-            <c:numRef>
-              <c:f>[Beam.xlsx]Feuille1!$B$170:$C$270</c:f>
-              <c:numCache>
-                <c:formatCode>General</c:formatCode>
-                <c:ptCount val="202"/>
-                <c:pt idx="0">
-                  <c:v>4</c:v>
-                </c:pt>
-                <c:pt idx="1">
-                  <c:v>4</c:v>
-                </c:pt>
-                <c:pt idx="2">
-                  <c:v>4</c:v>
-                </c:pt>
-                <c:pt idx="3">
-                  <c:v>5</c:v>
-                </c:pt>
-                <c:pt idx="4">
-                  <c:v>5</c:v>
-                </c:pt>
-                <c:pt idx="5">
-                  <c:v>5</c:v>
-                </c:pt>
-                <c:pt idx="6">
-                  <c:v>5</c:v>
-                </c:pt>
-                <c:pt idx="7">
-                  <c:v>5</c:v>
-                </c:pt>
-                <c:pt idx="8">
-                  <c:v>6</c:v>
-                </c:pt>
-                <c:pt idx="9">
-                  <c:v>6</c:v>
-                </c:pt>
-                <c:pt idx="10">
-                  <c:v>6</c:v>
-                </c:pt>
-                <c:pt idx="11">
-                  <c:v>6</c:v>
-                </c:pt>
-                <c:pt idx="12">
-                  <c:v>6</c:v>
-                </c:pt>
-                <c:pt idx="13">
-                  <c:v>7</c:v>
-                </c:pt>
-                <c:pt idx="14">
-                  <c:v>7</c:v>
-                </c:pt>
-                <c:pt idx="15">
-                  <c:v>7</c:v>
-                </c:pt>
-                <c:pt idx="16">
-                  <c:v>7</c:v>
-                </c:pt>
-                <c:pt idx="17">
-                  <c:v>8</c:v>
-                </c:pt>
-                <c:pt idx="18">
-                  <c:v>8</c:v>
-                </c:pt>
-                <c:pt idx="19">
-                  <c:v>8</c:v>
-                </c:pt>
-                <c:pt idx="20">
-                  <c:v>8</c:v>
-                </c:pt>
-                <c:pt idx="21">
-                  <c:v>8</c:v>
-                </c:pt>
-                <c:pt idx="22">
-                  <c:v>8</c:v>
-                </c:pt>
-                <c:pt idx="23">
-                  <c:v>8</c:v>
-                </c:pt>
-                <c:pt idx="24">
-                  <c:v>8</c:v>
-                </c:pt>
-                <c:pt idx="25">
-                  <c:v>8</c:v>
-                </c:pt>
-                <c:pt idx="26">
-                  <c:v>8</c:v>
-                </c:pt>
-                <c:pt idx="27">
-                  <c:v>8</c:v>
-                </c:pt>
-                <c:pt idx="28">
-                  <c:v>8</c:v>
-                </c:pt>
-                <c:pt idx="29">
-                  <c:v>8</c:v>
-                </c:pt>
-                <c:pt idx="30">
-                  <c:v>8</c:v>
-                </c:pt>
-                <c:pt idx="31">
-                  <c:v>8</c:v>
-                </c:pt>
-                <c:pt idx="32">
-                  <c:v>8</c:v>
-                </c:pt>
-                <c:pt idx="33">
-                  <c:v>8</c:v>
-                </c:pt>
-                <c:pt idx="34">
-                  <c:v>8</c:v>
-                </c:pt>
-                <c:pt idx="35">
-                  <c:v>8</c:v>
-                </c:pt>
-                <c:pt idx="36">
-                  <c:v>8</c:v>
-                </c:pt>
-                <c:pt idx="37">
-                  <c:v>8</c:v>
-                </c:pt>
-                <c:pt idx="38">
-                  <c:v>8</c:v>
-                </c:pt>
-                <c:pt idx="39">
-                  <c:v>8</c:v>
-                </c:pt>
-                <c:pt idx="40">
-                  <c:v>8</c:v>
-                </c:pt>
-                <c:pt idx="41">
-                  <c:v>8</c:v>
-                </c:pt>
-                <c:pt idx="42">
-                  <c:v>8</c:v>
-                </c:pt>
-                <c:pt idx="43">
-                  <c:v>8</c:v>
-                </c:pt>
-                <c:pt idx="44">
-                  <c:v>8</c:v>
-                </c:pt>
-                <c:pt idx="45">
-                  <c:v>8</c:v>
-                </c:pt>
-                <c:pt idx="46">
-                  <c:v>10</c:v>
-                </c:pt>
-                <c:pt idx="47">
-                  <c:v>19</c:v>
-                </c:pt>
-                <c:pt idx="48">
-                  <c:v>20</c:v>
-                </c:pt>
-                <c:pt idx="49">
-                  <c:v>20</c:v>
-                </c:pt>
-                <c:pt idx="101">
-                  <c:v>4</c:v>
-                </c:pt>
-                <c:pt idx="102">
-                  <c:v>4</c:v>
-                </c:pt>
-                <c:pt idx="103">
-                  <c:v>4</c:v>
-                </c:pt>
-                <c:pt idx="104">
-                  <c:v>5</c:v>
-                </c:pt>
-                <c:pt idx="105">
-                  <c:v>5</c:v>
-                </c:pt>
-                <c:pt idx="106">
-                  <c:v>5</c:v>
-                </c:pt>
-                <c:pt idx="107">
-                  <c:v>5</c:v>
-                </c:pt>
-                <c:pt idx="108">
-                  <c:v>5</c:v>
-                </c:pt>
-                <c:pt idx="109">
-                  <c:v>6</c:v>
-                </c:pt>
-                <c:pt idx="110">
-                  <c:v>6</c:v>
-                </c:pt>
-                <c:pt idx="111">
-                  <c:v>6</c:v>
-                </c:pt>
-                <c:pt idx="112">
-                  <c:v>6</c:v>
-                </c:pt>
-                <c:pt idx="113">
-                  <c:v>6</c:v>
-                </c:pt>
-                <c:pt idx="114">
-                  <c:v>7</c:v>
-                </c:pt>
-                <c:pt idx="115">
-                  <c:v>7</c:v>
-                </c:pt>
-                <c:pt idx="116">
-                  <c:v>7</c:v>
-                </c:pt>
-                <c:pt idx="117">
-                  <c:v>7</c:v>
-                </c:pt>
-                <c:pt idx="118">
-                  <c:v>8</c:v>
-                </c:pt>
-                <c:pt idx="119">
-                  <c:v>8</c:v>
-                </c:pt>
-                <c:pt idx="120">
-                  <c:v>8</c:v>
-                </c:pt>
-                <c:pt idx="121">
-                  <c:v>8</c:v>
-                </c:pt>
-                <c:pt idx="122">
-                  <c:v>8</c:v>
-                </c:pt>
-                <c:pt idx="123">
-                  <c:v>16</c:v>
-                </c:pt>
-                <c:pt idx="124">
-                  <c:v>37</c:v>
-                </c:pt>
-                <c:pt idx="125">
-                  <c:v>42</c:v>
-                </c:pt>
-                <c:pt idx="126">
-                  <c:v>42</c:v>
-                </c:pt>
-                <c:pt idx="127">
-                  <c:v>42</c:v>
-                </c:pt>
-                <c:pt idx="128">
-                  <c:v>42</c:v>
-                </c:pt>
-                <c:pt idx="129">
-                  <c:v>42</c:v>
-                </c:pt>
-                <c:pt idx="130">
-                  <c:v>42</c:v>
-                </c:pt>
-                <c:pt idx="131">
-                  <c:v>42</c:v>
-                </c:pt>
-                <c:pt idx="132">
-                  <c:v>42</c:v>
-                </c:pt>
-                <c:pt idx="133">
-                  <c:v>42</c:v>
-                </c:pt>
-                <c:pt idx="134">
-                  <c:v>42</c:v>
-                </c:pt>
-                <c:pt idx="135">
-                  <c:v>42</c:v>
-                </c:pt>
-                <c:pt idx="136">
-                  <c:v>42</c:v>
-                </c:pt>
-                <c:pt idx="137">
-                  <c:v>42</c:v>
-                </c:pt>
-                <c:pt idx="138">
-                  <c:v>42</c:v>
-                </c:pt>
-                <c:pt idx="139">
-                  <c:v>42</c:v>
-                </c:pt>
-                <c:pt idx="140">
-                  <c:v>42</c:v>
-                </c:pt>
-                <c:pt idx="141">
-                  <c:v>42</c:v>
-                </c:pt>
-                <c:pt idx="142">
-                  <c:v>42</c:v>
-                </c:pt>
-                <c:pt idx="143">
-                  <c:v>42</c:v>
-                </c:pt>
-                <c:pt idx="144">
-                  <c:v>42</c:v>
-                </c:pt>
-                <c:pt idx="145">
-                  <c:v>42</c:v>
-                </c:pt>
-                <c:pt idx="146">
-                  <c:v>42</c:v>
-                </c:pt>
-                <c:pt idx="147">
-                  <c:v>42</c:v>
-                </c:pt>
-                <c:pt idx="148">
-                  <c:v>42</c:v>
-                </c:pt>
-                <c:pt idx="149">
-                  <c:v>42</c:v>
-                </c:pt>
-                <c:pt idx="150">
-                  <c:v>42</c:v>
-                </c:pt>
-              </c:numCache>
-            </c:numRef>
-          </c:yVal>
-          <c:smooth val="0"/>
-          <c:extLst>
-            <c:ext xmlns:c16="http://schemas.microsoft.com/office/drawing/2014/chart" uri="{C3380CC4-5D6E-409C-BE32-E72D297353CC}">
-              <c16:uniqueId val="{00000000-D599-426B-BDA1-0F508110F999}"/>
-            </c:ext>
-          </c:extLst>
-        </c:ser>
-        <c:ser>
-          <c:idx val="1"/>
-          <c:order val="1"/>
-          <c:tx>
-            <c:strRef>
-              <c:f>Feuille1!$C$169</c:f>
-              <c:strCache>
-                <c:ptCount val="1"/>
-                <c:pt idx="0">
-                  <c:v>PingNoBeam</c:v>
-                </c:pt>
-              </c:strCache>
-            </c:strRef>
-          </c:tx>
-          <c:spPr>
-            <a:ln w="28800">
-              <a:solidFill>
-                <a:srgbClr val="FF420E"/>
-              </a:solidFill>
-              <a:round/>
-            </a:ln>
-          </c:spPr>
-          <c:marker>
-            <c:symbol val="diamond"/>
-            <c:size val="8"/>
-            <c:spPr>
-              <a:solidFill>
-                <a:srgbClr val="FF420E"/>
-              </a:solidFill>
-            </c:spPr>
-          </c:marker>
-          <c:dLbls>
-            <c:spPr>
-              <a:noFill/>
-              <a:ln>
-                <a:noFill/>
-              </a:ln>
-              <a:effectLst/>
-            </c:spPr>
-            <c:showLegendKey val="0"/>
-            <c:showVal val="0"/>
-            <c:showCatName val="0"/>
-            <c:showSerName val="0"/>
-            <c:showPercent val="0"/>
-            <c:showBubbleSize val="1"/>
-            <c:showLeaderLines val="0"/>
-            <c:extLst>
-              <c:ext xmlns:c15="http://schemas.microsoft.com/office/drawing/2012/chart" uri="{CE6537A1-D6FC-4f65-9D91-7224C49458BB}">
-                <c15:showLeaderLines val="0"/>
-              </c:ext>
-            </c:extLst>
-          </c:dLbls>
-          <c:xVal>
-            <c:numRef>
-              <c:f>Feuille1!$A$170:$A$270</c:f>
-              <c:numCache>
-                <c:formatCode>General</c:formatCode>
-                <c:ptCount val="101"/>
-                <c:pt idx="0">
-                  <c:v>0</c:v>
-                </c:pt>
-                <c:pt idx="1">
-                  <c:v>1</c:v>
-                </c:pt>
-                <c:pt idx="2">
-                  <c:v>2</c:v>
-                </c:pt>
-                <c:pt idx="3">
-                  <c:v>3</c:v>
-                </c:pt>
-                <c:pt idx="4">
-                  <c:v>4</c:v>
-                </c:pt>
-                <c:pt idx="5">
-                  <c:v>5</c:v>
-                </c:pt>
-                <c:pt idx="6">
-                  <c:v>6</c:v>
-                </c:pt>
-                <c:pt idx="7">
-                  <c:v>7</c:v>
-                </c:pt>
-                <c:pt idx="8">
-                  <c:v>8</c:v>
-                </c:pt>
-                <c:pt idx="9">
-                  <c:v>9</c:v>
-                </c:pt>
-                <c:pt idx="10">
-                  <c:v>10</c:v>
-                </c:pt>
-                <c:pt idx="11">
-                  <c:v>11</c:v>
-                </c:pt>
-                <c:pt idx="12">
-                  <c:v>12</c:v>
-                </c:pt>
-                <c:pt idx="13">
-                  <c:v>13</c:v>
-                </c:pt>
-                <c:pt idx="14">
-                  <c:v>14</c:v>
-                </c:pt>
-                <c:pt idx="15">
-                  <c:v>15</c:v>
-                </c:pt>
-                <c:pt idx="16">
-                  <c:v>16</c:v>
-                </c:pt>
-                <c:pt idx="17">
-                  <c:v>17</c:v>
-                </c:pt>
-                <c:pt idx="18">
-                  <c:v>18</c:v>
-                </c:pt>
-                <c:pt idx="19">
-                  <c:v>19</c:v>
-                </c:pt>
-                <c:pt idx="20">
-                  <c:v>20</c:v>
-                </c:pt>
-                <c:pt idx="21">
-                  <c:v>21</c:v>
-                </c:pt>
-                <c:pt idx="22">
-                  <c:v>22</c:v>
-                </c:pt>
-                <c:pt idx="23">
-                  <c:v>23</c:v>
-                </c:pt>
-                <c:pt idx="24">
-                  <c:v>24</c:v>
-                </c:pt>
-                <c:pt idx="25">
-                  <c:v>25</c:v>
-                </c:pt>
-                <c:pt idx="26">
-                  <c:v>26</c:v>
-                </c:pt>
-                <c:pt idx="27">
-                  <c:v>27</c:v>
-                </c:pt>
-                <c:pt idx="28">
-                  <c:v>28</c:v>
-                </c:pt>
-                <c:pt idx="29">
-                  <c:v>29</c:v>
-                </c:pt>
-                <c:pt idx="30">
-                  <c:v>30</c:v>
-                </c:pt>
-                <c:pt idx="31">
-                  <c:v>31</c:v>
-                </c:pt>
-                <c:pt idx="32">
-                  <c:v>32</c:v>
-                </c:pt>
-                <c:pt idx="33">
-                  <c:v>33</c:v>
-                </c:pt>
-                <c:pt idx="34">
-                  <c:v>34</c:v>
-                </c:pt>
-                <c:pt idx="35">
-                  <c:v>35</c:v>
-                </c:pt>
-                <c:pt idx="36">
-                  <c:v>36</c:v>
-                </c:pt>
-                <c:pt idx="37">
-                  <c:v>37</c:v>
-                </c:pt>
-                <c:pt idx="38">
-                  <c:v>38</c:v>
-                </c:pt>
-                <c:pt idx="39">
-                  <c:v>39</c:v>
-                </c:pt>
-                <c:pt idx="40">
-                  <c:v>40</c:v>
-                </c:pt>
-                <c:pt idx="41">
-                  <c:v>41</c:v>
-                </c:pt>
-                <c:pt idx="42">
-                  <c:v>42</c:v>
-                </c:pt>
-                <c:pt idx="43">
-                  <c:v>43</c:v>
-                </c:pt>
-                <c:pt idx="44">
-                  <c:v>44</c:v>
-                </c:pt>
-                <c:pt idx="45">
-                  <c:v>45</c:v>
-                </c:pt>
-                <c:pt idx="46">
-                  <c:v>46</c:v>
-                </c:pt>
-                <c:pt idx="47">
-                  <c:v>47</c:v>
-                </c:pt>
-                <c:pt idx="48">
-                  <c:v>48</c:v>
-                </c:pt>
-                <c:pt idx="49">
-                  <c:v>49</c:v>
-                </c:pt>
-              </c:numCache>
-            </c:numRef>
-          </c:xVal>
-          <c:yVal>
-            <c:numRef>
-              <c:f>Feuille1!$C$170:$C$270</c:f>
-              <c:numCache>
-                <c:formatCode>General</c:formatCode>
-                <c:ptCount val="101"/>
-                <c:pt idx="0">
-                  <c:v>4</c:v>
-                </c:pt>
-                <c:pt idx="1">
-                  <c:v>4</c:v>
-                </c:pt>
-                <c:pt idx="2">
-                  <c:v>4</c:v>
-                </c:pt>
-                <c:pt idx="3">
-                  <c:v>5</c:v>
-                </c:pt>
-                <c:pt idx="4">
-                  <c:v>5</c:v>
-                </c:pt>
-                <c:pt idx="5">
-                  <c:v>5</c:v>
-                </c:pt>
-                <c:pt idx="6">
-                  <c:v>5</c:v>
-                </c:pt>
-                <c:pt idx="7">
-                  <c:v>5</c:v>
-                </c:pt>
-                <c:pt idx="8">
-                  <c:v>6</c:v>
-                </c:pt>
-                <c:pt idx="9">
-                  <c:v>6</c:v>
-                </c:pt>
-                <c:pt idx="10">
-                  <c:v>6</c:v>
-                </c:pt>
-                <c:pt idx="11">
-                  <c:v>6</c:v>
-                </c:pt>
-                <c:pt idx="12">
-                  <c:v>6</c:v>
-                </c:pt>
-                <c:pt idx="13">
-                  <c:v>7</c:v>
-                </c:pt>
-                <c:pt idx="14">
-                  <c:v>7</c:v>
-                </c:pt>
-                <c:pt idx="15">
-                  <c:v>7</c:v>
-                </c:pt>
-                <c:pt idx="16">
-                  <c:v>7</c:v>
-                </c:pt>
-                <c:pt idx="17">
-                  <c:v>8</c:v>
-                </c:pt>
-                <c:pt idx="18">
-                  <c:v>8</c:v>
-                </c:pt>
-                <c:pt idx="19">
-                  <c:v>8</c:v>
-                </c:pt>
-                <c:pt idx="20">
-                  <c:v>8</c:v>
-                </c:pt>
-                <c:pt idx="21">
-                  <c:v>8</c:v>
-                </c:pt>
-                <c:pt idx="22">
-                  <c:v>16</c:v>
-                </c:pt>
-                <c:pt idx="23">
-                  <c:v>37</c:v>
-                </c:pt>
-                <c:pt idx="24">
-                  <c:v>42</c:v>
-                </c:pt>
-                <c:pt idx="25">
-                  <c:v>42</c:v>
-                </c:pt>
-                <c:pt idx="26">
-                  <c:v>42</c:v>
-                </c:pt>
-                <c:pt idx="27">
-                  <c:v>42</c:v>
-                </c:pt>
-                <c:pt idx="28">
-                  <c:v>42</c:v>
-                </c:pt>
-                <c:pt idx="29">
-                  <c:v>42</c:v>
-                </c:pt>
-                <c:pt idx="30">
-                  <c:v>42</c:v>
-                </c:pt>
-                <c:pt idx="31">
-                  <c:v>42</c:v>
-                </c:pt>
-                <c:pt idx="32">
-                  <c:v>42</c:v>
-                </c:pt>
-                <c:pt idx="33">
-                  <c:v>42</c:v>
-                </c:pt>
-                <c:pt idx="34">
-                  <c:v>42</c:v>
-                </c:pt>
-                <c:pt idx="35">
-                  <c:v>42</c:v>
-                </c:pt>
-                <c:pt idx="36">
-                  <c:v>42</c:v>
-                </c:pt>
-                <c:pt idx="37">
-                  <c:v>42</c:v>
-                </c:pt>
-                <c:pt idx="38">
-                  <c:v>42</c:v>
-                </c:pt>
-                <c:pt idx="39">
-                  <c:v>42</c:v>
-                </c:pt>
-                <c:pt idx="40">
-                  <c:v>42</c:v>
-                </c:pt>
-                <c:pt idx="41">
-                  <c:v>42</c:v>
-                </c:pt>
-                <c:pt idx="42">
-                  <c:v>42</c:v>
-                </c:pt>
-                <c:pt idx="43">
-                  <c:v>42</c:v>
-                </c:pt>
-                <c:pt idx="44">
-                  <c:v>42</c:v>
-                </c:pt>
-                <c:pt idx="45">
-                  <c:v>42</c:v>
-                </c:pt>
-                <c:pt idx="46">
-                  <c:v>42</c:v>
-                </c:pt>
-                <c:pt idx="47">
-                  <c:v>42</c:v>
-                </c:pt>
-                <c:pt idx="48">
-                  <c:v>42</c:v>
-                </c:pt>
-                <c:pt idx="49">
-                  <c:v>42</c:v>
-                </c:pt>
-              </c:numCache>
-            </c:numRef>
-          </c:yVal>
-          <c:smooth val="0"/>
-          <c:extLst>
-            <c:ext xmlns:c16="http://schemas.microsoft.com/office/drawing/2014/chart" uri="{C3380CC4-5D6E-409C-BE32-E72D297353CC}">
-              <c16:uniqueId val="{00000001-D599-426B-BDA1-0F508110F999}"/>
-            </c:ext>
-          </c:extLst>
-        </c:ser>
-        <c:dLbls>
-          <c:showLegendKey val="0"/>
-          <c:showVal val="0"/>
-          <c:showCatName val="0"/>
-          <c:showSerName val="0"/>
-          <c:showPercent val="0"/>
-          <c:showBubbleSize val="0"/>
-        </c:dLbls>
-        <c:axId val="61357630"/>
-        <c:axId val="36929890"/>
-      </c:scatterChart>
-      <c:valAx>
-        <c:axId val="61357630"/>
-        <c:scaling>
-          <c:orientation val="minMax"/>
-        </c:scaling>
-        <c:delete val="0"/>
-        <c:axPos val="b"/>
-        <c:title>
-          <c:tx>
-            <c:rich>
-              <a:bodyPr/>
-              <a:lstStyle/>
-              <a:p>
-                <a:pPr>
-                  <a:defRPr/>
-                </a:pPr>
-                <a:r>
-                  <a:rPr lang="fr-FR" dirty="0"/>
-                  <a:t>Charge aléatoire</a:t>
-                </a:r>
-              </a:p>
-            </c:rich>
-          </c:tx>
-          <c:overlay val="0"/>
-        </c:title>
-        <c:numFmt formatCode="General" sourceLinked="1"/>
-        <c:majorTickMark val="out"/>
-        <c:minorTickMark val="none"/>
-        <c:tickLblPos val="nextTo"/>
-        <c:spPr>
-          <a:ln>
-            <a:solidFill>
-              <a:srgbClr val="B3B3B3"/>
-            </a:solidFill>
-          </a:ln>
-        </c:spPr>
-        <c:txPr>
-          <a:bodyPr/>
-          <a:lstStyle/>
-          <a:p>
-            <a:pPr>
-              <a:defRPr sz="1000" b="0" strike="noStrike" spc="-1">
-                <a:solidFill>
-                  <a:srgbClr val="000000"/>
-                </a:solidFill>
-                <a:uFill>
-                  <a:solidFill>
-                    <a:srgbClr val="FFFFFF"/>
-                  </a:solidFill>
-                </a:uFill>
-                <a:latin typeface="Arial"/>
-              </a:defRPr>
-            </a:pPr>
-            <a:endParaRPr lang="fr-FR"/>
-          </a:p>
-        </c:txPr>
-        <c:crossAx val="36929890"/>
-        <c:crosses val="autoZero"/>
-        <c:crossBetween val="midCat"/>
-      </c:valAx>
-      <c:valAx>
-        <c:axId val="36929890"/>
-        <c:scaling>
-          <c:orientation val="minMax"/>
-        </c:scaling>
-        <c:delete val="0"/>
-        <c:axPos val="l"/>
-        <c:majorGridlines>
-          <c:spPr>
-            <a:ln>
-              <a:solidFill>
-                <a:srgbClr val="B3B3B3"/>
-              </a:solidFill>
-            </a:ln>
-          </c:spPr>
-        </c:majorGridlines>
-        <c:title>
-          <c:tx>
-            <c:rich>
-              <a:bodyPr/>
-              <a:lstStyle/>
-              <a:p>
-                <a:pPr>
-                  <a:defRPr/>
-                </a:pPr>
-                <a:r>
-                  <a:rPr lang="fr-FR" dirty="0"/>
-                  <a:t>Délai</a:t>
-                </a:r>
-              </a:p>
-            </c:rich>
-          </c:tx>
-          <c:overlay val="0"/>
-        </c:title>
-        <c:numFmt formatCode="General" sourceLinked="1"/>
-        <c:majorTickMark val="out"/>
-        <c:minorTickMark val="none"/>
-        <c:tickLblPos val="nextTo"/>
-        <c:spPr>
-          <a:ln>
-            <a:solidFill>
-              <a:srgbClr val="B3B3B3"/>
-            </a:solidFill>
-          </a:ln>
-        </c:spPr>
-        <c:txPr>
-          <a:bodyPr/>
-          <a:lstStyle/>
-          <a:p>
-            <a:pPr>
-              <a:defRPr sz="1000" b="0" strike="noStrike" spc="-1">
-                <a:solidFill>
-                  <a:srgbClr val="000000"/>
-                </a:solidFill>
-                <a:uFill>
-                  <a:solidFill>
-                    <a:srgbClr val="FFFFFF"/>
-                  </a:solidFill>
-                </a:uFill>
-                <a:latin typeface="Arial"/>
-              </a:defRPr>
-            </a:pPr>
-            <a:endParaRPr lang="fr-FR"/>
-          </a:p>
-        </c:txPr>
-        <c:crossAx val="61357630"/>
-        <c:crosses val="autoZero"/>
-        <c:crossBetween val="midCat"/>
-      </c:valAx>
-      <c:spPr>
-        <a:noFill/>
-        <a:ln>
-          <a:solidFill>
-            <a:srgbClr val="B3B3B3"/>
-          </a:solidFill>
-        </a:ln>
-      </c:spPr>
-    </c:plotArea>
-    <c:legend>
-      <c:legendPos val="r"/>
-      <c:overlay val="0"/>
-      <c:spPr>
-        <a:noFill/>
-        <a:ln>
-          <a:noFill/>
-        </a:ln>
-      </c:spPr>
-    </c:legend>
-    <c:plotVisOnly val="1"/>
-    <c:dispBlanksAs val="span"/>
-    <c:showDLblsOverMax val="1"/>
-  </c:chart>
-  <c:spPr>
-    <a:solidFill>
-      <a:srgbClr val="FFFFFF"/>
-    </a:solidFill>
-    <a:ln>
-      <a:noFill/>
-    </a:ln>
-  </c:spPr>
-  <c:externalData r:id="rId1">
-    <c:autoUpdate val="0"/>
-  </c:externalData>
-</c:chartSpace>
-</file>
-
-<file path=ppt/charts/chart11.xml><?xml version="1.0" encoding="utf-8"?>
-<c:chartSpace xmlns:c="http://schemas.openxmlformats.org/drawingml/2006/chart" xmlns:a="http://schemas.openxmlformats.org/drawingml/2006/main" xmlns:r="http://schemas.openxmlformats.org/officeDocument/2006/relationships" xmlns:c16r2="http://schemas.microsoft.com/office/drawing/2015/06/chart">
-  <c:date1904 val="0"/>
-  <c:lang val="fr-FR"/>
-  <c:roundedCorners val="0"/>
-  <mc:AlternateContent xmlns:mc="http://schemas.openxmlformats.org/markup-compatibility/2006">
-    <mc:Choice xmlns:c14="http://schemas.microsoft.com/office/drawing/2007/8/2/chart" Requires="c14">
-      <c14:style val="102"/>
-    </mc:Choice>
-    <mc:Fallback>
-      <c:style val="2"/>
-    </mc:Fallback>
-  </mc:AlternateContent>
-  <c:chart>
-    <c:title>
-      <c:tx>
-        <c:rich>
-          <a:bodyPr/>
-          <a:lstStyle/>
-          <a:p>
-            <a:pPr>
-              <a:defRPr/>
-            </a:pPr>
-            <a:r>
-              <a:rPr lang="fr-FR" sz="2400"/>
-              <a:t>Débit en Beamforming</a:t>
-            </a:r>
-          </a:p>
-        </c:rich>
-      </c:tx>
-      <c:overlay val="0"/>
-    </c:title>
-    <c:autoTitleDeleted val="0"/>
-    <c:plotArea>
-      <c:layout/>
-      <c:scatterChart>
-        <c:scatterStyle val="lineMarker"/>
-        <c:varyColors val="0"/>
-        <c:ser>
-          <c:idx val="0"/>
-          <c:order val="0"/>
-          <c:tx>
-            <c:strRef>
-              <c:f>Feuille1!$F$169</c:f>
-              <c:strCache>
-                <c:ptCount val="1"/>
-                <c:pt idx="0">
-                  <c:v>DebitBeam</c:v>
-                </c:pt>
-              </c:strCache>
-            </c:strRef>
-          </c:tx>
-          <c:spPr>
-            <a:ln w="28800">
-              <a:solidFill>
-                <a:srgbClr val="004586"/>
-              </a:solidFill>
-              <a:round/>
-            </a:ln>
-          </c:spPr>
-          <c:marker>
-            <c:symbol val="square"/>
-            <c:size val="8"/>
-            <c:spPr>
-              <a:solidFill>
-                <a:srgbClr val="004586"/>
-              </a:solidFill>
-            </c:spPr>
-          </c:marker>
-          <c:dLbls>
-            <c:spPr>
-              <a:noFill/>
-              <a:ln>
-                <a:noFill/>
-              </a:ln>
-              <a:effectLst/>
-            </c:spPr>
-            <c:showLegendKey val="0"/>
-            <c:showVal val="0"/>
-            <c:showCatName val="0"/>
-            <c:showSerName val="0"/>
-            <c:showPercent val="0"/>
-            <c:showBubbleSize val="1"/>
-            <c:showLeaderLines val="0"/>
-            <c:extLst>
-              <c:ext xmlns:c15="http://schemas.microsoft.com/office/drawing/2012/chart" uri="{CE6537A1-D6FC-4f65-9D91-7224C49458BB}">
-                <c15:showLeaderLines val="0"/>
-              </c:ext>
-            </c:extLst>
-          </c:dLbls>
-          <c:xVal>
-            <c:numRef>
-              <c:f>Feuille1!$A$170:$A$219</c:f>
-              <c:numCache>
-                <c:formatCode>General</c:formatCode>
-                <c:ptCount val="50"/>
-                <c:pt idx="0">
-                  <c:v>0</c:v>
-                </c:pt>
-                <c:pt idx="1">
-                  <c:v>1</c:v>
-                </c:pt>
-                <c:pt idx="2">
-                  <c:v>2</c:v>
-                </c:pt>
-                <c:pt idx="3">
-                  <c:v>3</c:v>
-                </c:pt>
-                <c:pt idx="4">
-                  <c:v>4</c:v>
-                </c:pt>
-                <c:pt idx="5">
-                  <c:v>5</c:v>
-                </c:pt>
-                <c:pt idx="6">
-                  <c:v>6</c:v>
-                </c:pt>
-                <c:pt idx="7">
-                  <c:v>7</c:v>
-                </c:pt>
-                <c:pt idx="8">
-                  <c:v>8</c:v>
-                </c:pt>
-                <c:pt idx="9">
-                  <c:v>9</c:v>
-                </c:pt>
-                <c:pt idx="10">
-                  <c:v>10</c:v>
-                </c:pt>
-                <c:pt idx="11">
-                  <c:v>11</c:v>
-                </c:pt>
-                <c:pt idx="12">
-                  <c:v>12</c:v>
-                </c:pt>
-                <c:pt idx="13">
-                  <c:v>13</c:v>
-                </c:pt>
-                <c:pt idx="14">
-                  <c:v>14</c:v>
-                </c:pt>
-                <c:pt idx="15">
-                  <c:v>15</c:v>
-                </c:pt>
-                <c:pt idx="16">
-                  <c:v>16</c:v>
-                </c:pt>
-                <c:pt idx="17">
-                  <c:v>17</c:v>
-                </c:pt>
-                <c:pt idx="18">
-                  <c:v>18</c:v>
-                </c:pt>
-                <c:pt idx="19">
-                  <c:v>19</c:v>
-                </c:pt>
-                <c:pt idx="20">
-                  <c:v>20</c:v>
-                </c:pt>
-                <c:pt idx="21">
-                  <c:v>21</c:v>
-                </c:pt>
-                <c:pt idx="22">
-                  <c:v>22</c:v>
-                </c:pt>
-                <c:pt idx="23">
-                  <c:v>23</c:v>
-                </c:pt>
-                <c:pt idx="24">
-                  <c:v>24</c:v>
-                </c:pt>
-                <c:pt idx="25">
-                  <c:v>25</c:v>
-                </c:pt>
-                <c:pt idx="26">
-                  <c:v>26</c:v>
-                </c:pt>
-                <c:pt idx="27">
-                  <c:v>27</c:v>
-                </c:pt>
-                <c:pt idx="28">
-                  <c:v>28</c:v>
-                </c:pt>
-                <c:pt idx="29">
-                  <c:v>29</c:v>
-                </c:pt>
-                <c:pt idx="30">
-                  <c:v>30</c:v>
-                </c:pt>
-                <c:pt idx="31">
-                  <c:v>31</c:v>
-                </c:pt>
-                <c:pt idx="32">
-                  <c:v>32</c:v>
-                </c:pt>
-                <c:pt idx="33">
-                  <c:v>33</c:v>
-                </c:pt>
-                <c:pt idx="34">
-                  <c:v>34</c:v>
-                </c:pt>
-                <c:pt idx="35">
-                  <c:v>35</c:v>
-                </c:pt>
-                <c:pt idx="36">
-                  <c:v>36</c:v>
-                </c:pt>
-                <c:pt idx="37">
-                  <c:v>37</c:v>
-                </c:pt>
-                <c:pt idx="38">
-                  <c:v>38</c:v>
-                </c:pt>
-                <c:pt idx="39">
-                  <c:v>39</c:v>
-                </c:pt>
-                <c:pt idx="40">
-                  <c:v>40</c:v>
-                </c:pt>
-                <c:pt idx="41">
-                  <c:v>41</c:v>
-                </c:pt>
-                <c:pt idx="42">
-                  <c:v>42</c:v>
-                </c:pt>
-                <c:pt idx="43">
-                  <c:v>43</c:v>
-                </c:pt>
-                <c:pt idx="44">
-                  <c:v>44</c:v>
-                </c:pt>
-                <c:pt idx="45">
-                  <c:v>45</c:v>
-                </c:pt>
-                <c:pt idx="46">
-                  <c:v>46</c:v>
-                </c:pt>
-                <c:pt idx="47">
-                  <c:v>47</c:v>
-                </c:pt>
-                <c:pt idx="48">
-                  <c:v>48</c:v>
-                </c:pt>
-                <c:pt idx="49">
-                  <c:v>49</c:v>
-                </c:pt>
-              </c:numCache>
-            </c:numRef>
-          </c:xVal>
-          <c:yVal>
-            <c:numRef>
-              <c:f>Feuille1!$F$170:$F$219</c:f>
-              <c:numCache>
-                <c:formatCode>General</c:formatCode>
-                <c:ptCount val="50"/>
-                <c:pt idx="0">
-                  <c:v>25</c:v>
-                </c:pt>
-                <c:pt idx="1">
-                  <c:v>34</c:v>
-                </c:pt>
-                <c:pt idx="2">
-                  <c:v>44</c:v>
-                </c:pt>
-                <c:pt idx="3">
-                  <c:v>54</c:v>
-                </c:pt>
-                <c:pt idx="4">
-                  <c:v>65</c:v>
-                </c:pt>
-                <c:pt idx="5">
-                  <c:v>74</c:v>
-                </c:pt>
-                <c:pt idx="6">
-                  <c:v>85</c:v>
-                </c:pt>
-                <c:pt idx="7">
-                  <c:v>95</c:v>
-                </c:pt>
-                <c:pt idx="8">
-                  <c:v>104</c:v>
-                </c:pt>
-                <c:pt idx="9">
-                  <c:v>114</c:v>
-                </c:pt>
-                <c:pt idx="10">
-                  <c:v>125</c:v>
-                </c:pt>
-                <c:pt idx="11">
-                  <c:v>134</c:v>
-                </c:pt>
-                <c:pt idx="12">
-                  <c:v>144</c:v>
-                </c:pt>
-                <c:pt idx="13">
-                  <c:v>155</c:v>
-                </c:pt>
-                <c:pt idx="14">
-                  <c:v>164</c:v>
-                </c:pt>
-                <c:pt idx="15">
-                  <c:v>175</c:v>
-                </c:pt>
-                <c:pt idx="16">
-                  <c:v>184</c:v>
-                </c:pt>
-                <c:pt idx="17">
-                  <c:v>194</c:v>
-                </c:pt>
-                <c:pt idx="18">
-                  <c:v>204</c:v>
-                </c:pt>
-                <c:pt idx="19">
-                  <c:v>214</c:v>
-                </c:pt>
-                <c:pt idx="20">
-                  <c:v>224</c:v>
-                </c:pt>
-                <c:pt idx="21">
-                  <c:v>234</c:v>
-                </c:pt>
-                <c:pt idx="22">
-                  <c:v>244</c:v>
-                </c:pt>
-                <c:pt idx="23">
-                  <c:v>254</c:v>
-                </c:pt>
-                <c:pt idx="24">
-                  <c:v>264</c:v>
-                </c:pt>
-                <c:pt idx="25">
-                  <c:v>275</c:v>
-                </c:pt>
-                <c:pt idx="26">
-                  <c:v>285</c:v>
-                </c:pt>
-                <c:pt idx="27">
-                  <c:v>294</c:v>
-                </c:pt>
-                <c:pt idx="28">
-                  <c:v>304</c:v>
-                </c:pt>
-                <c:pt idx="29">
-                  <c:v>314</c:v>
-                </c:pt>
-                <c:pt idx="30">
-                  <c:v>324</c:v>
-                </c:pt>
-                <c:pt idx="31">
-                  <c:v>335</c:v>
-                </c:pt>
-                <c:pt idx="32">
-                  <c:v>344</c:v>
-                </c:pt>
-                <c:pt idx="33">
-                  <c:v>355</c:v>
-                </c:pt>
-                <c:pt idx="34">
-                  <c:v>364</c:v>
-                </c:pt>
-                <c:pt idx="35">
-                  <c:v>375</c:v>
-                </c:pt>
-                <c:pt idx="36">
-                  <c:v>385</c:v>
-                </c:pt>
-                <c:pt idx="37">
-                  <c:v>395</c:v>
-                </c:pt>
-                <c:pt idx="38">
-                  <c:v>405</c:v>
-                </c:pt>
-                <c:pt idx="39">
-                  <c:v>415</c:v>
-                </c:pt>
-                <c:pt idx="40">
-                  <c:v>424</c:v>
-                </c:pt>
-                <c:pt idx="41">
-                  <c:v>435</c:v>
-                </c:pt>
-                <c:pt idx="42">
-                  <c:v>445</c:v>
-                </c:pt>
-                <c:pt idx="43">
-                  <c:v>455</c:v>
-                </c:pt>
-                <c:pt idx="44">
-                  <c:v>464</c:v>
-                </c:pt>
-                <c:pt idx="45">
-                  <c:v>474</c:v>
-                </c:pt>
-                <c:pt idx="46">
-                  <c:v>482</c:v>
-                </c:pt>
-                <c:pt idx="47">
-                  <c:v>484</c:v>
-                </c:pt>
-                <c:pt idx="48">
-                  <c:v>483</c:v>
-                </c:pt>
-                <c:pt idx="49">
-                  <c:v>484</c:v>
-                </c:pt>
-              </c:numCache>
-            </c:numRef>
-          </c:yVal>
-          <c:smooth val="0"/>
-          <c:extLst>
-            <c:ext xmlns:c16="http://schemas.microsoft.com/office/drawing/2014/chart" uri="{C3380CC4-5D6E-409C-BE32-E72D297353CC}">
-              <c16:uniqueId val="{00000000-A27B-475A-B0E9-91F56EF66E9A}"/>
-            </c:ext>
-          </c:extLst>
-        </c:ser>
-        <c:ser>
-          <c:idx val="1"/>
-          <c:order val="1"/>
-          <c:tx>
-            <c:strRef>
-              <c:f>Feuille1!$G$169</c:f>
-              <c:strCache>
-                <c:ptCount val="1"/>
-                <c:pt idx="0">
-                  <c:v>DebitNoBeam</c:v>
-                </c:pt>
-              </c:strCache>
-            </c:strRef>
-          </c:tx>
-          <c:spPr>
-            <a:ln w="28800">
-              <a:solidFill>
-                <a:srgbClr val="FF420E"/>
-              </a:solidFill>
-              <a:round/>
-            </a:ln>
-          </c:spPr>
-          <c:marker>
-            <c:symbol val="diamond"/>
-            <c:size val="8"/>
-            <c:spPr>
-              <a:solidFill>
-                <a:srgbClr val="FF420E"/>
-              </a:solidFill>
-            </c:spPr>
-          </c:marker>
-          <c:dLbls>
-            <c:spPr>
-              <a:noFill/>
-              <a:ln>
-                <a:noFill/>
-              </a:ln>
-              <a:effectLst/>
-            </c:spPr>
-            <c:showLegendKey val="0"/>
-            <c:showVal val="0"/>
-            <c:showCatName val="0"/>
-            <c:showSerName val="0"/>
-            <c:showPercent val="0"/>
-            <c:showBubbleSize val="1"/>
-            <c:showLeaderLines val="0"/>
-            <c:extLst>
-              <c:ext xmlns:c15="http://schemas.microsoft.com/office/drawing/2012/chart" uri="{CE6537A1-D6FC-4f65-9D91-7224C49458BB}">
-                <c15:showLeaderLines val="0"/>
-              </c:ext>
-            </c:extLst>
-          </c:dLbls>
-          <c:xVal>
-            <c:numRef>
-              <c:f>Feuille1!$A$170:$A$219</c:f>
-              <c:numCache>
-                <c:formatCode>General</c:formatCode>
-                <c:ptCount val="50"/>
-                <c:pt idx="0">
-                  <c:v>0</c:v>
-                </c:pt>
-                <c:pt idx="1">
-                  <c:v>1</c:v>
-                </c:pt>
-                <c:pt idx="2">
-                  <c:v>2</c:v>
-                </c:pt>
-                <c:pt idx="3">
-                  <c:v>3</c:v>
-                </c:pt>
-                <c:pt idx="4">
-                  <c:v>4</c:v>
-                </c:pt>
-                <c:pt idx="5">
-                  <c:v>5</c:v>
-                </c:pt>
-                <c:pt idx="6">
-                  <c:v>6</c:v>
-                </c:pt>
-                <c:pt idx="7">
-                  <c:v>7</c:v>
-                </c:pt>
-                <c:pt idx="8">
-                  <c:v>8</c:v>
-                </c:pt>
-                <c:pt idx="9">
-                  <c:v>9</c:v>
-                </c:pt>
-                <c:pt idx="10">
-                  <c:v>10</c:v>
-                </c:pt>
-                <c:pt idx="11">
-                  <c:v>11</c:v>
-                </c:pt>
-                <c:pt idx="12">
-                  <c:v>12</c:v>
-                </c:pt>
-                <c:pt idx="13">
-                  <c:v>13</c:v>
-                </c:pt>
-                <c:pt idx="14">
-                  <c:v>14</c:v>
-                </c:pt>
-                <c:pt idx="15">
-                  <c:v>15</c:v>
-                </c:pt>
-                <c:pt idx="16">
-                  <c:v>16</c:v>
-                </c:pt>
-                <c:pt idx="17">
-                  <c:v>17</c:v>
-                </c:pt>
-                <c:pt idx="18">
-                  <c:v>18</c:v>
-                </c:pt>
-                <c:pt idx="19">
-                  <c:v>19</c:v>
-                </c:pt>
-                <c:pt idx="20">
-                  <c:v>20</c:v>
-                </c:pt>
-                <c:pt idx="21">
-                  <c:v>21</c:v>
-                </c:pt>
-                <c:pt idx="22">
-                  <c:v>22</c:v>
-                </c:pt>
-                <c:pt idx="23">
-                  <c:v>23</c:v>
-                </c:pt>
-                <c:pt idx="24">
-                  <c:v>24</c:v>
-                </c:pt>
-                <c:pt idx="25">
-                  <c:v>25</c:v>
-                </c:pt>
-                <c:pt idx="26">
-                  <c:v>26</c:v>
-                </c:pt>
-                <c:pt idx="27">
-                  <c:v>27</c:v>
-                </c:pt>
-                <c:pt idx="28">
-                  <c:v>28</c:v>
-                </c:pt>
-                <c:pt idx="29">
-                  <c:v>29</c:v>
-                </c:pt>
-                <c:pt idx="30">
-                  <c:v>30</c:v>
-                </c:pt>
-                <c:pt idx="31">
-                  <c:v>31</c:v>
-                </c:pt>
-                <c:pt idx="32">
-                  <c:v>32</c:v>
-                </c:pt>
-                <c:pt idx="33">
-                  <c:v>33</c:v>
-                </c:pt>
-                <c:pt idx="34">
-                  <c:v>34</c:v>
-                </c:pt>
-                <c:pt idx="35">
-                  <c:v>35</c:v>
-                </c:pt>
-                <c:pt idx="36">
-                  <c:v>36</c:v>
-                </c:pt>
-                <c:pt idx="37">
-                  <c:v>37</c:v>
-                </c:pt>
-                <c:pt idx="38">
-                  <c:v>38</c:v>
-                </c:pt>
-                <c:pt idx="39">
-                  <c:v>39</c:v>
-                </c:pt>
-                <c:pt idx="40">
-                  <c:v>40</c:v>
-                </c:pt>
-                <c:pt idx="41">
-                  <c:v>41</c:v>
-                </c:pt>
-                <c:pt idx="42">
-                  <c:v>42</c:v>
-                </c:pt>
-                <c:pt idx="43">
-                  <c:v>43</c:v>
-                </c:pt>
-                <c:pt idx="44">
-                  <c:v>44</c:v>
-                </c:pt>
-                <c:pt idx="45">
-                  <c:v>45</c:v>
-                </c:pt>
-                <c:pt idx="46">
-                  <c:v>46</c:v>
-                </c:pt>
-                <c:pt idx="47">
-                  <c:v>47</c:v>
-                </c:pt>
-                <c:pt idx="48">
-                  <c:v>48</c:v>
-                </c:pt>
-                <c:pt idx="49">
-                  <c:v>49</c:v>
-                </c:pt>
-              </c:numCache>
-            </c:numRef>
-          </c:xVal>
-          <c:yVal>
-            <c:numRef>
-              <c:f>Feuille1!$G$170:$G$219</c:f>
-              <c:numCache>
-                <c:formatCode>General</c:formatCode>
-                <c:ptCount val="50"/>
-                <c:pt idx="0">
-                  <c:v>23</c:v>
-                </c:pt>
-                <c:pt idx="1">
-                  <c:v>35</c:v>
-                </c:pt>
-                <c:pt idx="2">
-                  <c:v>44</c:v>
-                </c:pt>
-                <c:pt idx="3">
-                  <c:v>54</c:v>
-                </c:pt>
-                <c:pt idx="4">
-                  <c:v>65</c:v>
-                </c:pt>
-                <c:pt idx="5">
-                  <c:v>74</c:v>
-                </c:pt>
-                <c:pt idx="6">
-                  <c:v>85</c:v>
-                </c:pt>
-                <c:pt idx="7">
-                  <c:v>96</c:v>
-                </c:pt>
-                <c:pt idx="8">
-                  <c:v>105</c:v>
-                </c:pt>
-                <c:pt idx="9">
-                  <c:v>115</c:v>
-                </c:pt>
-                <c:pt idx="10">
-                  <c:v>125</c:v>
-                </c:pt>
-                <c:pt idx="11">
-                  <c:v>135</c:v>
-                </c:pt>
-                <c:pt idx="12">
-                  <c:v>144</c:v>
-                </c:pt>
-                <c:pt idx="13">
-                  <c:v>155</c:v>
-                </c:pt>
-                <c:pt idx="14">
-                  <c:v>164</c:v>
-                </c:pt>
-                <c:pt idx="15">
-                  <c:v>174</c:v>
-                </c:pt>
-                <c:pt idx="16">
-                  <c:v>185</c:v>
-                </c:pt>
-                <c:pt idx="17">
-                  <c:v>194</c:v>
-                </c:pt>
-                <c:pt idx="18">
-                  <c:v>203</c:v>
-                </c:pt>
-                <c:pt idx="19">
-                  <c:v>214</c:v>
-                </c:pt>
-                <c:pt idx="20">
-                  <c:v>225</c:v>
-                </c:pt>
-                <c:pt idx="21">
-                  <c:v>235</c:v>
-                </c:pt>
-                <c:pt idx="22">
-                  <c:v>241</c:v>
-                </c:pt>
-                <c:pt idx="23">
-                  <c:v>241</c:v>
-                </c:pt>
-                <c:pt idx="24">
-                  <c:v>242</c:v>
-                </c:pt>
-                <c:pt idx="25">
-                  <c:v>241</c:v>
-                </c:pt>
-                <c:pt idx="26">
-                  <c:v>241</c:v>
-                </c:pt>
-                <c:pt idx="27">
-                  <c:v>241</c:v>
-                </c:pt>
-                <c:pt idx="28">
-                  <c:v>241</c:v>
-                </c:pt>
-                <c:pt idx="29">
-                  <c:v>241</c:v>
-                </c:pt>
-                <c:pt idx="30">
-                  <c:v>241</c:v>
-                </c:pt>
-                <c:pt idx="31">
-                  <c:v>241</c:v>
-                </c:pt>
-                <c:pt idx="32">
-                  <c:v>241</c:v>
-                </c:pt>
-                <c:pt idx="33">
-                  <c:v>242</c:v>
-                </c:pt>
-                <c:pt idx="34">
-                  <c:v>241</c:v>
-                </c:pt>
-                <c:pt idx="35">
-                  <c:v>241</c:v>
-                </c:pt>
-                <c:pt idx="36">
-                  <c:v>242</c:v>
-                </c:pt>
-                <c:pt idx="37">
-                  <c:v>241</c:v>
-                </c:pt>
-                <c:pt idx="38">
-                  <c:v>241</c:v>
-                </c:pt>
-                <c:pt idx="39">
-                  <c:v>241</c:v>
-                </c:pt>
-                <c:pt idx="40">
-                  <c:v>241</c:v>
-                </c:pt>
-                <c:pt idx="41">
-                  <c:v>241</c:v>
-                </c:pt>
-                <c:pt idx="42">
-                  <c:v>241</c:v>
-                </c:pt>
-                <c:pt idx="43">
-                  <c:v>241</c:v>
-                </c:pt>
-                <c:pt idx="44">
-                  <c:v>241</c:v>
-                </c:pt>
-                <c:pt idx="45">
-                  <c:v>242</c:v>
-                </c:pt>
-                <c:pt idx="46">
-                  <c:v>241</c:v>
-                </c:pt>
-                <c:pt idx="47">
-                  <c:v>241</c:v>
-                </c:pt>
-                <c:pt idx="48">
-                  <c:v>242</c:v>
-                </c:pt>
-                <c:pt idx="49">
-                  <c:v>242</c:v>
-                </c:pt>
-              </c:numCache>
-            </c:numRef>
-          </c:yVal>
-          <c:smooth val="0"/>
-          <c:extLst>
-            <c:ext xmlns:c16="http://schemas.microsoft.com/office/drawing/2014/chart" uri="{C3380CC4-5D6E-409C-BE32-E72D297353CC}">
-              <c16:uniqueId val="{00000001-A27B-475A-B0E9-91F56EF66E9A}"/>
-            </c:ext>
-          </c:extLst>
-        </c:ser>
-        <c:dLbls>
-          <c:showLegendKey val="0"/>
-          <c:showVal val="0"/>
-          <c:showCatName val="0"/>
-          <c:showSerName val="0"/>
-          <c:showPercent val="0"/>
-          <c:showBubbleSize val="0"/>
-        </c:dLbls>
-        <c:axId val="48012777"/>
-        <c:axId val="79799314"/>
-      </c:scatterChart>
-      <c:valAx>
-        <c:axId val="48012777"/>
-        <c:scaling>
-          <c:orientation val="minMax"/>
-        </c:scaling>
-        <c:delete val="0"/>
-        <c:axPos val="b"/>
-        <c:numFmt formatCode="General" sourceLinked="1"/>
-        <c:majorTickMark val="out"/>
-        <c:minorTickMark val="none"/>
-        <c:tickLblPos val="nextTo"/>
-        <c:spPr>
-          <a:ln>
-            <a:solidFill>
-              <a:srgbClr val="B3B3B3"/>
-            </a:solidFill>
-          </a:ln>
-        </c:spPr>
-        <c:txPr>
-          <a:bodyPr/>
-          <a:lstStyle/>
-          <a:p>
-            <a:pPr>
-              <a:defRPr sz="1000" b="0" strike="noStrike" spc="-1">
-                <a:solidFill>
-                  <a:srgbClr val="000000"/>
-                </a:solidFill>
-                <a:uFill>
-                  <a:solidFill>
-                    <a:srgbClr val="FFFFFF"/>
-                  </a:solidFill>
-                </a:uFill>
-                <a:latin typeface="Arial"/>
-              </a:defRPr>
-            </a:pPr>
-            <a:endParaRPr lang="fr-FR"/>
-          </a:p>
-        </c:txPr>
-        <c:crossAx val="79799314"/>
-        <c:crosses val="autoZero"/>
-        <c:crossBetween val="midCat"/>
-      </c:valAx>
-      <c:valAx>
-        <c:axId val="79799314"/>
-        <c:scaling>
-          <c:orientation val="minMax"/>
-        </c:scaling>
-        <c:delete val="0"/>
-        <c:axPos val="l"/>
-        <c:majorGridlines>
-          <c:spPr>
-            <a:ln>
-              <a:solidFill>
-                <a:srgbClr val="B3B3B3"/>
-              </a:solidFill>
-            </a:ln>
-          </c:spPr>
-        </c:majorGridlines>
-        <c:numFmt formatCode="General" sourceLinked="1"/>
-        <c:majorTickMark val="out"/>
-        <c:minorTickMark val="none"/>
-        <c:tickLblPos val="nextTo"/>
-        <c:spPr>
-          <a:ln>
-            <a:solidFill>
-              <a:srgbClr val="B3B3B3"/>
-            </a:solidFill>
-          </a:ln>
-        </c:spPr>
-        <c:txPr>
-          <a:bodyPr/>
-          <a:lstStyle/>
-          <a:p>
-            <a:pPr>
-              <a:defRPr sz="1000" b="0" strike="noStrike" spc="-1">
-                <a:solidFill>
-                  <a:srgbClr val="000000"/>
-                </a:solidFill>
-                <a:uFill>
-                  <a:solidFill>
-                    <a:srgbClr val="FFFFFF"/>
-                  </a:solidFill>
-                </a:uFill>
-                <a:latin typeface="Arial"/>
-              </a:defRPr>
-            </a:pPr>
-            <a:endParaRPr lang="fr-FR"/>
-          </a:p>
-        </c:txPr>
-        <c:crossAx val="48012777"/>
-        <c:crosses val="autoZero"/>
-        <c:crossBetween val="midCat"/>
-      </c:valAx>
-      <c:spPr>
-        <a:noFill/>
-        <a:ln>
-          <a:solidFill>
-            <a:srgbClr val="B3B3B3"/>
-          </a:solidFill>
-        </a:ln>
-      </c:spPr>
-    </c:plotArea>
-    <c:legend>
-      <c:legendPos val="r"/>
-      <c:overlay val="0"/>
-      <c:spPr>
-        <a:noFill/>
-        <a:ln>
-          <a:noFill/>
-        </a:ln>
-      </c:spPr>
-    </c:legend>
-    <c:plotVisOnly val="1"/>
-    <c:dispBlanksAs val="span"/>
-    <c:showDLblsOverMax val="1"/>
-  </c:chart>
-  <c:spPr>
-    <a:solidFill>
-      <a:srgbClr val="FFFFFF"/>
-    </a:solidFill>
-    <a:ln>
-      <a:noFill/>
-    </a:ln>
-  </c:spPr>
-  <c:externalData r:id="rId1">
-    <c:autoUpdate val="0"/>
-  </c:externalData>
-</c:chartSpace>
-</file>
-
-<file path=ppt/charts/chart2.xml><?xml version="1.0" encoding="utf-8"?>
-<c:chartSpace xmlns:c="http://schemas.openxmlformats.org/drawingml/2006/chart" xmlns:a="http://schemas.openxmlformats.org/drawingml/2006/main" xmlns:r="http://schemas.openxmlformats.org/officeDocument/2006/relationships" xmlns:c16r2="http://schemas.microsoft.com/office/drawing/2015/06/chart">
-  <c:date1904 val="0"/>
-  <c:lang val="fr-FR"/>
-  <c:roundedCorners val="0"/>
-  <mc:AlternateContent xmlns:mc="http://schemas.openxmlformats.org/markup-compatibility/2006">
-    <mc:Choice xmlns:c14="http://schemas.microsoft.com/office/drawing/2007/8/2/chart" Requires="c14">
-      <c14:style val="102"/>
-    </mc:Choice>
-    <mc:Fallback>
-      <c:style val="2"/>
-    </mc:Fallback>
-  </mc:AlternateContent>
-  <c:chart>
-    <c:title>
-      <c:tx>
-        <c:rich>
-          <a:bodyPr/>
-          <a:lstStyle/>
-          <a:p>
-            <a:pPr>
-              <a:defRPr sz="1300" b="0" strike="noStrike" spc="-1">
-                <a:solidFill>
-                  <a:srgbClr val="000000"/>
-                </a:solidFill>
-                <a:uFill>
-                  <a:solidFill>
-                    <a:srgbClr val="FFFFFF"/>
-                  </a:solidFill>
-                </a:uFill>
-                <a:latin typeface="Arial"/>
-              </a:defRPr>
-            </a:pPr>
-            <a:r>
-              <a:rPr lang="fr-FR" sz="1300" b="0" strike="noStrike" spc="-1">
-                <a:solidFill>
-                  <a:srgbClr val="000000"/>
-                </a:solidFill>
-                <a:uFill>
-                  <a:solidFill>
-                    <a:srgbClr val="FFFFFF"/>
-                  </a:solidFill>
-                </a:uFill>
-                <a:latin typeface="Arial"/>
-              </a:rPr>
-              <a:t>Débit par nbUtilisateur/Charge</a:t>
-            </a:r>
-          </a:p>
-        </c:rich>
-      </c:tx>
-      <c:overlay val="0"/>
-    </c:title>
-    <c:autoTitleDeleted val="0"/>
-    <c:plotArea>
-      <c:layout/>
-      <c:scatterChart>
-        <c:scatterStyle val="lineMarker"/>
-        <c:varyColors val="0"/>
-        <c:ser>
-          <c:idx val="0"/>
-          <c:order val="0"/>
-          <c:tx>
-            <c:strRef>
-              <c:f>Feuille1!$A$2</c:f>
-              <c:strCache>
-                <c:ptCount val="1"/>
-                <c:pt idx="0">
-                  <c:v>Max SNR</c:v>
-                </c:pt>
-              </c:strCache>
-            </c:strRef>
-          </c:tx>
-          <c:spPr>
-            <a:ln w="28800">
-              <a:solidFill>
-                <a:srgbClr val="004586"/>
-              </a:solidFill>
-              <a:round/>
-            </a:ln>
-          </c:spPr>
-          <c:marker>
-            <c:symbol val="square"/>
-            <c:size val="8"/>
-            <c:spPr>
-              <a:solidFill>
-                <a:srgbClr val="004586"/>
-              </a:solidFill>
-            </c:spPr>
-          </c:marker>
-          <c:dLbls>
-            <c:spPr>
-              <a:noFill/>
-              <a:ln>
-                <a:noFill/>
-              </a:ln>
-              <a:effectLst/>
-            </c:spPr>
-            <c:showLegendKey val="0"/>
-            <c:showVal val="0"/>
-            <c:showCatName val="0"/>
-            <c:showSerName val="0"/>
-            <c:showPercent val="0"/>
-            <c:showBubbleSize val="1"/>
-            <c:showLeaderLines val="0"/>
-            <c:extLst>
-              <c:ext xmlns:c15="http://schemas.microsoft.com/office/drawing/2012/chart" uri="{CE6537A1-D6FC-4f65-9D91-7224C49458BB}">
-                <c15:showLeaderLines val="0"/>
-              </c:ext>
-            </c:extLst>
-          </c:dLbls>
-          <c:xVal>
-            <c:numRef>
-              <c:f>Feuille1!$A$4:$A$20</c:f>
-              <c:numCache>
-                <c:formatCode>General</c:formatCode>
-                <c:ptCount val="17"/>
-                <c:pt idx="0">
-                  <c:v>0</c:v>
-                </c:pt>
-                <c:pt idx="1">
-                  <c:v>1</c:v>
-                </c:pt>
-                <c:pt idx="2">
-                  <c:v>2</c:v>
-                </c:pt>
-                <c:pt idx="3">
-                  <c:v>3</c:v>
-                </c:pt>
-                <c:pt idx="4">
-                  <c:v>4</c:v>
-                </c:pt>
-                <c:pt idx="5">
-                  <c:v>5</c:v>
-                </c:pt>
-                <c:pt idx="6">
-                  <c:v>6</c:v>
-                </c:pt>
-                <c:pt idx="7">
-                  <c:v>7</c:v>
-                </c:pt>
-                <c:pt idx="8">
-                  <c:v>8</c:v>
-                </c:pt>
-                <c:pt idx="9">
-                  <c:v>9</c:v>
-                </c:pt>
-                <c:pt idx="10">
-                  <c:v>10</c:v>
-                </c:pt>
-                <c:pt idx="11">
-                  <c:v>11</c:v>
-                </c:pt>
-                <c:pt idx="12">
-                  <c:v>12</c:v>
-                </c:pt>
-                <c:pt idx="13">
-                  <c:v>13</c:v>
-                </c:pt>
-                <c:pt idx="14">
-                  <c:v>14</c:v>
-                </c:pt>
-                <c:pt idx="15">
-                  <c:v>15</c:v>
-                </c:pt>
-                <c:pt idx="16">
-                  <c:v>16</c:v>
-                </c:pt>
-              </c:numCache>
-            </c:numRef>
-          </c:xVal>
-          <c:yVal>
-            <c:numRef>
-              <c:f>Feuille1!$B$4:$B$20</c:f>
-              <c:numCache>
-                <c:formatCode>General</c:formatCode>
-                <c:ptCount val="17"/>
-                <c:pt idx="0">
-                  <c:v>0</c:v>
-                </c:pt>
-                <c:pt idx="1">
-                  <c:v>99</c:v>
-                </c:pt>
-                <c:pt idx="2">
-                  <c:v>199</c:v>
-                </c:pt>
-                <c:pt idx="3">
-                  <c:v>299</c:v>
-                </c:pt>
-                <c:pt idx="4">
-                  <c:v>399</c:v>
-                </c:pt>
-                <c:pt idx="5">
-                  <c:v>499</c:v>
-                </c:pt>
-                <c:pt idx="6">
-                  <c:v>599</c:v>
-                </c:pt>
-                <c:pt idx="7">
-                  <c:v>699</c:v>
-                </c:pt>
-                <c:pt idx="8">
-                  <c:v>799</c:v>
-                </c:pt>
-                <c:pt idx="9">
-                  <c:v>832</c:v>
-                </c:pt>
-                <c:pt idx="10">
-                  <c:v>833</c:v>
-                </c:pt>
-                <c:pt idx="11">
-                  <c:v>833</c:v>
-                </c:pt>
-                <c:pt idx="12">
-                  <c:v>833</c:v>
-                </c:pt>
-                <c:pt idx="13">
-                  <c:v>833</c:v>
-                </c:pt>
-                <c:pt idx="14">
-                  <c:v>833</c:v>
-                </c:pt>
-                <c:pt idx="15">
-                  <c:v>833</c:v>
-                </c:pt>
-                <c:pt idx="16">
-                  <c:v>833</c:v>
-                </c:pt>
-              </c:numCache>
-            </c:numRef>
-          </c:yVal>
-          <c:smooth val="0"/>
-          <c:extLst>
-            <c:ext xmlns:c16="http://schemas.microsoft.com/office/drawing/2014/chart" uri="{C3380CC4-5D6E-409C-BE32-E72D297353CC}">
-              <c16:uniqueId val="{00000000-3AF6-4494-AC33-7CD872B06F9E}"/>
-            </c:ext>
-          </c:extLst>
-        </c:ser>
-        <c:ser>
-          <c:idx val="1"/>
-          <c:order val="1"/>
-          <c:tx>
-            <c:strRef>
-              <c:f>Feuille1!$C$2</c:f>
-              <c:strCache>
-                <c:ptCount val="1"/>
-                <c:pt idx="0">
-                  <c:v>RR</c:v>
-                </c:pt>
-              </c:strCache>
-            </c:strRef>
-          </c:tx>
-          <c:spPr>
-            <a:ln w="28800">
-              <a:solidFill>
-                <a:srgbClr val="FF420E"/>
-              </a:solidFill>
-              <a:round/>
-            </a:ln>
-          </c:spPr>
-          <c:marker>
-            <c:symbol val="diamond"/>
-            <c:size val="8"/>
-            <c:spPr>
-              <a:solidFill>
-                <a:srgbClr val="FF420E"/>
-              </a:solidFill>
-            </c:spPr>
-          </c:marker>
-          <c:dLbls>
-            <c:spPr>
-              <a:noFill/>
-              <a:ln>
-                <a:noFill/>
-              </a:ln>
-              <a:effectLst/>
-            </c:spPr>
-            <c:showLegendKey val="0"/>
-            <c:showVal val="0"/>
-            <c:showCatName val="0"/>
-            <c:showSerName val="0"/>
-            <c:showPercent val="0"/>
-            <c:showBubbleSize val="1"/>
-            <c:showLeaderLines val="0"/>
-            <c:extLst>
-              <c:ext xmlns:c15="http://schemas.microsoft.com/office/drawing/2012/chart" uri="{CE6537A1-D6FC-4f65-9D91-7224C49458BB}">
-                <c15:showLeaderLines val="0"/>
-              </c:ext>
-            </c:extLst>
-          </c:dLbls>
-          <c:xVal>
-            <c:numRef>
-              <c:f>Feuille1!$A$4:$A$20</c:f>
-              <c:numCache>
-                <c:formatCode>General</c:formatCode>
-                <c:ptCount val="17"/>
-                <c:pt idx="0">
-                  <c:v>0</c:v>
-                </c:pt>
-                <c:pt idx="1">
-                  <c:v>1</c:v>
-                </c:pt>
-                <c:pt idx="2">
-                  <c:v>2</c:v>
-                </c:pt>
-                <c:pt idx="3">
-                  <c:v>3</c:v>
-                </c:pt>
-                <c:pt idx="4">
-                  <c:v>4</c:v>
-                </c:pt>
-                <c:pt idx="5">
-                  <c:v>5</c:v>
-                </c:pt>
-                <c:pt idx="6">
-                  <c:v>6</c:v>
-                </c:pt>
-                <c:pt idx="7">
-                  <c:v>7</c:v>
-                </c:pt>
-                <c:pt idx="8">
-                  <c:v>8</c:v>
-                </c:pt>
-                <c:pt idx="9">
-                  <c:v>9</c:v>
-                </c:pt>
-                <c:pt idx="10">
-                  <c:v>10</c:v>
-                </c:pt>
-                <c:pt idx="11">
-                  <c:v>11</c:v>
-                </c:pt>
-                <c:pt idx="12">
-                  <c:v>12</c:v>
-                </c:pt>
-                <c:pt idx="13">
-                  <c:v>13</c:v>
-                </c:pt>
-                <c:pt idx="14">
-                  <c:v>14</c:v>
-                </c:pt>
-                <c:pt idx="15">
-                  <c:v>15</c:v>
-                </c:pt>
-                <c:pt idx="16">
-                  <c:v>16</c:v>
-                </c:pt>
-              </c:numCache>
-            </c:numRef>
-          </c:xVal>
-          <c:yVal>
-            <c:numRef>
-              <c:f>Feuille1!$C$4:$C$20</c:f>
-              <c:numCache>
-                <c:formatCode>General</c:formatCode>
-                <c:ptCount val="17"/>
-                <c:pt idx="0">
-                  <c:v>0</c:v>
-                </c:pt>
-                <c:pt idx="1">
-                  <c:v>99</c:v>
-                </c:pt>
-                <c:pt idx="2">
-                  <c:v>199</c:v>
-                </c:pt>
-                <c:pt idx="3">
-                  <c:v>299</c:v>
-                </c:pt>
-                <c:pt idx="4">
-                  <c:v>399</c:v>
-                </c:pt>
-                <c:pt idx="5">
-                  <c:v>499</c:v>
-                </c:pt>
-                <c:pt idx="6">
-                  <c:v>599</c:v>
-                </c:pt>
-                <c:pt idx="7">
-                  <c:v>662</c:v>
-                </c:pt>
-                <c:pt idx="8">
-                  <c:v>661</c:v>
-                </c:pt>
-                <c:pt idx="9">
-                  <c:v>661</c:v>
-                </c:pt>
-                <c:pt idx="10">
-                  <c:v>662</c:v>
-                </c:pt>
-                <c:pt idx="11">
-                  <c:v>661</c:v>
-                </c:pt>
-                <c:pt idx="12">
-                  <c:v>662</c:v>
-                </c:pt>
-                <c:pt idx="13">
-                  <c:v>661</c:v>
-                </c:pt>
-                <c:pt idx="14">
-                  <c:v>661</c:v>
-                </c:pt>
-                <c:pt idx="15">
-                  <c:v>661</c:v>
-                </c:pt>
-                <c:pt idx="16">
-                  <c:v>662</c:v>
-                </c:pt>
-              </c:numCache>
-            </c:numRef>
-          </c:yVal>
-          <c:smooth val="0"/>
-          <c:extLst>
-            <c:ext xmlns:c16="http://schemas.microsoft.com/office/drawing/2014/chart" uri="{C3380CC4-5D6E-409C-BE32-E72D297353CC}">
-              <c16:uniqueId val="{00000001-3AF6-4494-AC33-7CD872B06F9E}"/>
-            </c:ext>
-          </c:extLst>
-        </c:ser>
-        <c:dLbls>
-          <c:showLegendKey val="0"/>
-          <c:showVal val="0"/>
-          <c:showCatName val="0"/>
-          <c:showSerName val="0"/>
-          <c:showPercent val="0"/>
-          <c:showBubbleSize val="0"/>
-        </c:dLbls>
-        <c:axId val="40760452"/>
-        <c:axId val="45076048"/>
-      </c:scatterChart>
-      <c:valAx>
-        <c:axId val="40760452"/>
-        <c:scaling>
-          <c:orientation val="minMax"/>
-        </c:scaling>
-        <c:delete val="0"/>
-        <c:axPos val="b"/>
-        <c:title>
-          <c:tx>
-            <c:rich>
-              <a:bodyPr/>
-              <a:lstStyle/>
-              <a:p>
-                <a:pPr>
-                  <a:defRPr sz="900" b="0" strike="noStrike" spc="-1">
-                    <a:solidFill>
-                      <a:srgbClr val="000000"/>
-                    </a:solidFill>
-                    <a:uFill>
-                      <a:solidFill>
-                        <a:srgbClr val="FFFFFF"/>
-                      </a:solidFill>
-                    </a:uFill>
-                    <a:latin typeface="Arial"/>
-                  </a:defRPr>
-                </a:pPr>
-                <a:r>
-                  <a:rPr lang="fr-FR" sz="900" b="0" strike="noStrike" spc="-1">
-                    <a:solidFill>
-                      <a:srgbClr val="000000"/>
-                    </a:solidFill>
-                    <a:uFill>
-                      <a:solidFill>
-                        <a:srgbClr val="FFFFFF"/>
-                      </a:solidFill>
-                    </a:uFill>
-                    <a:latin typeface="Arial"/>
-                  </a:rPr>
-                  <a:t>Nombre Utilisateur/Charge</a:t>
-                </a:r>
-              </a:p>
-            </c:rich>
-          </c:tx>
-          <c:overlay val="0"/>
-        </c:title>
-        <c:numFmt formatCode="General" sourceLinked="1"/>
-        <c:majorTickMark val="out"/>
-        <c:minorTickMark val="none"/>
-        <c:tickLblPos val="nextTo"/>
-        <c:spPr>
-          <a:ln>
-            <a:solidFill>
-              <a:srgbClr val="B3B3B3"/>
-            </a:solidFill>
-          </a:ln>
-        </c:spPr>
-        <c:txPr>
-          <a:bodyPr/>
-          <a:lstStyle/>
-          <a:p>
-            <a:pPr>
-              <a:defRPr sz="1000" b="0" strike="noStrike" spc="-1">
-                <a:solidFill>
-                  <a:srgbClr val="000000"/>
-                </a:solidFill>
-                <a:uFill>
-                  <a:solidFill>
-                    <a:srgbClr val="FFFFFF"/>
-                  </a:solidFill>
-                </a:uFill>
-                <a:latin typeface="Arial"/>
-              </a:defRPr>
-            </a:pPr>
-            <a:endParaRPr lang="fr-FR"/>
-          </a:p>
-        </c:txPr>
-        <c:crossAx val="45076048"/>
-        <c:crosses val="autoZero"/>
-        <c:crossBetween val="midCat"/>
-      </c:valAx>
-      <c:valAx>
-        <c:axId val="45076048"/>
-        <c:scaling>
-          <c:orientation val="minMax"/>
-        </c:scaling>
-        <c:delete val="0"/>
-        <c:axPos val="l"/>
-        <c:majorGridlines>
-          <c:spPr>
-            <a:ln>
-              <a:solidFill>
-                <a:srgbClr val="B3B3B3"/>
-              </a:solidFill>
-            </a:ln>
-          </c:spPr>
-        </c:majorGridlines>
-        <c:title>
-          <c:tx>
-            <c:rich>
-              <a:bodyPr rot="-5400000"/>
-              <a:lstStyle/>
-              <a:p>
-                <a:pPr>
-                  <a:defRPr sz="900" b="0" strike="noStrike" spc="-1">
-                    <a:solidFill>
-                      <a:srgbClr val="000000"/>
-                    </a:solidFill>
-                    <a:uFill>
-                      <a:solidFill>
-                        <a:srgbClr val="FFFFFF"/>
-                      </a:solidFill>
-                    </a:uFill>
-                    <a:latin typeface="Arial"/>
-                  </a:defRPr>
-                </a:pPr>
-                <a:r>
-                  <a:rPr lang="fr-FR" sz="900" b="0" strike="noStrike" spc="-1">
-                    <a:solidFill>
-                      <a:srgbClr val="000000"/>
-                    </a:solidFill>
-                    <a:uFill>
-                      <a:solidFill>
-                        <a:srgbClr val="FFFFFF"/>
-                      </a:solidFill>
-                    </a:uFill>
-                    <a:latin typeface="Arial"/>
-                  </a:rPr>
-                  <a:t>Débit total système</a:t>
-                </a:r>
-              </a:p>
-            </c:rich>
-          </c:tx>
-          <c:overlay val="0"/>
-        </c:title>
-        <c:numFmt formatCode="General" sourceLinked="1"/>
-        <c:majorTickMark val="out"/>
-        <c:minorTickMark val="none"/>
-        <c:tickLblPos val="nextTo"/>
-        <c:spPr>
-          <a:ln>
-            <a:solidFill>
-              <a:srgbClr val="B3B3B3"/>
-            </a:solidFill>
-          </a:ln>
-        </c:spPr>
-        <c:txPr>
-          <a:bodyPr/>
-          <a:lstStyle/>
-          <a:p>
-            <a:pPr>
-              <a:defRPr sz="1000" b="0" strike="noStrike" spc="-1">
-                <a:solidFill>
-                  <a:srgbClr val="000000"/>
-                </a:solidFill>
-                <a:uFill>
-                  <a:solidFill>
-                    <a:srgbClr val="FFFFFF"/>
-                  </a:solidFill>
-                </a:uFill>
-                <a:latin typeface="Arial"/>
-              </a:defRPr>
-            </a:pPr>
-            <a:endParaRPr lang="fr-FR"/>
-          </a:p>
-        </c:txPr>
-        <c:crossAx val="40760452"/>
-        <c:crosses val="autoZero"/>
-        <c:crossBetween val="midCat"/>
-      </c:valAx>
-      <c:spPr>
-        <a:noFill/>
-        <a:ln>
-          <a:solidFill>
-            <a:srgbClr val="B3B3B3"/>
-          </a:solidFill>
-        </a:ln>
-      </c:spPr>
-    </c:plotArea>
-    <c:legend>
-      <c:legendPos val="r"/>
-      <c:overlay val="0"/>
-      <c:spPr>
-        <a:noFill/>
-        <a:ln>
-          <a:noFill/>
-        </a:ln>
-      </c:spPr>
-    </c:legend>
-    <c:plotVisOnly val="1"/>
-    <c:dispBlanksAs val="span"/>
-    <c:showDLblsOverMax val="1"/>
-  </c:chart>
-  <c:spPr>
-    <a:solidFill>
-      <a:srgbClr val="FFFFFF"/>
-    </a:solidFill>
-    <a:ln>
-      <a:noFill/>
-    </a:ln>
-  </c:spPr>
-  <c:externalData r:id="rId1">
-    <c:autoUpdate val="0"/>
-  </c:externalData>
-</c:chartSpace>
-</file>
-
-<file path=ppt/charts/chart3.xml><?xml version="1.0" encoding="utf-8"?>
-<c:chartSpace xmlns:c="http://schemas.openxmlformats.org/drawingml/2006/chart" xmlns:a="http://schemas.openxmlformats.org/drawingml/2006/main" xmlns:r="http://schemas.openxmlformats.org/officeDocument/2006/relationships" xmlns:c16r2="http://schemas.microsoft.com/office/drawing/2015/06/chart">
-  <c:date1904 val="0"/>
-  <c:lang val="fr-FR"/>
-  <c:roundedCorners val="0"/>
-  <mc:AlternateContent xmlns:mc="http://schemas.openxmlformats.org/markup-compatibility/2006">
-    <mc:Choice xmlns:c14="http://schemas.microsoft.com/office/drawing/2007/8/2/chart" Requires="c14">
-      <c14:style val="102"/>
-    </mc:Choice>
-    <mc:Fallback>
-      <c:style val="2"/>
-    </mc:Fallback>
-  </mc:AlternateContent>
-  <c:chart>
-    <c:title>
-      <c:tx>
-        <c:rich>
-          <a:bodyPr/>
-          <a:lstStyle/>
-          <a:p>
-            <a:pPr>
-              <a:defRPr sz="1300" b="0" strike="noStrike" spc="-1">
-                <a:solidFill>
-                  <a:srgbClr val="000000"/>
-                </a:solidFill>
-                <a:uFill>
-                  <a:solidFill>
-                    <a:srgbClr val="FFFFFF"/>
-                  </a:solidFill>
-                </a:uFill>
-                <a:latin typeface="Arial"/>
-              </a:defRPr>
-            </a:pPr>
-            <a:r>
-              <a:rPr lang="fr-FR" sz="1300" b="0" strike="noStrike" spc="-1" dirty="0">
-                <a:solidFill>
-                  <a:srgbClr val="000000"/>
-                </a:solidFill>
-                <a:uFill>
-                  <a:solidFill>
-                    <a:srgbClr val="FFFFFF"/>
-                  </a:solidFill>
-                </a:uFill>
-                <a:latin typeface="Arial"/>
-              </a:rPr>
-              <a:t>Nombre</a:t>
-            </a:r>
-            <a:r>
-              <a:rPr lang="fr-FR" sz="1300" b="0" strike="noStrike" spc="-1" baseline="0" dirty="0">
-                <a:solidFill>
-                  <a:srgbClr val="000000"/>
-                </a:solidFill>
-                <a:uFill>
-                  <a:solidFill>
-                    <a:srgbClr val="FFFFFF"/>
-                  </a:solidFill>
-                </a:uFill>
-                <a:latin typeface="Arial"/>
-              </a:rPr>
-              <a:t> d’</a:t>
-            </a:r>
-            <a:r>
-              <a:rPr lang="fr-FR" sz="1300" b="0" strike="noStrike" spc="-1" dirty="0">
-                <a:solidFill>
-                  <a:srgbClr val="000000"/>
-                </a:solidFill>
-                <a:uFill>
-                  <a:solidFill>
-                    <a:srgbClr val="FFFFFF"/>
-                  </a:solidFill>
-                </a:uFill>
-                <a:latin typeface="Arial"/>
-              </a:rPr>
-              <a:t>UR utilisées selon</a:t>
-            </a:r>
-            <a:r>
-              <a:rPr lang="fr-FR" sz="1300" b="0" strike="noStrike" spc="-1" baseline="0" dirty="0">
-                <a:solidFill>
-                  <a:srgbClr val="000000"/>
-                </a:solidFill>
-                <a:uFill>
-                  <a:solidFill>
-                    <a:srgbClr val="FFFFFF"/>
-                  </a:solidFill>
-                </a:uFill>
-                <a:latin typeface="Arial"/>
-              </a:rPr>
-              <a:t> la c</a:t>
-            </a:r>
-            <a:r>
-              <a:rPr lang="fr-FR" sz="1300" b="0" strike="noStrike" spc="-1" dirty="0">
-                <a:solidFill>
-                  <a:srgbClr val="000000"/>
-                </a:solidFill>
-                <a:uFill>
-                  <a:solidFill>
-                    <a:srgbClr val="FFFFFF"/>
-                  </a:solidFill>
-                </a:uFill>
-                <a:latin typeface="Arial"/>
-              </a:rPr>
-              <a:t>harge</a:t>
-            </a:r>
-          </a:p>
-        </c:rich>
-      </c:tx>
-      <c:overlay val="0"/>
-    </c:title>
-    <c:autoTitleDeleted val="0"/>
-    <c:plotArea>
-      <c:layout/>
-      <c:scatterChart>
-        <c:scatterStyle val="lineMarker"/>
-        <c:varyColors val="0"/>
-        <c:ser>
-          <c:idx val="0"/>
-          <c:order val="0"/>
-          <c:tx>
-            <c:strRef>
-              <c:f>Feuille1!$A$2</c:f>
-              <c:strCache>
-                <c:ptCount val="1"/>
-                <c:pt idx="0">
-                  <c:v>Max SNR</c:v>
-                </c:pt>
-              </c:strCache>
-            </c:strRef>
-          </c:tx>
-          <c:spPr>
-            <a:ln w="28800">
-              <a:solidFill>
-                <a:srgbClr val="004586"/>
-              </a:solidFill>
-              <a:round/>
-            </a:ln>
-          </c:spPr>
-          <c:marker>
-            <c:symbol val="square"/>
-            <c:size val="8"/>
-            <c:spPr>
-              <a:solidFill>
-                <a:srgbClr val="004586"/>
-              </a:solidFill>
-            </c:spPr>
-          </c:marker>
-          <c:dLbls>
-            <c:spPr>
-              <a:noFill/>
-              <a:ln>
-                <a:noFill/>
-              </a:ln>
-              <a:effectLst/>
-            </c:spPr>
-            <c:showLegendKey val="0"/>
-            <c:showVal val="0"/>
-            <c:showCatName val="0"/>
-            <c:showSerName val="0"/>
-            <c:showPercent val="0"/>
-            <c:showBubbleSize val="1"/>
-            <c:showLeaderLines val="0"/>
-            <c:extLst>
-              <c:ext xmlns:c15="http://schemas.microsoft.com/office/drawing/2012/chart" uri="{CE6537A1-D6FC-4f65-9D91-7224C49458BB}">
-                <c15:showLeaderLines val="0"/>
-              </c:ext>
-            </c:extLst>
-          </c:dLbls>
-          <c:xVal>
-            <c:numRef>
-              <c:f>Feuille1!$A$4:$A$20</c:f>
-              <c:numCache>
-                <c:formatCode>General</c:formatCode>
-                <c:ptCount val="17"/>
-                <c:pt idx="0">
-                  <c:v>0</c:v>
-                </c:pt>
-                <c:pt idx="1">
-                  <c:v>1</c:v>
-                </c:pt>
-                <c:pt idx="2">
-                  <c:v>2</c:v>
-                </c:pt>
-                <c:pt idx="3">
-                  <c:v>3</c:v>
-                </c:pt>
-                <c:pt idx="4">
-                  <c:v>4</c:v>
-                </c:pt>
-                <c:pt idx="5">
-                  <c:v>5</c:v>
-                </c:pt>
-                <c:pt idx="6">
-                  <c:v>6</c:v>
-                </c:pt>
-                <c:pt idx="7">
-                  <c:v>7</c:v>
-                </c:pt>
-                <c:pt idx="8">
-                  <c:v>8</c:v>
-                </c:pt>
-                <c:pt idx="9">
-                  <c:v>9</c:v>
-                </c:pt>
-                <c:pt idx="10">
-                  <c:v>10</c:v>
-                </c:pt>
-                <c:pt idx="11">
-                  <c:v>11</c:v>
-                </c:pt>
-                <c:pt idx="12">
-                  <c:v>12</c:v>
-                </c:pt>
-                <c:pt idx="13">
-                  <c:v>13</c:v>
-                </c:pt>
-                <c:pt idx="14">
-                  <c:v>14</c:v>
-                </c:pt>
-                <c:pt idx="15">
-                  <c:v>15</c:v>
-                </c:pt>
-                <c:pt idx="16">
-                  <c:v>16</c:v>
-                </c:pt>
-              </c:numCache>
-            </c:numRef>
-          </c:xVal>
-          <c:yVal>
-            <c:numRef>
-              <c:f>Feuille1!$F$4:$F$20</c:f>
-              <c:numCache>
-                <c:formatCode>General</c:formatCode>
-                <c:ptCount val="17"/>
-                <c:pt idx="0">
-                  <c:v>0</c:v>
-                </c:pt>
-                <c:pt idx="1">
-                  <c:v>75</c:v>
-                </c:pt>
-                <c:pt idx="2">
-                  <c:v>134</c:v>
-                </c:pt>
-                <c:pt idx="3">
-                  <c:v>190</c:v>
-                </c:pt>
-                <c:pt idx="4">
-                  <c:v>247</c:v>
-                </c:pt>
-                <c:pt idx="5">
-                  <c:v>306</c:v>
-                </c:pt>
-                <c:pt idx="6">
-                  <c:v>365</c:v>
-                </c:pt>
-                <c:pt idx="7">
-                  <c:v>425</c:v>
-                </c:pt>
-                <c:pt idx="8">
-                  <c:v>484</c:v>
-                </c:pt>
-                <c:pt idx="9">
-                  <c:v>499</c:v>
-                </c:pt>
-                <c:pt idx="10">
-                  <c:v>500</c:v>
-                </c:pt>
-                <c:pt idx="11">
-                  <c:v>500</c:v>
-                </c:pt>
-                <c:pt idx="12">
-                  <c:v>500</c:v>
-                </c:pt>
-                <c:pt idx="13">
-                  <c:v>500</c:v>
-                </c:pt>
-                <c:pt idx="14">
-                  <c:v>500</c:v>
-                </c:pt>
-                <c:pt idx="15">
-                  <c:v>500</c:v>
-                </c:pt>
-                <c:pt idx="16">
-                  <c:v>500</c:v>
-                </c:pt>
-              </c:numCache>
-            </c:numRef>
-          </c:yVal>
-          <c:smooth val="1"/>
-          <c:extLst>
-            <c:ext xmlns:c16="http://schemas.microsoft.com/office/drawing/2014/chart" uri="{C3380CC4-5D6E-409C-BE32-E72D297353CC}">
-              <c16:uniqueId val="{00000000-8A79-4DD8-BFBD-4624E4B5477F}"/>
-            </c:ext>
-          </c:extLst>
-        </c:ser>
-        <c:ser>
-          <c:idx val="1"/>
-          <c:order val="1"/>
-          <c:tx>
-            <c:strRef>
-              <c:f>Feuille1!$C$2</c:f>
-              <c:strCache>
-                <c:ptCount val="1"/>
-                <c:pt idx="0">
-                  <c:v>RR</c:v>
-                </c:pt>
-              </c:strCache>
-            </c:strRef>
-          </c:tx>
-          <c:spPr>
-            <a:ln w="28800">
-              <a:solidFill>
-                <a:srgbClr val="FF420E"/>
-              </a:solidFill>
-              <a:round/>
-            </a:ln>
-          </c:spPr>
-          <c:marker>
-            <c:symbol val="diamond"/>
-            <c:size val="8"/>
-            <c:spPr>
-              <a:solidFill>
-                <a:srgbClr val="FF420E"/>
-              </a:solidFill>
-            </c:spPr>
-          </c:marker>
-          <c:dLbls>
-            <c:spPr>
-              <a:noFill/>
-              <a:ln>
-                <a:noFill/>
-              </a:ln>
-              <a:effectLst/>
-            </c:spPr>
-            <c:showLegendKey val="0"/>
-            <c:showVal val="0"/>
-            <c:showCatName val="0"/>
-            <c:showSerName val="0"/>
-            <c:showPercent val="0"/>
-            <c:showBubbleSize val="1"/>
-            <c:showLeaderLines val="0"/>
-            <c:extLst>
-              <c:ext xmlns:c15="http://schemas.microsoft.com/office/drawing/2012/chart" uri="{CE6537A1-D6FC-4f65-9D91-7224C49458BB}">
-                <c15:showLeaderLines val="0"/>
-              </c:ext>
-            </c:extLst>
-          </c:dLbls>
-          <c:xVal>
-            <c:numRef>
-              <c:f>Feuille1!$A$4:$A$20</c:f>
-              <c:numCache>
-                <c:formatCode>General</c:formatCode>
-                <c:ptCount val="17"/>
-                <c:pt idx="0">
-                  <c:v>0</c:v>
-                </c:pt>
-                <c:pt idx="1">
-                  <c:v>1</c:v>
-                </c:pt>
-                <c:pt idx="2">
-                  <c:v>2</c:v>
-                </c:pt>
-                <c:pt idx="3">
-                  <c:v>3</c:v>
-                </c:pt>
-                <c:pt idx="4">
-                  <c:v>4</c:v>
-                </c:pt>
-                <c:pt idx="5">
-                  <c:v>5</c:v>
-                </c:pt>
-                <c:pt idx="6">
-                  <c:v>6</c:v>
-                </c:pt>
-                <c:pt idx="7">
-                  <c:v>7</c:v>
-                </c:pt>
-                <c:pt idx="8">
-                  <c:v>8</c:v>
-                </c:pt>
-                <c:pt idx="9">
-                  <c:v>9</c:v>
-                </c:pt>
-                <c:pt idx="10">
-                  <c:v>10</c:v>
-                </c:pt>
-                <c:pt idx="11">
-                  <c:v>11</c:v>
-                </c:pt>
-                <c:pt idx="12">
-                  <c:v>12</c:v>
-                </c:pt>
-                <c:pt idx="13">
-                  <c:v>13</c:v>
-                </c:pt>
-                <c:pt idx="14">
-                  <c:v>14</c:v>
-                </c:pt>
-                <c:pt idx="15">
-                  <c:v>15</c:v>
-                </c:pt>
-                <c:pt idx="16">
-                  <c:v>16</c:v>
-                </c:pt>
-              </c:numCache>
-            </c:numRef>
-          </c:xVal>
-          <c:yVal>
-            <c:numRef>
-              <c:f>Feuille1!$G$4:$G$20</c:f>
-              <c:numCache>
-                <c:formatCode>General</c:formatCode>
-                <c:ptCount val="17"/>
-                <c:pt idx="0">
-                  <c:v>0</c:v>
-                </c:pt>
-                <c:pt idx="1">
-                  <c:v>75</c:v>
-                </c:pt>
-                <c:pt idx="2">
-                  <c:v>151</c:v>
-                </c:pt>
-                <c:pt idx="3">
-                  <c:v>226</c:v>
-                </c:pt>
-                <c:pt idx="4">
-                  <c:v>302</c:v>
-                </c:pt>
-                <c:pt idx="5">
-                  <c:v>377</c:v>
-                </c:pt>
-                <c:pt idx="6">
-                  <c:v>453</c:v>
-                </c:pt>
-                <c:pt idx="7">
-                  <c:v>499</c:v>
-                </c:pt>
-                <c:pt idx="8">
-                  <c:v>500</c:v>
-                </c:pt>
-                <c:pt idx="9">
-                  <c:v>500</c:v>
-                </c:pt>
-                <c:pt idx="10">
-                  <c:v>500</c:v>
-                </c:pt>
-                <c:pt idx="11">
-                  <c:v>500</c:v>
-                </c:pt>
-                <c:pt idx="12">
-                  <c:v>500</c:v>
-                </c:pt>
-                <c:pt idx="13">
-                  <c:v>500</c:v>
-                </c:pt>
-                <c:pt idx="14">
-                  <c:v>500</c:v>
-                </c:pt>
-                <c:pt idx="15">
-                  <c:v>500</c:v>
-                </c:pt>
-                <c:pt idx="16">
-                  <c:v>500</c:v>
-                </c:pt>
-              </c:numCache>
-            </c:numRef>
-          </c:yVal>
-          <c:smooth val="1"/>
-          <c:extLst>
-            <c:ext xmlns:c16="http://schemas.microsoft.com/office/drawing/2014/chart" uri="{C3380CC4-5D6E-409C-BE32-E72D297353CC}">
-              <c16:uniqueId val="{00000001-8A79-4DD8-BFBD-4624E4B5477F}"/>
-            </c:ext>
-          </c:extLst>
-        </c:ser>
-        <c:dLbls>
-          <c:showLegendKey val="0"/>
-          <c:showVal val="0"/>
-          <c:showCatName val="0"/>
-          <c:showSerName val="0"/>
-          <c:showPercent val="0"/>
-          <c:showBubbleSize val="0"/>
-        </c:dLbls>
-        <c:axId val="3011402"/>
-        <c:axId val="8622352"/>
-      </c:scatterChart>
-      <c:valAx>
-        <c:axId val="3011402"/>
-        <c:scaling>
-          <c:orientation val="minMax"/>
-        </c:scaling>
-        <c:delete val="0"/>
-        <c:axPos val="b"/>
-        <c:title>
-          <c:tx>
-            <c:rich>
-              <a:bodyPr/>
-              <a:lstStyle/>
-              <a:p>
-                <a:pPr>
-                  <a:defRPr sz="900" b="0" strike="noStrike" spc="-1">
-                    <a:solidFill>
-                      <a:srgbClr val="000000"/>
-                    </a:solidFill>
-                    <a:uFill>
-                      <a:solidFill>
-                        <a:srgbClr val="FFFFFF"/>
-                      </a:solidFill>
-                    </a:uFill>
-                    <a:latin typeface="Arial"/>
-                  </a:defRPr>
-                </a:pPr>
-                <a:r>
-                  <a:rPr lang="fr-FR" sz="900" b="0" strike="noStrike" spc="-1">
-                    <a:solidFill>
-                      <a:srgbClr val="000000"/>
-                    </a:solidFill>
-                    <a:uFill>
-                      <a:solidFill>
-                        <a:srgbClr val="FFFFFF"/>
-                      </a:solidFill>
-                    </a:uFill>
-                    <a:latin typeface="Arial"/>
-                  </a:rPr>
-                  <a:t>Nombre Utilisateur/Charge</a:t>
-                </a:r>
-              </a:p>
-            </c:rich>
-          </c:tx>
-          <c:overlay val="0"/>
-        </c:title>
-        <c:numFmt formatCode="General" sourceLinked="1"/>
-        <c:majorTickMark val="out"/>
-        <c:minorTickMark val="none"/>
-        <c:tickLblPos val="nextTo"/>
-        <c:spPr>
-          <a:ln>
-            <a:solidFill>
-              <a:srgbClr val="B3B3B3"/>
-            </a:solidFill>
-          </a:ln>
-        </c:spPr>
-        <c:txPr>
-          <a:bodyPr/>
-          <a:lstStyle/>
-          <a:p>
-            <a:pPr>
-              <a:defRPr sz="1000" b="0" strike="noStrike" spc="-1">
-                <a:solidFill>
-                  <a:srgbClr val="000000"/>
-                </a:solidFill>
-                <a:uFill>
-                  <a:solidFill>
-                    <a:srgbClr val="FFFFFF"/>
-                  </a:solidFill>
-                </a:uFill>
-                <a:latin typeface="Arial"/>
-              </a:defRPr>
-            </a:pPr>
-            <a:endParaRPr lang="fr-FR"/>
-          </a:p>
-        </c:txPr>
-        <c:crossAx val="8622352"/>
-        <c:crosses val="autoZero"/>
-        <c:crossBetween val="midCat"/>
-      </c:valAx>
-      <c:valAx>
-        <c:axId val="8622352"/>
-        <c:scaling>
-          <c:orientation val="minMax"/>
-        </c:scaling>
-        <c:delete val="0"/>
-        <c:axPos val="l"/>
-        <c:majorGridlines>
-          <c:spPr>
-            <a:ln>
-              <a:solidFill>
-                <a:srgbClr val="B3B3B3"/>
-              </a:solidFill>
-            </a:ln>
-          </c:spPr>
-        </c:majorGridlines>
-        <c:title>
-          <c:tx>
-            <c:rich>
-              <a:bodyPr rot="-5400000"/>
-              <a:lstStyle/>
-              <a:p>
-                <a:pPr>
-                  <a:defRPr sz="900" b="0" strike="noStrike" spc="-1">
-                    <a:solidFill>
-                      <a:srgbClr val="000000"/>
-                    </a:solidFill>
-                    <a:uFill>
-                      <a:solidFill>
-                        <a:srgbClr val="FFFFFF"/>
-                      </a:solidFill>
-                    </a:uFill>
-                    <a:latin typeface="Arial"/>
-                  </a:defRPr>
-                </a:pPr>
-                <a:r>
-                  <a:rPr lang="fr-FR" sz="900" b="0" strike="noStrike" spc="-1">
-                    <a:solidFill>
-                      <a:srgbClr val="000000"/>
-                    </a:solidFill>
-                    <a:uFill>
-                      <a:solidFill>
-                        <a:srgbClr val="FFFFFF"/>
-                      </a:solidFill>
-                    </a:uFill>
-                    <a:latin typeface="Arial"/>
-                  </a:rPr>
-                  <a:t>nbUR (100%=500)</a:t>
-                </a:r>
-              </a:p>
-            </c:rich>
-          </c:tx>
-          <c:overlay val="0"/>
-        </c:title>
-        <c:numFmt formatCode="General" sourceLinked="1"/>
-        <c:majorTickMark val="out"/>
-        <c:minorTickMark val="none"/>
-        <c:tickLblPos val="nextTo"/>
-        <c:spPr>
-          <a:ln>
-            <a:solidFill>
-              <a:srgbClr val="B3B3B3"/>
-            </a:solidFill>
-          </a:ln>
-        </c:spPr>
-        <c:txPr>
-          <a:bodyPr/>
-          <a:lstStyle/>
-          <a:p>
-            <a:pPr>
-              <a:defRPr sz="1000" b="0" strike="noStrike" spc="-1">
-                <a:solidFill>
-                  <a:srgbClr val="000000"/>
-                </a:solidFill>
-                <a:uFill>
-                  <a:solidFill>
-                    <a:srgbClr val="FFFFFF"/>
-                  </a:solidFill>
-                </a:uFill>
-                <a:latin typeface="Arial"/>
-              </a:defRPr>
-            </a:pPr>
-            <a:endParaRPr lang="fr-FR"/>
-          </a:p>
-        </c:txPr>
-        <c:crossAx val="3011402"/>
-        <c:crosses val="autoZero"/>
-        <c:crossBetween val="midCat"/>
-      </c:valAx>
-      <c:spPr>
-        <a:noFill/>
-        <a:ln>
-          <a:solidFill>
-            <a:srgbClr val="B3B3B3"/>
-          </a:solidFill>
-        </a:ln>
-      </c:spPr>
-    </c:plotArea>
-    <c:legend>
-      <c:legendPos val="r"/>
-      <c:overlay val="0"/>
-      <c:spPr>
-        <a:noFill/>
-        <a:ln>
-          <a:noFill/>
-        </a:ln>
-      </c:spPr>
-    </c:legend>
-    <c:plotVisOnly val="1"/>
-    <c:dispBlanksAs val="span"/>
-    <c:showDLblsOverMax val="1"/>
-  </c:chart>
-  <c:spPr>
-    <a:solidFill>
-      <a:srgbClr val="FFFFFF"/>
-    </a:solidFill>
-    <a:ln>
-      <a:noFill/>
-    </a:ln>
-  </c:spPr>
-  <c:externalData r:id="rId1">
-    <c:autoUpdate val="0"/>
-  </c:externalData>
-</c:chartSpace>
-</file>
-
-<file path=ppt/charts/chart4.xml><?xml version="1.0" encoding="utf-8"?>
-<c:chartSpace xmlns:c="http://schemas.openxmlformats.org/drawingml/2006/chart" xmlns:a="http://schemas.openxmlformats.org/drawingml/2006/main" xmlns:r="http://schemas.openxmlformats.org/officeDocument/2006/relationships" xmlns:c16r2="http://schemas.microsoft.com/office/drawing/2015/06/chart">
-  <c:date1904 val="0"/>
-  <c:lang val="fr-FR"/>
-  <c:roundedCorners val="0"/>
-  <mc:AlternateContent xmlns:mc="http://schemas.openxmlformats.org/markup-compatibility/2006">
-    <mc:Choice xmlns:c14="http://schemas.microsoft.com/office/drawing/2007/8/2/chart" Requires="c14">
-      <c14:style val="102"/>
-    </mc:Choice>
-    <mc:Fallback>
-      <c:style val="2"/>
-    </mc:Fallback>
-  </mc:AlternateContent>
-  <c:chart>
-    <c:title>
-      <c:tx>
-        <c:rich>
-          <a:bodyPr/>
-          <a:lstStyle/>
-          <a:p>
-            <a:pPr>
-              <a:defRPr sz="1300" b="0" strike="noStrike" spc="-1">
-                <a:solidFill>
-                  <a:srgbClr val="000000"/>
-                </a:solidFill>
-                <a:uFill>
-                  <a:solidFill>
-                    <a:srgbClr val="FFFFFF"/>
-                  </a:solidFill>
-                </a:uFill>
-                <a:latin typeface="Arial"/>
-              </a:defRPr>
-            </a:pPr>
-            <a:r>
-              <a:rPr lang="fr-FR" sz="1300" b="0" strike="noStrike" spc="-1">
-                <a:solidFill>
-                  <a:srgbClr val="000000"/>
-                </a:solidFill>
-                <a:uFill>
-                  <a:solidFill>
-                    <a:srgbClr val="FFFFFF"/>
-                  </a:solidFill>
-                </a:uFill>
-                <a:latin typeface="Arial"/>
-              </a:rPr>
-              <a:t>Delai par nbUtilisateur/Charge</a:t>
-            </a:r>
-          </a:p>
-        </c:rich>
-      </c:tx>
-      <c:overlay val="0"/>
-    </c:title>
-    <c:autoTitleDeleted val="0"/>
-    <c:plotArea>
-      <c:layout/>
-      <c:scatterChart>
-        <c:scatterStyle val="lineMarker"/>
-        <c:varyColors val="0"/>
-        <c:ser>
-          <c:idx val="0"/>
-          <c:order val="0"/>
-          <c:tx>
-            <c:strRef>
-              <c:f>Feuille1!$A$2</c:f>
-              <c:strCache>
-                <c:ptCount val="1"/>
-                <c:pt idx="0">
-                  <c:v>Max SNR</c:v>
-                </c:pt>
-              </c:strCache>
-            </c:strRef>
-          </c:tx>
-          <c:spPr>
-            <a:ln w="28800">
-              <a:solidFill>
-                <a:srgbClr val="004586"/>
-              </a:solidFill>
-              <a:round/>
-            </a:ln>
-          </c:spPr>
-          <c:marker>
-            <c:symbol val="square"/>
-            <c:size val="8"/>
-            <c:spPr>
-              <a:solidFill>
-                <a:srgbClr val="004586"/>
-              </a:solidFill>
-            </c:spPr>
-          </c:marker>
-          <c:dLbls>
-            <c:spPr>
-              <a:noFill/>
-              <a:ln>
-                <a:noFill/>
-              </a:ln>
-              <a:effectLst/>
-            </c:spPr>
-            <c:showLegendKey val="0"/>
-            <c:showVal val="0"/>
-            <c:showCatName val="0"/>
-            <c:showSerName val="0"/>
-            <c:showPercent val="0"/>
-            <c:showBubbleSize val="1"/>
-            <c:showLeaderLines val="0"/>
-            <c:extLst>
-              <c:ext xmlns:c15="http://schemas.microsoft.com/office/drawing/2012/chart" uri="{CE6537A1-D6FC-4f65-9D91-7224C49458BB}">
-                <c15:showLeaderLines val="0"/>
-              </c:ext>
-            </c:extLst>
-          </c:dLbls>
-          <c:xVal>
-            <c:numRef>
-              <c:f>Feuille1!$A$4:$A$20</c:f>
-              <c:numCache>
-                <c:formatCode>General</c:formatCode>
-                <c:ptCount val="17"/>
-                <c:pt idx="0">
-                  <c:v>0</c:v>
-                </c:pt>
-                <c:pt idx="1">
-                  <c:v>1</c:v>
-                </c:pt>
-                <c:pt idx="2">
-                  <c:v>2</c:v>
-                </c:pt>
-                <c:pt idx="3">
-                  <c:v>3</c:v>
-                </c:pt>
-                <c:pt idx="4">
-                  <c:v>4</c:v>
-                </c:pt>
-                <c:pt idx="5">
-                  <c:v>5</c:v>
-                </c:pt>
-                <c:pt idx="6">
-                  <c:v>6</c:v>
-                </c:pt>
-                <c:pt idx="7">
-                  <c:v>7</c:v>
-                </c:pt>
-                <c:pt idx="8">
-                  <c:v>8</c:v>
-                </c:pt>
-                <c:pt idx="9">
-                  <c:v>9</c:v>
-                </c:pt>
-                <c:pt idx="10">
-                  <c:v>10</c:v>
-                </c:pt>
-                <c:pt idx="11">
-                  <c:v>11</c:v>
-                </c:pt>
-                <c:pt idx="12">
-                  <c:v>12</c:v>
-                </c:pt>
-                <c:pt idx="13">
-                  <c:v>13</c:v>
-                </c:pt>
-                <c:pt idx="14">
-                  <c:v>14</c:v>
-                </c:pt>
-                <c:pt idx="15">
-                  <c:v>15</c:v>
-                </c:pt>
-                <c:pt idx="16">
-                  <c:v>16</c:v>
-                </c:pt>
-              </c:numCache>
-            </c:numRef>
-          </c:xVal>
-          <c:yVal>
-            <c:numRef>
-              <c:f>Feuille1!$D$4:$D$20</c:f>
-              <c:numCache>
-                <c:formatCode>General</c:formatCode>
-                <c:ptCount val="17"/>
-                <c:pt idx="0">
-                  <c:v>0</c:v>
-                </c:pt>
-                <c:pt idx="1">
-                  <c:v>4</c:v>
-                </c:pt>
-                <c:pt idx="2">
-                  <c:v>5</c:v>
-                </c:pt>
-                <c:pt idx="3">
-                  <c:v>5</c:v>
-                </c:pt>
-                <c:pt idx="4">
-                  <c:v>6</c:v>
-                </c:pt>
-                <c:pt idx="5">
-                  <c:v>7</c:v>
-                </c:pt>
-                <c:pt idx="6">
-                  <c:v>7</c:v>
-                </c:pt>
-                <c:pt idx="7">
-                  <c:v>8</c:v>
-                </c:pt>
-                <c:pt idx="8">
-                  <c:v>8</c:v>
-                </c:pt>
-                <c:pt idx="9">
-                  <c:v>39</c:v>
-                </c:pt>
-                <c:pt idx="10">
-                  <c:v>120</c:v>
-                </c:pt>
-                <c:pt idx="11">
-                  <c:v>243</c:v>
-                </c:pt>
-              </c:numCache>
-            </c:numRef>
-          </c:yVal>
-          <c:smooth val="1"/>
-          <c:extLst>
-            <c:ext xmlns:c16="http://schemas.microsoft.com/office/drawing/2014/chart" uri="{C3380CC4-5D6E-409C-BE32-E72D297353CC}">
-              <c16:uniqueId val="{00000000-CF91-4589-9F8D-78533E9E9280}"/>
-            </c:ext>
-          </c:extLst>
-        </c:ser>
-        <c:ser>
-          <c:idx val="1"/>
-          <c:order val="1"/>
-          <c:tx>
-            <c:strRef>
-              <c:f>Feuille1!$C$2</c:f>
-              <c:strCache>
-                <c:ptCount val="1"/>
-                <c:pt idx="0">
-                  <c:v>RR</c:v>
-                </c:pt>
-              </c:strCache>
-            </c:strRef>
-          </c:tx>
-          <c:spPr>
-            <a:ln w="28800">
-              <a:solidFill>
-                <a:srgbClr val="FF420E"/>
-              </a:solidFill>
-              <a:round/>
-            </a:ln>
-          </c:spPr>
-          <c:marker>
-            <c:symbol val="diamond"/>
-            <c:size val="8"/>
-            <c:spPr>
-              <a:solidFill>
-                <a:srgbClr val="FF420E"/>
-              </a:solidFill>
-            </c:spPr>
-          </c:marker>
-          <c:dLbls>
-            <c:spPr>
-              <a:noFill/>
-              <a:ln>
-                <a:noFill/>
-              </a:ln>
-              <a:effectLst/>
-            </c:spPr>
-            <c:showLegendKey val="0"/>
-            <c:showVal val="0"/>
-            <c:showCatName val="0"/>
-            <c:showSerName val="0"/>
-            <c:showPercent val="0"/>
-            <c:showBubbleSize val="1"/>
-            <c:showLeaderLines val="0"/>
-            <c:extLst>
-              <c:ext xmlns:c15="http://schemas.microsoft.com/office/drawing/2012/chart" uri="{CE6537A1-D6FC-4f65-9D91-7224C49458BB}">
-                <c15:showLeaderLines val="0"/>
-              </c:ext>
-            </c:extLst>
-          </c:dLbls>
-          <c:xVal>
-            <c:numRef>
-              <c:f>Feuille1!$A$4:$A$20</c:f>
-              <c:numCache>
-                <c:formatCode>General</c:formatCode>
-                <c:ptCount val="17"/>
-                <c:pt idx="0">
-                  <c:v>0</c:v>
-                </c:pt>
-                <c:pt idx="1">
-                  <c:v>1</c:v>
-                </c:pt>
-                <c:pt idx="2">
-                  <c:v>2</c:v>
-                </c:pt>
-                <c:pt idx="3">
-                  <c:v>3</c:v>
-                </c:pt>
-                <c:pt idx="4">
-                  <c:v>4</c:v>
-                </c:pt>
-                <c:pt idx="5">
-                  <c:v>5</c:v>
-                </c:pt>
-                <c:pt idx="6">
-                  <c:v>6</c:v>
-                </c:pt>
-                <c:pt idx="7">
-                  <c:v>7</c:v>
-                </c:pt>
-                <c:pt idx="8">
-                  <c:v>8</c:v>
-                </c:pt>
-                <c:pt idx="9">
-                  <c:v>9</c:v>
-                </c:pt>
-                <c:pt idx="10">
-                  <c:v>10</c:v>
-                </c:pt>
-                <c:pt idx="11">
-                  <c:v>11</c:v>
-                </c:pt>
-                <c:pt idx="12">
-                  <c:v>12</c:v>
-                </c:pt>
-                <c:pt idx="13">
-                  <c:v>13</c:v>
-                </c:pt>
-                <c:pt idx="14">
-                  <c:v>14</c:v>
-                </c:pt>
-                <c:pt idx="15">
-                  <c:v>15</c:v>
-                </c:pt>
-                <c:pt idx="16">
-                  <c:v>16</c:v>
-                </c:pt>
-              </c:numCache>
-            </c:numRef>
-          </c:xVal>
-          <c:yVal>
-            <c:numRef>
-              <c:f>Feuille1!$E$4:$E$20</c:f>
-              <c:numCache>
-                <c:formatCode>General</c:formatCode>
-                <c:ptCount val="17"/>
-                <c:pt idx="0">
-                  <c:v>0</c:v>
-                </c:pt>
-                <c:pt idx="1">
-                  <c:v>4</c:v>
-                </c:pt>
-                <c:pt idx="2">
-                  <c:v>5</c:v>
-                </c:pt>
-                <c:pt idx="3">
-                  <c:v>6</c:v>
-                </c:pt>
-                <c:pt idx="4">
-                  <c:v>7</c:v>
-                </c:pt>
-                <c:pt idx="5">
-                  <c:v>7</c:v>
-                </c:pt>
-                <c:pt idx="6">
-                  <c:v>8</c:v>
-                </c:pt>
-                <c:pt idx="7">
-                  <c:v>34</c:v>
-                </c:pt>
-                <c:pt idx="8">
-                  <c:v>137</c:v>
-                </c:pt>
-                <c:pt idx="9">
-                  <c:v>329</c:v>
-                </c:pt>
-                <c:pt idx="10">
-                  <c:v>581</c:v>
-                </c:pt>
-              </c:numCache>
-            </c:numRef>
-          </c:yVal>
-          <c:smooth val="1"/>
-          <c:extLst>
-            <c:ext xmlns:c16="http://schemas.microsoft.com/office/drawing/2014/chart" uri="{C3380CC4-5D6E-409C-BE32-E72D297353CC}">
-              <c16:uniqueId val="{00000001-CF91-4589-9F8D-78533E9E9280}"/>
-            </c:ext>
-          </c:extLst>
-        </c:ser>
-        <c:dLbls>
-          <c:showLegendKey val="0"/>
-          <c:showVal val="0"/>
-          <c:showCatName val="0"/>
-          <c:showSerName val="0"/>
-          <c:showPercent val="0"/>
-          <c:showBubbleSize val="0"/>
-        </c:dLbls>
-        <c:axId val="95952971"/>
-        <c:axId val="34488078"/>
-      </c:scatterChart>
-      <c:valAx>
-        <c:axId val="95952971"/>
-        <c:scaling>
-          <c:orientation val="minMax"/>
-        </c:scaling>
-        <c:delete val="0"/>
-        <c:axPos val="b"/>
-        <c:title>
-          <c:tx>
-            <c:rich>
-              <a:bodyPr/>
-              <a:lstStyle/>
-              <a:p>
-                <a:pPr>
-                  <a:defRPr sz="900" b="0" strike="noStrike" spc="-1">
-                    <a:solidFill>
-                      <a:srgbClr val="000000"/>
-                    </a:solidFill>
-                    <a:uFill>
-                      <a:solidFill>
-                        <a:srgbClr val="FFFFFF"/>
-                      </a:solidFill>
-                    </a:uFill>
-                    <a:latin typeface="Arial"/>
-                  </a:defRPr>
-                </a:pPr>
-                <a:r>
-                  <a:rPr lang="fr-FR" sz="900" b="0" strike="noStrike" spc="-1">
-                    <a:solidFill>
-                      <a:srgbClr val="000000"/>
-                    </a:solidFill>
-                    <a:uFill>
-                      <a:solidFill>
-                        <a:srgbClr val="FFFFFF"/>
-                      </a:solidFill>
-                    </a:uFill>
-                    <a:latin typeface="Arial"/>
-                  </a:rPr>
-                  <a:t>Nombre Utilisateur/Charge</a:t>
-                </a:r>
-              </a:p>
-            </c:rich>
-          </c:tx>
-          <c:overlay val="0"/>
-        </c:title>
-        <c:numFmt formatCode="General" sourceLinked="1"/>
-        <c:majorTickMark val="out"/>
-        <c:minorTickMark val="none"/>
-        <c:tickLblPos val="nextTo"/>
-        <c:spPr>
-          <a:ln>
-            <a:solidFill>
-              <a:srgbClr val="B3B3B3"/>
-            </a:solidFill>
-          </a:ln>
-        </c:spPr>
-        <c:txPr>
-          <a:bodyPr/>
-          <a:lstStyle/>
-          <a:p>
-            <a:pPr>
-              <a:defRPr sz="1000" b="0" strike="noStrike" spc="-1">
-                <a:solidFill>
-                  <a:srgbClr val="000000"/>
-                </a:solidFill>
-                <a:uFill>
-                  <a:solidFill>
-                    <a:srgbClr val="FFFFFF"/>
-                  </a:solidFill>
-                </a:uFill>
-                <a:latin typeface="Arial"/>
-              </a:defRPr>
-            </a:pPr>
-            <a:endParaRPr lang="fr-FR"/>
-          </a:p>
-        </c:txPr>
-        <c:crossAx val="34488078"/>
-        <c:crosses val="autoZero"/>
-        <c:crossBetween val="midCat"/>
-      </c:valAx>
-      <c:valAx>
-        <c:axId val="34488078"/>
-        <c:scaling>
-          <c:orientation val="minMax"/>
-        </c:scaling>
-        <c:delete val="0"/>
-        <c:axPos val="l"/>
-        <c:majorGridlines>
-          <c:spPr>
-            <a:ln>
-              <a:solidFill>
-                <a:srgbClr val="B3B3B3"/>
-              </a:solidFill>
-            </a:ln>
-          </c:spPr>
-        </c:majorGridlines>
-        <c:title>
-          <c:tx>
-            <c:rich>
-              <a:bodyPr rot="-5400000"/>
-              <a:lstStyle/>
-              <a:p>
-                <a:pPr>
-                  <a:defRPr sz="900" b="0" strike="noStrike" spc="-1">
-                    <a:solidFill>
-                      <a:srgbClr val="000000"/>
-                    </a:solidFill>
-                    <a:uFill>
-                      <a:solidFill>
-                        <a:srgbClr val="FFFFFF"/>
-                      </a:solidFill>
-                    </a:uFill>
-                    <a:latin typeface="Arial"/>
-                  </a:defRPr>
-                </a:pPr>
-                <a:r>
-                  <a:rPr lang="fr-FR" sz="900" b="0" strike="noStrike" spc="-1">
-                    <a:solidFill>
-                      <a:srgbClr val="000000"/>
-                    </a:solidFill>
-                    <a:uFill>
-                      <a:solidFill>
-                        <a:srgbClr val="FFFFFF"/>
-                      </a:solidFill>
-                    </a:uFill>
-                    <a:latin typeface="Arial"/>
-                  </a:rPr>
-                  <a:t>Delai moyen (tick ofdm)</a:t>
-                </a:r>
-              </a:p>
-            </c:rich>
-          </c:tx>
-          <c:overlay val="0"/>
-        </c:title>
-        <c:numFmt formatCode="General" sourceLinked="1"/>
-        <c:majorTickMark val="out"/>
-        <c:minorTickMark val="none"/>
-        <c:tickLblPos val="nextTo"/>
-        <c:spPr>
-          <a:ln>
-            <a:solidFill>
-              <a:srgbClr val="B3B3B3"/>
-            </a:solidFill>
-          </a:ln>
-        </c:spPr>
-        <c:txPr>
-          <a:bodyPr/>
-          <a:lstStyle/>
-          <a:p>
-            <a:pPr>
-              <a:defRPr sz="1000" b="0" strike="noStrike" spc="-1">
-                <a:solidFill>
-                  <a:srgbClr val="000000"/>
-                </a:solidFill>
-                <a:uFill>
-                  <a:solidFill>
-                    <a:srgbClr val="FFFFFF"/>
-                  </a:solidFill>
-                </a:uFill>
-                <a:latin typeface="Arial"/>
-              </a:defRPr>
-            </a:pPr>
-            <a:endParaRPr lang="fr-FR"/>
-          </a:p>
-        </c:txPr>
-        <c:crossAx val="95952971"/>
-        <c:crosses val="autoZero"/>
-        <c:crossBetween val="midCat"/>
-      </c:valAx>
-      <c:spPr>
-        <a:noFill/>
-        <a:ln>
-          <a:solidFill>
-            <a:srgbClr val="B3B3B3"/>
-          </a:solidFill>
-        </a:ln>
-      </c:spPr>
-    </c:plotArea>
-    <c:legend>
-      <c:legendPos val="r"/>
-      <c:overlay val="0"/>
-      <c:spPr>
-        <a:noFill/>
-        <a:ln>
-          <a:noFill/>
-        </a:ln>
-      </c:spPr>
-    </c:legend>
-    <c:plotVisOnly val="1"/>
-    <c:dispBlanksAs val="span"/>
-    <c:showDLblsOverMax val="1"/>
-  </c:chart>
-  <c:spPr>
-    <a:solidFill>
-      <a:srgbClr val="FFFFFF"/>
-    </a:solidFill>
-    <a:ln>
-      <a:noFill/>
-    </a:ln>
-  </c:spPr>
-  <c:externalData r:id="rId1">
-    <c:autoUpdate val="0"/>
-  </c:externalData>
-</c:chartSpace>
-</file>
-
-<file path=ppt/charts/chart5.xml><?xml version="1.0" encoding="utf-8"?>
-<c:chartSpace xmlns:c="http://schemas.openxmlformats.org/drawingml/2006/chart" xmlns:a="http://schemas.openxmlformats.org/drawingml/2006/main" xmlns:r="http://schemas.openxmlformats.org/officeDocument/2006/relationships" xmlns:c16r2="http://schemas.microsoft.com/office/drawing/2015/06/chart">
-  <c:date1904 val="0"/>
-  <c:lang val="fr-FR"/>
-  <c:roundedCorners val="0"/>
-  <mc:AlternateContent xmlns:mc="http://schemas.openxmlformats.org/markup-compatibility/2006">
-    <mc:Choice xmlns:c14="http://schemas.microsoft.com/office/drawing/2007/8/2/chart" Requires="c14">
-      <c14:style val="102"/>
-    </mc:Choice>
-    <mc:Fallback>
-      <c:style val="2"/>
-    </mc:Fallback>
-  </mc:AlternateContent>
-  <c:chart>
-    <c:title>
-      <c:tx>
-        <c:rich>
-          <a:bodyPr/>
-          <a:lstStyle/>
-          <a:p>
-            <a:pPr>
-              <a:defRPr sz="1300" b="0" strike="noStrike" spc="-1">
-                <a:solidFill>
-                  <a:srgbClr val="000000"/>
-                </a:solidFill>
-                <a:uFill>
-                  <a:solidFill>
-                    <a:srgbClr val="FFFFFF"/>
-                  </a:solidFill>
-                </a:uFill>
-                <a:latin typeface="Arial"/>
-              </a:defRPr>
-            </a:pPr>
-            <a:r>
-              <a:rPr lang="fr-FR" sz="1300" b="0" strike="noStrike" spc="-1">
-                <a:solidFill>
-                  <a:srgbClr val="000000"/>
-                </a:solidFill>
-                <a:uFill>
-                  <a:solidFill>
-                    <a:srgbClr val="FFFFFF"/>
-                  </a:solidFill>
-                </a:uFill>
-                <a:latin typeface="Arial"/>
-              </a:rPr>
-              <a:t>Bit Moyen par UR par NbUtilisateur/Charge</a:t>
-            </a:r>
-          </a:p>
-        </c:rich>
-      </c:tx>
-      <c:overlay val="0"/>
-    </c:title>
-    <c:autoTitleDeleted val="0"/>
-    <c:plotArea>
-      <c:layout/>
-      <c:scatterChart>
-        <c:scatterStyle val="lineMarker"/>
-        <c:varyColors val="0"/>
-        <c:ser>
-          <c:idx val="0"/>
-          <c:order val="0"/>
-          <c:tx>
-            <c:strRef>
-              <c:f>Feuille1!$A$2</c:f>
-              <c:strCache>
-                <c:ptCount val="1"/>
-                <c:pt idx="0">
-                  <c:v>Max SNR</c:v>
-                </c:pt>
-              </c:strCache>
-            </c:strRef>
-          </c:tx>
-          <c:spPr>
-            <a:ln w="28800">
-              <a:solidFill>
-                <a:srgbClr val="004586"/>
-              </a:solidFill>
-              <a:round/>
-            </a:ln>
-          </c:spPr>
-          <c:marker>
-            <c:symbol val="square"/>
-            <c:size val="8"/>
-            <c:spPr>
-              <a:solidFill>
-                <a:srgbClr val="004586"/>
-              </a:solidFill>
-            </c:spPr>
-          </c:marker>
-          <c:dLbls>
-            <c:spPr>
-              <a:noFill/>
-              <a:ln>
-                <a:noFill/>
-              </a:ln>
-              <a:effectLst/>
-            </c:spPr>
-            <c:showLegendKey val="0"/>
-            <c:showVal val="0"/>
-            <c:showCatName val="0"/>
-            <c:showSerName val="0"/>
-            <c:showPercent val="0"/>
-            <c:showBubbleSize val="1"/>
-            <c:showLeaderLines val="0"/>
-            <c:extLst>
-              <c:ext xmlns:c15="http://schemas.microsoft.com/office/drawing/2012/chart" uri="{CE6537A1-D6FC-4f65-9D91-7224C49458BB}">
-                <c15:showLeaderLines val="0"/>
-              </c:ext>
-            </c:extLst>
-          </c:dLbls>
-          <c:xVal>
-            <c:numRef>
-              <c:f>Feuille1!$A$4:$A$20</c:f>
-              <c:numCache>
-                <c:formatCode>General</c:formatCode>
-                <c:ptCount val="17"/>
-                <c:pt idx="0">
-                  <c:v>0</c:v>
-                </c:pt>
-                <c:pt idx="1">
-                  <c:v>1</c:v>
-                </c:pt>
-                <c:pt idx="2">
-                  <c:v>2</c:v>
-                </c:pt>
-                <c:pt idx="3">
-                  <c:v>3</c:v>
-                </c:pt>
-                <c:pt idx="4">
-                  <c:v>4</c:v>
-                </c:pt>
-                <c:pt idx="5">
-                  <c:v>5</c:v>
-                </c:pt>
-                <c:pt idx="6">
-                  <c:v>6</c:v>
-                </c:pt>
-                <c:pt idx="7">
-                  <c:v>7</c:v>
-                </c:pt>
-                <c:pt idx="8">
-                  <c:v>8</c:v>
-                </c:pt>
-                <c:pt idx="9">
-                  <c:v>9</c:v>
-                </c:pt>
-                <c:pt idx="10">
-                  <c:v>10</c:v>
-                </c:pt>
-                <c:pt idx="11">
-                  <c:v>11</c:v>
-                </c:pt>
-                <c:pt idx="12">
-                  <c:v>12</c:v>
-                </c:pt>
-                <c:pt idx="13">
-                  <c:v>13</c:v>
-                </c:pt>
-                <c:pt idx="14">
-                  <c:v>14</c:v>
-                </c:pt>
-                <c:pt idx="15">
-                  <c:v>15</c:v>
-                </c:pt>
-                <c:pt idx="16">
-                  <c:v>16</c:v>
-                </c:pt>
-              </c:numCache>
-            </c:numRef>
-          </c:xVal>
-          <c:yVal>
-            <c:numRef>
               <c:f>Feuille1!$H$52:$H$68</c:f>
               <c:numCache>
                 <c:formatCode>0.00</c:formatCode>
@@ -5375,7 +765,7 @@
 </c:chartSpace>
 </file>
 
-<file path=ppt/charts/chart6.xml><?xml version="1.0" encoding="utf-8"?>
+<file path=ppt/charts/chart2.xml><?xml version="1.0" encoding="utf-8"?>
 <c:chartSpace xmlns:c="http://schemas.openxmlformats.org/drawingml/2006/chart" xmlns:a="http://schemas.openxmlformats.org/drawingml/2006/main" xmlns:r="http://schemas.openxmlformats.org/officeDocument/2006/relationships" xmlns:c16r2="http://schemas.microsoft.com/office/drawing/2015/06/chart">
   <c:date1904 val="0"/>
   <c:lang val="fr-FR"/>
@@ -6008,7 +1398,7 @@
 </c:chartSpace>
 </file>
 
-<file path=ppt/charts/chart7.xml><?xml version="1.0" encoding="utf-8"?>
+<file path=ppt/charts/chart3.xml><?xml version="1.0" encoding="utf-8"?>
 <c:chartSpace xmlns:c="http://schemas.openxmlformats.org/drawingml/2006/chart" xmlns:a="http://schemas.openxmlformats.org/drawingml/2006/main" xmlns:r="http://schemas.openxmlformats.org/officeDocument/2006/relationships" xmlns:c16r2="http://schemas.microsoft.com/office/drawing/2015/06/chart">
   <c:date1904 val="0"/>
   <c:lang val="fr-FR"/>
@@ -6641,7 +2031,7 @@
 </c:chartSpace>
 </file>
 
-<file path=ppt/charts/chart8.xml><?xml version="1.0" encoding="utf-8"?>
+<file path=ppt/charts/chart4.xml><?xml version="1.0" encoding="utf-8"?>
 <c:chartSpace xmlns:c="http://schemas.openxmlformats.org/drawingml/2006/chart" xmlns:a="http://schemas.openxmlformats.org/drawingml/2006/main" xmlns:r="http://schemas.openxmlformats.org/officeDocument/2006/relationships" xmlns:c16r2="http://schemas.microsoft.com/office/drawing/2015/06/chart">
   <c:date1904 val="0"/>
   <c:lang val="fr-FR"/>
@@ -7274,7 +2664,7 @@
 </c:chartSpace>
 </file>
 
-<file path=ppt/charts/chart9.xml><?xml version="1.0" encoding="utf-8"?>
+<file path=ppt/charts/chart5.xml><?xml version="1.0" encoding="utf-8"?>
 <c:chartSpace xmlns:c="http://schemas.openxmlformats.org/drawingml/2006/chart" xmlns:a="http://schemas.openxmlformats.org/drawingml/2006/main" xmlns:r="http://schemas.openxmlformats.org/officeDocument/2006/relationships" xmlns:c16r2="http://schemas.microsoft.com/office/drawing/2015/06/chart">
   <c:date1904 val="0"/>
   <c:lang val="fr-FR"/>
@@ -8172,6 +3562,2063 @@
           </a:p>
         </c:txPr>
         <c:crossAx val="83107804"/>
+        <c:crosses val="autoZero"/>
+        <c:crossBetween val="midCat"/>
+      </c:valAx>
+      <c:spPr>
+        <a:noFill/>
+        <a:ln>
+          <a:solidFill>
+            <a:srgbClr val="B3B3B3"/>
+          </a:solidFill>
+        </a:ln>
+      </c:spPr>
+    </c:plotArea>
+    <c:legend>
+      <c:legendPos val="r"/>
+      <c:overlay val="0"/>
+      <c:spPr>
+        <a:noFill/>
+        <a:ln>
+          <a:noFill/>
+        </a:ln>
+      </c:spPr>
+    </c:legend>
+    <c:plotVisOnly val="1"/>
+    <c:dispBlanksAs val="span"/>
+    <c:showDLblsOverMax val="1"/>
+  </c:chart>
+  <c:spPr>
+    <a:solidFill>
+      <a:srgbClr val="FFFFFF"/>
+    </a:solidFill>
+    <a:ln>
+      <a:noFill/>
+    </a:ln>
+  </c:spPr>
+  <c:externalData r:id="rId1">
+    <c:autoUpdate val="0"/>
+  </c:externalData>
+</c:chartSpace>
+</file>
+
+<file path=ppt/charts/chart6.xml><?xml version="1.0" encoding="utf-8"?>
+<c:chartSpace xmlns:c="http://schemas.openxmlformats.org/drawingml/2006/chart" xmlns:a="http://schemas.openxmlformats.org/drawingml/2006/main" xmlns:r="http://schemas.openxmlformats.org/officeDocument/2006/relationships" xmlns:c16r2="http://schemas.microsoft.com/office/drawing/2015/06/chart">
+  <c:date1904 val="0"/>
+  <c:lang val="fr-FR"/>
+  <c:roundedCorners val="0"/>
+  <mc:AlternateContent xmlns:mc="http://schemas.openxmlformats.org/markup-compatibility/2006">
+    <mc:Choice xmlns:c14="http://schemas.microsoft.com/office/drawing/2007/8/2/chart" Requires="c14">
+      <c14:style val="102"/>
+    </mc:Choice>
+    <mc:Fallback>
+      <c:style val="2"/>
+    </mc:Fallback>
+  </mc:AlternateContent>
+  <c:chart>
+    <c:title>
+      <c:tx>
+        <c:rich>
+          <a:bodyPr/>
+          <a:lstStyle/>
+          <a:p>
+            <a:pPr>
+              <a:defRPr/>
+            </a:pPr>
+            <a:r>
+              <a:rPr lang="fr-FR" sz="2000" dirty="0"/>
+              <a:t>Délai en</a:t>
+            </a:r>
+            <a:r>
+              <a:rPr lang="fr-FR" sz="2000" baseline="0" dirty="0"/>
+              <a:t> fonction de la charge</a:t>
+            </a:r>
+            <a:endParaRPr lang="fr-FR" dirty="0"/>
+          </a:p>
+        </c:rich>
+      </c:tx>
+      <c:overlay val="0"/>
+    </c:title>
+    <c:autoTitleDeleted val="0"/>
+    <c:plotArea>
+      <c:layout/>
+      <c:scatterChart>
+        <c:scatterStyle val="lineMarker"/>
+        <c:varyColors val="0"/>
+        <c:ser>
+          <c:idx val="0"/>
+          <c:order val="0"/>
+          <c:tx>
+            <c:strRef>
+              <c:f>Feuille1!$B$169</c:f>
+              <c:strCache>
+                <c:ptCount val="1"/>
+                <c:pt idx="0">
+                  <c:v>PingBeam</c:v>
+                </c:pt>
+              </c:strCache>
+            </c:strRef>
+          </c:tx>
+          <c:spPr>
+            <a:ln w="28800">
+              <a:solidFill>
+                <a:srgbClr val="004586"/>
+              </a:solidFill>
+              <a:round/>
+            </a:ln>
+          </c:spPr>
+          <c:marker>
+            <c:symbol val="square"/>
+            <c:size val="8"/>
+            <c:spPr>
+              <a:solidFill>
+                <a:srgbClr val="004586"/>
+              </a:solidFill>
+            </c:spPr>
+          </c:marker>
+          <c:dLbls>
+            <c:spPr>
+              <a:noFill/>
+              <a:ln>
+                <a:noFill/>
+              </a:ln>
+              <a:effectLst/>
+            </c:spPr>
+            <c:showLegendKey val="0"/>
+            <c:showVal val="0"/>
+            <c:showCatName val="0"/>
+            <c:showSerName val="0"/>
+            <c:showPercent val="0"/>
+            <c:showBubbleSize val="1"/>
+            <c:showLeaderLines val="0"/>
+            <c:extLst>
+              <c:ext xmlns:c15="http://schemas.microsoft.com/office/drawing/2012/chart" uri="{CE6537A1-D6FC-4f65-9D91-7224C49458BB}">
+                <c15:showLeaderLines val="0"/>
+              </c:ext>
+            </c:extLst>
+          </c:dLbls>
+          <c:xVal>
+            <c:numRef>
+              <c:f>Feuille1!$A$170:$A$270</c:f>
+              <c:numCache>
+                <c:formatCode>General</c:formatCode>
+                <c:ptCount val="101"/>
+                <c:pt idx="0">
+                  <c:v>0</c:v>
+                </c:pt>
+                <c:pt idx="1">
+                  <c:v>1</c:v>
+                </c:pt>
+                <c:pt idx="2">
+                  <c:v>2</c:v>
+                </c:pt>
+                <c:pt idx="3">
+                  <c:v>3</c:v>
+                </c:pt>
+                <c:pt idx="4">
+                  <c:v>4</c:v>
+                </c:pt>
+                <c:pt idx="5">
+                  <c:v>5</c:v>
+                </c:pt>
+                <c:pt idx="6">
+                  <c:v>6</c:v>
+                </c:pt>
+                <c:pt idx="7">
+                  <c:v>7</c:v>
+                </c:pt>
+                <c:pt idx="8">
+                  <c:v>8</c:v>
+                </c:pt>
+                <c:pt idx="9">
+                  <c:v>9</c:v>
+                </c:pt>
+                <c:pt idx="10">
+                  <c:v>10</c:v>
+                </c:pt>
+                <c:pt idx="11">
+                  <c:v>11</c:v>
+                </c:pt>
+                <c:pt idx="12">
+                  <c:v>12</c:v>
+                </c:pt>
+                <c:pt idx="13">
+                  <c:v>13</c:v>
+                </c:pt>
+                <c:pt idx="14">
+                  <c:v>14</c:v>
+                </c:pt>
+                <c:pt idx="15">
+                  <c:v>15</c:v>
+                </c:pt>
+                <c:pt idx="16">
+                  <c:v>16</c:v>
+                </c:pt>
+                <c:pt idx="17">
+                  <c:v>17</c:v>
+                </c:pt>
+                <c:pt idx="18">
+                  <c:v>18</c:v>
+                </c:pt>
+                <c:pt idx="19">
+                  <c:v>19</c:v>
+                </c:pt>
+                <c:pt idx="20">
+                  <c:v>20</c:v>
+                </c:pt>
+                <c:pt idx="21">
+                  <c:v>21</c:v>
+                </c:pt>
+                <c:pt idx="22">
+                  <c:v>22</c:v>
+                </c:pt>
+                <c:pt idx="23">
+                  <c:v>23</c:v>
+                </c:pt>
+                <c:pt idx="24">
+                  <c:v>24</c:v>
+                </c:pt>
+                <c:pt idx="25">
+                  <c:v>25</c:v>
+                </c:pt>
+                <c:pt idx="26">
+                  <c:v>26</c:v>
+                </c:pt>
+                <c:pt idx="27">
+                  <c:v>27</c:v>
+                </c:pt>
+                <c:pt idx="28">
+                  <c:v>28</c:v>
+                </c:pt>
+                <c:pt idx="29">
+                  <c:v>29</c:v>
+                </c:pt>
+                <c:pt idx="30">
+                  <c:v>30</c:v>
+                </c:pt>
+                <c:pt idx="31">
+                  <c:v>31</c:v>
+                </c:pt>
+                <c:pt idx="32">
+                  <c:v>32</c:v>
+                </c:pt>
+                <c:pt idx="33">
+                  <c:v>33</c:v>
+                </c:pt>
+                <c:pt idx="34">
+                  <c:v>34</c:v>
+                </c:pt>
+                <c:pt idx="35">
+                  <c:v>35</c:v>
+                </c:pt>
+                <c:pt idx="36">
+                  <c:v>36</c:v>
+                </c:pt>
+                <c:pt idx="37">
+                  <c:v>37</c:v>
+                </c:pt>
+                <c:pt idx="38">
+                  <c:v>38</c:v>
+                </c:pt>
+                <c:pt idx="39">
+                  <c:v>39</c:v>
+                </c:pt>
+                <c:pt idx="40">
+                  <c:v>40</c:v>
+                </c:pt>
+                <c:pt idx="41">
+                  <c:v>41</c:v>
+                </c:pt>
+                <c:pt idx="42">
+                  <c:v>42</c:v>
+                </c:pt>
+                <c:pt idx="43">
+                  <c:v>43</c:v>
+                </c:pt>
+                <c:pt idx="44">
+                  <c:v>44</c:v>
+                </c:pt>
+                <c:pt idx="45">
+                  <c:v>45</c:v>
+                </c:pt>
+                <c:pt idx="46">
+                  <c:v>46</c:v>
+                </c:pt>
+                <c:pt idx="47">
+                  <c:v>47</c:v>
+                </c:pt>
+                <c:pt idx="48">
+                  <c:v>48</c:v>
+                </c:pt>
+                <c:pt idx="49">
+                  <c:v>49</c:v>
+                </c:pt>
+              </c:numCache>
+            </c:numRef>
+          </c:xVal>
+          <c:yVal>
+            <c:numRef>
+              <c:f>[Beam.xlsx]Feuille1!$B$170:$C$270</c:f>
+              <c:numCache>
+                <c:formatCode>General</c:formatCode>
+                <c:ptCount val="202"/>
+                <c:pt idx="0">
+                  <c:v>4</c:v>
+                </c:pt>
+                <c:pt idx="1">
+                  <c:v>4</c:v>
+                </c:pt>
+                <c:pt idx="2">
+                  <c:v>4</c:v>
+                </c:pt>
+                <c:pt idx="3">
+                  <c:v>5</c:v>
+                </c:pt>
+                <c:pt idx="4">
+                  <c:v>5</c:v>
+                </c:pt>
+                <c:pt idx="5">
+                  <c:v>5</c:v>
+                </c:pt>
+                <c:pt idx="6">
+                  <c:v>5</c:v>
+                </c:pt>
+                <c:pt idx="7">
+                  <c:v>5</c:v>
+                </c:pt>
+                <c:pt idx="8">
+                  <c:v>6</c:v>
+                </c:pt>
+                <c:pt idx="9">
+                  <c:v>6</c:v>
+                </c:pt>
+                <c:pt idx="10">
+                  <c:v>6</c:v>
+                </c:pt>
+                <c:pt idx="11">
+                  <c:v>6</c:v>
+                </c:pt>
+                <c:pt idx="12">
+                  <c:v>6</c:v>
+                </c:pt>
+                <c:pt idx="13">
+                  <c:v>7</c:v>
+                </c:pt>
+                <c:pt idx="14">
+                  <c:v>7</c:v>
+                </c:pt>
+                <c:pt idx="15">
+                  <c:v>7</c:v>
+                </c:pt>
+                <c:pt idx="16">
+                  <c:v>7</c:v>
+                </c:pt>
+                <c:pt idx="17">
+                  <c:v>8</c:v>
+                </c:pt>
+                <c:pt idx="18">
+                  <c:v>8</c:v>
+                </c:pt>
+                <c:pt idx="19">
+                  <c:v>8</c:v>
+                </c:pt>
+                <c:pt idx="20">
+                  <c:v>8</c:v>
+                </c:pt>
+                <c:pt idx="21">
+                  <c:v>8</c:v>
+                </c:pt>
+                <c:pt idx="22">
+                  <c:v>8</c:v>
+                </c:pt>
+                <c:pt idx="23">
+                  <c:v>8</c:v>
+                </c:pt>
+                <c:pt idx="24">
+                  <c:v>8</c:v>
+                </c:pt>
+                <c:pt idx="25">
+                  <c:v>8</c:v>
+                </c:pt>
+                <c:pt idx="26">
+                  <c:v>8</c:v>
+                </c:pt>
+                <c:pt idx="27">
+                  <c:v>8</c:v>
+                </c:pt>
+                <c:pt idx="28">
+                  <c:v>8</c:v>
+                </c:pt>
+                <c:pt idx="29">
+                  <c:v>8</c:v>
+                </c:pt>
+                <c:pt idx="30">
+                  <c:v>8</c:v>
+                </c:pt>
+                <c:pt idx="31">
+                  <c:v>8</c:v>
+                </c:pt>
+                <c:pt idx="32">
+                  <c:v>8</c:v>
+                </c:pt>
+                <c:pt idx="33">
+                  <c:v>8</c:v>
+                </c:pt>
+                <c:pt idx="34">
+                  <c:v>8</c:v>
+                </c:pt>
+                <c:pt idx="35">
+                  <c:v>8</c:v>
+                </c:pt>
+                <c:pt idx="36">
+                  <c:v>8</c:v>
+                </c:pt>
+                <c:pt idx="37">
+                  <c:v>8</c:v>
+                </c:pt>
+                <c:pt idx="38">
+                  <c:v>8</c:v>
+                </c:pt>
+                <c:pt idx="39">
+                  <c:v>8</c:v>
+                </c:pt>
+                <c:pt idx="40">
+                  <c:v>8</c:v>
+                </c:pt>
+                <c:pt idx="41">
+                  <c:v>8</c:v>
+                </c:pt>
+                <c:pt idx="42">
+                  <c:v>8</c:v>
+                </c:pt>
+                <c:pt idx="43">
+                  <c:v>8</c:v>
+                </c:pt>
+                <c:pt idx="44">
+                  <c:v>8</c:v>
+                </c:pt>
+                <c:pt idx="45">
+                  <c:v>8</c:v>
+                </c:pt>
+                <c:pt idx="46">
+                  <c:v>10</c:v>
+                </c:pt>
+                <c:pt idx="47">
+                  <c:v>19</c:v>
+                </c:pt>
+                <c:pt idx="48">
+                  <c:v>20</c:v>
+                </c:pt>
+                <c:pt idx="49">
+                  <c:v>20</c:v>
+                </c:pt>
+                <c:pt idx="101">
+                  <c:v>4</c:v>
+                </c:pt>
+                <c:pt idx="102">
+                  <c:v>4</c:v>
+                </c:pt>
+                <c:pt idx="103">
+                  <c:v>4</c:v>
+                </c:pt>
+                <c:pt idx="104">
+                  <c:v>5</c:v>
+                </c:pt>
+                <c:pt idx="105">
+                  <c:v>5</c:v>
+                </c:pt>
+                <c:pt idx="106">
+                  <c:v>5</c:v>
+                </c:pt>
+                <c:pt idx="107">
+                  <c:v>5</c:v>
+                </c:pt>
+                <c:pt idx="108">
+                  <c:v>5</c:v>
+                </c:pt>
+                <c:pt idx="109">
+                  <c:v>6</c:v>
+                </c:pt>
+                <c:pt idx="110">
+                  <c:v>6</c:v>
+                </c:pt>
+                <c:pt idx="111">
+                  <c:v>6</c:v>
+                </c:pt>
+                <c:pt idx="112">
+                  <c:v>6</c:v>
+                </c:pt>
+                <c:pt idx="113">
+                  <c:v>6</c:v>
+                </c:pt>
+                <c:pt idx="114">
+                  <c:v>7</c:v>
+                </c:pt>
+                <c:pt idx="115">
+                  <c:v>7</c:v>
+                </c:pt>
+                <c:pt idx="116">
+                  <c:v>7</c:v>
+                </c:pt>
+                <c:pt idx="117">
+                  <c:v>7</c:v>
+                </c:pt>
+                <c:pt idx="118">
+                  <c:v>8</c:v>
+                </c:pt>
+                <c:pt idx="119">
+                  <c:v>8</c:v>
+                </c:pt>
+                <c:pt idx="120">
+                  <c:v>8</c:v>
+                </c:pt>
+                <c:pt idx="121">
+                  <c:v>8</c:v>
+                </c:pt>
+                <c:pt idx="122">
+                  <c:v>8</c:v>
+                </c:pt>
+                <c:pt idx="123">
+                  <c:v>16</c:v>
+                </c:pt>
+                <c:pt idx="124">
+                  <c:v>37</c:v>
+                </c:pt>
+                <c:pt idx="125">
+                  <c:v>42</c:v>
+                </c:pt>
+                <c:pt idx="126">
+                  <c:v>42</c:v>
+                </c:pt>
+                <c:pt idx="127">
+                  <c:v>42</c:v>
+                </c:pt>
+                <c:pt idx="128">
+                  <c:v>42</c:v>
+                </c:pt>
+                <c:pt idx="129">
+                  <c:v>42</c:v>
+                </c:pt>
+                <c:pt idx="130">
+                  <c:v>42</c:v>
+                </c:pt>
+                <c:pt idx="131">
+                  <c:v>42</c:v>
+                </c:pt>
+                <c:pt idx="132">
+                  <c:v>42</c:v>
+                </c:pt>
+                <c:pt idx="133">
+                  <c:v>42</c:v>
+                </c:pt>
+                <c:pt idx="134">
+                  <c:v>42</c:v>
+                </c:pt>
+                <c:pt idx="135">
+                  <c:v>42</c:v>
+                </c:pt>
+                <c:pt idx="136">
+                  <c:v>42</c:v>
+                </c:pt>
+                <c:pt idx="137">
+                  <c:v>42</c:v>
+                </c:pt>
+                <c:pt idx="138">
+                  <c:v>42</c:v>
+                </c:pt>
+                <c:pt idx="139">
+                  <c:v>42</c:v>
+                </c:pt>
+                <c:pt idx="140">
+                  <c:v>42</c:v>
+                </c:pt>
+                <c:pt idx="141">
+                  <c:v>42</c:v>
+                </c:pt>
+                <c:pt idx="142">
+                  <c:v>42</c:v>
+                </c:pt>
+                <c:pt idx="143">
+                  <c:v>42</c:v>
+                </c:pt>
+                <c:pt idx="144">
+                  <c:v>42</c:v>
+                </c:pt>
+                <c:pt idx="145">
+                  <c:v>42</c:v>
+                </c:pt>
+                <c:pt idx="146">
+                  <c:v>42</c:v>
+                </c:pt>
+                <c:pt idx="147">
+                  <c:v>42</c:v>
+                </c:pt>
+                <c:pt idx="148">
+                  <c:v>42</c:v>
+                </c:pt>
+                <c:pt idx="149">
+                  <c:v>42</c:v>
+                </c:pt>
+                <c:pt idx="150">
+                  <c:v>42</c:v>
+                </c:pt>
+              </c:numCache>
+            </c:numRef>
+          </c:yVal>
+          <c:smooth val="0"/>
+          <c:extLst>
+            <c:ext xmlns:c16="http://schemas.microsoft.com/office/drawing/2014/chart" uri="{C3380CC4-5D6E-409C-BE32-E72D297353CC}">
+              <c16:uniqueId val="{00000000-D599-426B-BDA1-0F508110F999}"/>
+            </c:ext>
+          </c:extLst>
+        </c:ser>
+        <c:ser>
+          <c:idx val="1"/>
+          <c:order val="1"/>
+          <c:tx>
+            <c:strRef>
+              <c:f>Feuille1!$C$169</c:f>
+              <c:strCache>
+                <c:ptCount val="1"/>
+                <c:pt idx="0">
+                  <c:v>PingNoBeam</c:v>
+                </c:pt>
+              </c:strCache>
+            </c:strRef>
+          </c:tx>
+          <c:spPr>
+            <a:ln w="28800">
+              <a:solidFill>
+                <a:srgbClr val="FF420E"/>
+              </a:solidFill>
+              <a:round/>
+            </a:ln>
+          </c:spPr>
+          <c:marker>
+            <c:symbol val="diamond"/>
+            <c:size val="8"/>
+            <c:spPr>
+              <a:solidFill>
+                <a:srgbClr val="FF420E"/>
+              </a:solidFill>
+            </c:spPr>
+          </c:marker>
+          <c:dLbls>
+            <c:spPr>
+              <a:noFill/>
+              <a:ln>
+                <a:noFill/>
+              </a:ln>
+              <a:effectLst/>
+            </c:spPr>
+            <c:showLegendKey val="0"/>
+            <c:showVal val="0"/>
+            <c:showCatName val="0"/>
+            <c:showSerName val="0"/>
+            <c:showPercent val="0"/>
+            <c:showBubbleSize val="1"/>
+            <c:showLeaderLines val="0"/>
+            <c:extLst>
+              <c:ext xmlns:c15="http://schemas.microsoft.com/office/drawing/2012/chart" uri="{CE6537A1-D6FC-4f65-9D91-7224C49458BB}">
+                <c15:showLeaderLines val="0"/>
+              </c:ext>
+            </c:extLst>
+          </c:dLbls>
+          <c:xVal>
+            <c:numRef>
+              <c:f>Feuille1!$A$170:$A$270</c:f>
+              <c:numCache>
+                <c:formatCode>General</c:formatCode>
+                <c:ptCount val="101"/>
+                <c:pt idx="0">
+                  <c:v>0</c:v>
+                </c:pt>
+                <c:pt idx="1">
+                  <c:v>1</c:v>
+                </c:pt>
+                <c:pt idx="2">
+                  <c:v>2</c:v>
+                </c:pt>
+                <c:pt idx="3">
+                  <c:v>3</c:v>
+                </c:pt>
+                <c:pt idx="4">
+                  <c:v>4</c:v>
+                </c:pt>
+                <c:pt idx="5">
+                  <c:v>5</c:v>
+                </c:pt>
+                <c:pt idx="6">
+                  <c:v>6</c:v>
+                </c:pt>
+                <c:pt idx="7">
+                  <c:v>7</c:v>
+                </c:pt>
+                <c:pt idx="8">
+                  <c:v>8</c:v>
+                </c:pt>
+                <c:pt idx="9">
+                  <c:v>9</c:v>
+                </c:pt>
+                <c:pt idx="10">
+                  <c:v>10</c:v>
+                </c:pt>
+                <c:pt idx="11">
+                  <c:v>11</c:v>
+                </c:pt>
+                <c:pt idx="12">
+                  <c:v>12</c:v>
+                </c:pt>
+                <c:pt idx="13">
+                  <c:v>13</c:v>
+                </c:pt>
+                <c:pt idx="14">
+                  <c:v>14</c:v>
+                </c:pt>
+                <c:pt idx="15">
+                  <c:v>15</c:v>
+                </c:pt>
+                <c:pt idx="16">
+                  <c:v>16</c:v>
+                </c:pt>
+                <c:pt idx="17">
+                  <c:v>17</c:v>
+                </c:pt>
+                <c:pt idx="18">
+                  <c:v>18</c:v>
+                </c:pt>
+                <c:pt idx="19">
+                  <c:v>19</c:v>
+                </c:pt>
+                <c:pt idx="20">
+                  <c:v>20</c:v>
+                </c:pt>
+                <c:pt idx="21">
+                  <c:v>21</c:v>
+                </c:pt>
+                <c:pt idx="22">
+                  <c:v>22</c:v>
+                </c:pt>
+                <c:pt idx="23">
+                  <c:v>23</c:v>
+                </c:pt>
+                <c:pt idx="24">
+                  <c:v>24</c:v>
+                </c:pt>
+                <c:pt idx="25">
+                  <c:v>25</c:v>
+                </c:pt>
+                <c:pt idx="26">
+                  <c:v>26</c:v>
+                </c:pt>
+                <c:pt idx="27">
+                  <c:v>27</c:v>
+                </c:pt>
+                <c:pt idx="28">
+                  <c:v>28</c:v>
+                </c:pt>
+                <c:pt idx="29">
+                  <c:v>29</c:v>
+                </c:pt>
+                <c:pt idx="30">
+                  <c:v>30</c:v>
+                </c:pt>
+                <c:pt idx="31">
+                  <c:v>31</c:v>
+                </c:pt>
+                <c:pt idx="32">
+                  <c:v>32</c:v>
+                </c:pt>
+                <c:pt idx="33">
+                  <c:v>33</c:v>
+                </c:pt>
+                <c:pt idx="34">
+                  <c:v>34</c:v>
+                </c:pt>
+                <c:pt idx="35">
+                  <c:v>35</c:v>
+                </c:pt>
+                <c:pt idx="36">
+                  <c:v>36</c:v>
+                </c:pt>
+                <c:pt idx="37">
+                  <c:v>37</c:v>
+                </c:pt>
+                <c:pt idx="38">
+                  <c:v>38</c:v>
+                </c:pt>
+                <c:pt idx="39">
+                  <c:v>39</c:v>
+                </c:pt>
+                <c:pt idx="40">
+                  <c:v>40</c:v>
+                </c:pt>
+                <c:pt idx="41">
+                  <c:v>41</c:v>
+                </c:pt>
+                <c:pt idx="42">
+                  <c:v>42</c:v>
+                </c:pt>
+                <c:pt idx="43">
+                  <c:v>43</c:v>
+                </c:pt>
+                <c:pt idx="44">
+                  <c:v>44</c:v>
+                </c:pt>
+                <c:pt idx="45">
+                  <c:v>45</c:v>
+                </c:pt>
+                <c:pt idx="46">
+                  <c:v>46</c:v>
+                </c:pt>
+                <c:pt idx="47">
+                  <c:v>47</c:v>
+                </c:pt>
+                <c:pt idx="48">
+                  <c:v>48</c:v>
+                </c:pt>
+                <c:pt idx="49">
+                  <c:v>49</c:v>
+                </c:pt>
+              </c:numCache>
+            </c:numRef>
+          </c:xVal>
+          <c:yVal>
+            <c:numRef>
+              <c:f>Feuille1!$C$170:$C$270</c:f>
+              <c:numCache>
+                <c:formatCode>General</c:formatCode>
+                <c:ptCount val="101"/>
+                <c:pt idx="0">
+                  <c:v>4</c:v>
+                </c:pt>
+                <c:pt idx="1">
+                  <c:v>4</c:v>
+                </c:pt>
+                <c:pt idx="2">
+                  <c:v>4</c:v>
+                </c:pt>
+                <c:pt idx="3">
+                  <c:v>5</c:v>
+                </c:pt>
+                <c:pt idx="4">
+                  <c:v>5</c:v>
+                </c:pt>
+                <c:pt idx="5">
+                  <c:v>5</c:v>
+                </c:pt>
+                <c:pt idx="6">
+                  <c:v>5</c:v>
+                </c:pt>
+                <c:pt idx="7">
+                  <c:v>5</c:v>
+                </c:pt>
+                <c:pt idx="8">
+                  <c:v>6</c:v>
+                </c:pt>
+                <c:pt idx="9">
+                  <c:v>6</c:v>
+                </c:pt>
+                <c:pt idx="10">
+                  <c:v>6</c:v>
+                </c:pt>
+                <c:pt idx="11">
+                  <c:v>6</c:v>
+                </c:pt>
+                <c:pt idx="12">
+                  <c:v>6</c:v>
+                </c:pt>
+                <c:pt idx="13">
+                  <c:v>7</c:v>
+                </c:pt>
+                <c:pt idx="14">
+                  <c:v>7</c:v>
+                </c:pt>
+                <c:pt idx="15">
+                  <c:v>7</c:v>
+                </c:pt>
+                <c:pt idx="16">
+                  <c:v>7</c:v>
+                </c:pt>
+                <c:pt idx="17">
+                  <c:v>8</c:v>
+                </c:pt>
+                <c:pt idx="18">
+                  <c:v>8</c:v>
+                </c:pt>
+                <c:pt idx="19">
+                  <c:v>8</c:v>
+                </c:pt>
+                <c:pt idx="20">
+                  <c:v>8</c:v>
+                </c:pt>
+                <c:pt idx="21">
+                  <c:v>8</c:v>
+                </c:pt>
+                <c:pt idx="22">
+                  <c:v>16</c:v>
+                </c:pt>
+                <c:pt idx="23">
+                  <c:v>37</c:v>
+                </c:pt>
+                <c:pt idx="24">
+                  <c:v>42</c:v>
+                </c:pt>
+                <c:pt idx="25">
+                  <c:v>42</c:v>
+                </c:pt>
+                <c:pt idx="26">
+                  <c:v>42</c:v>
+                </c:pt>
+                <c:pt idx="27">
+                  <c:v>42</c:v>
+                </c:pt>
+                <c:pt idx="28">
+                  <c:v>42</c:v>
+                </c:pt>
+                <c:pt idx="29">
+                  <c:v>42</c:v>
+                </c:pt>
+                <c:pt idx="30">
+                  <c:v>42</c:v>
+                </c:pt>
+                <c:pt idx="31">
+                  <c:v>42</c:v>
+                </c:pt>
+                <c:pt idx="32">
+                  <c:v>42</c:v>
+                </c:pt>
+                <c:pt idx="33">
+                  <c:v>42</c:v>
+                </c:pt>
+                <c:pt idx="34">
+                  <c:v>42</c:v>
+                </c:pt>
+                <c:pt idx="35">
+                  <c:v>42</c:v>
+                </c:pt>
+                <c:pt idx="36">
+                  <c:v>42</c:v>
+                </c:pt>
+                <c:pt idx="37">
+                  <c:v>42</c:v>
+                </c:pt>
+                <c:pt idx="38">
+                  <c:v>42</c:v>
+                </c:pt>
+                <c:pt idx="39">
+                  <c:v>42</c:v>
+                </c:pt>
+                <c:pt idx="40">
+                  <c:v>42</c:v>
+                </c:pt>
+                <c:pt idx="41">
+                  <c:v>42</c:v>
+                </c:pt>
+                <c:pt idx="42">
+                  <c:v>42</c:v>
+                </c:pt>
+                <c:pt idx="43">
+                  <c:v>42</c:v>
+                </c:pt>
+                <c:pt idx="44">
+                  <c:v>42</c:v>
+                </c:pt>
+                <c:pt idx="45">
+                  <c:v>42</c:v>
+                </c:pt>
+                <c:pt idx="46">
+                  <c:v>42</c:v>
+                </c:pt>
+                <c:pt idx="47">
+                  <c:v>42</c:v>
+                </c:pt>
+                <c:pt idx="48">
+                  <c:v>42</c:v>
+                </c:pt>
+                <c:pt idx="49">
+                  <c:v>42</c:v>
+                </c:pt>
+              </c:numCache>
+            </c:numRef>
+          </c:yVal>
+          <c:smooth val="0"/>
+          <c:extLst>
+            <c:ext xmlns:c16="http://schemas.microsoft.com/office/drawing/2014/chart" uri="{C3380CC4-5D6E-409C-BE32-E72D297353CC}">
+              <c16:uniqueId val="{00000001-D599-426B-BDA1-0F508110F999}"/>
+            </c:ext>
+          </c:extLst>
+        </c:ser>
+        <c:dLbls>
+          <c:showLegendKey val="0"/>
+          <c:showVal val="0"/>
+          <c:showCatName val="0"/>
+          <c:showSerName val="0"/>
+          <c:showPercent val="0"/>
+          <c:showBubbleSize val="0"/>
+        </c:dLbls>
+        <c:axId val="61357630"/>
+        <c:axId val="36929890"/>
+      </c:scatterChart>
+      <c:valAx>
+        <c:axId val="61357630"/>
+        <c:scaling>
+          <c:orientation val="minMax"/>
+        </c:scaling>
+        <c:delete val="0"/>
+        <c:axPos val="b"/>
+        <c:title>
+          <c:tx>
+            <c:rich>
+              <a:bodyPr/>
+              <a:lstStyle/>
+              <a:p>
+                <a:pPr>
+                  <a:defRPr/>
+                </a:pPr>
+                <a:r>
+                  <a:rPr lang="fr-FR" dirty="0"/>
+                  <a:t>Charge aléatoire</a:t>
+                </a:r>
+              </a:p>
+            </c:rich>
+          </c:tx>
+          <c:overlay val="0"/>
+        </c:title>
+        <c:numFmt formatCode="General" sourceLinked="1"/>
+        <c:majorTickMark val="out"/>
+        <c:minorTickMark val="none"/>
+        <c:tickLblPos val="nextTo"/>
+        <c:spPr>
+          <a:ln>
+            <a:solidFill>
+              <a:srgbClr val="B3B3B3"/>
+            </a:solidFill>
+          </a:ln>
+        </c:spPr>
+        <c:txPr>
+          <a:bodyPr/>
+          <a:lstStyle/>
+          <a:p>
+            <a:pPr>
+              <a:defRPr sz="1000" b="0" strike="noStrike" spc="-1">
+                <a:solidFill>
+                  <a:srgbClr val="000000"/>
+                </a:solidFill>
+                <a:uFill>
+                  <a:solidFill>
+                    <a:srgbClr val="FFFFFF"/>
+                  </a:solidFill>
+                </a:uFill>
+                <a:latin typeface="Arial"/>
+              </a:defRPr>
+            </a:pPr>
+            <a:endParaRPr lang="fr-FR"/>
+          </a:p>
+        </c:txPr>
+        <c:crossAx val="36929890"/>
+        <c:crosses val="autoZero"/>
+        <c:crossBetween val="midCat"/>
+      </c:valAx>
+      <c:valAx>
+        <c:axId val="36929890"/>
+        <c:scaling>
+          <c:orientation val="minMax"/>
+        </c:scaling>
+        <c:delete val="0"/>
+        <c:axPos val="l"/>
+        <c:majorGridlines>
+          <c:spPr>
+            <a:ln>
+              <a:solidFill>
+                <a:srgbClr val="B3B3B3"/>
+              </a:solidFill>
+            </a:ln>
+          </c:spPr>
+        </c:majorGridlines>
+        <c:title>
+          <c:tx>
+            <c:rich>
+              <a:bodyPr/>
+              <a:lstStyle/>
+              <a:p>
+                <a:pPr>
+                  <a:defRPr/>
+                </a:pPr>
+                <a:r>
+                  <a:rPr lang="fr-FR" dirty="0"/>
+                  <a:t>Délai</a:t>
+                </a:r>
+              </a:p>
+            </c:rich>
+          </c:tx>
+          <c:overlay val="0"/>
+        </c:title>
+        <c:numFmt formatCode="General" sourceLinked="1"/>
+        <c:majorTickMark val="out"/>
+        <c:minorTickMark val="none"/>
+        <c:tickLblPos val="nextTo"/>
+        <c:spPr>
+          <a:ln>
+            <a:solidFill>
+              <a:srgbClr val="B3B3B3"/>
+            </a:solidFill>
+          </a:ln>
+        </c:spPr>
+        <c:txPr>
+          <a:bodyPr/>
+          <a:lstStyle/>
+          <a:p>
+            <a:pPr>
+              <a:defRPr sz="1000" b="0" strike="noStrike" spc="-1">
+                <a:solidFill>
+                  <a:srgbClr val="000000"/>
+                </a:solidFill>
+                <a:uFill>
+                  <a:solidFill>
+                    <a:srgbClr val="FFFFFF"/>
+                  </a:solidFill>
+                </a:uFill>
+                <a:latin typeface="Arial"/>
+              </a:defRPr>
+            </a:pPr>
+            <a:endParaRPr lang="fr-FR"/>
+          </a:p>
+        </c:txPr>
+        <c:crossAx val="61357630"/>
+        <c:crosses val="autoZero"/>
+        <c:crossBetween val="midCat"/>
+      </c:valAx>
+      <c:spPr>
+        <a:noFill/>
+        <a:ln>
+          <a:solidFill>
+            <a:srgbClr val="B3B3B3"/>
+          </a:solidFill>
+        </a:ln>
+      </c:spPr>
+    </c:plotArea>
+    <c:legend>
+      <c:legendPos val="r"/>
+      <c:overlay val="0"/>
+      <c:spPr>
+        <a:noFill/>
+        <a:ln>
+          <a:noFill/>
+        </a:ln>
+      </c:spPr>
+    </c:legend>
+    <c:plotVisOnly val="1"/>
+    <c:dispBlanksAs val="span"/>
+    <c:showDLblsOverMax val="1"/>
+  </c:chart>
+  <c:spPr>
+    <a:solidFill>
+      <a:srgbClr val="FFFFFF"/>
+    </a:solidFill>
+    <a:ln>
+      <a:noFill/>
+    </a:ln>
+  </c:spPr>
+  <c:externalData r:id="rId1">
+    <c:autoUpdate val="0"/>
+  </c:externalData>
+</c:chartSpace>
+</file>
+
+<file path=ppt/charts/chart7.xml><?xml version="1.0" encoding="utf-8"?>
+<c:chartSpace xmlns:c="http://schemas.openxmlformats.org/drawingml/2006/chart" xmlns:a="http://schemas.openxmlformats.org/drawingml/2006/main" xmlns:r="http://schemas.openxmlformats.org/officeDocument/2006/relationships" xmlns:c16r2="http://schemas.microsoft.com/office/drawing/2015/06/chart">
+  <c:date1904 val="0"/>
+  <c:lang val="fr-FR"/>
+  <c:roundedCorners val="0"/>
+  <mc:AlternateContent xmlns:mc="http://schemas.openxmlformats.org/markup-compatibility/2006">
+    <mc:Choice xmlns:c14="http://schemas.microsoft.com/office/drawing/2007/8/2/chart" Requires="c14">
+      <c14:style val="102"/>
+    </mc:Choice>
+    <mc:Fallback>
+      <c:style val="2"/>
+    </mc:Fallback>
+  </mc:AlternateContent>
+  <c:chart>
+    <c:title>
+      <c:tx>
+        <c:rich>
+          <a:bodyPr/>
+          <a:lstStyle/>
+          <a:p>
+            <a:pPr>
+              <a:defRPr/>
+            </a:pPr>
+            <a:r>
+              <a:rPr lang="fr-FR" sz="2400"/>
+              <a:t>Débit en Beamforming</a:t>
+            </a:r>
+          </a:p>
+        </c:rich>
+      </c:tx>
+      <c:overlay val="0"/>
+    </c:title>
+    <c:autoTitleDeleted val="0"/>
+    <c:plotArea>
+      <c:layout/>
+      <c:scatterChart>
+        <c:scatterStyle val="lineMarker"/>
+        <c:varyColors val="0"/>
+        <c:ser>
+          <c:idx val="0"/>
+          <c:order val="0"/>
+          <c:tx>
+            <c:strRef>
+              <c:f>Feuille1!$F$169</c:f>
+              <c:strCache>
+                <c:ptCount val="1"/>
+                <c:pt idx="0">
+                  <c:v>DebitBeam</c:v>
+                </c:pt>
+              </c:strCache>
+            </c:strRef>
+          </c:tx>
+          <c:spPr>
+            <a:ln w="28800">
+              <a:solidFill>
+                <a:srgbClr val="004586"/>
+              </a:solidFill>
+              <a:round/>
+            </a:ln>
+          </c:spPr>
+          <c:marker>
+            <c:symbol val="square"/>
+            <c:size val="8"/>
+            <c:spPr>
+              <a:solidFill>
+                <a:srgbClr val="004586"/>
+              </a:solidFill>
+            </c:spPr>
+          </c:marker>
+          <c:dLbls>
+            <c:spPr>
+              <a:noFill/>
+              <a:ln>
+                <a:noFill/>
+              </a:ln>
+              <a:effectLst/>
+            </c:spPr>
+            <c:showLegendKey val="0"/>
+            <c:showVal val="0"/>
+            <c:showCatName val="0"/>
+            <c:showSerName val="0"/>
+            <c:showPercent val="0"/>
+            <c:showBubbleSize val="1"/>
+            <c:showLeaderLines val="0"/>
+            <c:extLst>
+              <c:ext xmlns:c15="http://schemas.microsoft.com/office/drawing/2012/chart" uri="{CE6537A1-D6FC-4f65-9D91-7224C49458BB}">
+                <c15:showLeaderLines val="0"/>
+              </c:ext>
+            </c:extLst>
+          </c:dLbls>
+          <c:xVal>
+            <c:numRef>
+              <c:f>Feuille1!$A$170:$A$219</c:f>
+              <c:numCache>
+                <c:formatCode>General</c:formatCode>
+                <c:ptCount val="50"/>
+                <c:pt idx="0">
+                  <c:v>0</c:v>
+                </c:pt>
+                <c:pt idx="1">
+                  <c:v>1</c:v>
+                </c:pt>
+                <c:pt idx="2">
+                  <c:v>2</c:v>
+                </c:pt>
+                <c:pt idx="3">
+                  <c:v>3</c:v>
+                </c:pt>
+                <c:pt idx="4">
+                  <c:v>4</c:v>
+                </c:pt>
+                <c:pt idx="5">
+                  <c:v>5</c:v>
+                </c:pt>
+                <c:pt idx="6">
+                  <c:v>6</c:v>
+                </c:pt>
+                <c:pt idx="7">
+                  <c:v>7</c:v>
+                </c:pt>
+                <c:pt idx="8">
+                  <c:v>8</c:v>
+                </c:pt>
+                <c:pt idx="9">
+                  <c:v>9</c:v>
+                </c:pt>
+                <c:pt idx="10">
+                  <c:v>10</c:v>
+                </c:pt>
+                <c:pt idx="11">
+                  <c:v>11</c:v>
+                </c:pt>
+                <c:pt idx="12">
+                  <c:v>12</c:v>
+                </c:pt>
+                <c:pt idx="13">
+                  <c:v>13</c:v>
+                </c:pt>
+                <c:pt idx="14">
+                  <c:v>14</c:v>
+                </c:pt>
+                <c:pt idx="15">
+                  <c:v>15</c:v>
+                </c:pt>
+                <c:pt idx="16">
+                  <c:v>16</c:v>
+                </c:pt>
+                <c:pt idx="17">
+                  <c:v>17</c:v>
+                </c:pt>
+                <c:pt idx="18">
+                  <c:v>18</c:v>
+                </c:pt>
+                <c:pt idx="19">
+                  <c:v>19</c:v>
+                </c:pt>
+                <c:pt idx="20">
+                  <c:v>20</c:v>
+                </c:pt>
+                <c:pt idx="21">
+                  <c:v>21</c:v>
+                </c:pt>
+                <c:pt idx="22">
+                  <c:v>22</c:v>
+                </c:pt>
+                <c:pt idx="23">
+                  <c:v>23</c:v>
+                </c:pt>
+                <c:pt idx="24">
+                  <c:v>24</c:v>
+                </c:pt>
+                <c:pt idx="25">
+                  <c:v>25</c:v>
+                </c:pt>
+                <c:pt idx="26">
+                  <c:v>26</c:v>
+                </c:pt>
+                <c:pt idx="27">
+                  <c:v>27</c:v>
+                </c:pt>
+                <c:pt idx="28">
+                  <c:v>28</c:v>
+                </c:pt>
+                <c:pt idx="29">
+                  <c:v>29</c:v>
+                </c:pt>
+                <c:pt idx="30">
+                  <c:v>30</c:v>
+                </c:pt>
+                <c:pt idx="31">
+                  <c:v>31</c:v>
+                </c:pt>
+                <c:pt idx="32">
+                  <c:v>32</c:v>
+                </c:pt>
+                <c:pt idx="33">
+                  <c:v>33</c:v>
+                </c:pt>
+                <c:pt idx="34">
+                  <c:v>34</c:v>
+                </c:pt>
+                <c:pt idx="35">
+                  <c:v>35</c:v>
+                </c:pt>
+                <c:pt idx="36">
+                  <c:v>36</c:v>
+                </c:pt>
+                <c:pt idx="37">
+                  <c:v>37</c:v>
+                </c:pt>
+                <c:pt idx="38">
+                  <c:v>38</c:v>
+                </c:pt>
+                <c:pt idx="39">
+                  <c:v>39</c:v>
+                </c:pt>
+                <c:pt idx="40">
+                  <c:v>40</c:v>
+                </c:pt>
+                <c:pt idx="41">
+                  <c:v>41</c:v>
+                </c:pt>
+                <c:pt idx="42">
+                  <c:v>42</c:v>
+                </c:pt>
+                <c:pt idx="43">
+                  <c:v>43</c:v>
+                </c:pt>
+                <c:pt idx="44">
+                  <c:v>44</c:v>
+                </c:pt>
+                <c:pt idx="45">
+                  <c:v>45</c:v>
+                </c:pt>
+                <c:pt idx="46">
+                  <c:v>46</c:v>
+                </c:pt>
+                <c:pt idx="47">
+                  <c:v>47</c:v>
+                </c:pt>
+                <c:pt idx="48">
+                  <c:v>48</c:v>
+                </c:pt>
+                <c:pt idx="49">
+                  <c:v>49</c:v>
+                </c:pt>
+              </c:numCache>
+            </c:numRef>
+          </c:xVal>
+          <c:yVal>
+            <c:numRef>
+              <c:f>Feuille1!$F$170:$F$219</c:f>
+              <c:numCache>
+                <c:formatCode>General</c:formatCode>
+                <c:ptCount val="50"/>
+                <c:pt idx="0">
+                  <c:v>25</c:v>
+                </c:pt>
+                <c:pt idx="1">
+                  <c:v>34</c:v>
+                </c:pt>
+                <c:pt idx="2">
+                  <c:v>44</c:v>
+                </c:pt>
+                <c:pt idx="3">
+                  <c:v>54</c:v>
+                </c:pt>
+                <c:pt idx="4">
+                  <c:v>65</c:v>
+                </c:pt>
+                <c:pt idx="5">
+                  <c:v>74</c:v>
+                </c:pt>
+                <c:pt idx="6">
+                  <c:v>85</c:v>
+                </c:pt>
+                <c:pt idx="7">
+                  <c:v>95</c:v>
+                </c:pt>
+                <c:pt idx="8">
+                  <c:v>104</c:v>
+                </c:pt>
+                <c:pt idx="9">
+                  <c:v>114</c:v>
+                </c:pt>
+                <c:pt idx="10">
+                  <c:v>125</c:v>
+                </c:pt>
+                <c:pt idx="11">
+                  <c:v>134</c:v>
+                </c:pt>
+                <c:pt idx="12">
+                  <c:v>144</c:v>
+                </c:pt>
+                <c:pt idx="13">
+                  <c:v>155</c:v>
+                </c:pt>
+                <c:pt idx="14">
+                  <c:v>164</c:v>
+                </c:pt>
+                <c:pt idx="15">
+                  <c:v>175</c:v>
+                </c:pt>
+                <c:pt idx="16">
+                  <c:v>184</c:v>
+                </c:pt>
+                <c:pt idx="17">
+                  <c:v>194</c:v>
+                </c:pt>
+                <c:pt idx="18">
+                  <c:v>204</c:v>
+                </c:pt>
+                <c:pt idx="19">
+                  <c:v>214</c:v>
+                </c:pt>
+                <c:pt idx="20">
+                  <c:v>224</c:v>
+                </c:pt>
+                <c:pt idx="21">
+                  <c:v>234</c:v>
+                </c:pt>
+                <c:pt idx="22">
+                  <c:v>244</c:v>
+                </c:pt>
+                <c:pt idx="23">
+                  <c:v>254</c:v>
+                </c:pt>
+                <c:pt idx="24">
+                  <c:v>264</c:v>
+                </c:pt>
+                <c:pt idx="25">
+                  <c:v>275</c:v>
+                </c:pt>
+                <c:pt idx="26">
+                  <c:v>285</c:v>
+                </c:pt>
+                <c:pt idx="27">
+                  <c:v>294</c:v>
+                </c:pt>
+                <c:pt idx="28">
+                  <c:v>304</c:v>
+                </c:pt>
+                <c:pt idx="29">
+                  <c:v>314</c:v>
+                </c:pt>
+                <c:pt idx="30">
+                  <c:v>324</c:v>
+                </c:pt>
+                <c:pt idx="31">
+                  <c:v>335</c:v>
+                </c:pt>
+                <c:pt idx="32">
+                  <c:v>344</c:v>
+                </c:pt>
+                <c:pt idx="33">
+                  <c:v>355</c:v>
+                </c:pt>
+                <c:pt idx="34">
+                  <c:v>364</c:v>
+                </c:pt>
+                <c:pt idx="35">
+                  <c:v>375</c:v>
+                </c:pt>
+                <c:pt idx="36">
+                  <c:v>385</c:v>
+                </c:pt>
+                <c:pt idx="37">
+                  <c:v>395</c:v>
+                </c:pt>
+                <c:pt idx="38">
+                  <c:v>405</c:v>
+                </c:pt>
+                <c:pt idx="39">
+                  <c:v>415</c:v>
+                </c:pt>
+                <c:pt idx="40">
+                  <c:v>424</c:v>
+                </c:pt>
+                <c:pt idx="41">
+                  <c:v>435</c:v>
+                </c:pt>
+                <c:pt idx="42">
+                  <c:v>445</c:v>
+                </c:pt>
+                <c:pt idx="43">
+                  <c:v>455</c:v>
+                </c:pt>
+                <c:pt idx="44">
+                  <c:v>464</c:v>
+                </c:pt>
+                <c:pt idx="45">
+                  <c:v>474</c:v>
+                </c:pt>
+                <c:pt idx="46">
+                  <c:v>482</c:v>
+                </c:pt>
+                <c:pt idx="47">
+                  <c:v>484</c:v>
+                </c:pt>
+                <c:pt idx="48">
+                  <c:v>483</c:v>
+                </c:pt>
+                <c:pt idx="49">
+                  <c:v>484</c:v>
+                </c:pt>
+              </c:numCache>
+            </c:numRef>
+          </c:yVal>
+          <c:smooth val="0"/>
+          <c:extLst>
+            <c:ext xmlns:c16="http://schemas.microsoft.com/office/drawing/2014/chart" uri="{C3380CC4-5D6E-409C-BE32-E72D297353CC}">
+              <c16:uniqueId val="{00000000-A27B-475A-B0E9-91F56EF66E9A}"/>
+            </c:ext>
+          </c:extLst>
+        </c:ser>
+        <c:ser>
+          <c:idx val="1"/>
+          <c:order val="1"/>
+          <c:tx>
+            <c:strRef>
+              <c:f>Feuille1!$G$169</c:f>
+              <c:strCache>
+                <c:ptCount val="1"/>
+                <c:pt idx="0">
+                  <c:v>DebitNoBeam</c:v>
+                </c:pt>
+              </c:strCache>
+            </c:strRef>
+          </c:tx>
+          <c:spPr>
+            <a:ln w="28800">
+              <a:solidFill>
+                <a:srgbClr val="FF420E"/>
+              </a:solidFill>
+              <a:round/>
+            </a:ln>
+          </c:spPr>
+          <c:marker>
+            <c:symbol val="diamond"/>
+            <c:size val="8"/>
+            <c:spPr>
+              <a:solidFill>
+                <a:srgbClr val="FF420E"/>
+              </a:solidFill>
+            </c:spPr>
+          </c:marker>
+          <c:dLbls>
+            <c:spPr>
+              <a:noFill/>
+              <a:ln>
+                <a:noFill/>
+              </a:ln>
+              <a:effectLst/>
+            </c:spPr>
+            <c:showLegendKey val="0"/>
+            <c:showVal val="0"/>
+            <c:showCatName val="0"/>
+            <c:showSerName val="0"/>
+            <c:showPercent val="0"/>
+            <c:showBubbleSize val="1"/>
+            <c:showLeaderLines val="0"/>
+            <c:extLst>
+              <c:ext xmlns:c15="http://schemas.microsoft.com/office/drawing/2012/chart" uri="{CE6537A1-D6FC-4f65-9D91-7224C49458BB}">
+                <c15:showLeaderLines val="0"/>
+              </c:ext>
+            </c:extLst>
+          </c:dLbls>
+          <c:xVal>
+            <c:numRef>
+              <c:f>Feuille1!$A$170:$A$219</c:f>
+              <c:numCache>
+                <c:formatCode>General</c:formatCode>
+                <c:ptCount val="50"/>
+                <c:pt idx="0">
+                  <c:v>0</c:v>
+                </c:pt>
+                <c:pt idx="1">
+                  <c:v>1</c:v>
+                </c:pt>
+                <c:pt idx="2">
+                  <c:v>2</c:v>
+                </c:pt>
+                <c:pt idx="3">
+                  <c:v>3</c:v>
+                </c:pt>
+                <c:pt idx="4">
+                  <c:v>4</c:v>
+                </c:pt>
+                <c:pt idx="5">
+                  <c:v>5</c:v>
+                </c:pt>
+                <c:pt idx="6">
+                  <c:v>6</c:v>
+                </c:pt>
+                <c:pt idx="7">
+                  <c:v>7</c:v>
+                </c:pt>
+                <c:pt idx="8">
+                  <c:v>8</c:v>
+                </c:pt>
+                <c:pt idx="9">
+                  <c:v>9</c:v>
+                </c:pt>
+                <c:pt idx="10">
+                  <c:v>10</c:v>
+                </c:pt>
+                <c:pt idx="11">
+                  <c:v>11</c:v>
+                </c:pt>
+                <c:pt idx="12">
+                  <c:v>12</c:v>
+                </c:pt>
+                <c:pt idx="13">
+                  <c:v>13</c:v>
+                </c:pt>
+                <c:pt idx="14">
+                  <c:v>14</c:v>
+                </c:pt>
+                <c:pt idx="15">
+                  <c:v>15</c:v>
+                </c:pt>
+                <c:pt idx="16">
+                  <c:v>16</c:v>
+                </c:pt>
+                <c:pt idx="17">
+                  <c:v>17</c:v>
+                </c:pt>
+                <c:pt idx="18">
+                  <c:v>18</c:v>
+                </c:pt>
+                <c:pt idx="19">
+                  <c:v>19</c:v>
+                </c:pt>
+                <c:pt idx="20">
+                  <c:v>20</c:v>
+                </c:pt>
+                <c:pt idx="21">
+                  <c:v>21</c:v>
+                </c:pt>
+                <c:pt idx="22">
+                  <c:v>22</c:v>
+                </c:pt>
+                <c:pt idx="23">
+                  <c:v>23</c:v>
+                </c:pt>
+                <c:pt idx="24">
+                  <c:v>24</c:v>
+                </c:pt>
+                <c:pt idx="25">
+                  <c:v>25</c:v>
+                </c:pt>
+                <c:pt idx="26">
+                  <c:v>26</c:v>
+                </c:pt>
+                <c:pt idx="27">
+                  <c:v>27</c:v>
+                </c:pt>
+                <c:pt idx="28">
+                  <c:v>28</c:v>
+                </c:pt>
+                <c:pt idx="29">
+                  <c:v>29</c:v>
+                </c:pt>
+                <c:pt idx="30">
+                  <c:v>30</c:v>
+                </c:pt>
+                <c:pt idx="31">
+                  <c:v>31</c:v>
+                </c:pt>
+                <c:pt idx="32">
+                  <c:v>32</c:v>
+                </c:pt>
+                <c:pt idx="33">
+                  <c:v>33</c:v>
+                </c:pt>
+                <c:pt idx="34">
+                  <c:v>34</c:v>
+                </c:pt>
+                <c:pt idx="35">
+                  <c:v>35</c:v>
+                </c:pt>
+                <c:pt idx="36">
+                  <c:v>36</c:v>
+                </c:pt>
+                <c:pt idx="37">
+                  <c:v>37</c:v>
+                </c:pt>
+                <c:pt idx="38">
+                  <c:v>38</c:v>
+                </c:pt>
+                <c:pt idx="39">
+                  <c:v>39</c:v>
+                </c:pt>
+                <c:pt idx="40">
+                  <c:v>40</c:v>
+                </c:pt>
+                <c:pt idx="41">
+                  <c:v>41</c:v>
+                </c:pt>
+                <c:pt idx="42">
+                  <c:v>42</c:v>
+                </c:pt>
+                <c:pt idx="43">
+                  <c:v>43</c:v>
+                </c:pt>
+                <c:pt idx="44">
+                  <c:v>44</c:v>
+                </c:pt>
+                <c:pt idx="45">
+                  <c:v>45</c:v>
+                </c:pt>
+                <c:pt idx="46">
+                  <c:v>46</c:v>
+                </c:pt>
+                <c:pt idx="47">
+                  <c:v>47</c:v>
+                </c:pt>
+                <c:pt idx="48">
+                  <c:v>48</c:v>
+                </c:pt>
+                <c:pt idx="49">
+                  <c:v>49</c:v>
+                </c:pt>
+              </c:numCache>
+            </c:numRef>
+          </c:xVal>
+          <c:yVal>
+            <c:numRef>
+              <c:f>Feuille1!$G$170:$G$219</c:f>
+              <c:numCache>
+                <c:formatCode>General</c:formatCode>
+                <c:ptCount val="50"/>
+                <c:pt idx="0">
+                  <c:v>23</c:v>
+                </c:pt>
+                <c:pt idx="1">
+                  <c:v>35</c:v>
+                </c:pt>
+                <c:pt idx="2">
+                  <c:v>44</c:v>
+                </c:pt>
+                <c:pt idx="3">
+                  <c:v>54</c:v>
+                </c:pt>
+                <c:pt idx="4">
+                  <c:v>65</c:v>
+                </c:pt>
+                <c:pt idx="5">
+                  <c:v>74</c:v>
+                </c:pt>
+                <c:pt idx="6">
+                  <c:v>85</c:v>
+                </c:pt>
+                <c:pt idx="7">
+                  <c:v>96</c:v>
+                </c:pt>
+                <c:pt idx="8">
+                  <c:v>105</c:v>
+                </c:pt>
+                <c:pt idx="9">
+                  <c:v>115</c:v>
+                </c:pt>
+                <c:pt idx="10">
+                  <c:v>125</c:v>
+                </c:pt>
+                <c:pt idx="11">
+                  <c:v>135</c:v>
+                </c:pt>
+                <c:pt idx="12">
+                  <c:v>144</c:v>
+                </c:pt>
+                <c:pt idx="13">
+                  <c:v>155</c:v>
+                </c:pt>
+                <c:pt idx="14">
+                  <c:v>164</c:v>
+                </c:pt>
+                <c:pt idx="15">
+                  <c:v>174</c:v>
+                </c:pt>
+                <c:pt idx="16">
+                  <c:v>185</c:v>
+                </c:pt>
+                <c:pt idx="17">
+                  <c:v>194</c:v>
+                </c:pt>
+                <c:pt idx="18">
+                  <c:v>203</c:v>
+                </c:pt>
+                <c:pt idx="19">
+                  <c:v>214</c:v>
+                </c:pt>
+                <c:pt idx="20">
+                  <c:v>225</c:v>
+                </c:pt>
+                <c:pt idx="21">
+                  <c:v>235</c:v>
+                </c:pt>
+                <c:pt idx="22">
+                  <c:v>241</c:v>
+                </c:pt>
+                <c:pt idx="23">
+                  <c:v>241</c:v>
+                </c:pt>
+                <c:pt idx="24">
+                  <c:v>242</c:v>
+                </c:pt>
+                <c:pt idx="25">
+                  <c:v>241</c:v>
+                </c:pt>
+                <c:pt idx="26">
+                  <c:v>241</c:v>
+                </c:pt>
+                <c:pt idx="27">
+                  <c:v>241</c:v>
+                </c:pt>
+                <c:pt idx="28">
+                  <c:v>241</c:v>
+                </c:pt>
+                <c:pt idx="29">
+                  <c:v>241</c:v>
+                </c:pt>
+                <c:pt idx="30">
+                  <c:v>241</c:v>
+                </c:pt>
+                <c:pt idx="31">
+                  <c:v>241</c:v>
+                </c:pt>
+                <c:pt idx="32">
+                  <c:v>241</c:v>
+                </c:pt>
+                <c:pt idx="33">
+                  <c:v>242</c:v>
+                </c:pt>
+                <c:pt idx="34">
+                  <c:v>241</c:v>
+                </c:pt>
+                <c:pt idx="35">
+                  <c:v>241</c:v>
+                </c:pt>
+                <c:pt idx="36">
+                  <c:v>242</c:v>
+                </c:pt>
+                <c:pt idx="37">
+                  <c:v>241</c:v>
+                </c:pt>
+                <c:pt idx="38">
+                  <c:v>241</c:v>
+                </c:pt>
+                <c:pt idx="39">
+                  <c:v>241</c:v>
+                </c:pt>
+                <c:pt idx="40">
+                  <c:v>241</c:v>
+                </c:pt>
+                <c:pt idx="41">
+                  <c:v>241</c:v>
+                </c:pt>
+                <c:pt idx="42">
+                  <c:v>241</c:v>
+                </c:pt>
+                <c:pt idx="43">
+                  <c:v>241</c:v>
+                </c:pt>
+                <c:pt idx="44">
+                  <c:v>241</c:v>
+                </c:pt>
+                <c:pt idx="45">
+                  <c:v>242</c:v>
+                </c:pt>
+                <c:pt idx="46">
+                  <c:v>241</c:v>
+                </c:pt>
+                <c:pt idx="47">
+                  <c:v>241</c:v>
+                </c:pt>
+                <c:pt idx="48">
+                  <c:v>242</c:v>
+                </c:pt>
+                <c:pt idx="49">
+                  <c:v>242</c:v>
+                </c:pt>
+              </c:numCache>
+            </c:numRef>
+          </c:yVal>
+          <c:smooth val="0"/>
+          <c:extLst>
+            <c:ext xmlns:c16="http://schemas.microsoft.com/office/drawing/2014/chart" uri="{C3380CC4-5D6E-409C-BE32-E72D297353CC}">
+              <c16:uniqueId val="{00000001-A27B-475A-B0E9-91F56EF66E9A}"/>
+            </c:ext>
+          </c:extLst>
+        </c:ser>
+        <c:dLbls>
+          <c:showLegendKey val="0"/>
+          <c:showVal val="0"/>
+          <c:showCatName val="0"/>
+          <c:showSerName val="0"/>
+          <c:showPercent val="0"/>
+          <c:showBubbleSize val="0"/>
+        </c:dLbls>
+        <c:axId val="48012777"/>
+        <c:axId val="79799314"/>
+      </c:scatterChart>
+      <c:valAx>
+        <c:axId val="48012777"/>
+        <c:scaling>
+          <c:orientation val="minMax"/>
+        </c:scaling>
+        <c:delete val="0"/>
+        <c:axPos val="b"/>
+        <c:numFmt formatCode="General" sourceLinked="1"/>
+        <c:majorTickMark val="out"/>
+        <c:minorTickMark val="none"/>
+        <c:tickLblPos val="nextTo"/>
+        <c:spPr>
+          <a:ln>
+            <a:solidFill>
+              <a:srgbClr val="B3B3B3"/>
+            </a:solidFill>
+          </a:ln>
+        </c:spPr>
+        <c:txPr>
+          <a:bodyPr/>
+          <a:lstStyle/>
+          <a:p>
+            <a:pPr>
+              <a:defRPr sz="1000" b="0" strike="noStrike" spc="-1">
+                <a:solidFill>
+                  <a:srgbClr val="000000"/>
+                </a:solidFill>
+                <a:uFill>
+                  <a:solidFill>
+                    <a:srgbClr val="FFFFFF"/>
+                  </a:solidFill>
+                </a:uFill>
+                <a:latin typeface="Arial"/>
+              </a:defRPr>
+            </a:pPr>
+            <a:endParaRPr lang="fr-FR"/>
+          </a:p>
+        </c:txPr>
+        <c:crossAx val="79799314"/>
+        <c:crosses val="autoZero"/>
+        <c:crossBetween val="midCat"/>
+      </c:valAx>
+      <c:valAx>
+        <c:axId val="79799314"/>
+        <c:scaling>
+          <c:orientation val="minMax"/>
+        </c:scaling>
+        <c:delete val="0"/>
+        <c:axPos val="l"/>
+        <c:majorGridlines>
+          <c:spPr>
+            <a:ln>
+              <a:solidFill>
+                <a:srgbClr val="B3B3B3"/>
+              </a:solidFill>
+            </a:ln>
+          </c:spPr>
+        </c:majorGridlines>
+        <c:numFmt formatCode="General" sourceLinked="1"/>
+        <c:majorTickMark val="out"/>
+        <c:minorTickMark val="none"/>
+        <c:tickLblPos val="nextTo"/>
+        <c:spPr>
+          <a:ln>
+            <a:solidFill>
+              <a:srgbClr val="B3B3B3"/>
+            </a:solidFill>
+          </a:ln>
+        </c:spPr>
+        <c:txPr>
+          <a:bodyPr/>
+          <a:lstStyle/>
+          <a:p>
+            <a:pPr>
+              <a:defRPr sz="1000" b="0" strike="noStrike" spc="-1">
+                <a:solidFill>
+                  <a:srgbClr val="000000"/>
+                </a:solidFill>
+                <a:uFill>
+                  <a:solidFill>
+                    <a:srgbClr val="FFFFFF"/>
+                  </a:solidFill>
+                </a:uFill>
+                <a:latin typeface="Arial"/>
+              </a:defRPr>
+            </a:pPr>
+            <a:endParaRPr lang="fr-FR"/>
+          </a:p>
+        </c:txPr>
+        <c:crossAx val="48012777"/>
         <c:crosses val="autoZero"/>
         <c:crossBetween val="midCat"/>
       </c:valAx>
@@ -12036,7 +9483,7 @@
                   </a:srgbClr>
                 </a:solidFill>
               </a:rPr>
-              <a:t>Demande fixe</a:t>
+              <a:t>Demande variable</a:t>
             </a:r>
             <a:endParaRPr lang="fr-FR" dirty="0"/>
           </a:p>
@@ -12044,10 +9491,10 @@
       </p:sp>
       <p:graphicFrame>
         <p:nvGraphicFramePr>
-          <p:cNvPr id="7" name="Espace réservé du contenu 6">
+          <p:cNvPr id="5" name="Espace réservé du contenu 4">
             <a:extLst>
               <a:ext uri="{FF2B5EF4-FFF2-40B4-BE49-F238E27FC236}">
-                <a16:creationId xmlns:a16="http://schemas.microsoft.com/office/drawing/2014/main" id="{00000000-0008-0000-0000-000002000000}"/>
+                <a16:creationId xmlns:a16="http://schemas.microsoft.com/office/drawing/2014/main" id="{00000000-0008-0000-0000-000005000000}"/>
               </a:ext>
             </a:extLst>
           </p:cNvPr>
@@ -12058,7 +9505,7 @@
             <p:ph idx="1"/>
             <p:extLst>
               <p:ext uri="{D42A27DB-BD31-4B8C-83A1-F6EECF244321}">
-                <p14:modId xmlns:p14="http://schemas.microsoft.com/office/powerpoint/2010/main" val="1411067735"/>
+                <p14:modId xmlns:p14="http://schemas.microsoft.com/office/powerpoint/2010/main" val="3555008270"/>
               </p:ext>
             </p:extLst>
           </p:nvPr>
@@ -12099,7 +9546,7 @@
     </p:spTree>
     <p:extLst>
       <p:ext uri="{BB962C8B-B14F-4D97-AF65-F5344CB8AC3E}">
-        <p14:creationId xmlns:p14="http://schemas.microsoft.com/office/powerpoint/2010/main" val="977091393"/>
+        <p14:creationId xmlns:p14="http://schemas.microsoft.com/office/powerpoint/2010/main" val="4260078668"/>
       </p:ext>
     </p:extLst>
   </p:cSld>
@@ -12157,7 +9604,7 @@
                   </a:srgbClr>
                 </a:solidFill>
               </a:rPr>
-              <a:t>Demande fixe</a:t>
+              <a:t>Demande variable</a:t>
             </a:r>
             <a:endParaRPr lang="fr-FR" dirty="0"/>
           </a:p>
@@ -12165,10 +9612,10 @@
       </p:sp>
       <p:graphicFrame>
         <p:nvGraphicFramePr>
-          <p:cNvPr id="6" name="Espace réservé du contenu 5">
+          <p:cNvPr id="7" name="Espace réservé du contenu 6">
             <a:extLst>
               <a:ext uri="{FF2B5EF4-FFF2-40B4-BE49-F238E27FC236}">
-                <a16:creationId xmlns:a16="http://schemas.microsoft.com/office/drawing/2014/main" id="{00000000-0008-0000-0000-000004000000}"/>
+                <a16:creationId xmlns:a16="http://schemas.microsoft.com/office/drawing/2014/main" id="{00000000-0008-0000-0000-000007000000}"/>
               </a:ext>
             </a:extLst>
           </p:cNvPr>
@@ -12179,7 +9626,7 @@
             <p:ph idx="1"/>
             <p:extLst>
               <p:ext uri="{D42A27DB-BD31-4B8C-83A1-F6EECF244321}">
-                <p14:modId xmlns:p14="http://schemas.microsoft.com/office/powerpoint/2010/main" val="729968679"/>
+                <p14:modId xmlns:p14="http://schemas.microsoft.com/office/powerpoint/2010/main" val="3125982812"/>
               </p:ext>
             </p:extLst>
           </p:nvPr>
@@ -12220,7 +9667,7 @@
     </p:spTree>
     <p:extLst>
       <p:ext uri="{BB962C8B-B14F-4D97-AF65-F5344CB8AC3E}">
-        <p14:creationId xmlns:p14="http://schemas.microsoft.com/office/powerpoint/2010/main" val="3692802849"/>
+        <p14:creationId xmlns:p14="http://schemas.microsoft.com/office/powerpoint/2010/main" val="3242890027"/>
       </p:ext>
     </p:extLst>
   </p:cSld>
@@ -12278,7 +9725,7 @@
                   </a:srgbClr>
                 </a:solidFill>
               </a:rPr>
-              <a:t>Demande fixe</a:t>
+              <a:t>Demande variable</a:t>
             </a:r>
             <a:endParaRPr lang="fr-FR" dirty="0"/>
           </a:p>
@@ -12289,7 +9736,7 @@
           <p:cNvPr id="5" name="Espace réservé du contenu 4">
             <a:extLst>
               <a:ext uri="{FF2B5EF4-FFF2-40B4-BE49-F238E27FC236}">
-                <a16:creationId xmlns:a16="http://schemas.microsoft.com/office/drawing/2014/main" id="{00000000-0008-0000-0000-000003000000}"/>
+                <a16:creationId xmlns:a16="http://schemas.microsoft.com/office/drawing/2014/main" id="{00000000-0008-0000-0000-000006000000}"/>
               </a:ext>
             </a:extLst>
           </p:cNvPr>
@@ -12300,7 +9747,7 @@
             <p:ph idx="1"/>
             <p:extLst>
               <p:ext uri="{D42A27DB-BD31-4B8C-83A1-F6EECF244321}">
-                <p14:modId xmlns:p14="http://schemas.microsoft.com/office/powerpoint/2010/main" val="1343225580"/>
+                <p14:modId xmlns:p14="http://schemas.microsoft.com/office/powerpoint/2010/main" val="2344392235"/>
               </p:ext>
             </p:extLst>
           </p:nvPr>
@@ -12341,7 +9788,7 @@
     </p:spTree>
     <p:extLst>
       <p:ext uri="{BB962C8B-B14F-4D97-AF65-F5344CB8AC3E}">
-        <p14:creationId xmlns:p14="http://schemas.microsoft.com/office/powerpoint/2010/main" val="3967113886"/>
+        <p14:creationId xmlns:p14="http://schemas.microsoft.com/office/powerpoint/2010/main" val="2371564252"/>
       </p:ext>
     </p:extLst>
   </p:cSld>
@@ -12385,65 +9832,19 @@
           <a:p>
             <a:r>
               <a:rPr lang="fr-FR" dirty="0"/>
-              <a:t>Résultats Scénario 1</a:t>
-            </a:r>
-            <a:br>
-              <a:rPr lang="fr-FR" dirty="0"/>
-            </a:br>
-            <a:r>
-              <a:rPr lang="fr-FR" sz="3600" dirty="0">
-                <a:solidFill>
-                  <a:srgbClr val="2E2B21">
-                    <a:lumMod val="90000"/>
-                    <a:lumOff val="10000"/>
-                  </a:srgbClr>
-                </a:solidFill>
-              </a:rPr>
-              <a:t>Demande variable</a:t>
-            </a:r>
-            <a:endParaRPr lang="fr-FR" dirty="0"/>
+              <a:t>Scénarii</a:t>
+            </a:r>
           </a:p>
         </p:txBody>
       </p:sp>
-      <p:graphicFrame>
-        <p:nvGraphicFramePr>
-          <p:cNvPr id="6" name="Espace réservé du contenu 5">
-            <a:extLst>
-              <a:ext uri="{FF2B5EF4-FFF2-40B4-BE49-F238E27FC236}">
-                <a16:creationId xmlns:a16="http://schemas.microsoft.com/office/drawing/2014/main" id="{00000000-0008-0000-0000-000008000000}"/>
-              </a:ext>
-            </a:extLst>
-          </p:cNvPr>
-          <p:cNvGraphicFramePr>
-            <a:graphicFrameLocks noGrp="1"/>
-          </p:cNvGraphicFramePr>
-          <p:nvPr>
-            <p:ph idx="1"/>
-            <p:extLst>
-              <p:ext uri="{D42A27DB-BD31-4B8C-83A1-F6EECF244321}">
-                <p14:modId xmlns:p14="http://schemas.microsoft.com/office/powerpoint/2010/main" val="3721599559"/>
-              </p:ext>
-            </p:extLst>
-          </p:nvPr>
-        </p:nvGraphicFramePr>
-        <p:xfrm>
-          <a:off x="1023938" y="2286000"/>
-          <a:ext cx="9720262" cy="4022725"/>
-        </p:xfrm>
-        <a:graphic>
-          <a:graphicData uri="http://schemas.openxmlformats.org/drawingml/2006/chart">
-            <c:chart xmlns:c="http://schemas.openxmlformats.org/drawingml/2006/chart" xmlns:r="http://schemas.openxmlformats.org/officeDocument/2006/relationships" r:id="rId2"/>
-          </a:graphicData>
-        </a:graphic>
-      </p:graphicFrame>
       <p:sp>
         <p:nvSpPr>
-          <p:cNvPr id="3" name="Espace réservé du numéro de diapositive 2"/>
+          <p:cNvPr id="3" name="Espace réservé du contenu 2"/>
           <p:cNvSpPr>
             <a:spLocks noGrp="1"/>
           </p:cNvSpPr>
           <p:nvPr>
-            <p:ph type="sldNum" sz="quarter" idx="12"/>
+            <p:ph idx="1"/>
           </p:nvPr>
         </p:nvSpPr>
         <p:spPr/>
@@ -12451,6 +9852,62 @@
           <a:bodyPr/>
           <a:lstStyle/>
           <a:p>
+            <a:r>
+              <a:rPr lang="fr-FR" sz="3200" b="1" dirty="0"/>
+              <a:t>Deuxième scénario</a:t>
+            </a:r>
+            <a:endParaRPr lang="fr-FR" b="1" dirty="0"/>
+          </a:p>
+          <a:p>
+            <a:r>
+              <a:rPr lang="fr-FR" dirty="0"/>
+              <a:t>Deux antennes</a:t>
+            </a:r>
+          </a:p>
+          <a:p>
+            <a:r>
+              <a:rPr lang="fr-FR" dirty="0"/>
+              <a:t>Un seul utilisateur</a:t>
+            </a:r>
+          </a:p>
+          <a:p>
+            <a:r>
+              <a:rPr lang="fr-FR" dirty="0"/>
+              <a:t>Pas d’interférence radio</a:t>
+            </a:r>
+          </a:p>
+          <a:p>
+            <a:r>
+              <a:rPr lang="fr-FR" dirty="0"/>
+              <a:t>Même distance d’une antenne à l’autre</a:t>
+            </a:r>
+          </a:p>
+          <a:p>
+            <a:r>
+              <a:rPr lang="fr-FR" dirty="0"/>
+              <a:t>Demande des utilisateurs variable</a:t>
+            </a:r>
+          </a:p>
+          <a:p>
+            <a:endParaRPr lang="fr-FR" dirty="0"/>
+          </a:p>
+        </p:txBody>
+      </p:sp>
+      <p:sp>
+        <p:nvSpPr>
+          <p:cNvPr id="4" name="Espace réservé du numéro de diapositive 3"/>
+          <p:cNvSpPr>
+            <a:spLocks noGrp="1"/>
+          </p:cNvSpPr>
+          <p:nvPr>
+            <p:ph type="sldNum" sz="quarter" idx="12"/>
+          </p:nvPr>
+        </p:nvSpPr>
+        <p:spPr/>
+        <p:txBody>
+          <a:bodyPr/>
+          <a:lstStyle/>
+          <a:p>
             <a:fld id="{4FAB73BC-B049-4115-A692-8D63A059BFB8}" type="slidenum">
               <a:rPr lang="en-US" smtClean="0"/>
               <a:t>13</a:t>
@@ -12462,7 +9919,7 @@
     </p:spTree>
     <p:extLst>
       <p:ext uri="{BB962C8B-B14F-4D97-AF65-F5344CB8AC3E}">
-        <p14:creationId xmlns:p14="http://schemas.microsoft.com/office/powerpoint/2010/main" val="2464582035"/>
+        <p14:creationId xmlns:p14="http://schemas.microsoft.com/office/powerpoint/2010/main" val="3418628595"/>
       </p:ext>
     </p:extLst>
   </p:cSld>
@@ -12506,23 +9963,8 @@
           <a:p>
             <a:r>
               <a:rPr lang="fr-FR" dirty="0"/>
-              <a:t>Résultats Scénario 1</a:t>
-            </a:r>
-            <a:br>
-              <a:rPr lang="fr-FR" dirty="0"/>
-            </a:br>
-            <a:r>
-              <a:rPr lang="fr-FR" sz="3600" dirty="0">
-                <a:solidFill>
-                  <a:srgbClr val="2E2B21">
-                    <a:lumMod val="90000"/>
-                    <a:lumOff val="10000"/>
-                  </a:srgbClr>
-                </a:solidFill>
-              </a:rPr>
-              <a:t>Demande variable</a:t>
-            </a:r>
-            <a:endParaRPr lang="fr-FR" dirty="0"/>
+              <a:t>Résultats Scénario 2</a:t>
+            </a:r>
           </a:p>
         </p:txBody>
       </p:sp>
@@ -12531,7 +9973,7 @@
           <p:cNvPr id="5" name="Espace réservé du contenu 4">
             <a:extLst>
               <a:ext uri="{FF2B5EF4-FFF2-40B4-BE49-F238E27FC236}">
-                <a16:creationId xmlns:a16="http://schemas.microsoft.com/office/drawing/2014/main" id="{00000000-0008-0000-0000-000005000000}"/>
+                <a16:creationId xmlns:a16="http://schemas.microsoft.com/office/drawing/2014/main" id="{00000000-0008-0000-0000-00000B000000}"/>
               </a:ext>
             </a:extLst>
           </p:cNvPr>
@@ -12542,7 +9984,7 @@
             <p:ph idx="1"/>
             <p:extLst>
               <p:ext uri="{D42A27DB-BD31-4B8C-83A1-F6EECF244321}">
-                <p14:modId xmlns:p14="http://schemas.microsoft.com/office/powerpoint/2010/main" val="3555008270"/>
+                <p14:modId xmlns:p14="http://schemas.microsoft.com/office/powerpoint/2010/main" val="3949581361"/>
               </p:ext>
             </p:extLst>
           </p:nvPr>
@@ -12583,7 +10025,7 @@
     </p:spTree>
     <p:extLst>
       <p:ext uri="{BB962C8B-B14F-4D97-AF65-F5344CB8AC3E}">
-        <p14:creationId xmlns:p14="http://schemas.microsoft.com/office/powerpoint/2010/main" val="4260078668"/>
+        <p14:creationId xmlns:p14="http://schemas.microsoft.com/office/powerpoint/2010/main" val="106992083"/>
       </p:ext>
     </p:extLst>
   </p:cSld>
@@ -12627,32 +10069,17 @@
           <a:p>
             <a:r>
               <a:rPr lang="fr-FR" dirty="0"/>
-              <a:t>Résultats Scénario 1</a:t>
-            </a:r>
-            <a:br>
-              <a:rPr lang="fr-FR" dirty="0"/>
-            </a:br>
-            <a:r>
-              <a:rPr lang="fr-FR" sz="3600" dirty="0">
-                <a:solidFill>
-                  <a:srgbClr val="2E2B21">
-                    <a:lumMod val="90000"/>
-                    <a:lumOff val="10000"/>
-                  </a:srgbClr>
-                </a:solidFill>
-              </a:rPr>
-              <a:t>Demande variable</a:t>
-            </a:r>
-            <a:endParaRPr lang="fr-FR" dirty="0"/>
+              <a:t>Résultats Scénario 2</a:t>
+            </a:r>
           </a:p>
         </p:txBody>
       </p:sp>
       <p:graphicFrame>
         <p:nvGraphicFramePr>
-          <p:cNvPr id="7" name="Espace réservé du contenu 6">
+          <p:cNvPr id="6" name="Espace réservé du contenu 5">
             <a:extLst>
               <a:ext uri="{FF2B5EF4-FFF2-40B4-BE49-F238E27FC236}">
-                <a16:creationId xmlns:a16="http://schemas.microsoft.com/office/drawing/2014/main" id="{00000000-0008-0000-0000-000007000000}"/>
+                <a16:creationId xmlns:a16="http://schemas.microsoft.com/office/drawing/2014/main" id="{00000000-0008-0000-0000-00000A000000}"/>
               </a:ext>
             </a:extLst>
           </p:cNvPr>
@@ -12661,11 +10088,6 @@
           </p:cNvGraphicFramePr>
           <p:nvPr>
             <p:ph idx="1"/>
-            <p:extLst>
-              <p:ext uri="{D42A27DB-BD31-4B8C-83A1-F6EECF244321}">
-                <p14:modId xmlns:p14="http://schemas.microsoft.com/office/powerpoint/2010/main" val="3125982812"/>
-              </p:ext>
-            </p:extLst>
           </p:nvPr>
         </p:nvGraphicFramePr>
         <p:xfrm>
@@ -12704,7 +10126,7 @@
     </p:spTree>
     <p:extLst>
       <p:ext uri="{BB962C8B-B14F-4D97-AF65-F5344CB8AC3E}">
-        <p14:creationId xmlns:p14="http://schemas.microsoft.com/office/powerpoint/2010/main" val="3242890027"/>
+        <p14:creationId xmlns:p14="http://schemas.microsoft.com/office/powerpoint/2010/main" val="2472541608"/>
       </p:ext>
     </p:extLst>
   </p:cSld>
@@ -12748,32 +10170,17 @@
           <a:p>
             <a:r>
               <a:rPr lang="fr-FR" dirty="0"/>
-              <a:t>Résultats Scénario 1</a:t>
-            </a:r>
-            <a:br>
-              <a:rPr lang="fr-FR" dirty="0"/>
-            </a:br>
-            <a:r>
-              <a:rPr lang="fr-FR" sz="3600" dirty="0">
-                <a:solidFill>
-                  <a:srgbClr val="2E2B21">
-                    <a:lumMod val="90000"/>
-                    <a:lumOff val="10000"/>
-                  </a:srgbClr>
-                </a:solidFill>
-              </a:rPr>
-              <a:t>Demande variable</a:t>
-            </a:r>
-            <a:endParaRPr lang="fr-FR" dirty="0"/>
+              <a:t>Résultats Scénario 2</a:t>
+            </a:r>
           </a:p>
         </p:txBody>
       </p:sp>
       <p:graphicFrame>
         <p:nvGraphicFramePr>
-          <p:cNvPr id="5" name="Espace réservé du contenu 4">
+          <p:cNvPr id="9" name="Espace réservé du contenu 8">
             <a:extLst>
               <a:ext uri="{FF2B5EF4-FFF2-40B4-BE49-F238E27FC236}">
-                <a16:creationId xmlns:a16="http://schemas.microsoft.com/office/drawing/2014/main" id="{00000000-0008-0000-0000-000006000000}"/>
+                <a16:creationId xmlns:a16="http://schemas.microsoft.com/office/drawing/2014/main" id="{00000000-0008-0000-0000-00000C000000}"/>
               </a:ext>
             </a:extLst>
           </p:cNvPr>
@@ -12784,7 +10191,7 @@
             <p:ph idx="1"/>
             <p:extLst>
               <p:ext uri="{D42A27DB-BD31-4B8C-83A1-F6EECF244321}">
-                <p14:modId xmlns:p14="http://schemas.microsoft.com/office/powerpoint/2010/main" val="2344392235"/>
+                <p14:modId xmlns:p14="http://schemas.microsoft.com/office/powerpoint/2010/main" val="17411870"/>
               </p:ext>
             </p:extLst>
           </p:nvPr>
@@ -12825,7 +10232,7 @@
     </p:spTree>
     <p:extLst>
       <p:ext uri="{BB962C8B-B14F-4D97-AF65-F5344CB8AC3E}">
-        <p14:creationId xmlns:p14="http://schemas.microsoft.com/office/powerpoint/2010/main" val="2371564252"/>
+        <p14:creationId xmlns:p14="http://schemas.microsoft.com/office/powerpoint/2010/main" val="3720207602"/>
       </p:ext>
     </p:extLst>
   </p:cSld>
@@ -12869,19 +10276,42 @@
           <a:p>
             <a:r>
               <a:rPr lang="fr-FR" dirty="0"/>
-              <a:t>Scénarii</a:t>
+              <a:t>Fonctionnement de l’OFDM</a:t>
             </a:r>
           </a:p>
         </p:txBody>
       </p:sp>
+      <p:pic>
+        <p:nvPicPr>
+          <p:cNvPr id="14" name="Espace réservé du contenu 13"/>
+          <p:cNvPicPr>
+            <a:picLocks noGrp="1" noChangeAspect="1"/>
+          </p:cNvPicPr>
+          <p:nvPr>
+            <p:ph idx="1"/>
+          </p:nvPr>
+        </p:nvPicPr>
+        <p:blipFill>
+          <a:blip r:embed="rId2"/>
+          <a:stretch>
+            <a:fillRect/>
+          </a:stretch>
+        </p:blipFill>
+        <p:spPr>
+          <a:xfrm>
+            <a:off x="1223236" y="1758535"/>
+            <a:ext cx="8901775" cy="4848935"/>
+          </a:xfrm>
+        </p:spPr>
+      </p:pic>
       <p:sp>
         <p:nvSpPr>
-          <p:cNvPr id="3" name="Espace réservé du contenu 2"/>
+          <p:cNvPr id="3" name="Espace réservé du numéro de diapositive 2"/>
           <p:cNvSpPr>
             <a:spLocks noGrp="1"/>
           </p:cNvSpPr>
           <p:nvPr>
-            <p:ph idx="1"/>
+            <p:ph type="sldNum" sz="quarter" idx="12"/>
           </p:nvPr>
         </p:nvSpPr>
         <p:spPr/>
@@ -12889,62 +10319,6 @@
           <a:bodyPr/>
           <a:lstStyle/>
           <a:p>
-            <a:r>
-              <a:rPr lang="fr-FR" sz="3200" b="1" dirty="0"/>
-              <a:t>Deuxième scénario</a:t>
-            </a:r>
-            <a:endParaRPr lang="fr-FR" b="1" dirty="0"/>
-          </a:p>
-          <a:p>
-            <a:r>
-              <a:rPr lang="fr-FR" dirty="0"/>
-              <a:t>Deux antennes</a:t>
-            </a:r>
-          </a:p>
-          <a:p>
-            <a:r>
-              <a:rPr lang="fr-FR" dirty="0"/>
-              <a:t>Un seul utilisateur</a:t>
-            </a:r>
-          </a:p>
-          <a:p>
-            <a:r>
-              <a:rPr lang="fr-FR" dirty="0"/>
-              <a:t>Pas d’interférence radio</a:t>
-            </a:r>
-          </a:p>
-          <a:p>
-            <a:r>
-              <a:rPr lang="fr-FR" dirty="0"/>
-              <a:t>Même distance d’une antenne à l’autre</a:t>
-            </a:r>
-          </a:p>
-          <a:p>
-            <a:r>
-              <a:rPr lang="fr-FR" dirty="0"/>
-              <a:t>Demande des utilisateurs variable</a:t>
-            </a:r>
-          </a:p>
-          <a:p>
-            <a:endParaRPr lang="fr-FR" dirty="0"/>
-          </a:p>
-        </p:txBody>
-      </p:sp>
-      <p:sp>
-        <p:nvSpPr>
-          <p:cNvPr id="4" name="Espace réservé du numéro de diapositive 3"/>
-          <p:cNvSpPr>
-            <a:spLocks noGrp="1"/>
-          </p:cNvSpPr>
-          <p:nvPr>
-            <p:ph type="sldNum" sz="quarter" idx="12"/>
-          </p:nvPr>
-        </p:nvSpPr>
-        <p:spPr/>
-        <p:txBody>
-          <a:bodyPr/>
-          <a:lstStyle/>
-          <a:p>
             <a:fld id="{4FAB73BC-B049-4115-A692-8D63A059BFB8}" type="slidenum">
               <a:rPr lang="en-US" smtClean="0"/>
               <a:t>17</a:t>
@@ -12956,7 +10330,7 @@
     </p:spTree>
     <p:extLst>
       <p:ext uri="{BB962C8B-B14F-4D97-AF65-F5344CB8AC3E}">
-        <p14:creationId xmlns:p14="http://schemas.microsoft.com/office/powerpoint/2010/main" val="3418628595"/>
+        <p14:creationId xmlns:p14="http://schemas.microsoft.com/office/powerpoint/2010/main" val="3663838964"/>
       </p:ext>
     </p:extLst>
   </p:cSld>
@@ -13000,50 +10374,19 @@
           <a:p>
             <a:r>
               <a:rPr lang="fr-FR" dirty="0"/>
-              <a:t>Résultats Scénario 2</a:t>
+              <a:t>Conclusion</a:t>
             </a:r>
           </a:p>
         </p:txBody>
       </p:sp>
-      <p:graphicFrame>
-        <p:nvGraphicFramePr>
-          <p:cNvPr id="5" name="Espace réservé du contenu 4">
-            <a:extLst>
-              <a:ext uri="{FF2B5EF4-FFF2-40B4-BE49-F238E27FC236}">
-                <a16:creationId xmlns:a16="http://schemas.microsoft.com/office/drawing/2014/main" id="{00000000-0008-0000-0000-00000B000000}"/>
-              </a:ext>
-            </a:extLst>
-          </p:cNvPr>
-          <p:cNvGraphicFramePr>
-            <a:graphicFrameLocks noGrp="1"/>
-          </p:cNvGraphicFramePr>
-          <p:nvPr>
-            <p:ph idx="1"/>
-            <p:extLst>
-              <p:ext uri="{D42A27DB-BD31-4B8C-83A1-F6EECF244321}">
-                <p14:modId xmlns:p14="http://schemas.microsoft.com/office/powerpoint/2010/main" val="3949581361"/>
-              </p:ext>
-            </p:extLst>
-          </p:nvPr>
-        </p:nvGraphicFramePr>
-        <p:xfrm>
-          <a:off x="1023938" y="2286000"/>
-          <a:ext cx="9720262" cy="4022725"/>
-        </p:xfrm>
-        <a:graphic>
-          <a:graphicData uri="http://schemas.openxmlformats.org/drawingml/2006/chart">
-            <c:chart xmlns:c="http://schemas.openxmlformats.org/drawingml/2006/chart" xmlns:r="http://schemas.openxmlformats.org/officeDocument/2006/relationships" r:id="rId2"/>
-          </a:graphicData>
-        </a:graphic>
-      </p:graphicFrame>
       <p:sp>
         <p:nvSpPr>
-          <p:cNvPr id="3" name="Espace réservé du numéro de diapositive 2"/>
+          <p:cNvPr id="3" name="Espace réservé du contenu 2"/>
           <p:cNvSpPr>
             <a:spLocks noGrp="1"/>
           </p:cNvSpPr>
           <p:nvPr>
-            <p:ph type="sldNum" sz="quarter" idx="12"/>
+            <p:ph idx="1"/>
           </p:nvPr>
         </p:nvSpPr>
         <p:spPr/>
@@ -13051,6 +10394,52 @@
           <a:bodyPr/>
           <a:lstStyle/>
           <a:p>
+            <a:r>
+              <a:rPr lang="fr-FR" dirty="0"/>
+              <a:t>Simulation simple</a:t>
+            </a:r>
+          </a:p>
+          <a:p>
+            <a:r>
+              <a:rPr lang="fr-FR" dirty="0"/>
+              <a:t>Plus grande diversité dans la sollicitation des antennes</a:t>
+            </a:r>
+          </a:p>
+          <a:p>
+            <a:pPr marL="0" indent="0">
+              <a:buNone/>
+            </a:pPr>
+            <a:r>
+              <a:rPr lang="fr-FR" dirty="0"/>
+              <a:t> Meilleure gestion des interférences</a:t>
+            </a:r>
+          </a:p>
+          <a:p>
+            <a:pPr marL="0" indent="0">
+              <a:buNone/>
+            </a:pPr>
+            <a:r>
+              <a:rPr lang="fr-FR" dirty="0"/>
+              <a:t> Meilleure partage des fréquences entre les antennes</a:t>
+            </a:r>
+          </a:p>
+        </p:txBody>
+      </p:sp>
+      <p:sp>
+        <p:nvSpPr>
+          <p:cNvPr id="4" name="Espace réservé du numéro de diapositive 3"/>
+          <p:cNvSpPr>
+            <a:spLocks noGrp="1"/>
+          </p:cNvSpPr>
+          <p:nvPr>
+            <p:ph type="sldNum" sz="quarter" idx="12"/>
+          </p:nvPr>
+        </p:nvSpPr>
+        <p:spPr/>
+        <p:txBody>
+          <a:bodyPr/>
+          <a:lstStyle/>
+          <a:p>
             <a:fld id="{4FAB73BC-B049-4115-A692-8D63A059BFB8}" type="slidenum">
               <a:rPr lang="en-US" smtClean="0"/>
               <a:t>18</a:t>
@@ -13062,108 +10451,7 @@
     </p:spTree>
     <p:extLst>
       <p:ext uri="{BB962C8B-B14F-4D97-AF65-F5344CB8AC3E}">
-        <p14:creationId xmlns:p14="http://schemas.microsoft.com/office/powerpoint/2010/main" val="106992083"/>
-      </p:ext>
-    </p:extLst>
-  </p:cSld>
-  <p:clrMapOvr>
-    <a:masterClrMapping/>
-  </p:clrMapOvr>
-</p:sld>
-</file>
-
-<file path=ppt/slides/slide19.xml><?xml version="1.0" encoding="utf-8"?>
-<p:sld xmlns:a="http://schemas.openxmlformats.org/drawingml/2006/main" xmlns:r="http://schemas.openxmlformats.org/officeDocument/2006/relationships" xmlns:p="http://schemas.openxmlformats.org/presentationml/2006/main">
-  <p:cSld>
-    <p:spTree>
-      <p:nvGrpSpPr>
-        <p:cNvPr id="1" name=""/>
-        <p:cNvGrpSpPr/>
-        <p:nvPr/>
-      </p:nvGrpSpPr>
-      <p:grpSpPr>
-        <a:xfrm>
-          <a:off x="0" y="0"/>
-          <a:ext cx="0" cy="0"/>
-          <a:chOff x="0" y="0"/>
-          <a:chExt cx="0" cy="0"/>
-        </a:xfrm>
-      </p:grpSpPr>
-      <p:sp>
-        <p:nvSpPr>
-          <p:cNvPr id="2" name="Titre 1"/>
-          <p:cNvSpPr>
-            <a:spLocks noGrp="1"/>
-          </p:cNvSpPr>
-          <p:nvPr>
-            <p:ph type="title"/>
-          </p:nvPr>
-        </p:nvSpPr>
-        <p:spPr/>
-        <p:txBody>
-          <a:bodyPr/>
-          <a:lstStyle/>
-          <a:p>
-            <a:r>
-              <a:rPr lang="fr-FR" dirty="0"/>
-              <a:t>Résultats Scénario 2</a:t>
-            </a:r>
-          </a:p>
-        </p:txBody>
-      </p:sp>
-      <p:graphicFrame>
-        <p:nvGraphicFramePr>
-          <p:cNvPr id="6" name="Espace réservé du contenu 5">
-            <a:extLst>
-              <a:ext uri="{FF2B5EF4-FFF2-40B4-BE49-F238E27FC236}">
-                <a16:creationId xmlns:a16="http://schemas.microsoft.com/office/drawing/2014/main" id="{00000000-0008-0000-0000-00000A000000}"/>
-              </a:ext>
-            </a:extLst>
-          </p:cNvPr>
-          <p:cNvGraphicFramePr>
-            <a:graphicFrameLocks noGrp="1"/>
-          </p:cNvGraphicFramePr>
-          <p:nvPr>
-            <p:ph idx="1"/>
-          </p:nvPr>
-        </p:nvGraphicFramePr>
-        <p:xfrm>
-          <a:off x="1023938" y="2286000"/>
-          <a:ext cx="9720262" cy="4022725"/>
-        </p:xfrm>
-        <a:graphic>
-          <a:graphicData uri="http://schemas.openxmlformats.org/drawingml/2006/chart">
-            <c:chart xmlns:c="http://schemas.openxmlformats.org/drawingml/2006/chart" xmlns:r="http://schemas.openxmlformats.org/officeDocument/2006/relationships" r:id="rId2"/>
-          </a:graphicData>
-        </a:graphic>
-      </p:graphicFrame>
-      <p:sp>
-        <p:nvSpPr>
-          <p:cNvPr id="3" name="Espace réservé du numéro de diapositive 2"/>
-          <p:cNvSpPr>
-            <a:spLocks noGrp="1"/>
-          </p:cNvSpPr>
-          <p:nvPr>
-            <p:ph type="sldNum" sz="quarter" idx="12"/>
-          </p:nvPr>
-        </p:nvSpPr>
-        <p:spPr/>
-        <p:txBody>
-          <a:bodyPr/>
-          <a:lstStyle/>
-          <a:p>
-            <a:fld id="{4FAB73BC-B049-4115-A692-8D63A059BFB8}" type="slidenum">
-              <a:rPr lang="en-US" smtClean="0"/>
-              <a:t>19</a:t>
-            </a:fld>
-            <a:endParaRPr lang="en-US" dirty="0"/>
-          </a:p>
-        </p:txBody>
-      </p:sp>
-    </p:spTree>
-    <p:extLst>
-      <p:ext uri="{BB962C8B-B14F-4D97-AF65-F5344CB8AC3E}">
-        <p14:creationId xmlns:p14="http://schemas.microsoft.com/office/powerpoint/2010/main" val="2472541608"/>
+        <p14:creationId xmlns:p14="http://schemas.microsoft.com/office/powerpoint/2010/main" val="3137951090"/>
       </p:ext>
     </p:extLst>
   </p:cSld>
@@ -13282,331 +10570,6 @@
 </p:sld>
 </file>
 
-<file path=ppt/slides/slide20.xml><?xml version="1.0" encoding="utf-8"?>
-<p:sld xmlns:a="http://schemas.openxmlformats.org/drawingml/2006/main" xmlns:r="http://schemas.openxmlformats.org/officeDocument/2006/relationships" xmlns:p="http://schemas.openxmlformats.org/presentationml/2006/main">
-  <p:cSld>
-    <p:spTree>
-      <p:nvGrpSpPr>
-        <p:cNvPr id="1" name=""/>
-        <p:cNvGrpSpPr/>
-        <p:nvPr/>
-      </p:nvGrpSpPr>
-      <p:grpSpPr>
-        <a:xfrm>
-          <a:off x="0" y="0"/>
-          <a:ext cx="0" cy="0"/>
-          <a:chOff x="0" y="0"/>
-          <a:chExt cx="0" cy="0"/>
-        </a:xfrm>
-      </p:grpSpPr>
-      <p:sp>
-        <p:nvSpPr>
-          <p:cNvPr id="2" name="Titre 1"/>
-          <p:cNvSpPr>
-            <a:spLocks noGrp="1"/>
-          </p:cNvSpPr>
-          <p:nvPr>
-            <p:ph type="title"/>
-          </p:nvPr>
-        </p:nvSpPr>
-        <p:spPr/>
-        <p:txBody>
-          <a:bodyPr/>
-          <a:lstStyle/>
-          <a:p>
-            <a:r>
-              <a:rPr lang="fr-FR" dirty="0"/>
-              <a:t>Résultats Scénario 2</a:t>
-            </a:r>
-          </a:p>
-        </p:txBody>
-      </p:sp>
-      <p:graphicFrame>
-        <p:nvGraphicFramePr>
-          <p:cNvPr id="9" name="Espace réservé du contenu 8">
-            <a:extLst>
-              <a:ext uri="{FF2B5EF4-FFF2-40B4-BE49-F238E27FC236}">
-                <a16:creationId xmlns:a16="http://schemas.microsoft.com/office/drawing/2014/main" id="{00000000-0008-0000-0000-00000C000000}"/>
-              </a:ext>
-            </a:extLst>
-          </p:cNvPr>
-          <p:cNvGraphicFramePr>
-            <a:graphicFrameLocks noGrp="1"/>
-          </p:cNvGraphicFramePr>
-          <p:nvPr>
-            <p:ph idx="1"/>
-            <p:extLst>
-              <p:ext uri="{D42A27DB-BD31-4B8C-83A1-F6EECF244321}">
-                <p14:modId xmlns:p14="http://schemas.microsoft.com/office/powerpoint/2010/main" val="17411870"/>
-              </p:ext>
-            </p:extLst>
-          </p:nvPr>
-        </p:nvGraphicFramePr>
-        <p:xfrm>
-          <a:off x="1023938" y="2286000"/>
-          <a:ext cx="9720262" cy="4022725"/>
-        </p:xfrm>
-        <a:graphic>
-          <a:graphicData uri="http://schemas.openxmlformats.org/drawingml/2006/chart">
-            <c:chart xmlns:c="http://schemas.openxmlformats.org/drawingml/2006/chart" xmlns:r="http://schemas.openxmlformats.org/officeDocument/2006/relationships" r:id="rId2"/>
-          </a:graphicData>
-        </a:graphic>
-      </p:graphicFrame>
-      <p:sp>
-        <p:nvSpPr>
-          <p:cNvPr id="3" name="Espace réservé du numéro de diapositive 2"/>
-          <p:cNvSpPr>
-            <a:spLocks noGrp="1"/>
-          </p:cNvSpPr>
-          <p:nvPr>
-            <p:ph type="sldNum" sz="quarter" idx="12"/>
-          </p:nvPr>
-        </p:nvSpPr>
-        <p:spPr/>
-        <p:txBody>
-          <a:bodyPr/>
-          <a:lstStyle/>
-          <a:p>
-            <a:fld id="{4FAB73BC-B049-4115-A692-8D63A059BFB8}" type="slidenum">
-              <a:rPr lang="en-US" smtClean="0"/>
-              <a:t>20</a:t>
-            </a:fld>
-            <a:endParaRPr lang="en-US" dirty="0"/>
-          </a:p>
-        </p:txBody>
-      </p:sp>
-    </p:spTree>
-    <p:extLst>
-      <p:ext uri="{BB962C8B-B14F-4D97-AF65-F5344CB8AC3E}">
-        <p14:creationId xmlns:p14="http://schemas.microsoft.com/office/powerpoint/2010/main" val="3720207602"/>
-      </p:ext>
-    </p:extLst>
-  </p:cSld>
-  <p:clrMapOvr>
-    <a:masterClrMapping/>
-  </p:clrMapOvr>
-</p:sld>
-</file>
-
-<file path=ppt/slides/slide21.xml><?xml version="1.0" encoding="utf-8"?>
-<p:sld xmlns:a="http://schemas.openxmlformats.org/drawingml/2006/main" xmlns:r="http://schemas.openxmlformats.org/officeDocument/2006/relationships" xmlns:p="http://schemas.openxmlformats.org/presentationml/2006/main">
-  <p:cSld>
-    <p:spTree>
-      <p:nvGrpSpPr>
-        <p:cNvPr id="1" name=""/>
-        <p:cNvGrpSpPr/>
-        <p:nvPr/>
-      </p:nvGrpSpPr>
-      <p:grpSpPr>
-        <a:xfrm>
-          <a:off x="0" y="0"/>
-          <a:ext cx="0" cy="0"/>
-          <a:chOff x="0" y="0"/>
-          <a:chExt cx="0" cy="0"/>
-        </a:xfrm>
-      </p:grpSpPr>
-      <p:sp>
-        <p:nvSpPr>
-          <p:cNvPr id="2" name="Titre 1"/>
-          <p:cNvSpPr>
-            <a:spLocks noGrp="1"/>
-          </p:cNvSpPr>
-          <p:nvPr>
-            <p:ph type="title"/>
-          </p:nvPr>
-        </p:nvSpPr>
-        <p:spPr/>
-        <p:txBody>
-          <a:bodyPr/>
-          <a:lstStyle/>
-          <a:p>
-            <a:r>
-              <a:rPr lang="fr-FR" dirty="0"/>
-              <a:t>Fonctionnement de l’OFDM</a:t>
-            </a:r>
-          </a:p>
-        </p:txBody>
-      </p:sp>
-      <p:pic>
-        <p:nvPicPr>
-          <p:cNvPr id="14" name="Espace réservé du contenu 13"/>
-          <p:cNvPicPr>
-            <a:picLocks noGrp="1" noChangeAspect="1"/>
-          </p:cNvPicPr>
-          <p:nvPr>
-            <p:ph idx="1"/>
-          </p:nvPr>
-        </p:nvPicPr>
-        <p:blipFill>
-          <a:blip r:embed="rId2"/>
-          <a:stretch>
-            <a:fillRect/>
-          </a:stretch>
-        </p:blipFill>
-        <p:spPr>
-          <a:xfrm>
-            <a:off x="1223236" y="1758535"/>
-            <a:ext cx="8901775" cy="4848935"/>
-          </a:xfrm>
-        </p:spPr>
-      </p:pic>
-      <p:sp>
-        <p:nvSpPr>
-          <p:cNvPr id="3" name="Espace réservé du numéro de diapositive 2"/>
-          <p:cNvSpPr>
-            <a:spLocks noGrp="1"/>
-          </p:cNvSpPr>
-          <p:nvPr>
-            <p:ph type="sldNum" sz="quarter" idx="12"/>
-          </p:nvPr>
-        </p:nvSpPr>
-        <p:spPr/>
-        <p:txBody>
-          <a:bodyPr/>
-          <a:lstStyle/>
-          <a:p>
-            <a:fld id="{4FAB73BC-B049-4115-A692-8D63A059BFB8}" type="slidenum">
-              <a:rPr lang="en-US" smtClean="0"/>
-              <a:t>21</a:t>
-            </a:fld>
-            <a:endParaRPr lang="en-US" dirty="0"/>
-          </a:p>
-        </p:txBody>
-      </p:sp>
-    </p:spTree>
-    <p:extLst>
-      <p:ext uri="{BB962C8B-B14F-4D97-AF65-F5344CB8AC3E}">
-        <p14:creationId xmlns:p14="http://schemas.microsoft.com/office/powerpoint/2010/main" val="3663838964"/>
-      </p:ext>
-    </p:extLst>
-  </p:cSld>
-  <p:clrMapOvr>
-    <a:masterClrMapping/>
-  </p:clrMapOvr>
-</p:sld>
-</file>
-
-<file path=ppt/slides/slide22.xml><?xml version="1.0" encoding="utf-8"?>
-<p:sld xmlns:a="http://schemas.openxmlformats.org/drawingml/2006/main" xmlns:r="http://schemas.openxmlformats.org/officeDocument/2006/relationships" xmlns:p="http://schemas.openxmlformats.org/presentationml/2006/main">
-  <p:cSld>
-    <p:spTree>
-      <p:nvGrpSpPr>
-        <p:cNvPr id="1" name=""/>
-        <p:cNvGrpSpPr/>
-        <p:nvPr/>
-      </p:nvGrpSpPr>
-      <p:grpSpPr>
-        <a:xfrm>
-          <a:off x="0" y="0"/>
-          <a:ext cx="0" cy="0"/>
-          <a:chOff x="0" y="0"/>
-          <a:chExt cx="0" cy="0"/>
-        </a:xfrm>
-      </p:grpSpPr>
-      <p:sp>
-        <p:nvSpPr>
-          <p:cNvPr id="2" name="Titre 1"/>
-          <p:cNvSpPr>
-            <a:spLocks noGrp="1"/>
-          </p:cNvSpPr>
-          <p:nvPr>
-            <p:ph type="title"/>
-          </p:nvPr>
-        </p:nvSpPr>
-        <p:spPr/>
-        <p:txBody>
-          <a:bodyPr/>
-          <a:lstStyle/>
-          <a:p>
-            <a:r>
-              <a:rPr lang="fr-FR" dirty="0"/>
-              <a:t>Conclusion</a:t>
-            </a:r>
-          </a:p>
-        </p:txBody>
-      </p:sp>
-      <p:sp>
-        <p:nvSpPr>
-          <p:cNvPr id="3" name="Espace réservé du contenu 2"/>
-          <p:cNvSpPr>
-            <a:spLocks noGrp="1"/>
-          </p:cNvSpPr>
-          <p:nvPr>
-            <p:ph idx="1"/>
-          </p:nvPr>
-        </p:nvSpPr>
-        <p:spPr/>
-        <p:txBody>
-          <a:bodyPr/>
-          <a:lstStyle/>
-          <a:p>
-            <a:r>
-              <a:rPr lang="fr-FR" dirty="0"/>
-              <a:t>Simulation simple</a:t>
-            </a:r>
-          </a:p>
-          <a:p>
-            <a:r>
-              <a:rPr lang="fr-FR" dirty="0"/>
-              <a:t>Plus grande diversité dans la sollicitation des antennes</a:t>
-            </a:r>
-          </a:p>
-          <a:p>
-            <a:pPr marL="0" indent="0">
-              <a:buNone/>
-            </a:pPr>
-            <a:r>
-              <a:rPr lang="fr-FR" dirty="0"/>
-              <a:t> Meilleure gestion des interférences</a:t>
-            </a:r>
-          </a:p>
-          <a:p>
-            <a:pPr marL="0" indent="0">
-              <a:buNone/>
-            </a:pPr>
-            <a:r>
-              <a:rPr lang="fr-FR" dirty="0"/>
-              <a:t> Meilleure partage des fréquences entre les antennes</a:t>
-            </a:r>
-          </a:p>
-        </p:txBody>
-      </p:sp>
-      <p:sp>
-        <p:nvSpPr>
-          <p:cNvPr id="4" name="Espace réservé du numéro de diapositive 3"/>
-          <p:cNvSpPr>
-            <a:spLocks noGrp="1"/>
-          </p:cNvSpPr>
-          <p:nvPr>
-            <p:ph type="sldNum" sz="quarter" idx="12"/>
-          </p:nvPr>
-        </p:nvSpPr>
-        <p:spPr/>
-        <p:txBody>
-          <a:bodyPr/>
-          <a:lstStyle/>
-          <a:p>
-            <a:fld id="{4FAB73BC-B049-4115-A692-8D63A059BFB8}" type="slidenum">
-              <a:rPr lang="en-US" smtClean="0"/>
-              <a:t>22</a:t>
-            </a:fld>
-            <a:endParaRPr lang="en-US" dirty="0"/>
-          </a:p>
-        </p:txBody>
-      </p:sp>
-    </p:spTree>
-    <p:extLst>
-      <p:ext uri="{BB962C8B-B14F-4D97-AF65-F5344CB8AC3E}">
-        <p14:creationId xmlns:p14="http://schemas.microsoft.com/office/powerpoint/2010/main" val="3137951090"/>
-      </p:ext>
-    </p:extLst>
-  </p:cSld>
-  <p:clrMapOvr>
-    <a:masterClrMapping/>
-  </p:clrMapOvr>
-</p:sld>
-</file>
-
 <file path=ppt/slides/slide3.xml><?xml version="1.0" encoding="utf-8"?>
 <p:sld xmlns:a="http://schemas.openxmlformats.org/drawingml/2006/main" xmlns:r="http://schemas.openxmlformats.org/officeDocument/2006/relationships" xmlns:p="http://schemas.openxmlformats.org/presentationml/2006/main">
   <p:cSld>
@@ -13641,7 +10604,7 @@
           <a:p>
             <a:r>
               <a:rPr lang="fr-FR" dirty="0"/>
-              <a:t>Enjeux</a:t>
+              <a:t>Hypothèses</a:t>
             </a:r>
           </a:p>
         </p:txBody>
@@ -13663,13 +10626,13 @@
           <a:p>
             <a:r>
               <a:rPr lang="fr-FR" dirty="0"/>
-              <a:t>Augmentation significative du débit</a:t>
+              <a:t>Paquet de taille fixe</a:t>
             </a:r>
           </a:p>
           <a:p>
             <a:r>
               <a:rPr lang="fr-FR" dirty="0"/>
-              <a:t>Meilleure répartition des ressources grâce à l’ordonnanceur</a:t>
+              <a:t>Paquet toujours correctement transmis</a:t>
             </a:r>
           </a:p>
         </p:txBody>
@@ -13700,7 +10663,7 @@
     </p:spTree>
     <p:extLst>
       <p:ext uri="{BB962C8B-B14F-4D97-AF65-F5344CB8AC3E}">
-        <p14:creationId xmlns:p14="http://schemas.microsoft.com/office/powerpoint/2010/main" val="3806050517"/>
+        <p14:creationId xmlns:p14="http://schemas.microsoft.com/office/powerpoint/2010/main" val="2295330701"/>
       </p:ext>
     </p:extLst>
   </p:cSld>
@@ -13744,7 +10707,7 @@
           <a:p>
             <a:r>
               <a:rPr lang="fr-FR" dirty="0"/>
-              <a:t>Hypothèses</a:t>
+              <a:t>Enjeux</a:t>
             </a:r>
           </a:p>
         </p:txBody>
@@ -13766,19 +10729,14 @@
           <a:p>
             <a:r>
               <a:rPr lang="fr-FR" dirty="0"/>
-              <a:t>Paquet de taille fixe</a:t>
+              <a:t>Augmentation significative du débit</a:t>
             </a:r>
           </a:p>
           <a:p>
             <a:r>
               <a:rPr lang="fr-FR" dirty="0"/>
-              <a:t>Paquet toujours </a:t>
-            </a:r>
-            <a:r>
-              <a:rPr lang="fr-FR"/>
-              <a:t>correctement transmis</a:t>
-            </a:r>
-            <a:endParaRPr lang="fr-FR"/>
+              <a:t>Meilleure répartition des ressources grâce à l’ordonnanceur</a:t>
+            </a:r>
           </a:p>
         </p:txBody>
       </p:sp>
@@ -13808,7 +10766,7 @@
     </p:spTree>
     <p:extLst>
       <p:ext uri="{BB962C8B-B14F-4D97-AF65-F5344CB8AC3E}">
-        <p14:creationId xmlns:p14="http://schemas.microsoft.com/office/powerpoint/2010/main" val="2295330701"/>
+        <p14:creationId xmlns:p14="http://schemas.microsoft.com/office/powerpoint/2010/main" val="3806050517"/>
       </p:ext>
     </p:extLst>
   </p:cSld>
@@ -14279,20 +11237,6 @@
           <a:p>
             <a:r>
               <a:rPr lang="fr-FR" dirty="0"/>
-              <a:t>Deux simulations</a:t>
-            </a:r>
-          </a:p>
-          <a:p>
-            <a:pPr lvl="1"/>
-            <a:r>
-              <a:rPr lang="fr-FR" dirty="0"/>
-              <a:t>Demande des mobiles fixe</a:t>
-            </a:r>
-          </a:p>
-          <a:p>
-            <a:pPr lvl="1"/>
-            <a:r>
-              <a:rPr lang="fr-FR" dirty="0"/>
               <a:t>Demande des mobiles variable</a:t>
             </a:r>
           </a:p>
@@ -14364,12 +11308,7 @@
             <p:ph type="title"/>
           </p:nvPr>
         </p:nvSpPr>
-        <p:spPr>
-          <a:xfrm>
-            <a:off x="1024128" y="585216"/>
-            <a:ext cx="9720072" cy="1499616"/>
-          </a:xfrm>
-        </p:spPr>
+        <p:spPr/>
         <p:txBody>
           <a:bodyPr/>
           <a:lstStyle/>
@@ -14382,8 +11321,15 @@
               <a:rPr lang="fr-FR" dirty="0"/>
             </a:br>
             <a:r>
-              <a:rPr lang="fr-FR" sz="3600" dirty="0"/>
-              <a:t>Demande fixe </a:t>
+              <a:rPr lang="fr-FR" sz="3600" dirty="0">
+                <a:solidFill>
+                  <a:srgbClr val="2E2B21">
+                    <a:lumMod val="90000"/>
+                    <a:lumOff val="10000"/>
+                  </a:srgbClr>
+                </a:solidFill>
+              </a:rPr>
+              <a:t>Demande variable</a:t>
             </a:r>
             <a:endParaRPr lang="fr-FR" dirty="0"/>
           </a:p>
@@ -14394,7 +11340,7 @@
           <p:cNvPr id="6" name="Espace réservé du contenu 5">
             <a:extLst>
               <a:ext uri="{FF2B5EF4-FFF2-40B4-BE49-F238E27FC236}">
-                <a16:creationId xmlns:a16="http://schemas.microsoft.com/office/drawing/2014/main" id="{00000000-0008-0000-0000-000009000000}"/>
+                <a16:creationId xmlns:a16="http://schemas.microsoft.com/office/drawing/2014/main" id="{00000000-0008-0000-0000-000008000000}"/>
               </a:ext>
             </a:extLst>
           </p:cNvPr>
@@ -14405,7 +11351,7 @@
             <p:ph idx="1"/>
             <p:extLst>
               <p:ext uri="{D42A27DB-BD31-4B8C-83A1-F6EECF244321}">
-                <p14:modId xmlns:p14="http://schemas.microsoft.com/office/powerpoint/2010/main" val="2839388113"/>
+                <p14:modId xmlns:p14="http://schemas.microsoft.com/office/powerpoint/2010/main" val="3721599559"/>
               </p:ext>
             </p:extLst>
           </p:nvPr>
@@ -14446,7 +11392,7 @@
     </p:spTree>
     <p:extLst>
       <p:ext uri="{BB962C8B-B14F-4D97-AF65-F5344CB8AC3E}">
-        <p14:creationId xmlns:p14="http://schemas.microsoft.com/office/powerpoint/2010/main" val="4077070557"/>
+        <p14:creationId xmlns:p14="http://schemas.microsoft.com/office/powerpoint/2010/main" val="2464582035"/>
       </p:ext>
     </p:extLst>
   </p:cSld>
